--- a/Sistem Informasi/Pertemuan 1 - Bisnis di Era Digital/01 - BISNIS DI ERA DIGITAL.pptx
+++ b/Sistem Informasi/Pertemuan 1 - Bisnis di Era Digital/01 - BISNIS DI ERA DIGITAL.pptx
@@ -5,22 +5,22 @@
     <p:sldMasterId id="2147483648" r:id="rId1"/>
   </p:sldMasterIdLst>
   <p:notesMasterIdLst>
-    <p:notesMasterId r:id="rId5"/>
+    <p:notesMasterId r:id="rId15"/>
   </p:notesMasterIdLst>
   <p:sldIdLst>
-    <p:sldId id="258" r:id="rId3"/>
-    <p:sldId id="257" r:id="rId4"/>
-    <p:sldId id="260" r:id="rId6"/>
-    <p:sldId id="267" r:id="rId7"/>
-    <p:sldId id="266" r:id="rId8"/>
-    <p:sldId id="261" r:id="rId9"/>
-    <p:sldId id="268" r:id="rId10"/>
-    <p:sldId id="269" r:id="rId11"/>
-    <p:sldId id="270" r:id="rId12"/>
-    <p:sldId id="262" r:id="rId13"/>
-    <p:sldId id="259" r:id="rId14"/>
-    <p:sldId id="265" r:id="rId15"/>
-    <p:sldId id="264" r:id="rId16"/>
+    <p:sldId id="258" r:id="rId2"/>
+    <p:sldId id="257" r:id="rId3"/>
+    <p:sldId id="260" r:id="rId4"/>
+    <p:sldId id="267" r:id="rId5"/>
+    <p:sldId id="266" r:id="rId6"/>
+    <p:sldId id="261" r:id="rId7"/>
+    <p:sldId id="268" r:id="rId8"/>
+    <p:sldId id="269" r:id="rId9"/>
+    <p:sldId id="270" r:id="rId10"/>
+    <p:sldId id="262" r:id="rId11"/>
+    <p:sldId id="259" r:id="rId12"/>
+    <p:sldId id="265" r:id="rId13"/>
+    <p:sldId id="264" r:id="rId14"/>
   </p:sldIdLst>
   <p:sldSz cx="9144000" cy="6858000" type="screen4x3"/>
   <p:notesSz cx="6858000" cy="9144000"/>
@@ -119,11 +119,27 @@
       </a:defRPr>
     </a:lvl9pPr>
   </p:defaultTextStyle>
+  <p:extLst>
+    <p:ext uri="{EFAFB233-063F-42B5-8137-9DF3F51BA10A}">
+      <p15:sldGuideLst xmlns:p15="http://schemas.microsoft.com/office/powerpoint/2012/main">
+        <p15:guide id="1" orient="horz" pos="2160">
+          <p15:clr>
+            <a:srgbClr val="A4A3A4"/>
+          </p15:clr>
+        </p15:guide>
+        <p15:guide id="2" pos="2880">
+          <p15:clr>
+            <a:srgbClr val="A4A3A4"/>
+          </p15:clr>
+        </p15:guide>
+      </p15:sldGuideLst>
+    </p:ext>
+  </p:extLst>
 </p:presentation>
 </file>
 
 <file path=ppt/diagrams/colors1.xml><?xml version="1.0" encoding="utf-8"?>
-<dgm:colorsDef xmlns:dgm="http://schemas.openxmlformats.org/drawingml/2006/diagram" xmlns:a="http://schemas.openxmlformats.org/drawingml/2006/main" uniqueId="urn:microsoft.com/office/officeart/2005/8/colors/colorful1">
+<dgm:colorsDef xmlns:dgm="http://schemas.openxmlformats.org/drawingml/2006/diagram" xmlns:a="http://schemas.openxmlformats.org/drawingml/2006/main" uniqueId="urn:microsoft.com/office/officeart/2005/8/colors/colorful1#1">
   <dgm:title val=""/>
   <dgm:desc val=""/>
   <dgm:catLst>
@@ -1042,7 +1058,7 @@
 </file>
 
 <file path=ppt/diagrams/colors2.xml><?xml version="1.0" encoding="utf-8"?>
-<dgm:colorsDef xmlns:dgm="http://schemas.openxmlformats.org/drawingml/2006/diagram" xmlns:a="http://schemas.openxmlformats.org/drawingml/2006/main" uniqueId="urn:microsoft.com/office/officeart/2005/8/colors/colorful1">
+<dgm:colorsDef xmlns:dgm="http://schemas.openxmlformats.org/drawingml/2006/diagram" xmlns:a="http://schemas.openxmlformats.org/drawingml/2006/main" uniqueId="urn:microsoft.com/office/officeart/2005/8/colors/colorful1#2">
   <dgm:title val=""/>
   <dgm:desc val=""/>
   <dgm:catLst>
@@ -1964,7 +1980,7 @@
 <dgm:dataModel xmlns:dgm="http://schemas.openxmlformats.org/drawingml/2006/diagram" xmlns:a="http://schemas.openxmlformats.org/drawingml/2006/main">
   <dgm:ptLst>
     <dgm:pt modelId="{5B397169-108D-4CE3-A3F4-6AE82FFD809F}" type="doc">
-      <dgm:prSet loTypeId="urn:microsoft.com/office/officeart/2005/8/layout/hProcess9" loCatId="process" qsTypeId="urn:microsoft.com/office/officeart/2005/8/quickstyle/simple1" qsCatId="simple" csTypeId="urn:microsoft.com/office/officeart/2005/8/colors/colorful1" csCatId="colorful" phldr="1"/>
+      <dgm:prSet loTypeId="urn:microsoft.com/office/officeart/2005/8/layout/hProcess9#1" loCatId="process" qsTypeId="urn:microsoft.com/office/officeart/2005/8/quickstyle/simple1#1" qsCatId="simple" csTypeId="urn:microsoft.com/office/officeart/2005/8/colors/colorful1#1" csCatId="colorful" phldr="1"/>
       <dgm:spPr/>
     </dgm:pt>
     <dgm:pt modelId="{3C77B1FC-4EF4-4FDF-8DD9-B97DEDD1D7EB}">
@@ -1975,27 +1991,23 @@
         <a:lstStyle/>
         <a:p>
           <a:r>
-            <a:rPr lang="en-US" sz="2200" dirty="0" err="1" smtClean="0">
+            <a:rPr lang="en-US" sz="2200" dirty="0" err="1">
               <a:latin typeface="Segoe UI Semibold" panose="020B0702040204020203" pitchFamily="34" charset="0"/>
               <a:cs typeface="Segoe UI Semibold" panose="020B0702040204020203" pitchFamily="34" charset="0"/>
             </a:rPr>
             <a:t>Bisnis</a:t>
           </a:r>
           <a:r>
-            <a:rPr lang="en-US" sz="2200" dirty="0" smtClean="0">
+            <a:rPr lang="en-US" sz="2200" dirty="0">
               <a:latin typeface="Segoe UI Semibold" panose="020B0702040204020203" pitchFamily="34" charset="0"/>
               <a:cs typeface="Segoe UI Semibold" panose="020B0702040204020203" pitchFamily="34" charset="0"/>
             </a:rPr>
             <a:t> Digital</a:t>
           </a:r>
-          <a:endParaRPr lang="en-US" sz="2200" dirty="0">
-            <a:latin typeface="Segoe UI Semibold" panose="020B0702040204020203" pitchFamily="34" charset="0"/>
-            <a:cs typeface="Segoe UI Semibold" panose="020B0702040204020203" pitchFamily="34" charset="0"/>
-          </a:endParaRPr>
         </a:p>
       </dgm:t>
     </dgm:pt>
-    <dgm:pt modelId="{40B1D3D6-BD4B-4898-85E9-7F57926510A8}" cxnId="{AE8C3F35-C59E-4993-AB0C-A9BE3D7CBBB8}" type="parTrans">
+    <dgm:pt modelId="{40B1D3D6-BD4B-4898-85E9-7F57926510A8}" type="parTrans" cxnId="{AE8C3F35-C59E-4993-AB0C-A9BE3D7CBBB8}">
       <dgm:prSet/>
       <dgm:spPr/>
       <dgm:t>
@@ -2006,7 +2018,7 @@
         </a:p>
       </dgm:t>
     </dgm:pt>
-    <dgm:pt modelId="{E1418864-4DF5-4E64-B555-4BDA5124146B}" cxnId="{AE8C3F35-C59E-4993-AB0C-A9BE3D7CBBB8}" type="sibTrans">
+    <dgm:pt modelId="{E1418864-4DF5-4E64-B555-4BDA5124146B}" type="sibTrans" cxnId="{AE8C3F35-C59E-4993-AB0C-A9BE3D7CBBB8}">
       <dgm:prSet/>
       <dgm:spPr/>
       <dgm:t>
@@ -2025,21 +2037,21 @@
         <a:lstStyle/>
         <a:p>
           <a:r>
-            <a:rPr lang="en-US" sz="2200" dirty="0" err="1" smtClean="0">
+            <a:rPr lang="en-US" sz="2200" dirty="0" err="1">
               <a:latin typeface="Segoe UI Semibold" panose="020B0702040204020203" pitchFamily="34" charset="0"/>
               <a:cs typeface="Segoe UI Semibold" panose="020B0702040204020203" pitchFamily="34" charset="0"/>
             </a:rPr>
             <a:t>Manajemen</a:t>
           </a:r>
           <a:r>
-            <a:rPr lang="en-US" sz="2200" dirty="0" smtClean="0">
+            <a:rPr lang="en-US" sz="2200" dirty="0">
               <a:latin typeface="Segoe UI Semibold" panose="020B0702040204020203" pitchFamily="34" charset="0"/>
               <a:cs typeface="Segoe UI Semibold" panose="020B0702040204020203" pitchFamily="34" charset="0"/>
             </a:rPr>
             <a:t> Proses </a:t>
           </a:r>
           <a:r>
-            <a:rPr lang="en-US" sz="2200" dirty="0" err="1" smtClean="0">
+            <a:rPr lang="en-US" sz="2200" dirty="0" err="1">
               <a:latin typeface="Segoe UI Semibold" panose="020B0702040204020203" pitchFamily="34" charset="0"/>
               <a:cs typeface="Segoe UI Semibold" panose="020B0702040204020203" pitchFamily="34" charset="0"/>
             </a:rPr>
@@ -2052,7 +2064,7 @@
         </a:p>
       </dgm:t>
     </dgm:pt>
-    <dgm:pt modelId="{83EBF230-C5E3-4BCE-B3F1-DB16D632745C}" cxnId="{86EF5CD5-CB89-4801-A405-87D7301C5CF5}" type="parTrans">
+    <dgm:pt modelId="{83EBF230-C5E3-4BCE-B3F1-DB16D632745C}" type="parTrans" cxnId="{86EF5CD5-CB89-4801-A405-87D7301C5CF5}">
       <dgm:prSet/>
       <dgm:spPr/>
       <dgm:t>
@@ -2063,7 +2075,7 @@
         </a:p>
       </dgm:t>
     </dgm:pt>
-    <dgm:pt modelId="{68E69F6C-96F7-4597-8C6C-8B8BBA5F5B0F}" cxnId="{86EF5CD5-CB89-4801-A405-87D7301C5CF5}" type="sibTrans">
+    <dgm:pt modelId="{68E69F6C-96F7-4597-8C6C-8B8BBA5F5B0F}" type="sibTrans" cxnId="{86EF5CD5-CB89-4801-A405-87D7301C5CF5}">
       <dgm:prSet/>
       <dgm:spPr/>
       <dgm:t>
@@ -2082,35 +2094,35 @@
         <a:lstStyle/>
         <a:p>
           <a:r>
-            <a:rPr lang="en-US" sz="2200" dirty="0" err="1" smtClean="0">
+            <a:rPr lang="en-US" sz="2200" dirty="0" err="1">
               <a:latin typeface="Segoe UI Semibold" panose="020B0702040204020203" pitchFamily="34" charset="0"/>
               <a:cs typeface="Segoe UI Semibold" panose="020B0702040204020203" pitchFamily="34" charset="0"/>
             </a:rPr>
             <a:t>Kekuatan</a:t>
           </a:r>
           <a:r>
-            <a:rPr lang="en-US" sz="2200" dirty="0" smtClean="0">
+            <a:rPr lang="en-US" sz="2200" dirty="0">
               <a:latin typeface="Segoe UI Semibold" panose="020B0702040204020203" pitchFamily="34" charset="0"/>
               <a:cs typeface="Segoe UI Semibold" panose="020B0702040204020203" pitchFamily="34" charset="0"/>
             </a:rPr>
             <a:t> </a:t>
           </a:r>
           <a:r>
-            <a:rPr lang="en-US" sz="2200" dirty="0" err="1" smtClean="0">
+            <a:rPr lang="en-US" sz="2200" dirty="0" err="1">
               <a:latin typeface="Segoe UI Semibold" panose="020B0702040204020203" pitchFamily="34" charset="0"/>
               <a:cs typeface="Segoe UI Semibold" panose="020B0702040204020203" pitchFamily="34" charset="0"/>
             </a:rPr>
             <a:t>Daya</a:t>
           </a:r>
           <a:r>
-            <a:rPr lang="en-US" sz="2200" dirty="0" smtClean="0">
+            <a:rPr lang="en-US" sz="2200" dirty="0">
               <a:latin typeface="Segoe UI Semibold" panose="020B0702040204020203" pitchFamily="34" charset="0"/>
               <a:cs typeface="Segoe UI Semibold" panose="020B0702040204020203" pitchFamily="34" charset="0"/>
             </a:rPr>
             <a:t> </a:t>
           </a:r>
           <a:r>
-            <a:rPr lang="en-US" sz="2200" dirty="0" err="1" smtClean="0">
+            <a:rPr lang="en-US" sz="2200" dirty="0" err="1">
               <a:latin typeface="Segoe UI Semibold" panose="020B0702040204020203" pitchFamily="34" charset="0"/>
               <a:cs typeface="Segoe UI Semibold" panose="020B0702040204020203" pitchFamily="34" charset="0"/>
             </a:rPr>
@@ -2123,7 +2135,7 @@
         </a:p>
       </dgm:t>
     </dgm:pt>
-    <dgm:pt modelId="{73001851-F4F8-4E60-8566-317BBB97FED4}" cxnId="{B575E8C2-7BE6-48A6-ABF9-30FD3F7751F4}" type="parTrans">
+    <dgm:pt modelId="{73001851-F4F8-4E60-8566-317BBB97FED4}" type="parTrans" cxnId="{B575E8C2-7BE6-48A6-ABF9-30FD3F7751F4}">
       <dgm:prSet/>
       <dgm:spPr/>
       <dgm:t>
@@ -2134,7 +2146,7 @@
         </a:p>
       </dgm:t>
     </dgm:pt>
-    <dgm:pt modelId="{9EF41B95-ADB0-4544-9AD6-B4EC4D178D71}" cxnId="{B575E8C2-7BE6-48A6-ABF9-30FD3F7751F4}" type="sibTrans">
+    <dgm:pt modelId="{9EF41B95-ADB0-4544-9AD6-B4EC4D178D71}" type="sibTrans" cxnId="{B575E8C2-7BE6-48A6-ABF9-30FD3F7751F4}">
       <dgm:prSet/>
       <dgm:spPr/>
       <dgm:t>
@@ -2153,21 +2165,21 @@
         <a:lstStyle/>
         <a:p>
           <a:r>
-            <a:rPr lang="en-US" sz="2200" dirty="0" err="1" smtClean="0">
+            <a:rPr lang="en-US" sz="2200" dirty="0" err="1">
               <a:latin typeface="Segoe UI Semibold" panose="020B0702040204020203" pitchFamily="34" charset="0"/>
               <a:cs typeface="Segoe UI Semibold" panose="020B0702040204020203" pitchFamily="34" charset="0"/>
             </a:rPr>
             <a:t>Tren</a:t>
           </a:r>
           <a:r>
-            <a:rPr lang="en-US" sz="2200" dirty="0" smtClean="0">
+            <a:rPr lang="en-US" sz="2200" dirty="0">
               <a:latin typeface="Segoe UI Semibold" panose="020B0702040204020203" pitchFamily="34" charset="0"/>
               <a:cs typeface="Segoe UI Semibold" panose="020B0702040204020203" pitchFamily="34" charset="0"/>
             </a:rPr>
             <a:t> Perusahaan </a:t>
           </a:r>
           <a:r>
-            <a:rPr lang="en-US" sz="2200" dirty="0" err="1" smtClean="0">
+            <a:rPr lang="en-US" sz="2200" dirty="0" err="1">
               <a:latin typeface="Segoe UI Semibold" panose="020B0702040204020203" pitchFamily="34" charset="0"/>
               <a:cs typeface="Segoe UI Semibold" panose="020B0702040204020203" pitchFamily="34" charset="0"/>
             </a:rPr>
@@ -2180,7 +2192,7 @@
         </a:p>
       </dgm:t>
     </dgm:pt>
-    <dgm:pt modelId="{24BDE35E-D0AF-4D67-8EF5-132029C72B31}" cxnId="{73D4E838-2F38-4D4A-B0F9-2535B2EDD666}" type="parTrans">
+    <dgm:pt modelId="{24BDE35E-D0AF-4D67-8EF5-132029C72B31}" type="parTrans" cxnId="{73D4E838-2F38-4D4A-B0F9-2535B2EDD666}">
       <dgm:prSet/>
       <dgm:spPr/>
       <dgm:t>
@@ -2191,7 +2203,7 @@
         </a:p>
       </dgm:t>
     </dgm:pt>
-    <dgm:pt modelId="{055ECF54-915A-4443-9403-C332471FD38B}" cxnId="{73D4E838-2F38-4D4A-B0F9-2535B2EDD666}" type="sibTrans">
+    <dgm:pt modelId="{055ECF54-915A-4443-9403-C332471FD38B}" type="sibTrans" cxnId="{73D4E838-2F38-4D4A-B0F9-2535B2EDD666}">
       <dgm:prSet/>
       <dgm:spPr/>
       <dgm:t>
@@ -2226,13 +2238,6 @@
         </dgm:presLayoutVars>
       </dgm:prSet>
       <dgm:spPr/>
-      <dgm:t>
-        <a:bodyPr/>
-        <a:lstStyle/>
-        <a:p>
-          <a:endParaRPr lang="en-US"/>
-        </a:p>
-      </dgm:t>
     </dgm:pt>
     <dgm:pt modelId="{737913DE-277C-4912-A28F-D2DE3BE07458}" type="pres">
       <dgm:prSet presAssocID="{E1418864-4DF5-4E64-B555-4BDA5124146B}" presName="sibTrans" presStyleCnt="0"/>
@@ -2245,13 +2250,6 @@
         </dgm:presLayoutVars>
       </dgm:prSet>
       <dgm:spPr/>
-      <dgm:t>
-        <a:bodyPr/>
-        <a:lstStyle/>
-        <a:p>
-          <a:endParaRPr lang="en-US"/>
-        </a:p>
-      </dgm:t>
     </dgm:pt>
     <dgm:pt modelId="{B151BE39-5052-4604-9A59-C105805436E1}" type="pres">
       <dgm:prSet presAssocID="{68E69F6C-96F7-4597-8C6C-8B8BBA5F5B0F}" presName="sibTrans" presStyleCnt="0"/>
@@ -2264,13 +2262,6 @@
         </dgm:presLayoutVars>
       </dgm:prSet>
       <dgm:spPr/>
-      <dgm:t>
-        <a:bodyPr/>
-        <a:lstStyle/>
-        <a:p>
-          <a:endParaRPr lang="en-US"/>
-        </a:p>
-      </dgm:t>
     </dgm:pt>
     <dgm:pt modelId="{3B0ABE59-0051-49D0-B822-C60B0EA8FD65}" type="pres">
       <dgm:prSet presAssocID="{9EF41B95-ADB0-4544-9AD6-B4EC4D178D71}" presName="sibTrans" presStyleCnt="0"/>
@@ -2283,40 +2274,33 @@
         </dgm:presLayoutVars>
       </dgm:prSet>
       <dgm:spPr/>
-      <dgm:t>
-        <a:bodyPr/>
-        <a:lstStyle/>
-        <a:p>
-          <a:endParaRPr lang="en-US"/>
-        </a:p>
-      </dgm:t>
     </dgm:pt>
   </dgm:ptLst>
   <dgm:cxnLst>
-    <dgm:cxn modelId="{78C259C5-0174-4D1C-AF22-13C6EDE47B75}" type="presOf" srcId="{D5A6101A-B36D-4847-A01A-FB7B93ABF869}" destId="{62054B2A-13B5-45AF-A648-44F5F26814B0}" srcOrd="0" destOrd="0" presId="urn:microsoft.com/office/officeart/2005/8/layout/hProcess9"/>
-    <dgm:cxn modelId="{E72E2EE1-D013-44D3-BF4A-6227E6260DF8}" type="presOf" srcId="{5B397169-108D-4CE3-A3F4-6AE82FFD809F}" destId="{DFF63D34-6BC4-4070-8C88-503A20475CDE}" srcOrd="0" destOrd="0" presId="urn:microsoft.com/office/officeart/2005/8/layout/hProcess9"/>
-    <dgm:cxn modelId="{E96EF405-B4DE-48AA-AEFD-6F1C2F43F9CC}" type="presOf" srcId="{3C77B1FC-4EF4-4FDF-8DD9-B97DEDD1D7EB}" destId="{0CA27AA6-E840-4092-A756-205CFD060823}" srcOrd="0" destOrd="0" presId="urn:microsoft.com/office/officeart/2005/8/layout/hProcess9"/>
-    <dgm:cxn modelId="{6922F9CB-D604-4774-83C3-1BAF3E290A14}" type="presOf" srcId="{C554996D-D808-49D7-8D70-B1D41C74A3D0}" destId="{A6897670-2DF5-4A51-910A-7114EB04D0B8}" srcOrd="0" destOrd="0" presId="urn:microsoft.com/office/officeart/2005/8/layout/hProcess9"/>
+    <dgm:cxn modelId="{E96EF405-B4DE-48AA-AEFD-6F1C2F43F9CC}" type="presOf" srcId="{3C77B1FC-4EF4-4FDF-8DD9-B97DEDD1D7EB}" destId="{0CA27AA6-E840-4092-A756-205CFD060823}" srcOrd="0" destOrd="0" presId="urn:microsoft.com/office/officeart/2005/8/layout/hProcess9#1"/>
+    <dgm:cxn modelId="{AE8C3F35-C59E-4993-AB0C-A9BE3D7CBBB8}" srcId="{5B397169-108D-4CE3-A3F4-6AE82FFD809F}" destId="{3C77B1FC-4EF4-4FDF-8DD9-B97DEDD1D7EB}" srcOrd="0" destOrd="0" parTransId="{40B1D3D6-BD4B-4898-85E9-7F57926510A8}" sibTransId="{E1418864-4DF5-4E64-B555-4BDA5124146B}"/>
     <dgm:cxn modelId="{73D4E838-2F38-4D4A-B0F9-2535B2EDD666}" srcId="{5B397169-108D-4CE3-A3F4-6AE82FFD809F}" destId="{C554996D-D808-49D7-8D70-B1D41C74A3D0}" srcOrd="3" destOrd="0" parTransId="{24BDE35E-D0AF-4D67-8EF5-132029C72B31}" sibTransId="{055ECF54-915A-4443-9403-C332471FD38B}"/>
-    <dgm:cxn modelId="{A330936D-7CD9-49EC-90BA-556ACBB08645}" type="presOf" srcId="{C166CEE8-2441-4562-9077-B66E6E4C0071}" destId="{3ADDB69C-BAB3-40D3-B237-A3D8CA9F6E2C}" srcOrd="0" destOrd="0" presId="urn:microsoft.com/office/officeart/2005/8/layout/hProcess9"/>
+    <dgm:cxn modelId="{A330936D-7CD9-49EC-90BA-556ACBB08645}" type="presOf" srcId="{C166CEE8-2441-4562-9077-B66E6E4C0071}" destId="{3ADDB69C-BAB3-40D3-B237-A3D8CA9F6E2C}" srcOrd="0" destOrd="0" presId="urn:microsoft.com/office/officeart/2005/8/layout/hProcess9#1"/>
     <dgm:cxn modelId="{B575E8C2-7BE6-48A6-ABF9-30FD3F7751F4}" srcId="{5B397169-108D-4CE3-A3F4-6AE82FFD809F}" destId="{C166CEE8-2441-4562-9077-B66E6E4C0071}" srcOrd="2" destOrd="0" parTransId="{73001851-F4F8-4E60-8566-317BBB97FED4}" sibTransId="{9EF41B95-ADB0-4544-9AD6-B4EC4D178D71}"/>
-    <dgm:cxn modelId="{AE8C3F35-C59E-4993-AB0C-A9BE3D7CBBB8}" srcId="{5B397169-108D-4CE3-A3F4-6AE82FFD809F}" destId="{3C77B1FC-4EF4-4FDF-8DD9-B97DEDD1D7EB}" srcOrd="0" destOrd="0" parTransId="{40B1D3D6-BD4B-4898-85E9-7F57926510A8}" sibTransId="{E1418864-4DF5-4E64-B555-4BDA5124146B}"/>
+    <dgm:cxn modelId="{78C259C5-0174-4D1C-AF22-13C6EDE47B75}" type="presOf" srcId="{D5A6101A-B36D-4847-A01A-FB7B93ABF869}" destId="{62054B2A-13B5-45AF-A648-44F5F26814B0}" srcOrd="0" destOrd="0" presId="urn:microsoft.com/office/officeart/2005/8/layout/hProcess9#1"/>
+    <dgm:cxn modelId="{6922F9CB-D604-4774-83C3-1BAF3E290A14}" type="presOf" srcId="{C554996D-D808-49D7-8D70-B1D41C74A3D0}" destId="{A6897670-2DF5-4A51-910A-7114EB04D0B8}" srcOrd="0" destOrd="0" presId="urn:microsoft.com/office/officeart/2005/8/layout/hProcess9#1"/>
     <dgm:cxn modelId="{86EF5CD5-CB89-4801-A405-87D7301C5CF5}" srcId="{5B397169-108D-4CE3-A3F4-6AE82FFD809F}" destId="{D5A6101A-B36D-4847-A01A-FB7B93ABF869}" srcOrd="1" destOrd="0" parTransId="{83EBF230-C5E3-4BCE-B3F1-DB16D632745C}" sibTransId="{68E69F6C-96F7-4597-8C6C-8B8BBA5F5B0F}"/>
-    <dgm:cxn modelId="{ECFF934F-189C-4B7E-B961-CED8CEA8DF78}" type="presParOf" srcId="{DFF63D34-6BC4-4070-8C88-503A20475CDE}" destId="{407E1F41-E1DD-40DB-A352-3C11BEB769F6}" srcOrd="0" destOrd="0" presId="urn:microsoft.com/office/officeart/2005/8/layout/hProcess9"/>
-    <dgm:cxn modelId="{1E102786-BEB2-49B5-B716-DF0C67755D19}" type="presParOf" srcId="{DFF63D34-6BC4-4070-8C88-503A20475CDE}" destId="{23740DF8-8971-47A7-8016-9F0A29100AFB}" srcOrd="1" destOrd="0" presId="urn:microsoft.com/office/officeart/2005/8/layout/hProcess9"/>
-    <dgm:cxn modelId="{D0F6539A-30D0-4820-B439-A234B0CADF65}" type="presParOf" srcId="{23740DF8-8971-47A7-8016-9F0A29100AFB}" destId="{0CA27AA6-E840-4092-A756-205CFD060823}" srcOrd="0" destOrd="0" presId="urn:microsoft.com/office/officeart/2005/8/layout/hProcess9"/>
-    <dgm:cxn modelId="{D4853D3C-987C-43B6-8869-D7E37E0DEC59}" type="presParOf" srcId="{23740DF8-8971-47A7-8016-9F0A29100AFB}" destId="{737913DE-277C-4912-A28F-D2DE3BE07458}" srcOrd="1" destOrd="0" presId="urn:microsoft.com/office/officeart/2005/8/layout/hProcess9"/>
-    <dgm:cxn modelId="{253868B2-3D54-4F1A-A79A-28A948D558E4}" type="presParOf" srcId="{23740DF8-8971-47A7-8016-9F0A29100AFB}" destId="{62054B2A-13B5-45AF-A648-44F5F26814B0}" srcOrd="2" destOrd="0" presId="urn:microsoft.com/office/officeart/2005/8/layout/hProcess9"/>
-    <dgm:cxn modelId="{F9A19540-0948-417C-ACB9-CF4AF0660D05}" type="presParOf" srcId="{23740DF8-8971-47A7-8016-9F0A29100AFB}" destId="{B151BE39-5052-4604-9A59-C105805436E1}" srcOrd="3" destOrd="0" presId="urn:microsoft.com/office/officeart/2005/8/layout/hProcess9"/>
-    <dgm:cxn modelId="{1D31683A-6A8F-45C7-AAB1-752B8F168DC5}" type="presParOf" srcId="{23740DF8-8971-47A7-8016-9F0A29100AFB}" destId="{3ADDB69C-BAB3-40D3-B237-A3D8CA9F6E2C}" srcOrd="4" destOrd="0" presId="urn:microsoft.com/office/officeart/2005/8/layout/hProcess9"/>
-    <dgm:cxn modelId="{DE670FD1-1C66-4677-8364-02A23E8A8724}" type="presParOf" srcId="{23740DF8-8971-47A7-8016-9F0A29100AFB}" destId="{3B0ABE59-0051-49D0-B822-C60B0EA8FD65}" srcOrd="5" destOrd="0" presId="urn:microsoft.com/office/officeart/2005/8/layout/hProcess9"/>
-    <dgm:cxn modelId="{DFA97930-6BA5-438D-87CF-B5DD9B249399}" type="presParOf" srcId="{23740DF8-8971-47A7-8016-9F0A29100AFB}" destId="{A6897670-2DF5-4A51-910A-7114EB04D0B8}" srcOrd="6" destOrd="0" presId="urn:microsoft.com/office/officeart/2005/8/layout/hProcess9"/>
+    <dgm:cxn modelId="{E72E2EE1-D013-44D3-BF4A-6227E6260DF8}" type="presOf" srcId="{5B397169-108D-4CE3-A3F4-6AE82FFD809F}" destId="{DFF63D34-6BC4-4070-8C88-503A20475CDE}" srcOrd="0" destOrd="0" presId="urn:microsoft.com/office/officeart/2005/8/layout/hProcess9#1"/>
+    <dgm:cxn modelId="{ECFF934F-189C-4B7E-B961-CED8CEA8DF78}" type="presParOf" srcId="{DFF63D34-6BC4-4070-8C88-503A20475CDE}" destId="{407E1F41-E1DD-40DB-A352-3C11BEB769F6}" srcOrd="0" destOrd="0" presId="urn:microsoft.com/office/officeart/2005/8/layout/hProcess9#1"/>
+    <dgm:cxn modelId="{1E102786-BEB2-49B5-B716-DF0C67755D19}" type="presParOf" srcId="{DFF63D34-6BC4-4070-8C88-503A20475CDE}" destId="{23740DF8-8971-47A7-8016-9F0A29100AFB}" srcOrd="1" destOrd="0" presId="urn:microsoft.com/office/officeart/2005/8/layout/hProcess9#1"/>
+    <dgm:cxn modelId="{D0F6539A-30D0-4820-B439-A234B0CADF65}" type="presParOf" srcId="{23740DF8-8971-47A7-8016-9F0A29100AFB}" destId="{0CA27AA6-E840-4092-A756-205CFD060823}" srcOrd="0" destOrd="0" presId="urn:microsoft.com/office/officeart/2005/8/layout/hProcess9#1"/>
+    <dgm:cxn modelId="{D4853D3C-987C-43B6-8869-D7E37E0DEC59}" type="presParOf" srcId="{23740DF8-8971-47A7-8016-9F0A29100AFB}" destId="{737913DE-277C-4912-A28F-D2DE3BE07458}" srcOrd="1" destOrd="0" presId="urn:microsoft.com/office/officeart/2005/8/layout/hProcess9#1"/>
+    <dgm:cxn modelId="{253868B2-3D54-4F1A-A79A-28A948D558E4}" type="presParOf" srcId="{23740DF8-8971-47A7-8016-9F0A29100AFB}" destId="{62054B2A-13B5-45AF-A648-44F5F26814B0}" srcOrd="2" destOrd="0" presId="urn:microsoft.com/office/officeart/2005/8/layout/hProcess9#1"/>
+    <dgm:cxn modelId="{F9A19540-0948-417C-ACB9-CF4AF0660D05}" type="presParOf" srcId="{23740DF8-8971-47A7-8016-9F0A29100AFB}" destId="{B151BE39-5052-4604-9A59-C105805436E1}" srcOrd="3" destOrd="0" presId="urn:microsoft.com/office/officeart/2005/8/layout/hProcess9#1"/>
+    <dgm:cxn modelId="{1D31683A-6A8F-45C7-AAB1-752B8F168DC5}" type="presParOf" srcId="{23740DF8-8971-47A7-8016-9F0A29100AFB}" destId="{3ADDB69C-BAB3-40D3-B237-A3D8CA9F6E2C}" srcOrd="4" destOrd="0" presId="urn:microsoft.com/office/officeart/2005/8/layout/hProcess9#1"/>
+    <dgm:cxn modelId="{DE670FD1-1C66-4677-8364-02A23E8A8724}" type="presParOf" srcId="{23740DF8-8971-47A7-8016-9F0A29100AFB}" destId="{3B0ABE59-0051-49D0-B822-C60B0EA8FD65}" srcOrd="5" destOrd="0" presId="urn:microsoft.com/office/officeart/2005/8/layout/hProcess9#1"/>
+    <dgm:cxn modelId="{DFA97930-6BA5-438D-87CF-B5DD9B249399}" type="presParOf" srcId="{23740DF8-8971-47A7-8016-9F0A29100AFB}" destId="{A6897670-2DF5-4A51-910A-7114EB04D0B8}" srcOrd="6" destOrd="0" presId="urn:microsoft.com/office/officeart/2005/8/layout/hProcess9#1"/>
   </dgm:cxnLst>
   <dgm:bg/>
   <dgm:whole/>
   <dgm:extLst>
     <a:ext uri="http://schemas.microsoft.com/office/drawing/2008/diagram">
-      <dsp:dataModelExt xmlns:dsp="http://schemas.microsoft.com/office/drawing/2008/diagram" relId="rId5" minVer="http://schemas.openxmlformats.org/drawingml/2006/diagram"/>
+      <dsp:dataModelExt xmlns:dsp="http://schemas.microsoft.com/office/drawing/2008/diagram" relId="rId7" minVer="http://schemas.openxmlformats.org/drawingml/2006/diagram"/>
     </a:ext>
   </dgm:extLst>
 </dgm:dataModel>
@@ -2326,7 +2310,7 @@
 <dgm:dataModel xmlns:dgm="http://schemas.openxmlformats.org/drawingml/2006/diagram" xmlns:a="http://schemas.openxmlformats.org/drawingml/2006/main">
   <dgm:ptLst>
     <dgm:pt modelId="{6D053DDB-C8A5-45FF-BA6C-5FDED3595673}" type="doc">
-      <dgm:prSet loTypeId="urn:microsoft.com/office/officeart/2011/layout/RadialPictureList" loCatId="picture" qsTypeId="urn:microsoft.com/office/officeart/2005/8/quickstyle/simple1" qsCatId="simple" csTypeId="urn:microsoft.com/office/officeart/2005/8/colors/colorful1" csCatId="colorful" phldr="1"/>
+      <dgm:prSet loTypeId="urn:microsoft.com/office/officeart/2011/layout/RadialPictureList#1" loCatId="picture" qsTypeId="urn:microsoft.com/office/officeart/2005/8/quickstyle/simple1#2" qsCatId="simple" csTypeId="urn:microsoft.com/office/officeart/2005/8/colors/colorful1#2" csCatId="colorful" phldr="1"/>
       <dgm:spPr/>
       <dgm:t>
         <a:bodyPr/>
@@ -2348,7 +2332,7 @@
         <a:lstStyle/>
         <a:p>
           <a:r>
-            <a:rPr lang="en-US" sz="4000" dirty="0" err="1" smtClean="0">
+            <a:rPr lang="en-US" sz="4000" dirty="0" err="1">
               <a:latin typeface="Segoe UI" panose="020B0502040204020203" pitchFamily="34" charset="0"/>
               <a:cs typeface="Segoe UI" panose="020B0502040204020203" pitchFamily="34" charset="0"/>
             </a:rPr>
@@ -2361,7 +2345,7 @@
         </a:p>
       </dgm:t>
     </dgm:pt>
-    <dgm:pt modelId="{445B80A1-6AC6-40E9-8D57-9DE32327E7C5}" cxnId="{FB488EF4-3C47-42E0-9430-D692C365170F}" type="parTrans">
+    <dgm:pt modelId="{445B80A1-6AC6-40E9-8D57-9DE32327E7C5}" type="parTrans" cxnId="{FB488EF4-3C47-42E0-9430-D692C365170F}">
       <dgm:prSet/>
       <dgm:spPr/>
       <dgm:t>
@@ -2372,7 +2356,7 @@
         </a:p>
       </dgm:t>
     </dgm:pt>
-    <dgm:pt modelId="{E1E3D54E-AAA7-4706-A87D-2316C68D5C20}" cxnId="{FB488EF4-3C47-42E0-9430-D692C365170F}" type="sibTrans">
+    <dgm:pt modelId="{E1E3D54E-AAA7-4706-A87D-2316C68D5C20}" type="sibTrans" cxnId="{FB488EF4-3C47-42E0-9430-D692C365170F}">
       <dgm:prSet/>
       <dgm:spPr/>
       <dgm:t>
@@ -2391,7 +2375,7 @@
         <a:lstStyle/>
         <a:p>
           <a:r>
-            <a:rPr lang="en-US" sz="2000" dirty="0" err="1" smtClean="0">
+            <a:rPr lang="en-US" sz="2000" dirty="0" err="1">
               <a:solidFill>
                 <a:srgbClr val="002060"/>
               </a:solidFill>
@@ -2401,7 +2385,7 @@
             <a:t>Lebih</a:t>
           </a:r>
           <a:r>
-            <a:rPr lang="en-US" sz="2000" dirty="0" smtClean="0">
+            <a:rPr lang="en-US" sz="2000" dirty="0">
               <a:solidFill>
                 <a:srgbClr val="002060"/>
               </a:solidFill>
@@ -2411,7 +2395,7 @@
             <a:t> </a:t>
           </a:r>
           <a:r>
-            <a:rPr lang="en-US" sz="2000" dirty="0" err="1" smtClean="0">
+            <a:rPr lang="en-US" sz="2000" dirty="0" err="1">
               <a:solidFill>
                 <a:srgbClr val="002060"/>
               </a:solidFill>
@@ -2421,7 +2405,7 @@
             <a:t>mengandalkan</a:t>
           </a:r>
           <a:r>
-            <a:rPr lang="en-US" sz="2000" dirty="0" smtClean="0">
+            <a:rPr lang="en-US" sz="2000" dirty="0">
               <a:solidFill>
                 <a:srgbClr val="002060"/>
               </a:solidFill>
@@ -2431,7 +2415,7 @@
             <a:t> </a:t>
           </a:r>
           <a:r>
-            <a:rPr lang="en-US" sz="2000" b="1" dirty="0" smtClean="0">
+            <a:rPr lang="en-US" sz="2000" b="1" dirty="0">
               <a:solidFill>
                 <a:srgbClr val="002060"/>
               </a:solidFill>
@@ -2441,24 +2425,14 @@
             <a:t>Mobile</a:t>
           </a:r>
           <a:r>
-            <a:rPr lang="en-US" sz="2000" dirty="0" smtClean="0">
+            <a:rPr lang="en-US" sz="2000" dirty="0">
               <a:solidFill>
                 <a:srgbClr val="002060"/>
               </a:solidFill>
               <a:latin typeface="Segoe UI" panose="020B0502040204020203" pitchFamily="34" charset="0"/>
               <a:cs typeface="Segoe UI" panose="020B0502040204020203" pitchFamily="34" charset="0"/>
             </a:rPr>
-            <a:t> Business </a:t>
-          </a:r>
-          <a:r>
-            <a:rPr lang="en-US" sz="2000" dirty="0" smtClean="0">
-              <a:solidFill>
-                <a:srgbClr val="002060"/>
-              </a:solidFill>
-              <a:latin typeface="Segoe UI" panose="020B0502040204020203" pitchFamily="34" charset="0"/>
-              <a:cs typeface="Segoe UI" panose="020B0502040204020203" pitchFamily="34" charset="0"/>
-            </a:rPr>
-            <a:t>Apps</a:t>
+            <a:t> Business Apps</a:t>
           </a:r>
           <a:endParaRPr lang="en-US" sz="2000" dirty="0">
             <a:solidFill>
@@ -2468,7 +2442,7 @@
         </a:p>
       </dgm:t>
     </dgm:pt>
-    <dgm:pt modelId="{CD2B180A-F5EC-4FE5-BDDE-91A0C582BDDE}" cxnId="{5419F8C8-0842-4A3D-BEDC-CFFAEF181692}" type="parTrans">
+    <dgm:pt modelId="{CD2B180A-F5EC-4FE5-BDDE-91A0C582BDDE}" type="parTrans" cxnId="{5419F8C8-0842-4A3D-BEDC-CFFAEF181692}">
       <dgm:prSet/>
       <dgm:spPr/>
       <dgm:t>
@@ -2479,7 +2453,7 @@
         </a:p>
       </dgm:t>
     </dgm:pt>
-    <dgm:pt modelId="{520A5CE5-BCEA-4072-A64D-B119640A97D5}" cxnId="{5419F8C8-0842-4A3D-BEDC-CFFAEF181692}" type="sibTrans">
+    <dgm:pt modelId="{520A5CE5-BCEA-4072-A64D-B119640A97D5}" type="sibTrans" cxnId="{5419F8C8-0842-4A3D-BEDC-CFFAEF181692}">
       <dgm:prSet/>
       <dgm:spPr/>
       <dgm:t>
@@ -2498,7 +2472,7 @@
         <a:lstStyle/>
         <a:p>
           <a:r>
-            <a:rPr lang="en-US" sz="2000" dirty="0" err="1" smtClean="0">
+            <a:rPr lang="en-US" sz="2000" dirty="0" err="1">
               <a:solidFill>
                 <a:srgbClr val="002060"/>
               </a:solidFill>
@@ -2508,7 +2482,7 @@
             <a:t>Memanfaatkan</a:t>
           </a:r>
           <a:r>
-            <a:rPr lang="en-US" sz="2000" dirty="0" smtClean="0">
+            <a:rPr lang="en-US" sz="2000" dirty="0">
               <a:solidFill>
                 <a:srgbClr val="002060"/>
               </a:solidFill>
@@ -2518,7 +2492,7 @@
             <a:t> platform </a:t>
           </a:r>
           <a:r>
-            <a:rPr lang="en-US" sz="2000" b="1" dirty="0" smtClean="0">
+            <a:rPr lang="en-US" sz="2000" b="1" dirty="0">
               <a:solidFill>
                 <a:srgbClr val="002060"/>
               </a:solidFill>
@@ -2528,7 +2502,7 @@
             <a:t>Media </a:t>
           </a:r>
           <a:r>
-            <a:rPr lang="en-US" sz="2000" b="1" dirty="0" err="1" smtClean="0">
+            <a:rPr lang="en-US" sz="2000" b="1" dirty="0" err="1">
               <a:solidFill>
                 <a:srgbClr val="002060"/>
               </a:solidFill>
@@ -2538,7 +2512,7 @@
             <a:t>Sosial</a:t>
           </a:r>
           <a:r>
-            <a:rPr lang="en-US" sz="2000" b="1" dirty="0" smtClean="0">
+            <a:rPr lang="en-US" sz="2000" b="1" dirty="0">
               <a:solidFill>
                 <a:srgbClr val="002060"/>
               </a:solidFill>
@@ -2548,7 +2522,7 @@
             <a:t> </a:t>
           </a:r>
           <a:r>
-            <a:rPr lang="en-US" sz="2000" dirty="0" smtClean="0">
+            <a:rPr lang="en-US" sz="2000" dirty="0">
               <a:solidFill>
                 <a:srgbClr val="002060"/>
               </a:solidFill>
@@ -2558,7 +2532,7 @@
             <a:t>– </a:t>
           </a:r>
           <a:r>
-            <a:rPr lang="en-US" sz="2000" dirty="0" err="1" smtClean="0">
+            <a:rPr lang="en-US" sz="2000" dirty="0" err="1">
               <a:solidFill>
                 <a:srgbClr val="002060"/>
               </a:solidFill>
@@ -2568,7 +2542,7 @@
             <a:t>Namun</a:t>
           </a:r>
           <a:r>
-            <a:rPr lang="en-US" sz="2000" dirty="0" smtClean="0">
+            <a:rPr lang="en-US" sz="2000" dirty="0">
               <a:solidFill>
                 <a:srgbClr val="002060"/>
               </a:solidFill>
@@ -2578,7 +2552,7 @@
             <a:t> </a:t>
           </a:r>
           <a:r>
-            <a:rPr lang="en-US" sz="2000" dirty="0" err="1" smtClean="0">
+            <a:rPr lang="en-US" sz="2000" dirty="0" err="1">
               <a:solidFill>
                 <a:srgbClr val="002060"/>
               </a:solidFill>
@@ -2588,7 +2562,7 @@
             <a:t>perlu</a:t>
           </a:r>
           <a:r>
-            <a:rPr lang="en-US" sz="2000" dirty="0" smtClean="0">
+            <a:rPr lang="en-US" sz="2000" dirty="0">
               <a:solidFill>
                 <a:srgbClr val="002060"/>
               </a:solidFill>
@@ -2598,7 +2572,7 @@
             <a:t> </a:t>
           </a:r>
           <a:r>
-            <a:rPr lang="en-US" sz="2000" dirty="0" err="1" smtClean="0">
+            <a:rPr lang="en-US" sz="2000" dirty="0" err="1">
               <a:solidFill>
                 <a:srgbClr val="002060"/>
               </a:solidFill>
@@ -2608,7 +2582,7 @@
             <a:t>taat</a:t>
           </a:r>
           <a:r>
-            <a:rPr lang="en-US" sz="2000" dirty="0" smtClean="0">
+            <a:rPr lang="en-US" sz="2000" dirty="0">
               <a:solidFill>
                 <a:srgbClr val="002060"/>
               </a:solidFill>
@@ -2618,7 +2592,7 @@
             <a:t> </a:t>
           </a:r>
           <a:r>
-            <a:rPr lang="en-US" sz="2000" dirty="0" err="1" smtClean="0">
+            <a:rPr lang="en-US" sz="2000" dirty="0" err="1">
               <a:solidFill>
                 <a:srgbClr val="002060"/>
               </a:solidFill>
@@ -2628,7 +2602,7 @@
             <a:t>pada</a:t>
           </a:r>
           <a:r>
-            <a:rPr lang="en-US" sz="2000" dirty="0" smtClean="0">
+            <a:rPr lang="en-US" sz="2000" dirty="0">
               <a:solidFill>
                 <a:srgbClr val="002060"/>
               </a:solidFill>
@@ -2638,7 +2612,7 @@
             <a:t> </a:t>
           </a:r>
           <a:r>
-            <a:rPr lang="en-US" sz="2000" dirty="0" err="1" smtClean="0">
+            <a:rPr lang="en-US" sz="2000" dirty="0" err="1">
               <a:solidFill>
                 <a:srgbClr val="002060"/>
               </a:solidFill>
@@ -2648,7 +2622,7 @@
             <a:t>aturan</a:t>
           </a:r>
           <a:r>
-            <a:rPr lang="en-US" sz="2000" dirty="0" smtClean="0">
+            <a:rPr lang="en-US" sz="2000" dirty="0">
               <a:solidFill>
                 <a:srgbClr val="002060"/>
               </a:solidFill>
@@ -2658,7 +2632,7 @@
             <a:t> yang </a:t>
           </a:r>
           <a:r>
-            <a:rPr lang="en-US" sz="2000" dirty="0" err="1" smtClean="0">
+            <a:rPr lang="en-US" sz="2000" dirty="0" err="1">
               <a:solidFill>
                 <a:srgbClr val="002060"/>
               </a:solidFill>
@@ -2668,7 +2642,7 @@
             <a:t>berlaku</a:t>
           </a:r>
           <a:r>
-            <a:rPr lang="en-US" sz="2000" dirty="0" smtClean="0">
+            <a:rPr lang="en-US" sz="2000" dirty="0">
               <a:solidFill>
                 <a:srgbClr val="002060"/>
               </a:solidFill>
@@ -2685,7 +2659,7 @@
         </a:p>
       </dgm:t>
     </dgm:pt>
-    <dgm:pt modelId="{2C50939B-953B-44A9-90F8-0887EAD29C6F}" cxnId="{73728B50-0103-4EAE-90BA-08E581E3685F}" type="parTrans">
+    <dgm:pt modelId="{2C50939B-953B-44A9-90F8-0887EAD29C6F}" type="parTrans" cxnId="{73728B50-0103-4EAE-90BA-08E581E3685F}">
       <dgm:prSet/>
       <dgm:spPr/>
       <dgm:t>
@@ -2696,7 +2670,7 @@
         </a:p>
       </dgm:t>
     </dgm:pt>
-    <dgm:pt modelId="{4491F325-F1DA-4BE3-A4CC-D1FD3387C6E9}" cxnId="{73728B50-0103-4EAE-90BA-08E581E3685F}" type="sibTrans">
+    <dgm:pt modelId="{4491F325-F1DA-4BE3-A4CC-D1FD3387C6E9}" type="sibTrans" cxnId="{73728B50-0103-4EAE-90BA-08E581E3685F}">
       <dgm:prSet/>
       <dgm:spPr/>
       <dgm:t>
@@ -2715,7 +2689,7 @@
         <a:lstStyle/>
         <a:p>
           <a:r>
-            <a:rPr lang="en-US" sz="2000" dirty="0" smtClean="0">
+            <a:rPr lang="en-US" sz="2000" dirty="0">
               <a:solidFill>
                 <a:srgbClr val="002060"/>
               </a:solidFill>
@@ -2725,7 +2699,7 @@
             <a:t>More Near-Field Communication </a:t>
           </a:r>
           <a:r>
-            <a:rPr lang="en-US" sz="2000" b="1" dirty="0" smtClean="0">
+            <a:rPr lang="en-US" sz="2000" b="1" dirty="0">
               <a:solidFill>
                 <a:srgbClr val="002060"/>
               </a:solidFill>
@@ -2735,7 +2709,7 @@
             <a:t>(NFC)</a:t>
           </a:r>
           <a:r>
-            <a:rPr lang="en-US" sz="2000" dirty="0" smtClean="0">
+            <a:rPr lang="en-US" sz="2000" dirty="0">
               <a:solidFill>
                 <a:srgbClr val="002060"/>
               </a:solidFill>
@@ -2752,7 +2726,7 @@
         </a:p>
       </dgm:t>
     </dgm:pt>
-    <dgm:pt modelId="{4353E35D-F70B-40C2-B2BB-3824A39CA29C}" cxnId="{F20637E5-5FB2-4E07-A749-AF2FFA4C9EFB}" type="parTrans">
+    <dgm:pt modelId="{4353E35D-F70B-40C2-B2BB-3824A39CA29C}" type="parTrans" cxnId="{F20637E5-5FB2-4E07-A749-AF2FFA4C9EFB}">
       <dgm:prSet/>
       <dgm:spPr/>
       <dgm:t>
@@ -2763,7 +2737,7 @@
         </a:p>
       </dgm:t>
     </dgm:pt>
-    <dgm:pt modelId="{FADECA85-0C2E-474C-8DFC-EC9A6CDF41BD}" cxnId="{F20637E5-5FB2-4E07-A749-AF2FFA4C9EFB}" type="sibTrans">
+    <dgm:pt modelId="{FADECA85-0C2E-474C-8DFC-EC9A6CDF41BD}" type="sibTrans" cxnId="{F20637E5-5FB2-4E07-A749-AF2FFA4C9EFB}">
       <dgm:prSet/>
       <dgm:spPr/>
       <dgm:t>
@@ -2784,13 +2758,6 @@
         </dgm:presLayoutVars>
       </dgm:prSet>
       <dgm:spPr/>
-      <dgm:t>
-        <a:bodyPr/>
-        <a:lstStyle/>
-        <a:p>
-          <a:endParaRPr lang="en-US"/>
-        </a:p>
-      </dgm:t>
     </dgm:pt>
     <dgm:pt modelId="{372D2700-B00C-42A6-A122-1C38982C37FC}" type="pres">
       <dgm:prSet presAssocID="{A3DFB6AC-C93C-4E80-BA4E-38774EA2BC06}" presName="Parent" presStyleLbl="node1" presStyleIdx="0" presStyleCnt="2" custLinFactNeighborX="-94175" custLinFactNeighborY="-4381">
@@ -2800,13 +2767,6 @@
         </dgm:presLayoutVars>
       </dgm:prSet>
       <dgm:spPr/>
-      <dgm:t>
-        <a:bodyPr/>
-        <a:lstStyle/>
-        <a:p>
-          <a:endParaRPr lang="en-US"/>
-        </a:p>
-      </dgm:t>
     </dgm:pt>
     <dgm:pt modelId="{764FEC24-CBCB-44F0-86DC-529A23F2C0B9}" type="pres">
       <dgm:prSet presAssocID="{62E6DFF2-4CA6-4C4D-8C42-06C67DB693C5}" presName="Accent" presStyleLbl="node1" presStyleIdx="1" presStyleCnt="2" custLinFactNeighborX="-44591"/>
@@ -2844,13 +2804,6 @@
         </dgm:presLayoutVars>
       </dgm:prSet>
       <dgm:spPr/>
-      <dgm:t>
-        <a:bodyPr/>
-        <a:lstStyle/>
-        <a:p>
-          <a:endParaRPr lang="en-US"/>
-        </a:p>
-      </dgm:t>
     </dgm:pt>
     <dgm:pt modelId="{3441DBEE-F360-4780-8F75-CE9639728BED}" type="pres">
       <dgm:prSet presAssocID="{BBCA6563-A374-4FE1-93C3-C73BD7A3F855}" presName="Image2" presStyleCnt="0"/>
@@ -2888,13 +2841,6 @@
         </dgm:presLayoutVars>
       </dgm:prSet>
       <dgm:spPr/>
-      <dgm:t>
-        <a:bodyPr/>
-        <a:lstStyle/>
-        <a:p>
-          <a:endParaRPr lang="en-US"/>
-        </a:p>
-      </dgm:t>
     </dgm:pt>
     <dgm:pt modelId="{9691B5B1-181A-40C9-8D0C-B4FC508FF8A9}" type="pres">
       <dgm:prSet presAssocID="{D173C78D-9415-4686-9DBC-987003601E73}" presName="Image3" presStyleCnt="0"/>
@@ -2932,41 +2878,34 @@
         </dgm:presLayoutVars>
       </dgm:prSet>
       <dgm:spPr/>
-      <dgm:t>
-        <a:bodyPr/>
-        <a:lstStyle/>
-        <a:p>
-          <a:endParaRPr lang="en-US"/>
-        </a:p>
-      </dgm:t>
     </dgm:pt>
   </dgm:ptLst>
   <dgm:cxnLst>
+    <dgm:cxn modelId="{49A0C307-C776-4BA4-AD26-DC80706E330A}" type="presOf" srcId="{BBCA6563-A374-4FE1-93C3-C73BD7A3F855}" destId="{D4B654CD-62A9-4196-A921-A30DC75B39ED}" srcOrd="0" destOrd="0" presId="urn:microsoft.com/office/officeart/2011/layout/RadialPictureList#1"/>
+    <dgm:cxn modelId="{D96F670B-EE8D-4AE2-8747-3B3DE7FCD319}" type="presOf" srcId="{D173C78D-9415-4686-9DBC-987003601E73}" destId="{2BD6A280-EE95-482B-897B-C48B68C5B735}" srcOrd="0" destOrd="0" presId="urn:microsoft.com/office/officeart/2011/layout/RadialPictureList#1"/>
+    <dgm:cxn modelId="{73728B50-0103-4EAE-90BA-08E581E3685F}" srcId="{A3DFB6AC-C93C-4E80-BA4E-38774EA2BC06}" destId="{BBCA6563-A374-4FE1-93C3-C73BD7A3F855}" srcOrd="1" destOrd="0" parTransId="{2C50939B-953B-44A9-90F8-0887EAD29C6F}" sibTransId="{4491F325-F1DA-4BE3-A4CC-D1FD3387C6E9}"/>
+    <dgm:cxn modelId="{3DC97499-99BC-409E-994D-C43B4BA162B1}" type="presOf" srcId="{A3DFB6AC-C93C-4E80-BA4E-38774EA2BC06}" destId="{372D2700-B00C-42A6-A122-1C38982C37FC}" srcOrd="0" destOrd="0" presId="urn:microsoft.com/office/officeart/2011/layout/RadialPictureList#1"/>
+    <dgm:cxn modelId="{F02BD19B-D281-4EB3-9FD7-4B270DC73B84}" type="presOf" srcId="{62E6DFF2-4CA6-4C4D-8C42-06C67DB693C5}" destId="{7FC37ED7-6E89-4B8E-B619-49CF5AC84D4C}" srcOrd="0" destOrd="0" presId="urn:microsoft.com/office/officeart/2011/layout/RadialPictureList#1"/>
+    <dgm:cxn modelId="{FD4309A4-6363-41CF-BDA9-102436AC1D0A}" type="presOf" srcId="{6D053DDB-C8A5-45FF-BA6C-5FDED3595673}" destId="{C81A5BB9-4D64-4717-8406-D7D409A2D0A5}" srcOrd="0" destOrd="0" presId="urn:microsoft.com/office/officeart/2011/layout/RadialPictureList#1"/>
+    <dgm:cxn modelId="{5419F8C8-0842-4A3D-BEDC-CFFAEF181692}" srcId="{A3DFB6AC-C93C-4E80-BA4E-38774EA2BC06}" destId="{62E6DFF2-4CA6-4C4D-8C42-06C67DB693C5}" srcOrd="0" destOrd="0" parTransId="{CD2B180A-F5EC-4FE5-BDDE-91A0C582BDDE}" sibTransId="{520A5CE5-BCEA-4072-A64D-B119640A97D5}"/>
+    <dgm:cxn modelId="{F20637E5-5FB2-4E07-A749-AF2FFA4C9EFB}" srcId="{A3DFB6AC-C93C-4E80-BA4E-38774EA2BC06}" destId="{D173C78D-9415-4686-9DBC-987003601E73}" srcOrd="2" destOrd="0" parTransId="{4353E35D-F70B-40C2-B2BB-3824A39CA29C}" sibTransId="{FADECA85-0C2E-474C-8DFC-EC9A6CDF41BD}"/>
     <dgm:cxn modelId="{FB488EF4-3C47-42E0-9430-D692C365170F}" srcId="{6D053DDB-C8A5-45FF-BA6C-5FDED3595673}" destId="{A3DFB6AC-C93C-4E80-BA4E-38774EA2BC06}" srcOrd="0" destOrd="0" parTransId="{445B80A1-6AC6-40E9-8D57-9DE32327E7C5}" sibTransId="{E1E3D54E-AAA7-4706-A87D-2316C68D5C20}"/>
-    <dgm:cxn modelId="{F02BD19B-D281-4EB3-9FD7-4B270DC73B84}" type="presOf" srcId="{62E6DFF2-4CA6-4C4D-8C42-06C67DB693C5}" destId="{7FC37ED7-6E89-4B8E-B619-49CF5AC84D4C}" srcOrd="0" destOrd="0" presId="urn:microsoft.com/office/officeart/2011/layout/RadialPictureList"/>
-    <dgm:cxn modelId="{F20637E5-5FB2-4E07-A749-AF2FFA4C9EFB}" srcId="{A3DFB6AC-C93C-4E80-BA4E-38774EA2BC06}" destId="{D173C78D-9415-4686-9DBC-987003601E73}" srcOrd="2" destOrd="0" parTransId="{4353E35D-F70B-40C2-B2BB-3824A39CA29C}" sibTransId="{FADECA85-0C2E-474C-8DFC-EC9A6CDF41BD}"/>
-    <dgm:cxn modelId="{49A0C307-C776-4BA4-AD26-DC80706E330A}" type="presOf" srcId="{BBCA6563-A374-4FE1-93C3-C73BD7A3F855}" destId="{D4B654CD-62A9-4196-A921-A30DC75B39ED}" srcOrd="0" destOrd="0" presId="urn:microsoft.com/office/officeart/2011/layout/RadialPictureList"/>
-    <dgm:cxn modelId="{D96F670B-EE8D-4AE2-8747-3B3DE7FCD319}" type="presOf" srcId="{D173C78D-9415-4686-9DBC-987003601E73}" destId="{2BD6A280-EE95-482B-897B-C48B68C5B735}" srcOrd="0" destOrd="0" presId="urn:microsoft.com/office/officeart/2011/layout/RadialPictureList"/>
-    <dgm:cxn modelId="{3DC97499-99BC-409E-994D-C43B4BA162B1}" type="presOf" srcId="{A3DFB6AC-C93C-4E80-BA4E-38774EA2BC06}" destId="{372D2700-B00C-42A6-A122-1C38982C37FC}" srcOrd="0" destOrd="0" presId="urn:microsoft.com/office/officeart/2011/layout/RadialPictureList"/>
-    <dgm:cxn modelId="{FD4309A4-6363-41CF-BDA9-102436AC1D0A}" type="presOf" srcId="{6D053DDB-C8A5-45FF-BA6C-5FDED3595673}" destId="{C81A5BB9-4D64-4717-8406-D7D409A2D0A5}" srcOrd="0" destOrd="0" presId="urn:microsoft.com/office/officeart/2011/layout/RadialPictureList"/>
-    <dgm:cxn modelId="{73728B50-0103-4EAE-90BA-08E581E3685F}" srcId="{A3DFB6AC-C93C-4E80-BA4E-38774EA2BC06}" destId="{BBCA6563-A374-4FE1-93C3-C73BD7A3F855}" srcOrd="1" destOrd="0" parTransId="{2C50939B-953B-44A9-90F8-0887EAD29C6F}" sibTransId="{4491F325-F1DA-4BE3-A4CC-D1FD3387C6E9}"/>
-    <dgm:cxn modelId="{5419F8C8-0842-4A3D-BEDC-CFFAEF181692}" srcId="{A3DFB6AC-C93C-4E80-BA4E-38774EA2BC06}" destId="{62E6DFF2-4CA6-4C4D-8C42-06C67DB693C5}" srcOrd="0" destOrd="0" parTransId="{CD2B180A-F5EC-4FE5-BDDE-91A0C582BDDE}" sibTransId="{520A5CE5-BCEA-4072-A64D-B119640A97D5}"/>
-    <dgm:cxn modelId="{53F350A4-32D9-40FE-8EBC-14B859412748}" type="presParOf" srcId="{C81A5BB9-4D64-4717-8406-D7D409A2D0A5}" destId="{372D2700-B00C-42A6-A122-1C38982C37FC}" srcOrd="0" destOrd="0" presId="urn:microsoft.com/office/officeart/2011/layout/RadialPictureList"/>
-    <dgm:cxn modelId="{5F000A98-36E0-457C-BFBA-5781407AFDD6}" type="presParOf" srcId="{C81A5BB9-4D64-4717-8406-D7D409A2D0A5}" destId="{764FEC24-CBCB-44F0-86DC-529A23F2C0B9}" srcOrd="1" destOrd="0" presId="urn:microsoft.com/office/officeart/2011/layout/RadialPictureList"/>
-    <dgm:cxn modelId="{2598A7AC-CD89-4AFC-A988-29BA59C279A2}" type="presParOf" srcId="{C81A5BB9-4D64-4717-8406-D7D409A2D0A5}" destId="{5C33B0FA-6CC1-42D5-B584-6C7781795CC4}" srcOrd="2" destOrd="0" presId="urn:microsoft.com/office/officeart/2011/layout/RadialPictureList"/>
-    <dgm:cxn modelId="{FC63ACF8-F0BA-481D-A647-13409FD474A0}" type="presParOf" srcId="{C81A5BB9-4D64-4717-8406-D7D409A2D0A5}" destId="{7FC37ED7-6E89-4B8E-B619-49CF5AC84D4C}" srcOrd="3" destOrd="0" presId="urn:microsoft.com/office/officeart/2011/layout/RadialPictureList"/>
-    <dgm:cxn modelId="{299642A7-8F4F-4C10-A40D-B443E85832BD}" type="presParOf" srcId="{C81A5BB9-4D64-4717-8406-D7D409A2D0A5}" destId="{3441DBEE-F360-4780-8F75-CE9639728BED}" srcOrd="4" destOrd="0" presId="urn:microsoft.com/office/officeart/2011/layout/RadialPictureList"/>
-    <dgm:cxn modelId="{468B5D9B-A546-4DF9-8D9F-AAC1889D5CA7}" type="presParOf" srcId="{3441DBEE-F360-4780-8F75-CE9639728BED}" destId="{C3B1C2D6-ED87-42F7-9B04-9D4AC11E7C34}" srcOrd="0" destOrd="0" presId="urn:microsoft.com/office/officeart/2011/layout/RadialPictureList"/>
-    <dgm:cxn modelId="{1FA4C4B5-9FBD-42EC-B4C9-68F145E07F8B}" type="presParOf" srcId="{C81A5BB9-4D64-4717-8406-D7D409A2D0A5}" destId="{D4B654CD-62A9-4196-A921-A30DC75B39ED}" srcOrd="5" destOrd="0" presId="urn:microsoft.com/office/officeart/2011/layout/RadialPictureList"/>
-    <dgm:cxn modelId="{3F611651-62DE-4E69-8A5D-AD78D5566866}" type="presParOf" srcId="{C81A5BB9-4D64-4717-8406-D7D409A2D0A5}" destId="{9691B5B1-181A-40C9-8D0C-B4FC508FF8A9}" srcOrd="6" destOrd="0" presId="urn:microsoft.com/office/officeart/2011/layout/RadialPictureList"/>
-    <dgm:cxn modelId="{7FF2635C-1EC2-47FF-886C-4B8EAEE0AA72}" type="presParOf" srcId="{9691B5B1-181A-40C9-8D0C-B4FC508FF8A9}" destId="{0996AF43-F1C7-4F9D-A94E-94D56DD1A125}" srcOrd="0" destOrd="0" presId="urn:microsoft.com/office/officeart/2011/layout/RadialPictureList"/>
-    <dgm:cxn modelId="{AF2371BF-A1A5-4DE0-82EE-9801F0DA8C72}" type="presParOf" srcId="{C81A5BB9-4D64-4717-8406-D7D409A2D0A5}" destId="{2BD6A280-EE95-482B-897B-C48B68C5B735}" srcOrd="7" destOrd="0" presId="urn:microsoft.com/office/officeart/2011/layout/RadialPictureList"/>
+    <dgm:cxn modelId="{53F350A4-32D9-40FE-8EBC-14B859412748}" type="presParOf" srcId="{C81A5BB9-4D64-4717-8406-D7D409A2D0A5}" destId="{372D2700-B00C-42A6-A122-1C38982C37FC}" srcOrd="0" destOrd="0" presId="urn:microsoft.com/office/officeart/2011/layout/RadialPictureList#1"/>
+    <dgm:cxn modelId="{5F000A98-36E0-457C-BFBA-5781407AFDD6}" type="presParOf" srcId="{C81A5BB9-4D64-4717-8406-D7D409A2D0A5}" destId="{764FEC24-CBCB-44F0-86DC-529A23F2C0B9}" srcOrd="1" destOrd="0" presId="urn:microsoft.com/office/officeart/2011/layout/RadialPictureList#1"/>
+    <dgm:cxn modelId="{2598A7AC-CD89-4AFC-A988-29BA59C279A2}" type="presParOf" srcId="{C81A5BB9-4D64-4717-8406-D7D409A2D0A5}" destId="{5C33B0FA-6CC1-42D5-B584-6C7781795CC4}" srcOrd="2" destOrd="0" presId="urn:microsoft.com/office/officeart/2011/layout/RadialPictureList#1"/>
+    <dgm:cxn modelId="{FC63ACF8-F0BA-481D-A647-13409FD474A0}" type="presParOf" srcId="{C81A5BB9-4D64-4717-8406-D7D409A2D0A5}" destId="{7FC37ED7-6E89-4B8E-B619-49CF5AC84D4C}" srcOrd="3" destOrd="0" presId="urn:microsoft.com/office/officeart/2011/layout/RadialPictureList#1"/>
+    <dgm:cxn modelId="{299642A7-8F4F-4C10-A40D-B443E85832BD}" type="presParOf" srcId="{C81A5BB9-4D64-4717-8406-D7D409A2D0A5}" destId="{3441DBEE-F360-4780-8F75-CE9639728BED}" srcOrd="4" destOrd="0" presId="urn:microsoft.com/office/officeart/2011/layout/RadialPictureList#1"/>
+    <dgm:cxn modelId="{468B5D9B-A546-4DF9-8D9F-AAC1889D5CA7}" type="presParOf" srcId="{3441DBEE-F360-4780-8F75-CE9639728BED}" destId="{C3B1C2D6-ED87-42F7-9B04-9D4AC11E7C34}" srcOrd="0" destOrd="0" presId="urn:microsoft.com/office/officeart/2011/layout/RadialPictureList#1"/>
+    <dgm:cxn modelId="{1FA4C4B5-9FBD-42EC-B4C9-68F145E07F8B}" type="presParOf" srcId="{C81A5BB9-4D64-4717-8406-D7D409A2D0A5}" destId="{D4B654CD-62A9-4196-A921-A30DC75B39ED}" srcOrd="5" destOrd="0" presId="urn:microsoft.com/office/officeart/2011/layout/RadialPictureList#1"/>
+    <dgm:cxn modelId="{3F611651-62DE-4E69-8A5D-AD78D5566866}" type="presParOf" srcId="{C81A5BB9-4D64-4717-8406-D7D409A2D0A5}" destId="{9691B5B1-181A-40C9-8D0C-B4FC508FF8A9}" srcOrd="6" destOrd="0" presId="urn:microsoft.com/office/officeart/2011/layout/RadialPictureList#1"/>
+    <dgm:cxn modelId="{7FF2635C-1EC2-47FF-886C-4B8EAEE0AA72}" type="presParOf" srcId="{9691B5B1-181A-40C9-8D0C-B4FC508FF8A9}" destId="{0996AF43-F1C7-4F9D-A94E-94D56DD1A125}" srcOrd="0" destOrd="0" presId="urn:microsoft.com/office/officeart/2011/layout/RadialPictureList#1"/>
+    <dgm:cxn modelId="{AF2371BF-A1A5-4DE0-82EE-9801F0DA8C72}" type="presParOf" srcId="{C81A5BB9-4D64-4717-8406-D7D409A2D0A5}" destId="{2BD6A280-EE95-482B-897B-C48B68C5B735}" srcOrd="7" destOrd="0" presId="urn:microsoft.com/office/officeart/2011/layout/RadialPictureList#1"/>
   </dgm:cxnLst>
   <dgm:bg/>
   <dgm:whole/>
   <dgm:extLst>
     <a:ext uri="http://schemas.microsoft.com/office/drawing/2008/diagram">
-      <dsp:dataModelExt xmlns:dsp="http://schemas.microsoft.com/office/drawing/2008/diagram" relId="rId5" minVer="http://schemas.openxmlformats.org/drawingml/2006/diagram"/>
+      <dsp:dataModelExt xmlns:dsp="http://schemas.microsoft.com/office/drawing/2008/diagram" relId="rId6" minVer="http://schemas.openxmlformats.org/drawingml/2006/diagram"/>
     </a:ext>
   </dgm:extLst>
 </dgm:dataModel>
@@ -3074,7 +3013,7 @@
         </a:bodyPr>
         <a:lstStyle/>
         <a:p>
-          <a:pPr lvl="0" algn="ctr" defTabSz="977900">
+          <a:pPr marL="0" lvl="0" indent="0" algn="ctr" defTabSz="977900">
             <a:lnSpc>
               <a:spcPct val="90000"/>
             </a:lnSpc>
@@ -3084,25 +3023,22 @@
             <a:spcAft>
               <a:spcPct val="35000"/>
             </a:spcAft>
+            <a:buNone/>
           </a:pPr>
           <a:r>
-            <a:rPr lang="en-US" sz="2200" kern="1200" dirty="0" err="1" smtClean="0">
+            <a:rPr lang="en-US" sz="2200" kern="1200" dirty="0" err="1">
               <a:latin typeface="Segoe UI Semibold" panose="020B0702040204020203" pitchFamily="34" charset="0"/>
               <a:cs typeface="Segoe UI Semibold" panose="020B0702040204020203" pitchFamily="34" charset="0"/>
             </a:rPr>
             <a:t>Bisnis</a:t>
           </a:r>
           <a:r>
-            <a:rPr lang="en-US" sz="2200" kern="1200" dirty="0" smtClean="0">
+            <a:rPr lang="en-US" sz="2200" kern="1200" dirty="0">
               <a:latin typeface="Segoe UI Semibold" panose="020B0702040204020203" pitchFamily="34" charset="0"/>
               <a:cs typeface="Segoe UI Semibold" panose="020B0702040204020203" pitchFamily="34" charset="0"/>
             </a:rPr>
             <a:t> Digital</a:t>
           </a:r>
-          <a:endParaRPr lang="en-US" sz="2200" kern="1200" dirty="0">
-            <a:latin typeface="Segoe UI Semibold" panose="020B0702040204020203" pitchFamily="34" charset="0"/>
-            <a:cs typeface="Segoe UI Semibold" panose="020B0702040204020203" pitchFamily="34" charset="0"/>
-          </a:endParaRPr>
         </a:p>
       </dsp:txBody>
       <dsp:txXfrm>
@@ -3164,7 +3100,7 @@
         </a:bodyPr>
         <a:lstStyle/>
         <a:p>
-          <a:pPr lvl="0" algn="ctr" defTabSz="977900">
+          <a:pPr marL="0" lvl="0" indent="0" algn="ctr" defTabSz="977900">
             <a:lnSpc>
               <a:spcPct val="90000"/>
             </a:lnSpc>
@@ -3174,23 +3110,24 @@
             <a:spcAft>
               <a:spcPct val="35000"/>
             </a:spcAft>
+            <a:buNone/>
           </a:pPr>
           <a:r>
-            <a:rPr lang="en-US" sz="2200" kern="1200" dirty="0" err="1" smtClean="0">
+            <a:rPr lang="en-US" sz="2200" kern="1200" dirty="0" err="1">
               <a:latin typeface="Segoe UI Semibold" panose="020B0702040204020203" pitchFamily="34" charset="0"/>
               <a:cs typeface="Segoe UI Semibold" panose="020B0702040204020203" pitchFamily="34" charset="0"/>
             </a:rPr>
             <a:t>Manajemen</a:t>
           </a:r>
           <a:r>
-            <a:rPr lang="en-US" sz="2200" kern="1200" dirty="0" smtClean="0">
+            <a:rPr lang="en-US" sz="2200" kern="1200" dirty="0">
               <a:latin typeface="Segoe UI Semibold" panose="020B0702040204020203" pitchFamily="34" charset="0"/>
               <a:cs typeface="Segoe UI Semibold" panose="020B0702040204020203" pitchFamily="34" charset="0"/>
             </a:rPr>
             <a:t> Proses </a:t>
           </a:r>
           <a:r>
-            <a:rPr lang="en-US" sz="2200" kern="1200" dirty="0" err="1" smtClean="0">
+            <a:rPr lang="en-US" sz="2200" kern="1200" dirty="0" err="1">
               <a:latin typeface="Segoe UI Semibold" panose="020B0702040204020203" pitchFamily="34" charset="0"/>
               <a:cs typeface="Segoe UI Semibold" panose="020B0702040204020203" pitchFamily="34" charset="0"/>
             </a:rPr>
@@ -3261,7 +3198,7 @@
         </a:bodyPr>
         <a:lstStyle/>
         <a:p>
-          <a:pPr lvl="0" algn="ctr" defTabSz="977900">
+          <a:pPr marL="0" lvl="0" indent="0" algn="ctr" defTabSz="977900">
             <a:lnSpc>
               <a:spcPct val="90000"/>
             </a:lnSpc>
@@ -3271,37 +3208,38 @@
             <a:spcAft>
               <a:spcPct val="35000"/>
             </a:spcAft>
+            <a:buNone/>
           </a:pPr>
           <a:r>
-            <a:rPr lang="en-US" sz="2200" kern="1200" dirty="0" err="1" smtClean="0">
+            <a:rPr lang="en-US" sz="2200" kern="1200" dirty="0" err="1">
               <a:latin typeface="Segoe UI Semibold" panose="020B0702040204020203" pitchFamily="34" charset="0"/>
               <a:cs typeface="Segoe UI Semibold" panose="020B0702040204020203" pitchFamily="34" charset="0"/>
             </a:rPr>
             <a:t>Kekuatan</a:t>
           </a:r>
           <a:r>
-            <a:rPr lang="en-US" sz="2200" kern="1200" dirty="0" smtClean="0">
+            <a:rPr lang="en-US" sz="2200" kern="1200" dirty="0">
               <a:latin typeface="Segoe UI Semibold" panose="020B0702040204020203" pitchFamily="34" charset="0"/>
               <a:cs typeface="Segoe UI Semibold" panose="020B0702040204020203" pitchFamily="34" charset="0"/>
             </a:rPr>
             <a:t> </a:t>
           </a:r>
           <a:r>
-            <a:rPr lang="en-US" sz="2200" kern="1200" dirty="0" err="1" smtClean="0">
+            <a:rPr lang="en-US" sz="2200" kern="1200" dirty="0" err="1">
               <a:latin typeface="Segoe UI Semibold" panose="020B0702040204020203" pitchFamily="34" charset="0"/>
               <a:cs typeface="Segoe UI Semibold" panose="020B0702040204020203" pitchFamily="34" charset="0"/>
             </a:rPr>
             <a:t>Daya</a:t>
           </a:r>
           <a:r>
-            <a:rPr lang="en-US" sz="2200" kern="1200" dirty="0" smtClean="0">
+            <a:rPr lang="en-US" sz="2200" kern="1200" dirty="0">
               <a:latin typeface="Segoe UI Semibold" panose="020B0702040204020203" pitchFamily="34" charset="0"/>
               <a:cs typeface="Segoe UI Semibold" panose="020B0702040204020203" pitchFamily="34" charset="0"/>
             </a:rPr>
             <a:t> </a:t>
           </a:r>
           <a:r>
-            <a:rPr lang="en-US" sz="2200" kern="1200" dirty="0" err="1" smtClean="0">
+            <a:rPr lang="en-US" sz="2200" kern="1200" dirty="0" err="1">
               <a:latin typeface="Segoe UI Semibold" panose="020B0702040204020203" pitchFamily="34" charset="0"/>
               <a:cs typeface="Segoe UI Semibold" panose="020B0702040204020203" pitchFamily="34" charset="0"/>
             </a:rPr>
@@ -3372,7 +3310,7 @@
         </a:bodyPr>
         <a:lstStyle/>
         <a:p>
-          <a:pPr lvl="0" algn="ctr" defTabSz="977900">
+          <a:pPr marL="0" lvl="0" indent="0" algn="ctr" defTabSz="977900">
             <a:lnSpc>
               <a:spcPct val="90000"/>
             </a:lnSpc>
@@ -3382,23 +3320,24 @@
             <a:spcAft>
               <a:spcPct val="35000"/>
             </a:spcAft>
+            <a:buNone/>
           </a:pPr>
           <a:r>
-            <a:rPr lang="en-US" sz="2200" kern="1200" dirty="0" err="1" smtClean="0">
+            <a:rPr lang="en-US" sz="2200" kern="1200" dirty="0" err="1">
               <a:latin typeface="Segoe UI Semibold" panose="020B0702040204020203" pitchFamily="34" charset="0"/>
               <a:cs typeface="Segoe UI Semibold" panose="020B0702040204020203" pitchFamily="34" charset="0"/>
             </a:rPr>
             <a:t>Tren</a:t>
           </a:r>
           <a:r>
-            <a:rPr lang="en-US" sz="2200" kern="1200" dirty="0" smtClean="0">
+            <a:rPr lang="en-US" sz="2200" kern="1200" dirty="0">
               <a:latin typeface="Segoe UI Semibold" panose="020B0702040204020203" pitchFamily="34" charset="0"/>
               <a:cs typeface="Segoe UI Semibold" panose="020B0702040204020203" pitchFamily="34" charset="0"/>
             </a:rPr>
             <a:t> Perusahaan </a:t>
           </a:r>
           <a:r>
-            <a:rPr lang="en-US" sz="2200" kern="1200" dirty="0" err="1" smtClean="0">
+            <a:rPr lang="en-US" sz="2200" kern="1200" dirty="0" err="1">
               <a:latin typeface="Segoe UI Semibold" panose="020B0702040204020203" pitchFamily="34" charset="0"/>
               <a:cs typeface="Segoe UI Semibold" panose="020B0702040204020203" pitchFamily="34" charset="0"/>
             </a:rPr>
@@ -3476,7 +3415,7 @@
         </a:bodyPr>
         <a:lstStyle/>
         <a:p>
-          <a:pPr lvl="0" algn="ctr" defTabSz="1778000">
+          <a:pPr marL="0" lvl="0" indent="0" algn="ctr" defTabSz="1778000">
             <a:lnSpc>
               <a:spcPct val="90000"/>
             </a:lnSpc>
@@ -3486,9 +3425,10 @@
             <a:spcAft>
               <a:spcPct val="35000"/>
             </a:spcAft>
+            <a:buNone/>
           </a:pPr>
           <a:r>
-            <a:rPr lang="en-US" sz="4000" kern="1200" dirty="0" err="1" smtClean="0">
+            <a:rPr lang="en-US" sz="4000" kern="1200" dirty="0" err="1">
               <a:latin typeface="Segoe UI" panose="020B0502040204020203" pitchFamily="34" charset="0"/>
               <a:cs typeface="Segoe UI" panose="020B0502040204020203" pitchFamily="34" charset="0"/>
             </a:rPr>
@@ -3642,7 +3582,7 @@
         </a:bodyPr>
         <a:lstStyle/>
         <a:p>
-          <a:pPr lvl="0" algn="l" defTabSz="889000">
+          <a:pPr marL="0" lvl="0" indent="0" algn="l" defTabSz="889000">
             <a:lnSpc>
               <a:spcPct val="90000"/>
             </a:lnSpc>
@@ -3652,9 +3592,10 @@
             <a:spcAft>
               <a:spcPct val="10000"/>
             </a:spcAft>
+            <a:buNone/>
           </a:pPr>
           <a:r>
-            <a:rPr lang="en-US" sz="2000" kern="1200" dirty="0" err="1" smtClean="0">
+            <a:rPr lang="en-US" sz="2000" kern="1200" dirty="0" err="1">
               <a:solidFill>
                 <a:srgbClr val="002060"/>
               </a:solidFill>
@@ -3664,7 +3605,7 @@
             <a:t>Lebih</a:t>
           </a:r>
           <a:r>
-            <a:rPr lang="en-US" sz="2000" kern="1200" dirty="0" smtClean="0">
+            <a:rPr lang="en-US" sz="2000" kern="1200" dirty="0">
               <a:solidFill>
                 <a:srgbClr val="002060"/>
               </a:solidFill>
@@ -3674,7 +3615,7 @@
             <a:t> </a:t>
           </a:r>
           <a:r>
-            <a:rPr lang="en-US" sz="2000" kern="1200" dirty="0" err="1" smtClean="0">
+            <a:rPr lang="en-US" sz="2000" kern="1200" dirty="0" err="1">
               <a:solidFill>
                 <a:srgbClr val="002060"/>
               </a:solidFill>
@@ -3684,7 +3625,7 @@
             <a:t>mengandalkan</a:t>
           </a:r>
           <a:r>
-            <a:rPr lang="en-US" sz="2000" kern="1200" dirty="0" smtClean="0">
+            <a:rPr lang="en-US" sz="2000" kern="1200" dirty="0">
               <a:solidFill>
                 <a:srgbClr val="002060"/>
               </a:solidFill>
@@ -3694,7 +3635,7 @@
             <a:t> </a:t>
           </a:r>
           <a:r>
-            <a:rPr lang="en-US" sz="2000" b="1" kern="1200" dirty="0" smtClean="0">
+            <a:rPr lang="en-US" sz="2000" b="1" kern="1200" dirty="0">
               <a:solidFill>
                 <a:srgbClr val="002060"/>
               </a:solidFill>
@@ -3704,24 +3645,14 @@
             <a:t>Mobile</a:t>
           </a:r>
           <a:r>
-            <a:rPr lang="en-US" sz="2000" kern="1200" dirty="0" smtClean="0">
+            <a:rPr lang="en-US" sz="2000" kern="1200" dirty="0">
               <a:solidFill>
                 <a:srgbClr val="002060"/>
               </a:solidFill>
               <a:latin typeface="Segoe UI" panose="020B0502040204020203" pitchFamily="34" charset="0"/>
               <a:cs typeface="Segoe UI" panose="020B0502040204020203" pitchFamily="34" charset="0"/>
             </a:rPr>
-            <a:t> Business </a:t>
-          </a:r>
-          <a:r>
-            <a:rPr lang="en-US" sz="2000" kern="1200" dirty="0" smtClean="0">
-              <a:solidFill>
-                <a:srgbClr val="002060"/>
-              </a:solidFill>
-              <a:latin typeface="Segoe UI" panose="020B0502040204020203" pitchFamily="34" charset="0"/>
-              <a:cs typeface="Segoe UI" panose="020B0502040204020203" pitchFamily="34" charset="0"/>
-            </a:rPr>
-            <a:t>Apps</a:t>
+            <a:t> Business Apps</a:t>
           </a:r>
           <a:endParaRPr lang="en-US" sz="2000" kern="1200" dirty="0">
             <a:solidFill>
@@ -3819,7 +3750,7 @@
         </a:bodyPr>
         <a:lstStyle/>
         <a:p>
-          <a:pPr lvl="0" algn="l" defTabSz="889000">
+          <a:pPr marL="0" lvl="0" indent="0" algn="l" defTabSz="889000">
             <a:lnSpc>
               <a:spcPct val="90000"/>
             </a:lnSpc>
@@ -3829,9 +3760,10 @@
             <a:spcAft>
               <a:spcPct val="10000"/>
             </a:spcAft>
+            <a:buNone/>
           </a:pPr>
           <a:r>
-            <a:rPr lang="en-US" sz="2000" kern="1200" dirty="0" err="1" smtClean="0">
+            <a:rPr lang="en-US" sz="2000" kern="1200" dirty="0" err="1">
               <a:solidFill>
                 <a:srgbClr val="002060"/>
               </a:solidFill>
@@ -3841,7 +3773,7 @@
             <a:t>Memanfaatkan</a:t>
           </a:r>
           <a:r>
-            <a:rPr lang="en-US" sz="2000" kern="1200" dirty="0" smtClean="0">
+            <a:rPr lang="en-US" sz="2000" kern="1200" dirty="0">
               <a:solidFill>
                 <a:srgbClr val="002060"/>
               </a:solidFill>
@@ -3851,7 +3783,7 @@
             <a:t> platform </a:t>
           </a:r>
           <a:r>
-            <a:rPr lang="en-US" sz="2000" b="1" kern="1200" dirty="0" smtClean="0">
+            <a:rPr lang="en-US" sz="2000" b="1" kern="1200" dirty="0">
               <a:solidFill>
                 <a:srgbClr val="002060"/>
               </a:solidFill>
@@ -3861,7 +3793,7 @@
             <a:t>Media </a:t>
           </a:r>
           <a:r>
-            <a:rPr lang="en-US" sz="2000" b="1" kern="1200" dirty="0" err="1" smtClean="0">
+            <a:rPr lang="en-US" sz="2000" b="1" kern="1200" dirty="0" err="1">
               <a:solidFill>
                 <a:srgbClr val="002060"/>
               </a:solidFill>
@@ -3871,7 +3803,7 @@
             <a:t>Sosial</a:t>
           </a:r>
           <a:r>
-            <a:rPr lang="en-US" sz="2000" b="1" kern="1200" dirty="0" smtClean="0">
+            <a:rPr lang="en-US" sz="2000" b="1" kern="1200" dirty="0">
               <a:solidFill>
                 <a:srgbClr val="002060"/>
               </a:solidFill>
@@ -3881,7 +3813,7 @@
             <a:t> </a:t>
           </a:r>
           <a:r>
-            <a:rPr lang="en-US" sz="2000" kern="1200" dirty="0" smtClean="0">
+            <a:rPr lang="en-US" sz="2000" kern="1200" dirty="0">
               <a:solidFill>
                 <a:srgbClr val="002060"/>
               </a:solidFill>
@@ -3891,7 +3823,7 @@
             <a:t>– </a:t>
           </a:r>
           <a:r>
-            <a:rPr lang="en-US" sz="2000" kern="1200" dirty="0" err="1" smtClean="0">
+            <a:rPr lang="en-US" sz="2000" kern="1200" dirty="0" err="1">
               <a:solidFill>
                 <a:srgbClr val="002060"/>
               </a:solidFill>
@@ -3901,7 +3833,7 @@
             <a:t>Namun</a:t>
           </a:r>
           <a:r>
-            <a:rPr lang="en-US" sz="2000" kern="1200" dirty="0" smtClean="0">
+            <a:rPr lang="en-US" sz="2000" kern="1200" dirty="0">
               <a:solidFill>
                 <a:srgbClr val="002060"/>
               </a:solidFill>
@@ -3911,7 +3843,7 @@
             <a:t> </a:t>
           </a:r>
           <a:r>
-            <a:rPr lang="en-US" sz="2000" kern="1200" dirty="0" err="1" smtClean="0">
+            <a:rPr lang="en-US" sz="2000" kern="1200" dirty="0" err="1">
               <a:solidFill>
                 <a:srgbClr val="002060"/>
               </a:solidFill>
@@ -3921,7 +3853,7 @@
             <a:t>perlu</a:t>
           </a:r>
           <a:r>
-            <a:rPr lang="en-US" sz="2000" kern="1200" dirty="0" smtClean="0">
+            <a:rPr lang="en-US" sz="2000" kern="1200" dirty="0">
               <a:solidFill>
                 <a:srgbClr val="002060"/>
               </a:solidFill>
@@ -3931,7 +3863,7 @@
             <a:t> </a:t>
           </a:r>
           <a:r>
-            <a:rPr lang="en-US" sz="2000" kern="1200" dirty="0" err="1" smtClean="0">
+            <a:rPr lang="en-US" sz="2000" kern="1200" dirty="0" err="1">
               <a:solidFill>
                 <a:srgbClr val="002060"/>
               </a:solidFill>
@@ -3941,7 +3873,7 @@
             <a:t>taat</a:t>
           </a:r>
           <a:r>
-            <a:rPr lang="en-US" sz="2000" kern="1200" dirty="0" smtClean="0">
+            <a:rPr lang="en-US" sz="2000" kern="1200" dirty="0">
               <a:solidFill>
                 <a:srgbClr val="002060"/>
               </a:solidFill>
@@ -3951,7 +3883,7 @@
             <a:t> </a:t>
           </a:r>
           <a:r>
-            <a:rPr lang="en-US" sz="2000" kern="1200" dirty="0" err="1" smtClean="0">
+            <a:rPr lang="en-US" sz="2000" kern="1200" dirty="0" err="1">
               <a:solidFill>
                 <a:srgbClr val="002060"/>
               </a:solidFill>
@@ -3961,7 +3893,7 @@
             <a:t>pada</a:t>
           </a:r>
           <a:r>
-            <a:rPr lang="en-US" sz="2000" kern="1200" dirty="0" smtClean="0">
+            <a:rPr lang="en-US" sz="2000" kern="1200" dirty="0">
               <a:solidFill>
                 <a:srgbClr val="002060"/>
               </a:solidFill>
@@ -3971,7 +3903,7 @@
             <a:t> </a:t>
           </a:r>
           <a:r>
-            <a:rPr lang="en-US" sz="2000" kern="1200" dirty="0" err="1" smtClean="0">
+            <a:rPr lang="en-US" sz="2000" kern="1200" dirty="0" err="1">
               <a:solidFill>
                 <a:srgbClr val="002060"/>
               </a:solidFill>
@@ -3981,7 +3913,7 @@
             <a:t>aturan</a:t>
           </a:r>
           <a:r>
-            <a:rPr lang="en-US" sz="2000" kern="1200" dirty="0" smtClean="0">
+            <a:rPr lang="en-US" sz="2000" kern="1200" dirty="0">
               <a:solidFill>
                 <a:srgbClr val="002060"/>
               </a:solidFill>
@@ -3991,7 +3923,7 @@
             <a:t> yang </a:t>
           </a:r>
           <a:r>
-            <a:rPr lang="en-US" sz="2000" kern="1200" dirty="0" err="1" smtClean="0">
+            <a:rPr lang="en-US" sz="2000" kern="1200" dirty="0" err="1">
               <a:solidFill>
                 <a:srgbClr val="002060"/>
               </a:solidFill>
@@ -4001,7 +3933,7 @@
             <a:t>berlaku</a:t>
           </a:r>
           <a:r>
-            <a:rPr lang="en-US" sz="2000" kern="1200" dirty="0" smtClean="0">
+            <a:rPr lang="en-US" sz="2000" kern="1200" dirty="0">
               <a:solidFill>
                 <a:srgbClr val="002060"/>
               </a:solidFill>
@@ -4106,7 +4038,7 @@
         </a:bodyPr>
         <a:lstStyle/>
         <a:p>
-          <a:pPr lvl="0" algn="l" defTabSz="889000">
+          <a:pPr marL="0" lvl="0" indent="0" algn="l" defTabSz="889000">
             <a:lnSpc>
               <a:spcPct val="90000"/>
             </a:lnSpc>
@@ -4116,9 +4048,10 @@
             <a:spcAft>
               <a:spcPct val="10000"/>
             </a:spcAft>
+            <a:buNone/>
           </a:pPr>
           <a:r>
-            <a:rPr lang="en-US" sz="2000" kern="1200" dirty="0" smtClean="0">
+            <a:rPr lang="en-US" sz="2000" kern="1200" dirty="0">
               <a:solidFill>
                 <a:srgbClr val="002060"/>
               </a:solidFill>
@@ -4128,7 +4061,7 @@
             <a:t>More Near-Field Communication </a:t>
           </a:r>
           <a:r>
-            <a:rPr lang="en-US" sz="2000" b="1" kern="1200" dirty="0" smtClean="0">
+            <a:rPr lang="en-US" sz="2000" b="1" kern="1200" dirty="0">
               <a:solidFill>
                 <a:srgbClr val="002060"/>
               </a:solidFill>
@@ -4138,7 +4071,7 @@
             <a:t>(NFC)</a:t>
           </a:r>
           <a:r>
-            <a:rPr lang="en-US" sz="2000" kern="1200" dirty="0" smtClean="0">
+            <a:rPr lang="en-US" sz="2000" kern="1200" dirty="0">
               <a:solidFill>
                 <a:srgbClr val="002060"/>
               </a:solidFill>
@@ -4164,7 +4097,7 @@
 </file>
 
 <file path=ppt/diagrams/layout1.xml><?xml version="1.0" encoding="utf-8"?>
-<dgm:layoutDef xmlns:dgm="http://schemas.openxmlformats.org/drawingml/2006/diagram" xmlns:a="http://schemas.openxmlformats.org/drawingml/2006/main" uniqueId="urn:microsoft.com/office/officeart/2005/8/layout/hProcess9">
+<dgm:layoutDef xmlns:dgm="http://schemas.openxmlformats.org/drawingml/2006/diagram" xmlns:a="http://schemas.openxmlformats.org/drawingml/2006/main" uniqueId="urn:microsoft.com/office/officeart/2005/8/layout/hProcess9#1">
   <dgm:title val=""/>
   <dgm:desc val=""/>
   <dgm:catLst>
@@ -4318,7 +4251,7 @@
 </file>
 
 <file path=ppt/diagrams/layout2.xml><?xml version="1.0" encoding="utf-8"?>
-<dgm:layoutDef xmlns:dgm="http://schemas.openxmlformats.org/drawingml/2006/diagram" xmlns:a="http://schemas.openxmlformats.org/drawingml/2006/main" uniqueId="urn:microsoft.com/office/officeart/2011/layout/RadialPictureList">
+<dgm:layoutDef xmlns:dgm="http://schemas.openxmlformats.org/drawingml/2006/diagram" xmlns:a="http://schemas.openxmlformats.org/drawingml/2006/main" uniqueId="urn:microsoft.com/office/officeart/2011/layout/RadialPictureList#1">
   <dgm:title val="Radial Picture List"/>
   <dgm:desc val="Use to show relationships to a central idea. The Level 1 shape contains text and all Level 2 shapes contain a picture with corresponding text. Limited to four Level 2 pictures.  Unused pictures do not appear, but remain available if you switch layouts. Works best with a small amount of Level 2 text."/>
   <dgm:catLst>
@@ -4858,7 +4791,7 @@
           <dgm:else name="Name25">
             <dgm:choose name="Name26">
               <dgm:if name="Name27" axis="followSib" ptType="node" func="cnt" op="equ" val="0">
-                <dgm:shape xmlns:r="http://schemas.openxmlformats.org/officeDocument/2006/relationships" type="blockArc" r:blip="" rot="180">
+                <dgm:shape xmlns:r="http://schemas.openxmlformats.org/officeDocument/2006/relationships" rot="180" type="blockArc" r:blip="">
                   <dgm:adjLst>
                     <dgm:adj idx="1" val="-49.0368"/>
                     <dgm:adj idx="2" val="49.4265"/>
@@ -4867,7 +4800,7 @@
                 </dgm:shape>
               </dgm:if>
               <dgm:if name="Name28" axis="followSib" ptType="node" func="cnt" op="equ" val="1">
-                <dgm:shape xmlns:r="http://schemas.openxmlformats.org/officeDocument/2006/relationships" type="blockArc" r:blip="" rot="180">
+                <dgm:shape xmlns:r="http://schemas.openxmlformats.org/officeDocument/2006/relationships" rot="180" type="blockArc" r:blip="">
                   <dgm:adjLst>
                     <dgm:adj idx="1" val="-64.2028"/>
                     <dgm:adj idx="2" val="64.5456"/>
@@ -4876,7 +4809,7 @@
                 </dgm:shape>
               </dgm:if>
               <dgm:if name="Name29" axis="followSib" ptType="node" func="cnt" op="equ" val="2">
-                <dgm:shape xmlns:r="http://schemas.openxmlformats.org/officeDocument/2006/relationships" type="blockArc" r:blip="" rot="180">
+                <dgm:shape xmlns:r="http://schemas.openxmlformats.org/officeDocument/2006/relationships" rot="180" type="blockArc" r:blip="">
                   <dgm:adjLst>
                     <dgm:adj idx="1" val="-67.8702"/>
                     <dgm:adj idx="2" val="68.6519"/>
@@ -4885,7 +4818,7 @@
                 </dgm:shape>
               </dgm:if>
               <dgm:else name="Name30">
-                <dgm:shape xmlns:r="http://schemas.openxmlformats.org/officeDocument/2006/relationships" type="blockArc" r:blip="" rot="180">
+                <dgm:shape xmlns:r="http://schemas.openxmlformats.org/officeDocument/2006/relationships" rot="180" type="blockArc" r:blip="">
                   <dgm:adjLst>
                     <dgm:adj idx="1" val="-84.8426"/>
                     <dgm:adj idx="2" val="84.8009"/>
@@ -5104,7 +5037,7 @@
 </file>
 
 <file path=ppt/diagrams/quickStyle1.xml><?xml version="1.0" encoding="utf-8"?>
-<dgm:styleDef xmlns:dgm="http://schemas.openxmlformats.org/drawingml/2006/diagram" xmlns:a="http://schemas.openxmlformats.org/drawingml/2006/main" uniqueId="urn:microsoft.com/office/officeart/2005/8/quickstyle/simple1">
+<dgm:styleDef xmlns:dgm="http://schemas.openxmlformats.org/drawingml/2006/diagram" xmlns:a="http://schemas.openxmlformats.org/drawingml/2006/main" uniqueId="urn:microsoft.com/office/officeart/2005/8/quickstyle/simple1#1">
   <dgm:title val=""/>
   <dgm:desc val=""/>
   <dgm:catLst>
@@ -5119,6 +5052,7 @@
       <a:camera prst="orthographicFront"/>
       <a:lightRig rig="threePt" dir="t"/>
     </dgm:scene3d>
+    <dgm:sp3d/>
     <dgm:txPr/>
     <dgm:style>
       <a:lnRef idx="2">
@@ -5138,6 +5072,7 @@
       <a:camera prst="orthographicFront"/>
       <a:lightRig rig="threePt" dir="t"/>
     </dgm:scene3d>
+    <dgm:sp3d/>
     <dgm:txPr/>
     <dgm:style>
       <a:lnRef idx="2">
@@ -5157,6 +5092,7 @@
       <a:camera prst="orthographicFront"/>
       <a:lightRig rig="threePt" dir="t"/>
     </dgm:scene3d>
+    <dgm:sp3d/>
     <dgm:txPr/>
     <dgm:style>
       <a:lnRef idx="2">
@@ -5176,6 +5112,7 @@
       <a:camera prst="orthographicFront"/>
       <a:lightRig rig="threePt" dir="t"/>
     </dgm:scene3d>
+    <dgm:sp3d/>
     <dgm:txPr/>
     <dgm:style>
       <a:lnRef idx="2">
@@ -5197,6 +5134,7 @@
       <a:camera prst="orthographicFront"/>
       <a:lightRig rig="threePt" dir="t"/>
     </dgm:scene3d>
+    <dgm:sp3d/>
     <dgm:txPr/>
     <dgm:style>
       <a:lnRef idx="2">
@@ -5218,6 +5156,7 @@
       <a:camera prst="orthographicFront"/>
       <a:lightRig rig="threePt" dir="t"/>
     </dgm:scene3d>
+    <dgm:sp3d/>
     <dgm:txPr/>
     <dgm:style>
       <a:lnRef idx="2">
@@ -5239,6 +5178,7 @@
       <a:camera prst="orthographicFront"/>
       <a:lightRig rig="threePt" dir="t"/>
     </dgm:scene3d>
+    <dgm:sp3d/>
     <dgm:txPr/>
     <dgm:style>
       <a:lnRef idx="2">
@@ -5260,6 +5200,7 @@
       <a:camera prst="orthographicFront"/>
       <a:lightRig rig="threePt" dir="t"/>
     </dgm:scene3d>
+    <dgm:sp3d/>
     <dgm:txPr/>
     <dgm:style>
       <a:lnRef idx="2">
@@ -5281,6 +5222,7 @@
       <a:camera prst="orthographicFront"/>
       <a:lightRig rig="threePt" dir="t"/>
     </dgm:scene3d>
+    <dgm:sp3d/>
     <dgm:txPr/>
     <dgm:style>
       <a:lnRef idx="2">
@@ -5302,6 +5244,7 @@
       <a:camera prst="orthographicFront"/>
       <a:lightRig rig="threePt" dir="t"/>
     </dgm:scene3d>
+    <dgm:sp3d/>
     <dgm:txPr/>
     <dgm:style>
       <a:lnRef idx="2">
@@ -5321,6 +5264,7 @@
       <a:camera prst="orthographicFront"/>
       <a:lightRig rig="threePt" dir="t"/>
     </dgm:scene3d>
+    <dgm:sp3d/>
     <dgm:txPr/>
     <dgm:style>
       <a:lnRef idx="2">
@@ -5340,6 +5284,7 @@
       <a:camera prst="orthographicFront"/>
       <a:lightRig rig="threePt" dir="t"/>
     </dgm:scene3d>
+    <dgm:sp3d/>
     <dgm:txPr/>
     <dgm:style>
       <a:lnRef idx="2">
@@ -5359,6 +5304,7 @@
       <a:camera prst="orthographicFront"/>
       <a:lightRig rig="threePt" dir="t"/>
     </dgm:scene3d>
+    <dgm:sp3d/>
     <dgm:txPr/>
     <dgm:style>
       <a:lnRef idx="0">
@@ -5378,6 +5324,7 @@
       <a:camera prst="orthographicFront"/>
       <a:lightRig rig="threePt" dir="t"/>
     </dgm:scene3d>
+    <dgm:sp3d/>
     <dgm:txPr/>
     <dgm:style>
       <a:lnRef idx="0">
@@ -5399,6 +5346,7 @@
       <a:camera prst="orthographicFront"/>
       <a:lightRig rig="threePt" dir="t"/>
     </dgm:scene3d>
+    <dgm:sp3d/>
     <dgm:txPr/>
     <dgm:style>
       <a:lnRef idx="2">
@@ -5418,6 +5366,7 @@
       <a:camera prst="orthographicFront"/>
       <a:lightRig rig="threePt" dir="t"/>
     </dgm:scene3d>
+    <dgm:sp3d/>
     <dgm:txPr/>
     <dgm:style>
       <a:lnRef idx="2">
@@ -5437,6 +5386,7 @@
       <a:camera prst="orthographicFront"/>
       <a:lightRig rig="threePt" dir="t"/>
     </dgm:scene3d>
+    <dgm:sp3d/>
     <dgm:txPr/>
     <dgm:style>
       <a:lnRef idx="0">
@@ -5456,6 +5406,7 @@
       <a:camera prst="orthographicFront"/>
       <a:lightRig rig="threePt" dir="t"/>
     </dgm:scene3d>
+    <dgm:sp3d/>
     <dgm:txPr/>
     <dgm:style>
       <a:lnRef idx="2">
@@ -5475,6 +5426,7 @@
       <a:camera prst="orthographicFront"/>
       <a:lightRig rig="threePt" dir="t"/>
     </dgm:scene3d>
+    <dgm:sp3d/>
     <dgm:txPr/>
     <dgm:style>
       <a:lnRef idx="2">
@@ -5494,6 +5446,7 @@
       <a:camera prst="orthographicFront"/>
       <a:lightRig rig="threePt" dir="t"/>
     </dgm:scene3d>
+    <dgm:sp3d/>
     <dgm:txPr/>
     <dgm:style>
       <a:lnRef idx="2">
@@ -5513,6 +5466,7 @@
       <a:camera prst="orthographicFront"/>
       <a:lightRig rig="threePt" dir="t"/>
     </dgm:scene3d>
+    <dgm:sp3d/>
     <dgm:txPr/>
     <dgm:style>
       <a:lnRef idx="2">
@@ -5532,6 +5486,7 @@
       <a:camera prst="orthographicFront"/>
       <a:lightRig rig="threePt" dir="t"/>
     </dgm:scene3d>
+    <dgm:sp3d/>
     <dgm:txPr/>
     <dgm:style>
       <a:lnRef idx="2">
@@ -5551,6 +5506,7 @@
       <a:camera prst="orthographicFront"/>
       <a:lightRig rig="threePt" dir="t"/>
     </dgm:scene3d>
+    <dgm:sp3d/>
     <dgm:txPr/>
     <dgm:style>
       <a:lnRef idx="2">
@@ -5570,6 +5526,7 @@
       <a:camera prst="orthographicFront"/>
       <a:lightRig rig="threePt" dir="t"/>
     </dgm:scene3d>
+    <dgm:sp3d/>
     <dgm:txPr/>
     <dgm:style>
       <a:lnRef idx="2">
@@ -5589,6 +5546,7 @@
       <a:camera prst="orthographicFront"/>
       <a:lightRig rig="threePt" dir="t"/>
     </dgm:scene3d>
+    <dgm:sp3d/>
     <dgm:txPr/>
     <dgm:style>
       <a:lnRef idx="2">
@@ -5608,6 +5566,7 @@
       <a:camera prst="orthographicFront"/>
       <a:lightRig rig="threePt" dir="t"/>
     </dgm:scene3d>
+    <dgm:sp3d/>
     <dgm:txPr/>
     <dgm:style>
       <a:lnRef idx="0">
@@ -5629,6 +5588,7 @@
       <a:camera prst="orthographicFront"/>
       <a:lightRig rig="threePt" dir="t"/>
     </dgm:scene3d>
+    <dgm:sp3d/>
     <dgm:txPr/>
     <dgm:style>
       <a:lnRef idx="2">
@@ -5650,6 +5610,7 @@
       <a:camera prst="orthographicFront"/>
       <a:lightRig rig="threePt" dir="t"/>
     </dgm:scene3d>
+    <dgm:sp3d/>
     <dgm:txPr/>
     <dgm:style>
       <a:lnRef idx="2">
@@ -5671,6 +5632,7 @@
       <a:camera prst="orthographicFront"/>
       <a:lightRig rig="threePt" dir="t"/>
     </dgm:scene3d>
+    <dgm:sp3d/>
     <dgm:txPr/>
     <dgm:style>
       <a:lnRef idx="2">
@@ -5692,6 +5654,7 @@
       <a:camera prst="orthographicFront"/>
       <a:lightRig rig="threePt" dir="t"/>
     </dgm:scene3d>
+    <dgm:sp3d/>
     <dgm:txPr/>
     <dgm:style>
       <a:lnRef idx="2">
@@ -5713,6 +5676,7 @@
       <a:camera prst="orthographicFront"/>
       <a:lightRig rig="threePt" dir="t"/>
     </dgm:scene3d>
+    <dgm:sp3d/>
     <dgm:txPr/>
     <dgm:style>
       <a:lnRef idx="2">
@@ -5734,6 +5698,7 @@
       <a:camera prst="orthographicFront"/>
       <a:lightRig rig="threePt" dir="t"/>
     </dgm:scene3d>
+    <dgm:sp3d/>
     <dgm:txPr/>
     <dgm:style>
       <a:lnRef idx="2">
@@ -5755,6 +5720,7 @@
       <a:camera prst="orthographicFront"/>
       <a:lightRig rig="threePt" dir="t"/>
     </dgm:scene3d>
+    <dgm:sp3d/>
     <dgm:txPr/>
     <dgm:style>
       <a:lnRef idx="2">
@@ -5774,6 +5740,7 @@
       <a:camera prst="orthographicFront"/>
       <a:lightRig rig="threePt" dir="t"/>
     </dgm:scene3d>
+    <dgm:sp3d/>
     <dgm:txPr/>
     <dgm:style>
       <a:lnRef idx="2">
@@ -5793,6 +5760,7 @@
       <a:camera prst="orthographicFront"/>
       <a:lightRig rig="threePt" dir="t"/>
     </dgm:scene3d>
+    <dgm:sp3d/>
     <dgm:txPr/>
     <dgm:style>
       <a:lnRef idx="2">
@@ -5812,6 +5780,7 @@
       <a:camera prst="orthographicFront"/>
       <a:lightRig rig="threePt" dir="t"/>
     </dgm:scene3d>
+    <dgm:sp3d/>
     <dgm:txPr/>
     <dgm:style>
       <a:lnRef idx="2">
@@ -5831,6 +5800,7 @@
       <a:camera prst="orthographicFront"/>
       <a:lightRig rig="threePt" dir="t"/>
     </dgm:scene3d>
+    <dgm:sp3d/>
     <dgm:txPr/>
     <dgm:style>
       <a:lnRef idx="2">
@@ -5852,6 +5822,7 @@
       <a:camera prst="orthographicFront"/>
       <a:lightRig rig="threePt" dir="t"/>
     </dgm:scene3d>
+    <dgm:sp3d/>
     <dgm:txPr/>
     <dgm:style>
       <a:lnRef idx="2">
@@ -5873,6 +5844,7 @@
       <a:camera prst="orthographicFront"/>
       <a:lightRig rig="threePt" dir="t"/>
     </dgm:scene3d>
+    <dgm:sp3d/>
     <dgm:txPr/>
     <dgm:style>
       <a:lnRef idx="2">
@@ -5894,6 +5866,7 @@
       <a:camera prst="orthographicFront"/>
       <a:lightRig rig="threePt" dir="t"/>
     </dgm:scene3d>
+    <dgm:sp3d/>
     <dgm:txPr/>
     <dgm:style>
       <a:lnRef idx="2">
@@ -5915,6 +5888,7 @@
       <a:camera prst="orthographicFront"/>
       <a:lightRig rig="threePt" dir="t"/>
     </dgm:scene3d>
+    <dgm:sp3d/>
     <dgm:txPr/>
     <dgm:style>
       <a:lnRef idx="0">
@@ -5934,6 +5908,7 @@
       <a:camera prst="orthographicFront"/>
       <a:lightRig rig="threePt" dir="t"/>
     </dgm:scene3d>
+    <dgm:sp3d/>
     <dgm:txPr/>
     <dgm:style>
       <a:lnRef idx="1">
@@ -5953,6 +5928,7 @@
       <a:camera prst="orthographicFront"/>
       <a:lightRig rig="threePt" dir="t"/>
     </dgm:scene3d>
+    <dgm:sp3d/>
     <dgm:txPr/>
     <dgm:style>
       <a:lnRef idx="0">
@@ -5974,6 +5950,7 @@
       <a:camera prst="orthographicFront"/>
       <a:lightRig rig="threePt" dir="t"/>
     </dgm:scene3d>
+    <dgm:sp3d/>
     <dgm:txPr/>
     <dgm:style>
       <a:lnRef idx="2">
@@ -5993,6 +5970,7 @@
       <a:camera prst="orthographicFront"/>
       <a:lightRig rig="threePt" dir="t"/>
     </dgm:scene3d>
+    <dgm:sp3d/>
     <dgm:txPr/>
     <dgm:style>
       <a:lnRef idx="2">
@@ -6012,6 +5990,7 @@
       <a:camera prst="orthographicFront"/>
       <a:lightRig rig="threePt" dir="t"/>
     </dgm:scene3d>
+    <dgm:sp3d/>
     <dgm:txPr/>
     <dgm:style>
       <a:lnRef idx="2">
@@ -6031,6 +6010,7 @@
       <a:camera prst="orthographicFront"/>
       <a:lightRig rig="threePt" dir="t"/>
     </dgm:scene3d>
+    <dgm:sp3d/>
     <dgm:txPr/>
     <dgm:style>
       <a:lnRef idx="1">
@@ -6050,6 +6030,7 @@
       <a:camera prst="orthographicFront"/>
       <a:lightRig rig="threePt" dir="t"/>
     </dgm:scene3d>
+    <dgm:sp3d/>
     <dgm:txPr/>
     <dgm:style>
       <a:lnRef idx="0">
@@ -6069,6 +6050,7 @@
       <a:camera prst="orthographicFront"/>
       <a:lightRig rig="threePt" dir="t"/>
     </dgm:scene3d>
+    <dgm:sp3d/>
     <dgm:txPr/>
     <dgm:style>
       <a:lnRef idx="2">
@@ -6089,7 +6071,7 @@
 </file>
 
 <file path=ppt/diagrams/quickStyle2.xml><?xml version="1.0" encoding="utf-8"?>
-<dgm:styleDef xmlns:dgm="http://schemas.openxmlformats.org/drawingml/2006/diagram" xmlns:a="http://schemas.openxmlformats.org/drawingml/2006/main" uniqueId="urn:microsoft.com/office/officeart/2005/8/quickstyle/simple1">
+<dgm:styleDef xmlns:dgm="http://schemas.openxmlformats.org/drawingml/2006/diagram" xmlns:a="http://schemas.openxmlformats.org/drawingml/2006/main" uniqueId="urn:microsoft.com/office/officeart/2005/8/quickstyle/simple1#2">
   <dgm:title val=""/>
   <dgm:desc val=""/>
   <dgm:catLst>
@@ -6104,6 +6086,7 @@
       <a:camera prst="orthographicFront"/>
       <a:lightRig rig="threePt" dir="t"/>
     </dgm:scene3d>
+    <dgm:sp3d/>
     <dgm:txPr/>
     <dgm:style>
       <a:lnRef idx="2">
@@ -6123,6 +6106,7 @@
       <a:camera prst="orthographicFront"/>
       <a:lightRig rig="threePt" dir="t"/>
     </dgm:scene3d>
+    <dgm:sp3d/>
     <dgm:txPr/>
     <dgm:style>
       <a:lnRef idx="2">
@@ -6142,6 +6126,7 @@
       <a:camera prst="orthographicFront"/>
       <a:lightRig rig="threePt" dir="t"/>
     </dgm:scene3d>
+    <dgm:sp3d/>
     <dgm:txPr/>
     <dgm:style>
       <a:lnRef idx="2">
@@ -6161,6 +6146,7 @@
       <a:camera prst="orthographicFront"/>
       <a:lightRig rig="threePt" dir="t"/>
     </dgm:scene3d>
+    <dgm:sp3d/>
     <dgm:txPr/>
     <dgm:style>
       <a:lnRef idx="2">
@@ -6182,6 +6168,7 @@
       <a:camera prst="orthographicFront"/>
       <a:lightRig rig="threePt" dir="t"/>
     </dgm:scene3d>
+    <dgm:sp3d/>
     <dgm:txPr/>
     <dgm:style>
       <a:lnRef idx="2">
@@ -6203,6 +6190,7 @@
       <a:camera prst="orthographicFront"/>
       <a:lightRig rig="threePt" dir="t"/>
     </dgm:scene3d>
+    <dgm:sp3d/>
     <dgm:txPr/>
     <dgm:style>
       <a:lnRef idx="2">
@@ -6224,6 +6212,7 @@
       <a:camera prst="orthographicFront"/>
       <a:lightRig rig="threePt" dir="t"/>
     </dgm:scene3d>
+    <dgm:sp3d/>
     <dgm:txPr/>
     <dgm:style>
       <a:lnRef idx="2">
@@ -6245,6 +6234,7 @@
       <a:camera prst="orthographicFront"/>
       <a:lightRig rig="threePt" dir="t"/>
     </dgm:scene3d>
+    <dgm:sp3d/>
     <dgm:txPr/>
     <dgm:style>
       <a:lnRef idx="2">
@@ -6266,6 +6256,7 @@
       <a:camera prst="orthographicFront"/>
       <a:lightRig rig="threePt" dir="t"/>
     </dgm:scene3d>
+    <dgm:sp3d/>
     <dgm:txPr/>
     <dgm:style>
       <a:lnRef idx="2">
@@ -6287,6 +6278,7 @@
       <a:camera prst="orthographicFront"/>
       <a:lightRig rig="threePt" dir="t"/>
     </dgm:scene3d>
+    <dgm:sp3d/>
     <dgm:txPr/>
     <dgm:style>
       <a:lnRef idx="2">
@@ -6306,6 +6298,7 @@
       <a:camera prst="orthographicFront"/>
       <a:lightRig rig="threePt" dir="t"/>
     </dgm:scene3d>
+    <dgm:sp3d/>
     <dgm:txPr/>
     <dgm:style>
       <a:lnRef idx="2">
@@ -6325,6 +6318,7 @@
       <a:camera prst="orthographicFront"/>
       <a:lightRig rig="threePt" dir="t"/>
     </dgm:scene3d>
+    <dgm:sp3d/>
     <dgm:txPr/>
     <dgm:style>
       <a:lnRef idx="2">
@@ -6344,6 +6338,7 @@
       <a:camera prst="orthographicFront"/>
       <a:lightRig rig="threePt" dir="t"/>
     </dgm:scene3d>
+    <dgm:sp3d/>
     <dgm:txPr/>
     <dgm:style>
       <a:lnRef idx="0">
@@ -6363,6 +6358,7 @@
       <a:camera prst="orthographicFront"/>
       <a:lightRig rig="threePt" dir="t"/>
     </dgm:scene3d>
+    <dgm:sp3d/>
     <dgm:txPr/>
     <dgm:style>
       <a:lnRef idx="0">
@@ -6384,6 +6380,7 @@
       <a:camera prst="orthographicFront"/>
       <a:lightRig rig="threePt" dir="t"/>
     </dgm:scene3d>
+    <dgm:sp3d/>
     <dgm:txPr/>
     <dgm:style>
       <a:lnRef idx="2">
@@ -6403,6 +6400,7 @@
       <a:camera prst="orthographicFront"/>
       <a:lightRig rig="threePt" dir="t"/>
     </dgm:scene3d>
+    <dgm:sp3d/>
     <dgm:txPr/>
     <dgm:style>
       <a:lnRef idx="2">
@@ -6422,6 +6420,7 @@
       <a:camera prst="orthographicFront"/>
       <a:lightRig rig="threePt" dir="t"/>
     </dgm:scene3d>
+    <dgm:sp3d/>
     <dgm:txPr/>
     <dgm:style>
       <a:lnRef idx="0">
@@ -6441,6 +6440,7 @@
       <a:camera prst="orthographicFront"/>
       <a:lightRig rig="threePt" dir="t"/>
     </dgm:scene3d>
+    <dgm:sp3d/>
     <dgm:txPr/>
     <dgm:style>
       <a:lnRef idx="2">
@@ -6460,6 +6460,7 @@
       <a:camera prst="orthographicFront"/>
       <a:lightRig rig="threePt" dir="t"/>
     </dgm:scene3d>
+    <dgm:sp3d/>
     <dgm:txPr/>
     <dgm:style>
       <a:lnRef idx="2">
@@ -6479,6 +6480,7 @@
       <a:camera prst="orthographicFront"/>
       <a:lightRig rig="threePt" dir="t"/>
     </dgm:scene3d>
+    <dgm:sp3d/>
     <dgm:txPr/>
     <dgm:style>
       <a:lnRef idx="2">
@@ -6498,6 +6500,7 @@
       <a:camera prst="orthographicFront"/>
       <a:lightRig rig="threePt" dir="t"/>
     </dgm:scene3d>
+    <dgm:sp3d/>
     <dgm:txPr/>
     <dgm:style>
       <a:lnRef idx="2">
@@ -6517,6 +6520,7 @@
       <a:camera prst="orthographicFront"/>
       <a:lightRig rig="threePt" dir="t"/>
     </dgm:scene3d>
+    <dgm:sp3d/>
     <dgm:txPr/>
     <dgm:style>
       <a:lnRef idx="2">
@@ -6536,6 +6540,7 @@
       <a:camera prst="orthographicFront"/>
       <a:lightRig rig="threePt" dir="t"/>
     </dgm:scene3d>
+    <dgm:sp3d/>
     <dgm:txPr/>
     <dgm:style>
       <a:lnRef idx="2">
@@ -6555,6 +6560,7 @@
       <a:camera prst="orthographicFront"/>
       <a:lightRig rig="threePt" dir="t"/>
     </dgm:scene3d>
+    <dgm:sp3d/>
     <dgm:txPr/>
     <dgm:style>
       <a:lnRef idx="2">
@@ -6574,6 +6580,7 @@
       <a:camera prst="orthographicFront"/>
       <a:lightRig rig="threePt" dir="t"/>
     </dgm:scene3d>
+    <dgm:sp3d/>
     <dgm:txPr/>
     <dgm:style>
       <a:lnRef idx="2">
@@ -6593,6 +6600,7 @@
       <a:camera prst="orthographicFront"/>
       <a:lightRig rig="threePt" dir="t"/>
     </dgm:scene3d>
+    <dgm:sp3d/>
     <dgm:txPr/>
     <dgm:style>
       <a:lnRef idx="0">
@@ -6614,6 +6622,7 @@
       <a:camera prst="orthographicFront"/>
       <a:lightRig rig="threePt" dir="t"/>
     </dgm:scene3d>
+    <dgm:sp3d/>
     <dgm:txPr/>
     <dgm:style>
       <a:lnRef idx="2">
@@ -6635,6 +6644,7 @@
       <a:camera prst="orthographicFront"/>
       <a:lightRig rig="threePt" dir="t"/>
     </dgm:scene3d>
+    <dgm:sp3d/>
     <dgm:txPr/>
     <dgm:style>
       <a:lnRef idx="2">
@@ -6656,6 +6666,7 @@
       <a:camera prst="orthographicFront"/>
       <a:lightRig rig="threePt" dir="t"/>
     </dgm:scene3d>
+    <dgm:sp3d/>
     <dgm:txPr/>
     <dgm:style>
       <a:lnRef idx="2">
@@ -6677,6 +6688,7 @@
       <a:camera prst="orthographicFront"/>
       <a:lightRig rig="threePt" dir="t"/>
     </dgm:scene3d>
+    <dgm:sp3d/>
     <dgm:txPr/>
     <dgm:style>
       <a:lnRef idx="2">
@@ -6698,6 +6710,7 @@
       <a:camera prst="orthographicFront"/>
       <a:lightRig rig="threePt" dir="t"/>
     </dgm:scene3d>
+    <dgm:sp3d/>
     <dgm:txPr/>
     <dgm:style>
       <a:lnRef idx="2">
@@ -6719,6 +6732,7 @@
       <a:camera prst="orthographicFront"/>
       <a:lightRig rig="threePt" dir="t"/>
     </dgm:scene3d>
+    <dgm:sp3d/>
     <dgm:txPr/>
     <dgm:style>
       <a:lnRef idx="2">
@@ -6740,6 +6754,7 @@
       <a:camera prst="orthographicFront"/>
       <a:lightRig rig="threePt" dir="t"/>
     </dgm:scene3d>
+    <dgm:sp3d/>
     <dgm:txPr/>
     <dgm:style>
       <a:lnRef idx="2">
@@ -6759,6 +6774,7 @@
       <a:camera prst="orthographicFront"/>
       <a:lightRig rig="threePt" dir="t"/>
     </dgm:scene3d>
+    <dgm:sp3d/>
     <dgm:txPr/>
     <dgm:style>
       <a:lnRef idx="2">
@@ -6778,6 +6794,7 @@
       <a:camera prst="orthographicFront"/>
       <a:lightRig rig="threePt" dir="t"/>
     </dgm:scene3d>
+    <dgm:sp3d/>
     <dgm:txPr/>
     <dgm:style>
       <a:lnRef idx="2">
@@ -6797,6 +6814,7 @@
       <a:camera prst="orthographicFront"/>
       <a:lightRig rig="threePt" dir="t"/>
     </dgm:scene3d>
+    <dgm:sp3d/>
     <dgm:txPr/>
     <dgm:style>
       <a:lnRef idx="2">
@@ -6816,6 +6834,7 @@
       <a:camera prst="orthographicFront"/>
       <a:lightRig rig="threePt" dir="t"/>
     </dgm:scene3d>
+    <dgm:sp3d/>
     <dgm:txPr/>
     <dgm:style>
       <a:lnRef idx="2">
@@ -6837,6 +6856,7 @@
       <a:camera prst="orthographicFront"/>
       <a:lightRig rig="threePt" dir="t"/>
     </dgm:scene3d>
+    <dgm:sp3d/>
     <dgm:txPr/>
     <dgm:style>
       <a:lnRef idx="2">
@@ -6858,6 +6878,7 @@
       <a:camera prst="orthographicFront"/>
       <a:lightRig rig="threePt" dir="t"/>
     </dgm:scene3d>
+    <dgm:sp3d/>
     <dgm:txPr/>
     <dgm:style>
       <a:lnRef idx="2">
@@ -6879,6 +6900,7 @@
       <a:camera prst="orthographicFront"/>
       <a:lightRig rig="threePt" dir="t"/>
     </dgm:scene3d>
+    <dgm:sp3d/>
     <dgm:txPr/>
     <dgm:style>
       <a:lnRef idx="2">
@@ -6900,6 +6922,7 @@
       <a:camera prst="orthographicFront"/>
       <a:lightRig rig="threePt" dir="t"/>
     </dgm:scene3d>
+    <dgm:sp3d/>
     <dgm:txPr/>
     <dgm:style>
       <a:lnRef idx="0">
@@ -6919,6 +6942,7 @@
       <a:camera prst="orthographicFront"/>
       <a:lightRig rig="threePt" dir="t"/>
     </dgm:scene3d>
+    <dgm:sp3d/>
     <dgm:txPr/>
     <dgm:style>
       <a:lnRef idx="1">
@@ -6938,6 +6962,7 @@
       <a:camera prst="orthographicFront"/>
       <a:lightRig rig="threePt" dir="t"/>
     </dgm:scene3d>
+    <dgm:sp3d/>
     <dgm:txPr/>
     <dgm:style>
       <a:lnRef idx="0">
@@ -6959,6 +6984,7 @@
       <a:camera prst="orthographicFront"/>
       <a:lightRig rig="threePt" dir="t"/>
     </dgm:scene3d>
+    <dgm:sp3d/>
     <dgm:txPr/>
     <dgm:style>
       <a:lnRef idx="2">
@@ -6978,6 +7004,7 @@
       <a:camera prst="orthographicFront"/>
       <a:lightRig rig="threePt" dir="t"/>
     </dgm:scene3d>
+    <dgm:sp3d/>
     <dgm:txPr/>
     <dgm:style>
       <a:lnRef idx="2">
@@ -6997,6 +7024,7 @@
       <a:camera prst="orthographicFront"/>
       <a:lightRig rig="threePt" dir="t"/>
     </dgm:scene3d>
+    <dgm:sp3d/>
     <dgm:txPr/>
     <dgm:style>
       <a:lnRef idx="2">
@@ -7016,6 +7044,7 @@
       <a:camera prst="orthographicFront"/>
       <a:lightRig rig="threePt" dir="t"/>
     </dgm:scene3d>
+    <dgm:sp3d/>
     <dgm:txPr/>
     <dgm:style>
       <a:lnRef idx="1">
@@ -7035,6 +7064,7 @@
       <a:camera prst="orthographicFront"/>
       <a:lightRig rig="threePt" dir="t"/>
     </dgm:scene3d>
+    <dgm:sp3d/>
     <dgm:txPr/>
     <dgm:style>
       <a:lnRef idx="0">
@@ -7054,6 +7084,7 @@
       <a:camera prst="orthographicFront"/>
       <a:lightRig rig="threePt" dir="t"/>
     </dgm:scene3d>
+    <dgm:sp3d/>
     <dgm:txPr/>
     <dgm:style>
       <a:lnRef idx="2">
@@ -7155,6 +7186,7 @@
           <a:p>
             <a:fld id="{A7E910E7-AC73-4457-8599-C134A3295832}" type="datetimeFigureOut">
               <a:rPr lang="en-US" smtClean="0"/>
+              <a:t>10/31/2022</a:t>
             </a:fld>
             <a:endParaRPr lang="en-US"/>
           </a:p>
@@ -7218,42 +7250,37 @@
           <a:p>
             <a:pPr lvl="0"/>
             <a:r>
-              <a:rPr lang="en-US" smtClean="0"/>
+              <a:rPr lang="en-US"/>
               <a:t>Click to edit Master text styles</a:t>
             </a:r>
-            <a:endParaRPr lang="en-US" smtClean="0"/>
           </a:p>
           <a:p>
             <a:pPr lvl="1"/>
             <a:r>
-              <a:rPr lang="en-US" smtClean="0"/>
+              <a:rPr lang="en-US"/>
               <a:t>Second level</a:t>
             </a:r>
-            <a:endParaRPr lang="en-US" smtClean="0"/>
           </a:p>
           <a:p>
             <a:pPr lvl="2"/>
             <a:r>
-              <a:rPr lang="en-US" smtClean="0"/>
+              <a:rPr lang="en-US"/>
               <a:t>Third level</a:t>
             </a:r>
-            <a:endParaRPr lang="en-US" smtClean="0"/>
           </a:p>
           <a:p>
             <a:pPr lvl="3"/>
             <a:r>
-              <a:rPr lang="en-US" smtClean="0"/>
+              <a:rPr lang="en-US"/>
               <a:t>Fourth level</a:t>
             </a:r>
-            <a:endParaRPr lang="en-US" smtClean="0"/>
           </a:p>
           <a:p>
             <a:pPr lvl="4"/>
             <a:r>
-              <a:rPr lang="en-US" smtClean="0"/>
+              <a:rPr lang="en-US"/>
               <a:t>Fifth level</a:t>
             </a:r>
-            <a:endParaRPr lang="en-US"/>
           </a:p>
         </p:txBody>
       </p:sp>
@@ -7317,6 +7344,7 @@
           <a:p>
             <a:fld id="{CE3D5557-D9B2-45E3-A0BB-27283704909A}" type="slidenum">
               <a:rPr lang="en-US" smtClean="0"/>
+              <a:t>‹#›</a:t>
             </a:fld>
             <a:endParaRPr lang="en-US"/>
           </a:p>
@@ -7485,6 +7513,7 @@
           <a:p>
             <a:fld id="{CE3D5557-D9B2-45E3-A0BB-27283704909A}" type="slidenum">
               <a:rPr lang="en-US" smtClean="0"/>
+              <a:t>2</a:t>
             </a:fld>
             <a:endParaRPr lang="en-US"/>
           </a:p>
@@ -7563,6 +7592,7 @@
           <a:p>
             <a:fld id="{CE3D5557-D9B2-45E3-A0BB-27283704909A}" type="slidenum">
               <a:rPr lang="en-US" smtClean="0"/>
+              <a:t>3</a:t>
             </a:fld>
             <a:endParaRPr lang="en-US"/>
           </a:p>
@@ -7641,6 +7671,7 @@
           <a:p>
             <a:fld id="{CE3D5557-D9B2-45E3-A0BB-27283704909A}" type="slidenum">
               <a:rPr lang="en-US" smtClean="0"/>
+              <a:t>4</a:t>
             </a:fld>
             <a:endParaRPr lang="en-US"/>
           </a:p>
@@ -7692,10 +7723,9 @@
           <a:lstStyle/>
           <a:p>
             <a:r>
-              <a:rPr lang="en-US" smtClean="0"/>
+              <a:rPr lang="en-US"/>
               <a:t>Click to edit Master title style</a:t>
             </a:r>
-            <a:endParaRPr lang="en-US"/>
           </a:p>
         </p:txBody>
       </p:sp>
@@ -7811,10 +7841,9 @@
           </a:lstStyle>
           <a:p>
             <a:r>
-              <a:rPr lang="en-US" smtClean="0"/>
+              <a:rPr lang="en-US"/>
               <a:t>Click to edit Master subtitle style</a:t>
             </a:r>
-            <a:endParaRPr lang="en-US"/>
           </a:p>
         </p:txBody>
       </p:sp>
@@ -7835,6 +7864,7 @@
           <a:p>
             <a:fld id="{DB938EC6-AC25-4EDC-93A0-8B6C5AB7D03F}" type="datetimeFigureOut">
               <a:rPr lang="en-US" smtClean="0"/>
+              <a:t>10/31/2022</a:t>
             </a:fld>
             <a:endParaRPr lang="en-US"/>
           </a:p>
@@ -7876,6 +7906,7 @@
           <a:p>
             <a:fld id="{AC340DC5-1BC3-412F-942C-4D1ED4BC3B52}" type="slidenum">
               <a:rPr lang="en-US" smtClean="0"/>
+              <a:t>‹#›</a:t>
             </a:fld>
             <a:endParaRPr lang="en-US"/>
           </a:p>
@@ -7922,10 +7953,9 @@
           <a:lstStyle/>
           <a:p>
             <a:r>
-              <a:rPr lang="en-US" smtClean="0"/>
+              <a:rPr lang="en-US"/>
               <a:t>Click to edit Master title style</a:t>
             </a:r>
-            <a:endParaRPr lang="en-US"/>
           </a:p>
         </p:txBody>
       </p:sp>
@@ -7946,42 +7976,37 @@
           <a:p>
             <a:pPr lvl="0"/>
             <a:r>
-              <a:rPr lang="en-US" smtClean="0"/>
+              <a:rPr lang="en-US"/>
               <a:t>Click to edit Master text styles</a:t>
             </a:r>
-            <a:endParaRPr lang="en-US" smtClean="0"/>
           </a:p>
           <a:p>
             <a:pPr lvl="1"/>
             <a:r>
-              <a:rPr lang="en-US" smtClean="0"/>
+              <a:rPr lang="en-US"/>
               <a:t>Second level</a:t>
             </a:r>
-            <a:endParaRPr lang="en-US" smtClean="0"/>
           </a:p>
           <a:p>
             <a:pPr lvl="2"/>
             <a:r>
-              <a:rPr lang="en-US" smtClean="0"/>
+              <a:rPr lang="en-US"/>
               <a:t>Third level</a:t>
             </a:r>
-            <a:endParaRPr lang="en-US" smtClean="0"/>
           </a:p>
           <a:p>
             <a:pPr lvl="3"/>
             <a:r>
-              <a:rPr lang="en-US" smtClean="0"/>
+              <a:rPr lang="en-US"/>
               <a:t>Fourth level</a:t>
             </a:r>
-            <a:endParaRPr lang="en-US" smtClean="0"/>
           </a:p>
           <a:p>
             <a:pPr lvl="4"/>
             <a:r>
-              <a:rPr lang="en-US" smtClean="0"/>
+              <a:rPr lang="en-US"/>
               <a:t>Fifth level</a:t>
             </a:r>
-            <a:endParaRPr lang="en-US"/>
           </a:p>
         </p:txBody>
       </p:sp>
@@ -8002,6 +8027,7 @@
           <a:p>
             <a:fld id="{DB938EC6-AC25-4EDC-93A0-8B6C5AB7D03F}" type="datetimeFigureOut">
               <a:rPr lang="en-US" smtClean="0"/>
+              <a:t>10/31/2022</a:t>
             </a:fld>
             <a:endParaRPr lang="en-US"/>
           </a:p>
@@ -8043,6 +8069,7 @@
           <a:p>
             <a:fld id="{AC340DC5-1BC3-412F-942C-4D1ED4BC3B52}" type="slidenum">
               <a:rPr lang="en-US" smtClean="0"/>
+              <a:t>‹#›</a:t>
             </a:fld>
             <a:endParaRPr lang="en-US"/>
           </a:p>
@@ -8094,10 +8121,9 @@
           <a:lstStyle/>
           <a:p>
             <a:r>
-              <a:rPr lang="en-US" smtClean="0"/>
+              <a:rPr lang="en-US"/>
               <a:t>Click to edit Master title style</a:t>
             </a:r>
-            <a:endParaRPr lang="en-US"/>
           </a:p>
         </p:txBody>
       </p:sp>
@@ -8123,42 +8149,37 @@
           <a:p>
             <a:pPr lvl="0"/>
             <a:r>
-              <a:rPr lang="en-US" smtClean="0"/>
+              <a:rPr lang="en-US"/>
               <a:t>Click to edit Master text styles</a:t>
             </a:r>
-            <a:endParaRPr lang="en-US" smtClean="0"/>
           </a:p>
           <a:p>
             <a:pPr lvl="1"/>
             <a:r>
-              <a:rPr lang="en-US" smtClean="0"/>
+              <a:rPr lang="en-US"/>
               <a:t>Second level</a:t>
             </a:r>
-            <a:endParaRPr lang="en-US" smtClean="0"/>
           </a:p>
           <a:p>
             <a:pPr lvl="2"/>
             <a:r>
-              <a:rPr lang="en-US" smtClean="0"/>
+              <a:rPr lang="en-US"/>
               <a:t>Third level</a:t>
             </a:r>
-            <a:endParaRPr lang="en-US" smtClean="0"/>
           </a:p>
           <a:p>
             <a:pPr lvl="3"/>
             <a:r>
-              <a:rPr lang="en-US" smtClean="0"/>
+              <a:rPr lang="en-US"/>
               <a:t>Fourth level</a:t>
             </a:r>
-            <a:endParaRPr lang="en-US" smtClean="0"/>
           </a:p>
           <a:p>
             <a:pPr lvl="4"/>
             <a:r>
-              <a:rPr lang="en-US" smtClean="0"/>
+              <a:rPr lang="en-US"/>
               <a:t>Fifth level</a:t>
             </a:r>
-            <a:endParaRPr lang="en-US"/>
           </a:p>
         </p:txBody>
       </p:sp>
@@ -8179,6 +8200,7 @@
           <a:p>
             <a:fld id="{DB938EC6-AC25-4EDC-93A0-8B6C5AB7D03F}" type="datetimeFigureOut">
               <a:rPr lang="en-US" smtClean="0"/>
+              <a:t>10/31/2022</a:t>
             </a:fld>
             <a:endParaRPr lang="en-US"/>
           </a:p>
@@ -8220,6 +8242,7 @@
           <a:p>
             <a:fld id="{AC340DC5-1BC3-412F-942C-4D1ED4BC3B52}" type="slidenum">
               <a:rPr lang="en-US" smtClean="0"/>
+              <a:t>‹#›</a:t>
             </a:fld>
             <a:endParaRPr lang="en-US"/>
           </a:p>
@@ -8266,10 +8289,9 @@
           <a:lstStyle/>
           <a:p>
             <a:r>
-              <a:rPr lang="en-US" smtClean="0"/>
+              <a:rPr lang="en-US"/>
               <a:t>Click to edit Master title style</a:t>
             </a:r>
-            <a:endParaRPr lang="en-US"/>
           </a:p>
         </p:txBody>
       </p:sp>
@@ -8290,42 +8312,37 @@
           <a:p>
             <a:pPr lvl="0"/>
             <a:r>
-              <a:rPr lang="en-US" smtClean="0"/>
+              <a:rPr lang="en-US"/>
               <a:t>Click to edit Master text styles</a:t>
             </a:r>
-            <a:endParaRPr lang="en-US" smtClean="0"/>
           </a:p>
           <a:p>
             <a:pPr lvl="1"/>
             <a:r>
-              <a:rPr lang="en-US" smtClean="0"/>
+              <a:rPr lang="en-US"/>
               <a:t>Second level</a:t>
             </a:r>
-            <a:endParaRPr lang="en-US" smtClean="0"/>
           </a:p>
           <a:p>
             <a:pPr lvl="2"/>
             <a:r>
-              <a:rPr lang="en-US" smtClean="0"/>
+              <a:rPr lang="en-US"/>
               <a:t>Third level</a:t>
             </a:r>
-            <a:endParaRPr lang="en-US" smtClean="0"/>
           </a:p>
           <a:p>
             <a:pPr lvl="3"/>
             <a:r>
-              <a:rPr lang="en-US" smtClean="0"/>
+              <a:rPr lang="en-US"/>
               <a:t>Fourth level</a:t>
             </a:r>
-            <a:endParaRPr lang="en-US" smtClean="0"/>
           </a:p>
           <a:p>
             <a:pPr lvl="4"/>
             <a:r>
-              <a:rPr lang="en-US" smtClean="0"/>
+              <a:rPr lang="en-US"/>
               <a:t>Fifth level</a:t>
             </a:r>
-            <a:endParaRPr lang="en-US"/>
           </a:p>
         </p:txBody>
       </p:sp>
@@ -8346,6 +8363,7 @@
           <a:p>
             <a:fld id="{DB938EC6-AC25-4EDC-93A0-8B6C5AB7D03F}" type="datetimeFigureOut">
               <a:rPr lang="en-US" smtClean="0"/>
+              <a:t>10/31/2022</a:t>
             </a:fld>
             <a:endParaRPr lang="en-US"/>
           </a:p>
@@ -8387,6 +8405,7 @@
           <a:p>
             <a:fld id="{AC340DC5-1BC3-412F-942C-4D1ED4BC3B52}" type="slidenum">
               <a:rPr lang="en-US" smtClean="0"/>
+              <a:t>‹#›</a:t>
             </a:fld>
             <a:endParaRPr lang="en-US"/>
           </a:p>
@@ -8442,10 +8461,9 @@
           </a:lstStyle>
           <a:p>
             <a:r>
-              <a:rPr lang="en-US" smtClean="0"/>
+              <a:rPr lang="en-US"/>
               <a:t>Click to edit Master title style</a:t>
             </a:r>
-            <a:endParaRPr lang="en-US"/>
           </a:p>
         </p:txBody>
       </p:sp>
@@ -8562,10 +8580,9 @@
           <a:p>
             <a:pPr lvl="0"/>
             <a:r>
-              <a:rPr lang="en-US" smtClean="0"/>
+              <a:rPr lang="en-US"/>
               <a:t>Click to edit Master text styles</a:t>
             </a:r>
-            <a:endParaRPr lang="en-US" smtClean="0"/>
           </a:p>
         </p:txBody>
       </p:sp>
@@ -8586,6 +8603,7 @@
           <a:p>
             <a:fld id="{DB938EC6-AC25-4EDC-93A0-8B6C5AB7D03F}" type="datetimeFigureOut">
               <a:rPr lang="en-US" smtClean="0"/>
+              <a:t>10/31/2022</a:t>
             </a:fld>
             <a:endParaRPr lang="en-US"/>
           </a:p>
@@ -8627,6 +8645,7 @@
           <a:p>
             <a:fld id="{AC340DC5-1BC3-412F-942C-4D1ED4BC3B52}" type="slidenum">
               <a:rPr lang="en-US" smtClean="0"/>
+              <a:t>‹#›</a:t>
             </a:fld>
             <a:endParaRPr lang="en-US"/>
           </a:p>
@@ -8673,10 +8692,9 @@
           <a:lstStyle/>
           <a:p>
             <a:r>
-              <a:rPr lang="en-US" smtClean="0"/>
+              <a:rPr lang="en-US"/>
               <a:t>Click to edit Master title style</a:t>
             </a:r>
-            <a:endParaRPr lang="en-US"/>
           </a:p>
         </p:txBody>
       </p:sp>
@@ -8730,42 +8748,37 @@
           <a:p>
             <a:pPr lvl="0"/>
             <a:r>
-              <a:rPr lang="en-US" smtClean="0"/>
+              <a:rPr lang="en-US"/>
               <a:t>Click to edit Master text styles</a:t>
             </a:r>
-            <a:endParaRPr lang="en-US" smtClean="0"/>
           </a:p>
           <a:p>
             <a:pPr lvl="1"/>
             <a:r>
-              <a:rPr lang="en-US" smtClean="0"/>
+              <a:rPr lang="en-US"/>
               <a:t>Second level</a:t>
             </a:r>
-            <a:endParaRPr lang="en-US" smtClean="0"/>
           </a:p>
           <a:p>
             <a:pPr lvl="2"/>
             <a:r>
-              <a:rPr lang="en-US" smtClean="0"/>
+              <a:rPr lang="en-US"/>
               <a:t>Third level</a:t>
             </a:r>
-            <a:endParaRPr lang="en-US" smtClean="0"/>
           </a:p>
           <a:p>
             <a:pPr lvl="3"/>
             <a:r>
-              <a:rPr lang="en-US" smtClean="0"/>
+              <a:rPr lang="en-US"/>
               <a:t>Fourth level</a:t>
             </a:r>
-            <a:endParaRPr lang="en-US" smtClean="0"/>
           </a:p>
           <a:p>
             <a:pPr lvl="4"/>
             <a:r>
-              <a:rPr lang="en-US" smtClean="0"/>
+              <a:rPr lang="en-US"/>
               <a:t>Fifth level</a:t>
             </a:r>
-            <a:endParaRPr lang="en-US"/>
           </a:p>
         </p:txBody>
       </p:sp>
@@ -8819,42 +8832,37 @@
           <a:p>
             <a:pPr lvl="0"/>
             <a:r>
-              <a:rPr lang="en-US" smtClean="0"/>
+              <a:rPr lang="en-US"/>
               <a:t>Click to edit Master text styles</a:t>
             </a:r>
-            <a:endParaRPr lang="en-US" smtClean="0"/>
           </a:p>
           <a:p>
             <a:pPr lvl="1"/>
             <a:r>
-              <a:rPr lang="en-US" smtClean="0"/>
+              <a:rPr lang="en-US"/>
               <a:t>Second level</a:t>
             </a:r>
-            <a:endParaRPr lang="en-US" smtClean="0"/>
           </a:p>
           <a:p>
             <a:pPr lvl="2"/>
             <a:r>
-              <a:rPr lang="en-US" smtClean="0"/>
+              <a:rPr lang="en-US"/>
               <a:t>Third level</a:t>
             </a:r>
-            <a:endParaRPr lang="en-US" smtClean="0"/>
           </a:p>
           <a:p>
             <a:pPr lvl="3"/>
             <a:r>
-              <a:rPr lang="en-US" smtClean="0"/>
+              <a:rPr lang="en-US"/>
               <a:t>Fourth level</a:t>
             </a:r>
-            <a:endParaRPr lang="en-US" smtClean="0"/>
           </a:p>
           <a:p>
             <a:pPr lvl="4"/>
             <a:r>
-              <a:rPr lang="en-US" smtClean="0"/>
+              <a:rPr lang="en-US"/>
               <a:t>Fifth level</a:t>
             </a:r>
-            <a:endParaRPr lang="en-US"/>
           </a:p>
         </p:txBody>
       </p:sp>
@@ -8875,6 +8883,7 @@
           <a:p>
             <a:fld id="{DB938EC6-AC25-4EDC-93A0-8B6C5AB7D03F}" type="datetimeFigureOut">
               <a:rPr lang="en-US" smtClean="0"/>
+              <a:t>10/31/2022</a:t>
             </a:fld>
             <a:endParaRPr lang="en-US"/>
           </a:p>
@@ -8916,6 +8925,7 @@
           <a:p>
             <a:fld id="{AC340DC5-1BC3-412F-942C-4D1ED4BC3B52}" type="slidenum">
               <a:rPr lang="en-US" smtClean="0"/>
+              <a:t>‹#›</a:t>
             </a:fld>
             <a:endParaRPr lang="en-US"/>
           </a:p>
@@ -8966,10 +8976,9 @@
           </a:lstStyle>
           <a:p>
             <a:r>
-              <a:rPr lang="en-US" smtClean="0"/>
+              <a:rPr lang="en-US"/>
               <a:t>Click to edit Master title style</a:t>
             </a:r>
-            <a:endParaRPr lang="en-US"/>
           </a:p>
         </p:txBody>
       </p:sp>
@@ -9032,10 +9041,9 @@
           <a:p>
             <a:pPr lvl="0"/>
             <a:r>
-              <a:rPr lang="en-US" smtClean="0"/>
+              <a:rPr lang="en-US"/>
               <a:t>Click to edit Master text styles</a:t>
             </a:r>
-            <a:endParaRPr lang="en-US" smtClean="0"/>
           </a:p>
         </p:txBody>
       </p:sp>
@@ -9089,42 +9097,37 @@
           <a:p>
             <a:pPr lvl="0"/>
             <a:r>
-              <a:rPr lang="en-US" smtClean="0"/>
+              <a:rPr lang="en-US"/>
               <a:t>Click to edit Master text styles</a:t>
             </a:r>
-            <a:endParaRPr lang="en-US" smtClean="0"/>
           </a:p>
           <a:p>
             <a:pPr lvl="1"/>
             <a:r>
-              <a:rPr lang="en-US" smtClean="0"/>
+              <a:rPr lang="en-US"/>
               <a:t>Second level</a:t>
             </a:r>
-            <a:endParaRPr lang="en-US" smtClean="0"/>
           </a:p>
           <a:p>
             <a:pPr lvl="2"/>
             <a:r>
-              <a:rPr lang="en-US" smtClean="0"/>
+              <a:rPr lang="en-US"/>
               <a:t>Third level</a:t>
             </a:r>
-            <a:endParaRPr lang="en-US" smtClean="0"/>
           </a:p>
           <a:p>
             <a:pPr lvl="3"/>
             <a:r>
-              <a:rPr lang="en-US" smtClean="0"/>
+              <a:rPr lang="en-US"/>
               <a:t>Fourth level</a:t>
             </a:r>
-            <a:endParaRPr lang="en-US" smtClean="0"/>
           </a:p>
           <a:p>
             <a:pPr lvl="4"/>
             <a:r>
-              <a:rPr lang="en-US" smtClean="0"/>
+              <a:rPr lang="en-US"/>
               <a:t>Fifth level</a:t>
             </a:r>
-            <a:endParaRPr lang="en-US"/>
           </a:p>
         </p:txBody>
       </p:sp>
@@ -9187,10 +9190,9 @@
           <a:p>
             <a:pPr lvl="0"/>
             <a:r>
-              <a:rPr lang="en-US" smtClean="0"/>
+              <a:rPr lang="en-US"/>
               <a:t>Click to edit Master text styles</a:t>
             </a:r>
-            <a:endParaRPr lang="en-US" smtClean="0"/>
           </a:p>
         </p:txBody>
       </p:sp>
@@ -9244,42 +9246,37 @@
           <a:p>
             <a:pPr lvl="0"/>
             <a:r>
-              <a:rPr lang="en-US" smtClean="0"/>
+              <a:rPr lang="en-US"/>
               <a:t>Click to edit Master text styles</a:t>
             </a:r>
-            <a:endParaRPr lang="en-US" smtClean="0"/>
           </a:p>
           <a:p>
             <a:pPr lvl="1"/>
             <a:r>
-              <a:rPr lang="en-US" smtClean="0"/>
+              <a:rPr lang="en-US"/>
               <a:t>Second level</a:t>
             </a:r>
-            <a:endParaRPr lang="en-US" smtClean="0"/>
           </a:p>
           <a:p>
             <a:pPr lvl="2"/>
             <a:r>
-              <a:rPr lang="en-US" smtClean="0"/>
+              <a:rPr lang="en-US"/>
               <a:t>Third level</a:t>
             </a:r>
-            <a:endParaRPr lang="en-US" smtClean="0"/>
           </a:p>
           <a:p>
             <a:pPr lvl="3"/>
             <a:r>
-              <a:rPr lang="en-US" smtClean="0"/>
+              <a:rPr lang="en-US"/>
               <a:t>Fourth level</a:t>
             </a:r>
-            <a:endParaRPr lang="en-US" smtClean="0"/>
           </a:p>
           <a:p>
             <a:pPr lvl="4"/>
             <a:r>
-              <a:rPr lang="en-US" smtClean="0"/>
+              <a:rPr lang="en-US"/>
               <a:t>Fifth level</a:t>
             </a:r>
-            <a:endParaRPr lang="en-US"/>
           </a:p>
         </p:txBody>
       </p:sp>
@@ -9300,6 +9297,7 @@
           <a:p>
             <a:fld id="{DB938EC6-AC25-4EDC-93A0-8B6C5AB7D03F}" type="datetimeFigureOut">
               <a:rPr lang="en-US" smtClean="0"/>
+              <a:t>10/31/2022</a:t>
             </a:fld>
             <a:endParaRPr lang="en-US"/>
           </a:p>
@@ -9341,6 +9339,7 @@
           <a:p>
             <a:fld id="{AC340DC5-1BC3-412F-942C-4D1ED4BC3B52}" type="slidenum">
               <a:rPr lang="en-US" smtClean="0"/>
+              <a:t>‹#›</a:t>
             </a:fld>
             <a:endParaRPr lang="en-US"/>
           </a:p>
@@ -9387,10 +9386,9 @@
           <a:lstStyle/>
           <a:p>
             <a:r>
-              <a:rPr lang="en-US" smtClean="0"/>
+              <a:rPr lang="en-US"/>
               <a:t>Click to edit Master title style</a:t>
             </a:r>
-            <a:endParaRPr lang="en-US"/>
           </a:p>
         </p:txBody>
       </p:sp>
@@ -9411,6 +9409,7 @@
           <a:p>
             <a:fld id="{DB938EC6-AC25-4EDC-93A0-8B6C5AB7D03F}" type="datetimeFigureOut">
               <a:rPr lang="en-US" smtClean="0"/>
+              <a:t>10/31/2022</a:t>
             </a:fld>
             <a:endParaRPr lang="en-US"/>
           </a:p>
@@ -9452,6 +9451,7 @@
           <a:p>
             <a:fld id="{AC340DC5-1BC3-412F-942C-4D1ED4BC3B52}" type="slidenum">
               <a:rPr lang="en-US" smtClean="0"/>
+              <a:t>‹#›</a:t>
             </a:fld>
             <a:endParaRPr lang="en-US"/>
           </a:p>
@@ -9499,6 +9499,7 @@
           <a:p>
             <a:fld id="{DB938EC6-AC25-4EDC-93A0-8B6C5AB7D03F}" type="datetimeFigureOut">
               <a:rPr lang="en-US" smtClean="0"/>
+              <a:t>10/31/2022</a:t>
             </a:fld>
             <a:endParaRPr lang="en-US"/>
           </a:p>
@@ -9540,6 +9541,7 @@
           <a:p>
             <a:fld id="{AC340DC5-1BC3-412F-942C-4D1ED4BC3B52}" type="slidenum">
               <a:rPr lang="en-US" smtClean="0"/>
+              <a:t>‹#›</a:t>
             </a:fld>
             <a:endParaRPr lang="en-US"/>
           </a:p>
@@ -9595,10 +9597,9 @@
           </a:lstStyle>
           <a:p>
             <a:r>
-              <a:rPr lang="en-US" smtClean="0"/>
+              <a:rPr lang="en-US"/>
               <a:t>Click to edit Master title style</a:t>
             </a:r>
-            <a:endParaRPr lang="en-US"/>
           </a:p>
         </p:txBody>
       </p:sp>
@@ -9652,42 +9653,37 @@
           <a:p>
             <a:pPr lvl="0"/>
             <a:r>
-              <a:rPr lang="en-US" smtClean="0"/>
+              <a:rPr lang="en-US"/>
               <a:t>Click to edit Master text styles</a:t>
             </a:r>
-            <a:endParaRPr lang="en-US" smtClean="0"/>
           </a:p>
           <a:p>
             <a:pPr lvl="1"/>
             <a:r>
-              <a:rPr lang="en-US" smtClean="0"/>
+              <a:rPr lang="en-US"/>
               <a:t>Second level</a:t>
             </a:r>
-            <a:endParaRPr lang="en-US" smtClean="0"/>
           </a:p>
           <a:p>
             <a:pPr lvl="2"/>
             <a:r>
-              <a:rPr lang="en-US" smtClean="0"/>
+              <a:rPr lang="en-US"/>
               <a:t>Third level</a:t>
             </a:r>
-            <a:endParaRPr lang="en-US" smtClean="0"/>
           </a:p>
           <a:p>
             <a:pPr lvl="3"/>
             <a:r>
-              <a:rPr lang="en-US" smtClean="0"/>
+              <a:rPr lang="en-US"/>
               <a:t>Fourth level</a:t>
             </a:r>
-            <a:endParaRPr lang="en-US" smtClean="0"/>
           </a:p>
           <a:p>
             <a:pPr lvl="4"/>
             <a:r>
-              <a:rPr lang="en-US" smtClean="0"/>
+              <a:rPr lang="en-US"/>
               <a:t>Fifth level</a:t>
             </a:r>
-            <a:endParaRPr lang="en-US"/>
           </a:p>
         </p:txBody>
       </p:sp>
@@ -9750,10 +9746,9 @@
           <a:p>
             <a:pPr lvl="0"/>
             <a:r>
-              <a:rPr lang="en-US" smtClean="0"/>
+              <a:rPr lang="en-US"/>
               <a:t>Click to edit Master text styles</a:t>
             </a:r>
-            <a:endParaRPr lang="en-US" smtClean="0"/>
           </a:p>
         </p:txBody>
       </p:sp>
@@ -9774,6 +9769,7 @@
           <a:p>
             <a:fld id="{DB938EC6-AC25-4EDC-93A0-8B6C5AB7D03F}" type="datetimeFigureOut">
               <a:rPr lang="en-US" smtClean="0"/>
+              <a:t>10/31/2022</a:t>
             </a:fld>
             <a:endParaRPr lang="en-US"/>
           </a:p>
@@ -9815,6 +9811,7 @@
           <a:p>
             <a:fld id="{AC340DC5-1BC3-412F-942C-4D1ED4BC3B52}" type="slidenum">
               <a:rPr lang="en-US" smtClean="0"/>
+              <a:t>‹#›</a:t>
             </a:fld>
             <a:endParaRPr lang="en-US"/>
           </a:p>
@@ -9870,10 +9867,9 @@
           </a:lstStyle>
           <a:p>
             <a:r>
-              <a:rPr lang="en-US" smtClean="0"/>
+              <a:rPr lang="en-US"/>
               <a:t>Click to edit Master title style</a:t>
             </a:r>
-            <a:endParaRPr lang="en-US"/>
           </a:p>
         </p:txBody>
       </p:sp>
@@ -9997,10 +9993,9 @@
           <a:p>
             <a:pPr lvl="0"/>
             <a:r>
-              <a:rPr lang="en-US" smtClean="0"/>
+              <a:rPr lang="en-US"/>
               <a:t>Click to edit Master text styles</a:t>
             </a:r>
-            <a:endParaRPr lang="en-US" smtClean="0"/>
           </a:p>
         </p:txBody>
       </p:sp>
@@ -10021,6 +10016,7 @@
           <a:p>
             <a:fld id="{DB938EC6-AC25-4EDC-93A0-8B6C5AB7D03F}" type="datetimeFigureOut">
               <a:rPr lang="en-US" smtClean="0"/>
+              <a:t>10/31/2022</a:t>
             </a:fld>
             <a:endParaRPr lang="en-US"/>
           </a:p>
@@ -10062,6 +10058,7 @@
           <a:p>
             <a:fld id="{AC340DC5-1BC3-412F-942C-4D1ED4BC3B52}" type="slidenum">
               <a:rPr lang="en-US" smtClean="0"/>
+              <a:t>‹#›</a:t>
             </a:fld>
             <a:endParaRPr lang="en-US"/>
           </a:p>
@@ -10128,10 +10125,9 @@
           <a:lstStyle/>
           <a:p>
             <a:r>
-              <a:rPr lang="en-US" smtClean="0"/>
+              <a:rPr lang="en-US"/>
               <a:t>Click to edit Master title style</a:t>
             </a:r>
-            <a:endParaRPr lang="en-US"/>
           </a:p>
         </p:txBody>
       </p:sp>
@@ -10162,42 +10158,37 @@
           <a:p>
             <a:pPr lvl="0"/>
             <a:r>
-              <a:rPr lang="en-US" smtClean="0"/>
+              <a:rPr lang="en-US"/>
               <a:t>Click to edit Master text styles</a:t>
             </a:r>
-            <a:endParaRPr lang="en-US" smtClean="0"/>
           </a:p>
           <a:p>
             <a:pPr lvl="1"/>
             <a:r>
-              <a:rPr lang="en-US" smtClean="0"/>
+              <a:rPr lang="en-US"/>
               <a:t>Second level</a:t>
             </a:r>
-            <a:endParaRPr lang="en-US" smtClean="0"/>
           </a:p>
           <a:p>
             <a:pPr lvl="2"/>
             <a:r>
-              <a:rPr lang="en-US" smtClean="0"/>
+              <a:rPr lang="en-US"/>
               <a:t>Third level</a:t>
             </a:r>
-            <a:endParaRPr lang="en-US" smtClean="0"/>
           </a:p>
           <a:p>
             <a:pPr lvl="3"/>
             <a:r>
-              <a:rPr lang="en-US" smtClean="0"/>
+              <a:rPr lang="en-US"/>
               <a:t>Fourth level</a:t>
             </a:r>
-            <a:endParaRPr lang="en-US" smtClean="0"/>
           </a:p>
           <a:p>
             <a:pPr lvl="4"/>
             <a:r>
-              <a:rPr lang="en-US" smtClean="0"/>
+              <a:rPr lang="en-US"/>
               <a:t>Fifth level</a:t>
             </a:r>
-            <a:endParaRPr lang="en-US"/>
           </a:p>
         </p:txBody>
       </p:sp>
@@ -10236,6 +10227,7 @@
           <a:p>
             <a:fld id="{DB938EC6-AC25-4EDC-93A0-8B6C5AB7D03F}" type="datetimeFigureOut">
               <a:rPr lang="en-US" smtClean="0"/>
+              <a:t>10/31/2022</a:t>
             </a:fld>
             <a:endParaRPr lang="en-US"/>
           </a:p>
@@ -10313,6 +10305,7 @@
           <a:p>
             <a:fld id="{AC340DC5-1BC3-412F-942C-4D1ED4BC3B52}" type="slidenum">
               <a:rPr lang="en-US" smtClean="0"/>
+              <a:t>‹#›</a:t>
             </a:fld>
             <a:endParaRPr lang="en-US"/>
           </a:p>
@@ -10632,7 +10625,7 @@
           <a:lstStyle/>
           <a:p>
             <a:r>
-              <a:rPr lang="en-US" sz="4000" b="1" dirty="0" smtClean="0">
+              <a:rPr lang="en-US" sz="4000" b="1" dirty="0">
                 <a:solidFill>
                   <a:schemeClr val="bg1">
                     <a:lumMod val="95000"/>
@@ -10643,15 +10636,6 @@
               </a:rPr>
               <a:t> BISNIS DI ERA DIGITAL	 </a:t>
             </a:r>
-            <a:endParaRPr lang="en-US" sz="4000" b="1" dirty="0">
-              <a:solidFill>
-                <a:schemeClr val="bg1">
-                  <a:lumMod val="95000"/>
-                </a:schemeClr>
-              </a:solidFill>
-              <a:latin typeface="Segoe UI Semibold" panose="020B0702040204020203" pitchFamily="34" charset="0"/>
-              <a:cs typeface="Segoe UI Semibold" panose="020B0702040204020203" pitchFamily="34" charset="0"/>
-            </a:endParaRPr>
           </a:p>
         </p:txBody>
       </p:sp>
@@ -10686,7 +10670,7 @@
           <a:lstStyle/>
           <a:p>
             <a:r>
-              <a:rPr lang="en-US" sz="2000" dirty="0" smtClean="0">
+              <a:rPr lang="en-US" sz="2000" dirty="0">
                 <a:solidFill>
                   <a:schemeClr val="bg1"/>
                 </a:solidFill>
@@ -10695,13 +10679,6 @@
               </a:rPr>
               <a:t>Fauzi Adi Rafrastara</a:t>
             </a:r>
-            <a:endParaRPr lang="en-US" sz="2000" dirty="0">
-              <a:solidFill>
-                <a:schemeClr val="bg1"/>
-              </a:solidFill>
-              <a:latin typeface="Segoe UI Semibold" panose="020B0702040204020203" pitchFamily="34" charset="0"/>
-              <a:cs typeface="Segoe UI Semibold" panose="020B0702040204020203" pitchFamily="34" charset="0"/>
-            </a:endParaRPr>
           </a:p>
         </p:txBody>
       </p:sp>
@@ -10714,7 +10691,7 @@
           <p:nvPr/>
         </p:nvPicPr>
         <p:blipFill>
-          <a:blip r:embed="rId1">
+          <a:blip r:embed="rId2">
             <a:extLst>
               <a:ext uri="{28A0092B-C50C-407E-A947-70E740481C1C}">
                 <a14:useLocalDpi xmlns:a14="http://schemas.microsoft.com/office/drawing/2010/main" val="0"/>
@@ -10765,10 +10742,34 @@
                 <a:tableStyleId>{073A0DAA-6AF3-43AB-8588-CEC1D06C72B9}</a:tableStyleId>
               </a:tblPr>
               <a:tblGrid>
-                <a:gridCol w="2878666"/>
-                <a:gridCol w="1464734"/>
-                <a:gridCol w="2712156"/>
-                <a:gridCol w="2088445"/>
+                <a:gridCol w="2878666">
+                  <a:extLst>
+                    <a:ext uri="{9D8B030D-6E8A-4147-A177-3AD203B41FA5}">
+                      <a16:colId xmlns:a16="http://schemas.microsoft.com/office/drawing/2014/main" val="20000"/>
+                    </a:ext>
+                  </a:extLst>
+                </a:gridCol>
+                <a:gridCol w="1464734">
+                  <a:extLst>
+                    <a:ext uri="{9D8B030D-6E8A-4147-A177-3AD203B41FA5}">
+                      <a16:colId xmlns:a16="http://schemas.microsoft.com/office/drawing/2014/main" val="20001"/>
+                    </a:ext>
+                  </a:extLst>
+                </a:gridCol>
+                <a:gridCol w="2712156">
+                  <a:extLst>
+                    <a:ext uri="{9D8B030D-6E8A-4147-A177-3AD203B41FA5}">
+                      <a16:colId xmlns:a16="http://schemas.microsoft.com/office/drawing/2014/main" val="20002"/>
+                    </a:ext>
+                  </a:extLst>
+                </a:gridCol>
+                <a:gridCol w="2088445">
+                  <a:extLst>
+                    <a:ext uri="{9D8B030D-6E8A-4147-A177-3AD203B41FA5}">
+                      <a16:colId xmlns:a16="http://schemas.microsoft.com/office/drawing/2014/main" val="20003"/>
+                    </a:ext>
+                  </a:extLst>
+                </a:gridCol>
               </a:tblGrid>
               <a:tr h="508000">
                 <a:tc>
@@ -10778,14 +10779,14 @@
                     <a:p>
                       <a:pPr algn="ctr"/>
                       <a:r>
-                        <a:rPr lang="en-US" dirty="0" smtClean="0">
+                        <a:rPr lang="en-US" dirty="0">
                           <a:latin typeface="Segoe UI Semibold" panose="020B0702040204020203" pitchFamily="34" charset="0"/>
                           <a:cs typeface="Segoe UI Semibold" panose="020B0702040204020203" pitchFamily="34" charset="0"/>
                         </a:rPr>
                         <a:t>Mata </a:t>
                       </a:r>
                       <a:r>
-                        <a:rPr lang="en-US" dirty="0" err="1" smtClean="0">
+                        <a:rPr lang="en-US" dirty="0" err="1">
                           <a:latin typeface="Segoe UI Semibold" panose="020B0702040204020203" pitchFamily="34" charset="0"/>
                           <a:cs typeface="Segoe UI Semibold" panose="020B0702040204020203" pitchFamily="34" charset="0"/>
                         </a:rPr>
@@ -10813,7 +10814,7 @@
                     <a:p>
                       <a:pPr algn="ctr"/>
                       <a:r>
-                        <a:rPr lang="en-US" dirty="0" err="1" smtClean="0">
+                        <a:rPr lang="en-US" dirty="0" err="1">
                           <a:latin typeface="Segoe UI Semibold" panose="020B0702040204020203" pitchFamily="34" charset="0"/>
                           <a:cs typeface="Segoe UI Semibold" panose="020B0702040204020203" pitchFamily="34" charset="0"/>
                         </a:rPr>
@@ -10841,14 +10842,14 @@
                     <a:p>
                       <a:pPr algn="ctr"/>
                       <a:r>
-                        <a:rPr lang="en-US" dirty="0" smtClean="0">
+                        <a:rPr lang="en-US" dirty="0">
                           <a:latin typeface="Segoe UI Semibold" panose="020B0702040204020203" pitchFamily="34" charset="0"/>
                           <a:cs typeface="Segoe UI Semibold" panose="020B0702040204020203" pitchFamily="34" charset="0"/>
                         </a:rPr>
                         <a:t>Program </a:t>
                       </a:r>
                       <a:r>
-                        <a:rPr lang="en-US" dirty="0" err="1" smtClean="0">
+                        <a:rPr lang="en-US" dirty="0" err="1">
                           <a:latin typeface="Segoe UI Semibold" panose="020B0702040204020203" pitchFamily="34" charset="0"/>
                           <a:cs typeface="Segoe UI Semibold" panose="020B0702040204020203" pitchFamily="34" charset="0"/>
                         </a:rPr>
@@ -10876,7 +10877,7 @@
                     <a:p>
                       <a:pPr algn="ctr"/>
                       <a:r>
-                        <a:rPr lang="en-US" dirty="0" err="1" smtClean="0">
+                        <a:rPr lang="en-US" dirty="0" err="1">
                           <a:latin typeface="Segoe UI Semibold" panose="020B0702040204020203" pitchFamily="34" charset="0"/>
                           <a:cs typeface="Segoe UI Semibold" panose="020B0702040204020203" pitchFamily="34" charset="0"/>
                         </a:rPr>
@@ -10897,6 +10898,11 @@
                     </a:solidFill>
                   </a:tcPr>
                 </a:tc>
+                <a:extLst>
+                  <a:ext uri="{0D108BD9-81ED-4DB2-BD59-A6C34878D82A}">
+                    <a16:rowId xmlns:a16="http://schemas.microsoft.com/office/drawing/2014/main" val="10000"/>
+                  </a:ext>
+                </a:extLst>
               </a:tr>
               <a:tr h="508000">
                 <a:tc>
@@ -10906,7 +10912,7 @@
                     <a:p>
                       <a:pPr algn="ctr"/>
                       <a:r>
-                        <a:rPr lang="en-US" dirty="0" err="1" smtClean="0">
+                        <a:rPr lang="en-US" dirty="0" err="1">
                           <a:solidFill>
                             <a:srgbClr val="002060"/>
                           </a:solidFill>
@@ -10916,7 +10922,7 @@
                         <a:t>Sistem</a:t>
                       </a:r>
                       <a:r>
-                        <a:rPr lang="en-US" dirty="0" smtClean="0">
+                        <a:rPr lang="en-US" dirty="0">
                           <a:solidFill>
                             <a:srgbClr val="002060"/>
                           </a:solidFill>
@@ -10926,7 +10932,7 @@
                         <a:t> </a:t>
                       </a:r>
                       <a:r>
-                        <a:rPr lang="en-US" dirty="0" err="1" smtClean="0">
+                        <a:rPr lang="en-US" dirty="0" err="1">
                           <a:solidFill>
                             <a:srgbClr val="002060"/>
                           </a:solidFill>
@@ -10959,7 +10965,7 @@
                     <a:p>
                       <a:pPr algn="ctr"/>
                       <a:r>
-                        <a:rPr lang="en-US" dirty="0" smtClean="0">
+                        <a:rPr lang="en-US" dirty="0">
                           <a:solidFill>
                             <a:srgbClr val="002060"/>
                           </a:solidFill>
@@ -10968,13 +10974,6 @@
                         </a:rPr>
                         <a:t>1</a:t>
                       </a:r>
-                      <a:endParaRPr lang="en-US" dirty="0">
-                        <a:solidFill>
-                          <a:srgbClr val="002060"/>
-                        </a:solidFill>
-                        <a:latin typeface="Segoe UI Semibold" panose="020B0702040204020203" pitchFamily="34" charset="0"/>
-                        <a:cs typeface="Segoe UI Semibold" panose="020B0702040204020203" pitchFamily="34" charset="0"/>
-                      </a:endParaRPr>
                     </a:p>
                   </a:txBody>
                   <a:tcPr anchor="ctr">
@@ -10992,7 +10991,7 @@
                     <a:p>
                       <a:pPr algn="ctr"/>
                       <a:r>
-                        <a:rPr lang="en-US" dirty="0" err="1" smtClean="0">
+                        <a:rPr lang="en-US" dirty="0" err="1">
                           <a:solidFill>
                             <a:srgbClr val="002060"/>
                           </a:solidFill>
@@ -11002,7 +11001,7 @@
                         <a:t>Teknik</a:t>
                       </a:r>
                       <a:r>
-                        <a:rPr lang="en-US" dirty="0" smtClean="0">
+                        <a:rPr lang="en-US" dirty="0">
                           <a:solidFill>
                             <a:srgbClr val="002060"/>
                           </a:solidFill>
@@ -11012,7 +11011,7 @@
                         <a:t> </a:t>
                       </a:r>
                       <a:r>
-                        <a:rPr lang="en-US" dirty="0" err="1" smtClean="0">
+                        <a:rPr lang="en-US" dirty="0" err="1">
                           <a:solidFill>
                             <a:srgbClr val="002060"/>
                           </a:solidFill>
@@ -11022,7 +11021,7 @@
                         <a:t>Informatika</a:t>
                       </a:r>
                       <a:r>
-                        <a:rPr lang="en-US" dirty="0" smtClean="0">
+                        <a:rPr lang="en-US" dirty="0">
                           <a:solidFill>
                             <a:srgbClr val="002060"/>
                           </a:solidFill>
@@ -11031,13 +11030,6 @@
                         </a:rPr>
                         <a:t> (S1)</a:t>
                       </a:r>
-                      <a:endParaRPr lang="en-US" dirty="0">
-                        <a:solidFill>
-                          <a:srgbClr val="002060"/>
-                        </a:solidFill>
-                        <a:latin typeface="Segoe UI Semibold" panose="020B0702040204020203" pitchFamily="34" charset="0"/>
-                        <a:cs typeface="Segoe UI Semibold" panose="020B0702040204020203" pitchFamily="34" charset="0"/>
-                      </a:endParaRPr>
                     </a:p>
                   </a:txBody>
                   <a:tcPr anchor="ctr">
@@ -11055,7 +11047,7 @@
                     <a:p>
                       <a:pPr algn="ctr"/>
                       <a:r>
-                        <a:rPr lang="en-US" dirty="0" err="1" smtClean="0">
+                        <a:rPr lang="en-US" dirty="0" err="1">
                           <a:solidFill>
                             <a:srgbClr val="002060"/>
                           </a:solidFill>
@@ -11065,7 +11057,7 @@
                         <a:t>Ilmu</a:t>
                       </a:r>
                       <a:r>
-                        <a:rPr lang="en-US" dirty="0" smtClean="0">
+                        <a:rPr lang="en-US" dirty="0">
                           <a:solidFill>
                             <a:srgbClr val="002060"/>
                           </a:solidFill>
@@ -11075,7 +11067,7 @@
                         <a:t> </a:t>
                       </a:r>
                       <a:r>
-                        <a:rPr lang="en-US" dirty="0" err="1" smtClean="0">
+                        <a:rPr lang="en-US" dirty="0" err="1">
                           <a:solidFill>
                             <a:srgbClr val="002060"/>
                           </a:solidFill>
@@ -11101,6 +11093,11 @@
                     </a:solidFill>
                   </a:tcPr>
                 </a:tc>
+                <a:extLst>
+                  <a:ext uri="{0D108BD9-81ED-4DB2-BD59-A6C34878D82A}">
+                    <a16:rowId xmlns:a16="http://schemas.microsoft.com/office/drawing/2014/main" val="10001"/>
+                  </a:ext>
+                </a:extLst>
               </a:tr>
             </a:tbl>
           </a:graphicData>
@@ -11111,13 +11108,6 @@
   <p:clrMapOvr>
     <a:masterClrMapping/>
   </p:clrMapOvr>
-  <p:timing>
-    <p:tnLst>
-      <p:par>
-        <p:cTn id="1" dur="indefinite" restart="never" nodeType="tmRoot"/>
-      </p:par>
-    </p:tnLst>
-  </p:timing>
 </p:sld>
 </file>
 
@@ -11311,16 +11301,12 @@
               </a:spcAft>
             </a:pPr>
             <a:r>
-              <a:rPr lang="en-US" sz="2800" kern="1200" dirty="0" smtClean="0">
+              <a:rPr lang="en-US" sz="2800" kern="1200" dirty="0">
                 <a:latin typeface="Segoe UI Semibold" panose="020B0702040204020203" pitchFamily="34" charset="0"/>
                 <a:cs typeface="Segoe UI Semibold" panose="020B0702040204020203" pitchFamily="34" charset="0"/>
               </a:rPr>
               <a:t>Flexibility</a:t>
             </a:r>
-            <a:endParaRPr lang="en-US" sz="2800" kern="1200" dirty="0">
-              <a:latin typeface="Segoe UI Semibold" panose="020B0702040204020203" pitchFamily="34" charset="0"/>
-              <a:cs typeface="Segoe UI Semibold" panose="020B0702040204020203" pitchFamily="34" charset="0"/>
-            </a:endParaRPr>
           </a:p>
         </p:txBody>
       </p:sp>
@@ -11446,111 +11432,111 @@
               <a:buChar char="•"/>
             </a:pPr>
             <a:r>
-              <a:rPr lang="en-US" kern="1200" dirty="0" err="1" smtClean="0">
+              <a:rPr lang="en-US" kern="1200" dirty="0" err="1">
                 <a:latin typeface="Segoe UI" panose="020B0502040204020203" pitchFamily="34" charset="0"/>
                 <a:cs typeface="Segoe UI" panose="020B0502040204020203" pitchFamily="34" charset="0"/>
               </a:rPr>
               <a:t>Dapat</a:t>
             </a:r>
             <a:r>
-              <a:rPr lang="en-US" kern="1200" dirty="0" smtClean="0">
+              <a:rPr lang="en-US" kern="1200" dirty="0">
                 <a:latin typeface="Segoe UI" panose="020B0502040204020203" pitchFamily="34" charset="0"/>
                 <a:cs typeface="Segoe UI" panose="020B0502040204020203" pitchFamily="34" charset="0"/>
               </a:rPr>
               <a:t> </a:t>
             </a:r>
             <a:r>
-              <a:rPr lang="en-US" kern="1200" dirty="0" err="1" smtClean="0">
+              <a:rPr lang="en-US" kern="1200" dirty="0" err="1">
                 <a:latin typeface="Segoe UI" panose="020B0502040204020203" pitchFamily="34" charset="0"/>
                 <a:cs typeface="Segoe UI" panose="020B0502040204020203" pitchFamily="34" charset="0"/>
               </a:rPr>
               <a:t>dengan</a:t>
             </a:r>
             <a:r>
-              <a:rPr lang="en-US" kern="1200" dirty="0" smtClean="0">
+              <a:rPr lang="en-US" kern="1200" dirty="0">
                 <a:latin typeface="Segoe UI" panose="020B0502040204020203" pitchFamily="34" charset="0"/>
                 <a:cs typeface="Segoe UI" panose="020B0502040204020203" pitchFamily="34" charset="0"/>
               </a:rPr>
               <a:t> </a:t>
             </a:r>
             <a:r>
-              <a:rPr lang="en-US" kern="1200" dirty="0" err="1" smtClean="0">
+              <a:rPr lang="en-US" kern="1200" dirty="0" err="1">
                 <a:latin typeface="Segoe UI" panose="020B0502040204020203" pitchFamily="34" charset="0"/>
                 <a:cs typeface="Segoe UI" panose="020B0502040204020203" pitchFamily="34" charset="0"/>
               </a:rPr>
               <a:t>cepat</a:t>
             </a:r>
             <a:r>
-              <a:rPr lang="en-US" kern="1200" dirty="0" smtClean="0">
+              <a:rPr lang="en-US" kern="1200" dirty="0">
                 <a:latin typeface="Segoe UI" panose="020B0502040204020203" pitchFamily="34" charset="0"/>
                 <a:cs typeface="Segoe UI" panose="020B0502040204020203" pitchFamily="34" charset="0"/>
               </a:rPr>
               <a:t> </a:t>
             </a:r>
             <a:r>
-              <a:rPr lang="en-US" kern="1200" dirty="0" err="1" smtClean="0">
+              <a:rPr lang="en-US" kern="1200" dirty="0" err="1">
                 <a:latin typeface="Segoe UI" panose="020B0502040204020203" pitchFamily="34" charset="0"/>
                 <a:cs typeface="Segoe UI" panose="020B0502040204020203" pitchFamily="34" charset="0"/>
               </a:rPr>
               <a:t>mengintegrasikan</a:t>
             </a:r>
             <a:r>
-              <a:rPr lang="en-US" kern="1200" dirty="0" smtClean="0">
+              <a:rPr lang="en-US" kern="1200" dirty="0">
                 <a:latin typeface="Segoe UI" panose="020B0502040204020203" pitchFamily="34" charset="0"/>
                 <a:cs typeface="Segoe UI" panose="020B0502040204020203" pitchFamily="34" charset="0"/>
               </a:rPr>
               <a:t> </a:t>
             </a:r>
             <a:r>
-              <a:rPr lang="en-US" kern="1200" dirty="0" err="1" smtClean="0">
+              <a:rPr lang="en-US" kern="1200" dirty="0" err="1">
                 <a:latin typeface="Segoe UI" panose="020B0502040204020203" pitchFamily="34" charset="0"/>
                 <a:cs typeface="Segoe UI" panose="020B0502040204020203" pitchFamily="34" charset="0"/>
               </a:rPr>
               <a:t>bisnis</a:t>
             </a:r>
             <a:r>
-              <a:rPr lang="en-US" kern="1200" dirty="0" smtClean="0">
+              <a:rPr lang="en-US" kern="1200" dirty="0">
                 <a:latin typeface="Segoe UI" panose="020B0502040204020203" pitchFamily="34" charset="0"/>
                 <a:cs typeface="Segoe UI" panose="020B0502040204020203" pitchFamily="34" charset="0"/>
               </a:rPr>
               <a:t> </a:t>
             </a:r>
             <a:r>
-              <a:rPr lang="en-US" kern="1200" dirty="0" err="1" smtClean="0">
+              <a:rPr lang="en-US" kern="1200" dirty="0" err="1">
                 <a:latin typeface="Segoe UI" panose="020B0502040204020203" pitchFamily="34" charset="0"/>
                 <a:cs typeface="Segoe UI" panose="020B0502040204020203" pitchFamily="34" charset="0"/>
               </a:rPr>
               <a:t>baru</a:t>
             </a:r>
             <a:r>
-              <a:rPr lang="en-US" kern="1200" dirty="0" smtClean="0">
+              <a:rPr lang="en-US" kern="1200" dirty="0">
                 <a:latin typeface="Segoe UI" panose="020B0502040204020203" pitchFamily="34" charset="0"/>
                 <a:cs typeface="Segoe UI" panose="020B0502040204020203" pitchFamily="34" charset="0"/>
               </a:rPr>
               <a:t> </a:t>
             </a:r>
             <a:r>
-              <a:rPr lang="en-US" kern="1200" dirty="0" err="1" smtClean="0">
+              <a:rPr lang="en-US" kern="1200" dirty="0" err="1">
                 <a:latin typeface="Segoe UI" panose="020B0502040204020203" pitchFamily="34" charset="0"/>
                 <a:cs typeface="Segoe UI" panose="020B0502040204020203" pitchFamily="34" charset="0"/>
               </a:rPr>
               <a:t>ke</a:t>
             </a:r>
             <a:r>
-              <a:rPr lang="en-US" kern="1200" dirty="0" smtClean="0">
+              <a:rPr lang="en-US" kern="1200" dirty="0">
                 <a:latin typeface="Segoe UI" panose="020B0502040204020203" pitchFamily="34" charset="0"/>
                 <a:cs typeface="Segoe UI" panose="020B0502040204020203" pitchFamily="34" charset="0"/>
               </a:rPr>
               <a:t> </a:t>
             </a:r>
             <a:r>
-              <a:rPr lang="en-US" kern="1200" dirty="0" err="1" smtClean="0">
+              <a:rPr lang="en-US" kern="1200" dirty="0" err="1">
                 <a:latin typeface="Segoe UI" panose="020B0502040204020203" pitchFamily="34" charset="0"/>
                 <a:cs typeface="Segoe UI" panose="020B0502040204020203" pitchFamily="34" charset="0"/>
               </a:rPr>
               <a:t>dalamnya</a:t>
             </a:r>
-            <a:endParaRPr lang="en-US" kern="1200" dirty="0" smtClean="0">
+            <a:endParaRPr lang="en-US" kern="1200" dirty="0">
               <a:latin typeface="Segoe UI" panose="020B0502040204020203" pitchFamily="34" charset="0"/>
               <a:cs typeface="Segoe UI" panose="020B0502040204020203" pitchFamily="34" charset="0"/>
             </a:endParaRPr>
@@ -11587,77 +11573,77 @@
               <a:buChar char="•"/>
             </a:pPr>
             <a:r>
-              <a:rPr lang="en-US" kern="1200" dirty="0" err="1" smtClean="0">
+              <a:rPr lang="en-US" kern="1200" dirty="0" err="1">
                 <a:latin typeface="Segoe UI" panose="020B0502040204020203" pitchFamily="34" charset="0"/>
                 <a:cs typeface="Segoe UI" panose="020B0502040204020203" pitchFamily="34" charset="0"/>
               </a:rPr>
               <a:t>Mudah</a:t>
             </a:r>
             <a:r>
-              <a:rPr lang="en-US" kern="1200" dirty="0" smtClean="0">
+              <a:rPr lang="en-US" kern="1200" dirty="0">
                 <a:latin typeface="Segoe UI" panose="020B0502040204020203" pitchFamily="34" charset="0"/>
                 <a:cs typeface="Segoe UI" panose="020B0502040204020203" pitchFamily="34" charset="0"/>
               </a:rPr>
               <a:t> </a:t>
             </a:r>
             <a:r>
-              <a:rPr lang="en-US" kern="1200" dirty="0" err="1" smtClean="0">
+              <a:rPr lang="en-US" kern="1200" dirty="0" err="1">
                 <a:latin typeface="Segoe UI" panose="020B0502040204020203" pitchFamily="34" charset="0"/>
                 <a:cs typeface="Segoe UI" panose="020B0502040204020203" pitchFamily="34" charset="0"/>
               </a:rPr>
               <a:t>untuk</a:t>
             </a:r>
             <a:r>
-              <a:rPr lang="en-US" kern="1200" dirty="0" smtClean="0">
+              <a:rPr lang="en-US" kern="1200" dirty="0">
                 <a:latin typeface="Segoe UI" panose="020B0502040204020203" pitchFamily="34" charset="0"/>
                 <a:cs typeface="Segoe UI" panose="020B0502040204020203" pitchFamily="34" charset="0"/>
               </a:rPr>
               <a:t> </a:t>
             </a:r>
             <a:r>
-              <a:rPr lang="en-US" kern="1200" dirty="0" err="1" smtClean="0">
+              <a:rPr lang="en-US" kern="1200" dirty="0" err="1">
                 <a:latin typeface="Segoe UI" panose="020B0502040204020203" pitchFamily="34" charset="0"/>
                 <a:cs typeface="Segoe UI" panose="020B0502040204020203" pitchFamily="34" charset="0"/>
               </a:rPr>
               <a:t>mengkonfigurasi</a:t>
             </a:r>
             <a:r>
-              <a:rPr lang="en-US" kern="1200" dirty="0" smtClean="0">
+              <a:rPr lang="en-US" kern="1200" dirty="0">
                 <a:latin typeface="Segoe UI" panose="020B0502040204020203" pitchFamily="34" charset="0"/>
                 <a:cs typeface="Segoe UI" panose="020B0502040204020203" pitchFamily="34" charset="0"/>
               </a:rPr>
               <a:t> </a:t>
             </a:r>
             <a:r>
-              <a:rPr lang="en-US" kern="1200" dirty="0" err="1" smtClean="0">
+              <a:rPr lang="en-US" kern="1200" dirty="0" err="1">
                 <a:latin typeface="Segoe UI" panose="020B0502040204020203" pitchFamily="34" charset="0"/>
                 <a:cs typeface="Segoe UI" panose="020B0502040204020203" pitchFamily="34" charset="0"/>
               </a:rPr>
               <a:t>ulang</a:t>
             </a:r>
             <a:r>
-              <a:rPr lang="en-US" kern="1200" dirty="0" smtClean="0">
+              <a:rPr lang="en-US" kern="1200" dirty="0">
                 <a:latin typeface="Segoe UI" panose="020B0502040204020203" pitchFamily="34" charset="0"/>
                 <a:cs typeface="Segoe UI" panose="020B0502040204020203" pitchFamily="34" charset="0"/>
               </a:rPr>
               <a:t> software/app yang </a:t>
             </a:r>
             <a:r>
-              <a:rPr lang="en-US" kern="1200" dirty="0" err="1" smtClean="0">
+              <a:rPr lang="en-US" kern="1200" dirty="0" err="1">
                 <a:latin typeface="Segoe UI" panose="020B0502040204020203" pitchFamily="34" charset="0"/>
                 <a:cs typeface="Segoe UI" panose="020B0502040204020203" pitchFamily="34" charset="0"/>
               </a:rPr>
               <a:t>telah</a:t>
             </a:r>
             <a:r>
-              <a:rPr lang="en-US" kern="1200" dirty="0" smtClean="0">
+              <a:rPr lang="en-US" kern="1200" dirty="0">
                 <a:latin typeface="Segoe UI" panose="020B0502040204020203" pitchFamily="34" charset="0"/>
                 <a:cs typeface="Segoe UI" panose="020B0502040204020203" pitchFamily="34" charset="0"/>
               </a:rPr>
               <a:t> </a:t>
             </a:r>
             <a:r>
-              <a:rPr lang="en-US" kern="1200" dirty="0" err="1" smtClean="0">
+              <a:rPr lang="en-US" kern="1200" dirty="0" err="1">
                 <a:latin typeface="Segoe UI" panose="020B0502040204020203" pitchFamily="34" charset="0"/>
                 <a:cs typeface="Segoe UI" panose="020B0502040204020203" pitchFamily="34" charset="0"/>
               </a:rPr>
@@ -11852,7 +11838,7 @@
               </a:spcAft>
             </a:pPr>
             <a:r>
-              <a:rPr lang="en-US" sz="2800" kern="1200" dirty="0" err="1" smtClean="0">
+              <a:rPr lang="en-US" sz="2800" kern="1200" dirty="0" err="1">
                 <a:latin typeface="Segoe UI Semibold" panose="020B0702040204020203" pitchFamily="34" charset="0"/>
                 <a:cs typeface="Segoe UI Semibold" panose="020B0702040204020203" pitchFamily="34" charset="0"/>
               </a:rPr>
@@ -11987,63 +11973,63 @@
               <a:buChar char="•"/>
             </a:pPr>
             <a:r>
-              <a:rPr lang="en-US" kern="1200" dirty="0" err="1" smtClean="0">
+              <a:rPr lang="en-US" kern="1200" dirty="0" err="1">
                 <a:latin typeface="Segoe UI" panose="020B0502040204020203" pitchFamily="34" charset="0"/>
                 <a:cs typeface="Segoe UI" panose="020B0502040204020203" pitchFamily="34" charset="0"/>
               </a:rPr>
               <a:t>Infrastruktur</a:t>
             </a:r>
             <a:r>
-              <a:rPr lang="en-US" kern="1200" dirty="0" smtClean="0">
+              <a:rPr lang="en-US" kern="1200" dirty="0">
                 <a:latin typeface="Segoe UI" panose="020B0502040204020203" pitchFamily="34" charset="0"/>
                 <a:cs typeface="Segoe UI" panose="020B0502040204020203" pitchFamily="34" charset="0"/>
               </a:rPr>
               <a:t> IT </a:t>
             </a:r>
             <a:r>
-              <a:rPr lang="en-US" kern="1200" dirty="0" err="1" smtClean="0">
+              <a:rPr lang="en-US" kern="1200" dirty="0" err="1">
                 <a:latin typeface="Segoe UI" panose="020B0502040204020203" pitchFamily="34" charset="0"/>
                 <a:cs typeface="Segoe UI" panose="020B0502040204020203" pitchFamily="34" charset="0"/>
               </a:rPr>
               <a:t>mudah</a:t>
             </a:r>
             <a:r>
-              <a:rPr lang="en-US" kern="1200" dirty="0" smtClean="0">
+              <a:rPr lang="en-US" kern="1200" dirty="0">
                 <a:latin typeface="Segoe UI" panose="020B0502040204020203" pitchFamily="34" charset="0"/>
                 <a:cs typeface="Segoe UI" panose="020B0502040204020203" pitchFamily="34" charset="0"/>
               </a:rPr>
               <a:t> </a:t>
             </a:r>
             <a:r>
-              <a:rPr lang="en-US" kern="1200" dirty="0" err="1" smtClean="0">
+              <a:rPr lang="en-US" kern="1200" dirty="0" err="1">
                 <a:latin typeface="Segoe UI" panose="020B0502040204020203" pitchFamily="34" charset="0"/>
                 <a:cs typeface="Segoe UI" panose="020B0502040204020203" pitchFamily="34" charset="0"/>
               </a:rPr>
               <a:t>untuk</a:t>
             </a:r>
             <a:r>
-              <a:rPr lang="en-US" kern="1200" dirty="0" smtClean="0">
+              <a:rPr lang="en-US" kern="1200" dirty="0">
                 <a:latin typeface="Segoe UI" panose="020B0502040204020203" pitchFamily="34" charset="0"/>
                 <a:cs typeface="Segoe UI" panose="020B0502040204020203" pitchFamily="34" charset="0"/>
               </a:rPr>
               <a:t> di SCALE-UP/DOWN </a:t>
             </a:r>
             <a:r>
-              <a:rPr lang="en-US" kern="1200" dirty="0" err="1" smtClean="0">
+              <a:rPr lang="en-US" kern="1200" dirty="0" err="1">
                 <a:latin typeface="Segoe UI" panose="020B0502040204020203" pitchFamily="34" charset="0"/>
                 <a:cs typeface="Segoe UI" panose="020B0502040204020203" pitchFamily="34" charset="0"/>
               </a:rPr>
               <a:t>sesuai</a:t>
             </a:r>
             <a:r>
-              <a:rPr lang="en-US" kern="1200" dirty="0" smtClean="0">
+              <a:rPr lang="en-US" kern="1200" dirty="0">
                 <a:latin typeface="Segoe UI" panose="020B0502040204020203" pitchFamily="34" charset="0"/>
                 <a:cs typeface="Segoe UI" panose="020B0502040204020203" pitchFamily="34" charset="0"/>
               </a:rPr>
               <a:t> </a:t>
             </a:r>
             <a:r>
-              <a:rPr lang="en-US" kern="1200" dirty="0" err="1" smtClean="0">
+              <a:rPr lang="en-US" kern="1200" dirty="0" err="1">
                 <a:latin typeface="Segoe UI" panose="020B0502040204020203" pitchFamily="34" charset="0"/>
                 <a:cs typeface="Segoe UI" panose="020B0502040204020203" pitchFamily="34" charset="0"/>
               </a:rPr>
@@ -12238,16 +12224,12 @@
               </a:spcAft>
             </a:pPr>
             <a:r>
-              <a:rPr lang="en-US" sz="2800" kern="1200" dirty="0" smtClean="0">
+              <a:rPr lang="en-US" sz="2800" kern="1200" dirty="0">
                 <a:latin typeface="Segoe UI Semibold" panose="020B0702040204020203" pitchFamily="34" charset="0"/>
                 <a:cs typeface="Segoe UI Semibold" panose="020B0702040204020203" pitchFamily="34" charset="0"/>
               </a:rPr>
               <a:t>Agility</a:t>
             </a:r>
-            <a:endParaRPr lang="en-US" sz="2800" kern="1200" dirty="0">
-              <a:latin typeface="Segoe UI Semibold" panose="020B0702040204020203" pitchFamily="34" charset="0"/>
-              <a:cs typeface="Segoe UI Semibold" panose="020B0702040204020203" pitchFamily="34" charset="0"/>
-            </a:endParaRPr>
           </a:p>
         </p:txBody>
       </p:sp>
@@ -12373,55 +12355,55 @@
               <a:buChar char="•"/>
             </a:pPr>
             <a:r>
-              <a:rPr lang="en-US" kern="1200" dirty="0" err="1" smtClean="0">
+              <a:rPr lang="en-US" kern="1200" dirty="0" err="1">
                 <a:latin typeface="Segoe UI" panose="020B0502040204020203" pitchFamily="34" charset="0"/>
                 <a:cs typeface="Segoe UI" panose="020B0502040204020203" pitchFamily="34" charset="0"/>
               </a:rPr>
               <a:t>Merespon</a:t>
             </a:r>
             <a:r>
-              <a:rPr lang="en-US" kern="1200" dirty="0" smtClean="0">
+              <a:rPr lang="en-US" kern="1200" dirty="0">
                 <a:latin typeface="Segoe UI" panose="020B0502040204020203" pitchFamily="34" charset="0"/>
                 <a:cs typeface="Segoe UI" panose="020B0502040204020203" pitchFamily="34" charset="0"/>
               </a:rPr>
               <a:t> </a:t>
             </a:r>
             <a:r>
-              <a:rPr lang="en-US" kern="1200" dirty="0" err="1" smtClean="0">
+              <a:rPr lang="en-US" kern="1200" dirty="0" err="1">
                 <a:latin typeface="Segoe UI" panose="020B0502040204020203" pitchFamily="34" charset="0"/>
                 <a:cs typeface="Segoe UI" panose="020B0502040204020203" pitchFamily="34" charset="0"/>
               </a:rPr>
               <a:t>perubahan</a:t>
             </a:r>
             <a:r>
-              <a:rPr lang="en-US" kern="1200" dirty="0" smtClean="0">
+              <a:rPr lang="en-US" kern="1200" dirty="0">
                 <a:latin typeface="Segoe UI" panose="020B0502040204020203" pitchFamily="34" charset="0"/>
                 <a:cs typeface="Segoe UI" panose="020B0502040204020203" pitchFamily="34" charset="0"/>
               </a:rPr>
               <a:t> </a:t>
             </a:r>
             <a:r>
-              <a:rPr lang="en-US" kern="1200" dirty="0" err="1" smtClean="0">
+              <a:rPr lang="en-US" kern="1200" dirty="0" err="1">
                 <a:latin typeface="Segoe UI" panose="020B0502040204020203" pitchFamily="34" charset="0"/>
                 <a:cs typeface="Segoe UI" panose="020B0502040204020203" pitchFamily="34" charset="0"/>
               </a:rPr>
               <a:t>dengan</a:t>
             </a:r>
             <a:r>
-              <a:rPr lang="en-US" kern="1200" dirty="0" smtClean="0">
+              <a:rPr lang="en-US" kern="1200" dirty="0">
                 <a:latin typeface="Segoe UI" panose="020B0502040204020203" pitchFamily="34" charset="0"/>
                 <a:cs typeface="Segoe UI" panose="020B0502040204020203" pitchFamily="34" charset="0"/>
               </a:rPr>
               <a:t> </a:t>
             </a:r>
             <a:r>
-              <a:rPr lang="en-US" kern="1200" dirty="0" err="1" smtClean="0">
+              <a:rPr lang="en-US" kern="1200" dirty="0" err="1">
                 <a:latin typeface="Segoe UI" panose="020B0502040204020203" pitchFamily="34" charset="0"/>
                 <a:cs typeface="Segoe UI" panose="020B0502040204020203" pitchFamily="34" charset="0"/>
               </a:rPr>
               <a:t>cepat</a:t>
             </a:r>
-            <a:endParaRPr lang="en-US" kern="1200" dirty="0" smtClean="0">
+            <a:endParaRPr lang="en-US" kern="1200" dirty="0">
               <a:latin typeface="Segoe UI" panose="020B0502040204020203" pitchFamily="34" charset="0"/>
               <a:cs typeface="Segoe UI" panose="020B0502040204020203" pitchFamily="34" charset="0"/>
             </a:endParaRPr>
@@ -12458,133 +12440,133 @@
               <a:buChar char="•"/>
             </a:pPr>
             <a:r>
-              <a:rPr lang="en-US" kern="1200" dirty="0" err="1" smtClean="0">
+              <a:rPr lang="en-US" kern="1200" dirty="0" err="1">
                 <a:latin typeface="Segoe UI" panose="020B0502040204020203" pitchFamily="34" charset="0"/>
                 <a:cs typeface="Segoe UI" panose="020B0502040204020203" pitchFamily="34" charset="0"/>
               </a:rPr>
               <a:t>Pandai</a:t>
             </a:r>
             <a:r>
-              <a:rPr lang="en-US" kern="1200" dirty="0" smtClean="0">
+              <a:rPr lang="en-US" kern="1200" dirty="0">
                 <a:latin typeface="Segoe UI" panose="020B0502040204020203" pitchFamily="34" charset="0"/>
                 <a:cs typeface="Segoe UI" panose="020B0502040204020203" pitchFamily="34" charset="0"/>
               </a:rPr>
               <a:t> </a:t>
             </a:r>
             <a:r>
-              <a:rPr lang="en-US" kern="1200" dirty="0" err="1" smtClean="0">
+              <a:rPr lang="en-US" kern="1200" dirty="0" err="1">
                 <a:latin typeface="Segoe UI" panose="020B0502040204020203" pitchFamily="34" charset="0"/>
                 <a:cs typeface="Segoe UI" panose="020B0502040204020203" pitchFamily="34" charset="0"/>
               </a:rPr>
               <a:t>mengambil</a:t>
             </a:r>
             <a:r>
-              <a:rPr lang="en-US" kern="1200" dirty="0" smtClean="0">
+              <a:rPr lang="en-US" kern="1200" dirty="0">
                 <a:latin typeface="Segoe UI" panose="020B0502040204020203" pitchFamily="34" charset="0"/>
                 <a:cs typeface="Segoe UI" panose="020B0502040204020203" pitchFamily="34" charset="0"/>
               </a:rPr>
               <a:t> </a:t>
             </a:r>
             <a:r>
-              <a:rPr lang="en-US" kern="1200" dirty="0" err="1" smtClean="0">
+              <a:rPr lang="en-US" kern="1200" dirty="0" err="1">
                 <a:latin typeface="Segoe UI" panose="020B0502040204020203" pitchFamily="34" charset="0"/>
                 <a:cs typeface="Segoe UI" panose="020B0502040204020203" pitchFamily="34" charset="0"/>
               </a:rPr>
               <a:t>peluang</a:t>
             </a:r>
             <a:r>
-              <a:rPr lang="en-US" kern="1200" dirty="0" smtClean="0">
+              <a:rPr lang="en-US" kern="1200" dirty="0">
                 <a:latin typeface="Segoe UI" panose="020B0502040204020203" pitchFamily="34" charset="0"/>
                 <a:cs typeface="Segoe UI" panose="020B0502040204020203" pitchFamily="34" charset="0"/>
               </a:rPr>
               <a:t> </a:t>
             </a:r>
             <a:r>
-              <a:rPr lang="en-US" kern="1200" dirty="0" err="1" smtClean="0">
+              <a:rPr lang="en-US" kern="1200" dirty="0" err="1">
                 <a:latin typeface="Segoe UI" panose="020B0502040204020203" pitchFamily="34" charset="0"/>
                 <a:cs typeface="Segoe UI" panose="020B0502040204020203" pitchFamily="34" charset="0"/>
               </a:rPr>
               <a:t>lebih</a:t>
             </a:r>
             <a:r>
-              <a:rPr lang="en-US" kern="1200" dirty="0" smtClean="0">
+              <a:rPr lang="en-US" kern="1200" dirty="0">
                 <a:latin typeface="Segoe UI" panose="020B0502040204020203" pitchFamily="34" charset="0"/>
                 <a:cs typeface="Segoe UI" panose="020B0502040204020203" pitchFamily="34" charset="0"/>
               </a:rPr>
               <a:t> </a:t>
             </a:r>
             <a:r>
-              <a:rPr lang="en-US" kern="1200" dirty="0" err="1" smtClean="0">
+              <a:rPr lang="en-US" kern="1200" dirty="0" err="1">
                 <a:latin typeface="Segoe UI" panose="020B0502040204020203" pitchFamily="34" charset="0"/>
                 <a:cs typeface="Segoe UI" panose="020B0502040204020203" pitchFamily="34" charset="0"/>
               </a:rPr>
               <a:t>cepat</a:t>
             </a:r>
             <a:r>
-              <a:rPr lang="en-US" kern="1200" dirty="0" smtClean="0">
+              <a:rPr lang="en-US" kern="1200" dirty="0">
                 <a:latin typeface="Segoe UI" panose="020B0502040204020203" pitchFamily="34" charset="0"/>
                 <a:cs typeface="Segoe UI" panose="020B0502040204020203" pitchFamily="34" charset="0"/>
               </a:rPr>
               <a:t> </a:t>
             </a:r>
             <a:r>
-              <a:rPr lang="en-US" kern="1200" dirty="0" err="1" smtClean="0">
+              <a:rPr lang="en-US" kern="1200" dirty="0" err="1">
                 <a:latin typeface="Segoe UI" panose="020B0502040204020203" pitchFamily="34" charset="0"/>
                 <a:cs typeface="Segoe UI" panose="020B0502040204020203" pitchFamily="34" charset="0"/>
               </a:rPr>
               <a:t>dan</a:t>
             </a:r>
             <a:r>
-              <a:rPr lang="en-US" kern="1200" dirty="0" smtClean="0">
+              <a:rPr lang="en-US" kern="1200" dirty="0">
                 <a:latin typeface="Segoe UI" panose="020B0502040204020203" pitchFamily="34" charset="0"/>
                 <a:cs typeface="Segoe UI" panose="020B0502040204020203" pitchFamily="34" charset="0"/>
               </a:rPr>
               <a:t> </a:t>
             </a:r>
             <a:r>
-              <a:rPr lang="en-US" kern="1200" dirty="0" err="1" smtClean="0">
+              <a:rPr lang="en-US" kern="1200" dirty="0" err="1">
                 <a:latin typeface="Segoe UI" panose="020B0502040204020203" pitchFamily="34" charset="0"/>
                 <a:cs typeface="Segoe UI" panose="020B0502040204020203" pitchFamily="34" charset="0"/>
               </a:rPr>
               <a:t>lebih</a:t>
             </a:r>
             <a:r>
-              <a:rPr lang="en-US" kern="1200" dirty="0" smtClean="0">
+              <a:rPr lang="en-US" kern="1200" dirty="0">
                 <a:latin typeface="Segoe UI" panose="020B0502040204020203" pitchFamily="34" charset="0"/>
                 <a:cs typeface="Segoe UI" panose="020B0502040204020203" pitchFamily="34" charset="0"/>
               </a:rPr>
               <a:t> </a:t>
             </a:r>
             <a:r>
-              <a:rPr lang="en-US" kern="1200" dirty="0" err="1" smtClean="0">
+              <a:rPr lang="en-US" kern="1200" dirty="0" err="1">
                 <a:latin typeface="Segoe UI" panose="020B0502040204020203" pitchFamily="34" charset="0"/>
                 <a:cs typeface="Segoe UI" panose="020B0502040204020203" pitchFamily="34" charset="0"/>
               </a:rPr>
               <a:t>baik</a:t>
             </a:r>
             <a:r>
-              <a:rPr lang="en-US" kern="1200" dirty="0" smtClean="0">
+              <a:rPr lang="en-US" kern="1200" dirty="0">
                 <a:latin typeface="Segoe UI" panose="020B0502040204020203" pitchFamily="34" charset="0"/>
                 <a:cs typeface="Segoe UI" panose="020B0502040204020203" pitchFamily="34" charset="0"/>
               </a:rPr>
               <a:t> </a:t>
             </a:r>
             <a:r>
-              <a:rPr lang="en-US" kern="1200" dirty="0" err="1" smtClean="0">
+              <a:rPr lang="en-US" kern="1200" dirty="0" err="1">
                 <a:latin typeface="Segoe UI" panose="020B0502040204020203" pitchFamily="34" charset="0"/>
                 <a:cs typeface="Segoe UI" panose="020B0502040204020203" pitchFamily="34" charset="0"/>
               </a:rPr>
               <a:t>dibandingkan</a:t>
             </a:r>
             <a:r>
-              <a:rPr lang="en-US" kern="1200" dirty="0" smtClean="0">
+              <a:rPr lang="en-US" kern="1200" dirty="0">
                 <a:latin typeface="Segoe UI" panose="020B0502040204020203" pitchFamily="34" charset="0"/>
                 <a:cs typeface="Segoe UI" panose="020B0502040204020203" pitchFamily="34" charset="0"/>
               </a:rPr>
               <a:t> </a:t>
             </a:r>
             <a:r>
-              <a:rPr lang="en-US" kern="1200" dirty="0" err="1" smtClean="0">
+              <a:rPr lang="en-US" kern="1200" dirty="0" err="1">
                 <a:latin typeface="Segoe UI" panose="020B0502040204020203" pitchFamily="34" charset="0"/>
                 <a:cs typeface="Segoe UI" panose="020B0502040204020203" pitchFamily="34" charset="0"/>
               </a:rPr>
@@ -12964,7 +12946,7 @@
           <a:p>
             <a:pPr algn="l"/>
             <a:r>
-              <a:rPr lang="en-US" b="1" dirty="0" smtClean="0">
+              <a:rPr lang="en-US" b="1" dirty="0">
                 <a:solidFill>
                   <a:schemeClr val="bg1">
                     <a:lumMod val="95000"/>
@@ -12976,7 +12958,7 @@
               <a:t> </a:t>
             </a:r>
             <a:r>
-              <a:rPr lang="en-US" b="1" dirty="0" err="1" smtClean="0">
+              <a:rPr lang="en-US" b="1" dirty="0" err="1">
                 <a:solidFill>
                   <a:schemeClr val="bg1">
                     <a:lumMod val="95000"/>
@@ -12988,7 +12970,7 @@
               <a:t>Kekuatan</a:t>
             </a:r>
             <a:r>
-              <a:rPr lang="en-US" b="1" dirty="0" smtClean="0">
+              <a:rPr lang="en-US" b="1" dirty="0">
                 <a:solidFill>
                   <a:schemeClr val="bg1">
                     <a:lumMod val="95000"/>
@@ -13000,7 +12982,7 @@
               <a:t> </a:t>
             </a:r>
             <a:r>
-              <a:rPr lang="en-US" b="1" dirty="0" err="1" smtClean="0">
+              <a:rPr lang="en-US" b="1" dirty="0" err="1">
                 <a:solidFill>
                   <a:schemeClr val="bg1">
                     <a:lumMod val="95000"/>
@@ -13012,7 +12994,7 @@
               <a:t>Daya</a:t>
             </a:r>
             <a:r>
-              <a:rPr lang="en-US" b="1" dirty="0" smtClean="0">
+              <a:rPr lang="en-US" b="1" dirty="0">
                 <a:solidFill>
                   <a:schemeClr val="bg1">
                     <a:lumMod val="95000"/>
@@ -13024,7 +13006,7 @@
               <a:t> </a:t>
             </a:r>
             <a:r>
-              <a:rPr lang="en-US" b="1" dirty="0" err="1" smtClean="0">
+              <a:rPr lang="en-US" b="1" dirty="0" err="1">
                 <a:solidFill>
                   <a:schemeClr val="bg1">
                     <a:lumMod val="95000"/>
@@ -13182,23 +13164,19 @@
           <a:lstStyle/>
           <a:p>
             <a:r>
-              <a:rPr lang="en-US" dirty="0" smtClean="0">
+              <a:rPr lang="en-US" dirty="0">
                 <a:latin typeface="Segoe UI Semibold" panose="020B0702040204020203" pitchFamily="34" charset="0"/>
                 <a:cs typeface="Segoe UI Semibold" panose="020B0702040204020203" pitchFamily="34" charset="0"/>
               </a:rPr>
               <a:t>   </a:t>
             </a:r>
             <a:r>
-              <a:rPr lang="en-US" i="1" dirty="0" smtClean="0">
+              <a:rPr lang="en-US" i="1" dirty="0">
                 <a:latin typeface="Segoe UI Semibold" panose="020B0702040204020203" pitchFamily="34" charset="0"/>
                 <a:cs typeface="Segoe UI Semibold" panose="020B0702040204020203" pitchFamily="34" charset="0"/>
               </a:rPr>
               <a:t>COMPETITIVE ADVANTAGES</a:t>
             </a:r>
-            <a:endParaRPr lang="en-US" i="1" dirty="0">
-              <a:latin typeface="Segoe UI Semibold" panose="020B0702040204020203" pitchFamily="34" charset="0"/>
-              <a:cs typeface="Segoe UI Semibold" panose="020B0702040204020203" pitchFamily="34" charset="0"/>
-            </a:endParaRPr>
           </a:p>
         </p:txBody>
       </p:sp>
@@ -13207,13 +13185,6 @@
   <p:clrMapOvr>
     <a:masterClrMapping/>
   </p:clrMapOvr>
-  <p:timing>
-    <p:tnLst>
-      <p:par>
-        <p:cTn id="1" dur="indefinite" restart="never" nodeType="tmRoot"/>
-      </p:par>
-    </p:tnLst>
-  </p:timing>
 </p:sld>
 </file>
 
@@ -13286,10 +13257,6 @@
               </a:rPr>
               <a:t>S</a:t>
             </a:r>
-            <a:endParaRPr lang="en-US" sz="6600" dirty="0">
-              <a:latin typeface="Segoe UI Semibold" panose="020B0702040204020203" pitchFamily="34" charset="0"/>
-              <a:cs typeface="Segoe UI Semibold" panose="020B0702040204020203" pitchFamily="34" charset="0"/>
-            </a:endParaRPr>
           </a:p>
           <a:p>
             <a:pPr algn="ctr"/>
@@ -13300,10 +13267,6 @@
               </a:rPr>
               <a:t>Strengths</a:t>
             </a:r>
-            <a:endParaRPr lang="en-US" sz="1600" dirty="0">
-              <a:latin typeface="Segoe UI Semibold" panose="020B0702040204020203" pitchFamily="34" charset="0"/>
-              <a:cs typeface="Segoe UI Semibold" panose="020B0702040204020203" pitchFamily="34" charset="0"/>
-            </a:endParaRPr>
           </a:p>
         </p:txBody>
       </p:sp>
@@ -13359,10 +13322,6 @@
               </a:rPr>
               <a:t>W</a:t>
             </a:r>
-            <a:endParaRPr lang="en-US" sz="6600" dirty="0">
-              <a:latin typeface="Segoe UI Semibold" panose="020B0702040204020203" pitchFamily="34" charset="0"/>
-              <a:cs typeface="Segoe UI Semibold" panose="020B0702040204020203" pitchFamily="34" charset="0"/>
-            </a:endParaRPr>
           </a:p>
           <a:p>
             <a:pPr algn="ctr"/>
@@ -13373,10 +13332,6 @@
               </a:rPr>
               <a:t>Weaknesses</a:t>
             </a:r>
-            <a:endParaRPr lang="en-US" sz="1600" dirty="0">
-              <a:latin typeface="Segoe UI Semibold" panose="020B0702040204020203" pitchFamily="34" charset="0"/>
-              <a:cs typeface="Segoe UI Semibold" panose="020B0702040204020203" pitchFamily="34" charset="0"/>
-            </a:endParaRPr>
           </a:p>
         </p:txBody>
       </p:sp>
@@ -13432,10 +13387,6 @@
               </a:rPr>
               <a:t>O</a:t>
             </a:r>
-            <a:endParaRPr lang="en-US" sz="6600" dirty="0">
-              <a:latin typeface="Segoe UI Semibold" panose="020B0702040204020203" pitchFamily="34" charset="0"/>
-              <a:cs typeface="Segoe UI Semibold" panose="020B0702040204020203" pitchFamily="34" charset="0"/>
-            </a:endParaRPr>
           </a:p>
           <a:p>
             <a:pPr algn="ctr"/>
@@ -13446,10 +13397,6 @@
               </a:rPr>
               <a:t>Opportunities</a:t>
             </a:r>
-            <a:endParaRPr lang="en-US" sz="1600" dirty="0">
-              <a:latin typeface="Segoe UI Semibold" panose="020B0702040204020203" pitchFamily="34" charset="0"/>
-              <a:cs typeface="Segoe UI Semibold" panose="020B0702040204020203" pitchFamily="34" charset="0"/>
-            </a:endParaRPr>
           </a:p>
         </p:txBody>
       </p:sp>
@@ -13505,10 +13452,6 @@
               </a:rPr>
               <a:t>T</a:t>
             </a:r>
-            <a:endParaRPr lang="en-US" sz="6600" dirty="0">
-              <a:latin typeface="Segoe UI Semibold" panose="020B0702040204020203" pitchFamily="34" charset="0"/>
-              <a:cs typeface="Segoe UI Semibold" panose="020B0702040204020203" pitchFamily="34" charset="0"/>
-            </a:endParaRPr>
           </a:p>
           <a:p>
             <a:pPr algn="ctr"/>
@@ -13519,10 +13462,6 @@
               </a:rPr>
               <a:t>Threats</a:t>
             </a:r>
-            <a:endParaRPr lang="en-US" sz="1600" dirty="0">
-              <a:latin typeface="Segoe UI Semibold" panose="020B0702040204020203" pitchFamily="34" charset="0"/>
-              <a:cs typeface="Segoe UI Semibold" panose="020B0702040204020203" pitchFamily="34" charset="0"/>
-            </a:endParaRPr>
           </a:p>
         </p:txBody>
       </p:sp>
@@ -14005,23 +13944,19 @@
           <a:lstStyle/>
           <a:p>
             <a:r>
-              <a:rPr lang="en-US" dirty="0" smtClean="0">
+              <a:rPr lang="en-US" dirty="0">
                 <a:latin typeface="Segoe UI Semibold" panose="020B0702040204020203" pitchFamily="34" charset="0"/>
                 <a:cs typeface="Segoe UI Semibold" panose="020B0702040204020203" pitchFamily="34" charset="0"/>
               </a:rPr>
               <a:t>   </a:t>
             </a:r>
             <a:r>
-              <a:rPr lang="en-US" i="1" dirty="0" smtClean="0">
+              <a:rPr lang="en-US" i="1" dirty="0">
                 <a:latin typeface="Segoe UI Semibold" panose="020B0702040204020203" pitchFamily="34" charset="0"/>
                 <a:cs typeface="Segoe UI Semibold" panose="020B0702040204020203" pitchFamily="34" charset="0"/>
               </a:rPr>
               <a:t>COMPETITIVE ADVANTAGES</a:t>
             </a:r>
-            <a:endParaRPr lang="en-US" i="1" dirty="0">
-              <a:latin typeface="Segoe UI Semibold" panose="020B0702040204020203" pitchFamily="34" charset="0"/>
-              <a:cs typeface="Segoe UI Semibold" panose="020B0702040204020203" pitchFamily="34" charset="0"/>
-            </a:endParaRPr>
           </a:p>
         </p:txBody>
       </p:sp>
@@ -14048,18 +13983,6 @@
           <a:p>
             <a:pPr algn="l"/>
             <a:r>
-              <a:rPr lang="en-US" b="1" dirty="0" smtClean="0">
-                <a:solidFill>
-                  <a:schemeClr val="bg1">
-                    <a:lumMod val="95000"/>
-                  </a:schemeClr>
-                </a:solidFill>
-                <a:latin typeface="Segoe UI Semibold" panose="020B0702040204020203" pitchFamily="34" charset="0"/>
-                <a:cs typeface="Segoe UI Semibold" panose="020B0702040204020203" pitchFamily="34" charset="0"/>
-              </a:rPr>
-              <a:t> SWOT </a:t>
-            </a:r>
-            <a:r>
               <a:rPr lang="en-US" b="1" dirty="0">
                 <a:solidFill>
                   <a:schemeClr val="bg1">
@@ -14069,17 +13992,8 @@
                 <a:latin typeface="Segoe UI Semibold" panose="020B0702040204020203" pitchFamily="34" charset="0"/>
                 <a:cs typeface="Segoe UI Semibold" panose="020B0702040204020203" pitchFamily="34" charset="0"/>
               </a:rPr>
-              <a:t>Analysis</a:t>
-            </a:r>
-            <a:endParaRPr lang="en-US" b="1" dirty="0">
-              <a:solidFill>
-                <a:schemeClr val="bg1">
-                  <a:lumMod val="95000"/>
-                </a:schemeClr>
-              </a:solidFill>
-              <a:latin typeface="Segoe UI Semibold" panose="020B0702040204020203" pitchFamily="34" charset="0"/>
-              <a:cs typeface="Segoe UI Semibold" panose="020B0702040204020203" pitchFamily="34" charset="0"/>
-            </a:endParaRPr>
+              <a:t> SWOT Analysis</a:t>
+            </a:r>
           </a:p>
         </p:txBody>
       </p:sp>
@@ -14088,13 +14002,6 @@
   <p:clrMapOvr>
     <a:masterClrMapping/>
   </p:clrMapOvr>
-  <p:timing>
-    <p:tnLst>
-      <p:par>
-        <p:cTn id="1" dur="indefinite" restart="never" nodeType="tmRoot"/>
-      </p:par>
-    </p:tnLst>
-  </p:timing>
 </p:sld>
 </file>
 
@@ -14594,16 +14501,12 @@
           <a:lstStyle/>
           <a:p>
             <a:r>
-              <a:rPr lang="en-US" i="1" dirty="0" smtClean="0">
+              <a:rPr lang="en-US" i="1" dirty="0">
                 <a:latin typeface="Segoe UI Semibold" panose="020B0702040204020203" pitchFamily="34" charset="0"/>
                 <a:cs typeface="Segoe UI Semibold" panose="020B0702040204020203" pitchFamily="34" charset="0"/>
               </a:rPr>
               <a:t>   Enterprise Technology Trend s</a:t>
             </a:r>
-            <a:endParaRPr lang="en-US" i="1" dirty="0">
-              <a:latin typeface="Segoe UI Semibold" panose="020B0702040204020203" pitchFamily="34" charset="0"/>
-              <a:cs typeface="Segoe UI Semibold" panose="020B0702040204020203" pitchFamily="34" charset="0"/>
-            </a:endParaRPr>
           </a:p>
         </p:txBody>
       </p:sp>
@@ -14630,7 +14533,7 @@
           <a:p>
             <a:pPr algn="l"/>
             <a:r>
-              <a:rPr lang="en-US" b="1" dirty="0" smtClean="0">
+              <a:rPr lang="en-US" b="1" dirty="0">
                 <a:solidFill>
                   <a:schemeClr val="bg1">
                     <a:lumMod val="95000"/>
@@ -14642,7 +14545,7 @@
               <a:t> </a:t>
             </a:r>
             <a:r>
-              <a:rPr lang="en-US" b="1" dirty="0" err="1" smtClean="0">
+              <a:rPr lang="en-US" b="1" dirty="0" err="1">
                 <a:solidFill>
                   <a:schemeClr val="bg1">
                     <a:lumMod val="95000"/>
@@ -14654,7 +14557,7 @@
               <a:t>Tren</a:t>
             </a:r>
             <a:r>
-              <a:rPr lang="en-US" b="1" dirty="0" smtClean="0">
+              <a:rPr lang="en-US" b="1" dirty="0">
                 <a:solidFill>
                   <a:schemeClr val="bg1">
                     <a:lumMod val="95000"/>
@@ -14666,7 +14569,7 @@
               <a:t> Perusahaan </a:t>
             </a:r>
             <a:r>
-              <a:rPr lang="en-US" b="1" dirty="0" err="1" smtClean="0">
+              <a:rPr lang="en-US" b="1" dirty="0" err="1">
                 <a:solidFill>
                   <a:schemeClr val="bg1">
                     <a:lumMod val="95000"/>
@@ -14701,7 +14604,7 @@
         </p:xfrm>
         <a:graphic>
           <a:graphicData uri="http://schemas.openxmlformats.org/drawingml/2006/diagram">
-            <dgm:relIds xmlns:dgm="http://schemas.openxmlformats.org/drawingml/2006/diagram" xmlns:r="http://schemas.openxmlformats.org/officeDocument/2006/relationships" r:dm="rId1" r:lo="rId2" r:qs="rId3" r:cs="rId4"/>
+            <dgm:relIds xmlns:dgm="http://schemas.openxmlformats.org/drawingml/2006/diagram" xmlns:r="http://schemas.openxmlformats.org/officeDocument/2006/relationships" r:dm="rId2" r:lo="rId3" r:qs="rId4" r:cs="rId5"/>
           </a:graphicData>
         </a:graphic>
       </p:graphicFrame>
@@ -14731,7 +14634,7 @@
               <a:buAutoNum type="arabicPeriod"/>
             </a:pPr>
             <a:r>
-              <a:rPr lang="en-US" sz="2000" dirty="0" err="1" smtClean="0">
+              <a:rPr lang="en-US" sz="2000" dirty="0" err="1">
                 <a:solidFill>
                   <a:srgbClr val="002060"/>
                 </a:solidFill>
@@ -14740,7 +14643,7 @@
               </a:rPr>
               <a:t>Gojek</a:t>
             </a:r>
-            <a:endParaRPr lang="en-US" sz="2000" dirty="0" smtClean="0">
+            <a:endParaRPr lang="en-US" sz="2000" dirty="0">
               <a:solidFill>
                 <a:srgbClr val="002060"/>
               </a:solidFill>
@@ -14753,7 +14656,7 @@
               <a:buAutoNum type="arabicPeriod"/>
             </a:pPr>
             <a:r>
-              <a:rPr lang="en-US" sz="2000" dirty="0" err="1" smtClean="0">
+              <a:rPr lang="en-US" sz="2000" dirty="0" err="1">
                 <a:solidFill>
                   <a:srgbClr val="002060"/>
                 </a:solidFill>
@@ -14762,7 +14665,7 @@
               </a:rPr>
               <a:t>Shopee</a:t>
             </a:r>
-            <a:endParaRPr lang="en-US" sz="2000" dirty="0" smtClean="0">
+            <a:endParaRPr lang="en-US" sz="2000" dirty="0">
               <a:solidFill>
                 <a:srgbClr val="002060"/>
               </a:solidFill>
@@ -14775,7 +14678,7 @@
               <a:buAutoNum type="arabicPeriod"/>
             </a:pPr>
             <a:r>
-              <a:rPr lang="en-US" sz="2000" dirty="0" err="1" smtClean="0">
+              <a:rPr lang="en-US" sz="2000" dirty="0" err="1">
                 <a:solidFill>
                   <a:srgbClr val="002060"/>
                 </a:solidFill>
@@ -14784,7 +14687,7 @@
               </a:rPr>
               <a:t>Parkee</a:t>
             </a:r>
-            <a:endParaRPr lang="en-US" sz="2000" dirty="0" smtClean="0">
+            <a:endParaRPr lang="en-US" sz="2000" dirty="0">
               <a:solidFill>
                 <a:srgbClr val="002060"/>
               </a:solidFill>
@@ -14797,7 +14700,7 @@
               <a:buAutoNum type="arabicPeriod"/>
             </a:pPr>
             <a:r>
-              <a:rPr lang="en-US" sz="2000" dirty="0" smtClean="0">
+              <a:rPr lang="en-US" sz="2000" dirty="0">
                 <a:solidFill>
                   <a:srgbClr val="002060"/>
                 </a:solidFill>
@@ -14807,7 +14710,7 @@
               <a:t>My </a:t>
             </a:r>
             <a:r>
-              <a:rPr lang="en-US" sz="2000" dirty="0" err="1" smtClean="0">
+              <a:rPr lang="en-US" sz="2000" dirty="0" err="1">
                 <a:solidFill>
                   <a:srgbClr val="002060"/>
                 </a:solidFill>
@@ -14817,7 +14720,7 @@
               <a:t>Pertamina</a:t>
             </a:r>
             <a:r>
-              <a:rPr lang="en-US" sz="2000" dirty="0" smtClean="0">
+              <a:rPr lang="en-US" sz="2000" dirty="0">
                 <a:solidFill>
                   <a:srgbClr val="002060"/>
                 </a:solidFill>
@@ -14827,7 +14730,7 @@
               <a:t>, </a:t>
             </a:r>
             <a:r>
-              <a:rPr lang="en-US" sz="2000" dirty="0" err="1" smtClean="0">
+              <a:rPr lang="en-US" sz="2000" dirty="0" err="1">
                 <a:solidFill>
                   <a:srgbClr val="002060"/>
                 </a:solidFill>
@@ -14905,7 +14808,7 @@
               <a:buAutoNum type="arabicPeriod"/>
             </a:pPr>
             <a:r>
-              <a:rPr lang="en-US" sz="2000" dirty="0" smtClean="0">
+              <a:rPr lang="en-US" sz="2000" dirty="0">
                 <a:solidFill>
                   <a:srgbClr val="002060"/>
                 </a:solidFill>
@@ -14914,7 +14817,37 @@
               </a:rPr>
               <a:t>Instagram</a:t>
             </a:r>
-            <a:endParaRPr lang="en-US" sz="2000" dirty="0" smtClean="0">
+          </a:p>
+          <a:p>
+            <a:pPr marL="342900" indent="-342900">
+              <a:buAutoNum type="arabicPeriod"/>
+            </a:pPr>
+            <a:r>
+              <a:rPr lang="en-US" sz="2000" dirty="0">
+                <a:solidFill>
+                  <a:srgbClr val="002060"/>
+                </a:solidFill>
+                <a:latin typeface="Segoe UI" panose="020B0502040204020203" pitchFamily="34" charset="0"/>
+                <a:cs typeface="Segoe UI" panose="020B0502040204020203" pitchFamily="34" charset="0"/>
+              </a:rPr>
+              <a:t>Facebook</a:t>
+            </a:r>
+          </a:p>
+          <a:p>
+            <a:pPr marL="342900" indent="-342900">
+              <a:buAutoNum type="arabicPeriod"/>
+            </a:pPr>
+            <a:r>
+              <a:rPr lang="en-US" sz="2000" dirty="0" err="1">
+                <a:solidFill>
+                  <a:srgbClr val="002060"/>
+                </a:solidFill>
+                <a:latin typeface="Segoe UI" panose="020B0502040204020203" pitchFamily="34" charset="0"/>
+                <a:cs typeface="Segoe UI" panose="020B0502040204020203" pitchFamily="34" charset="0"/>
+              </a:rPr>
+              <a:t>TikTok</a:t>
+            </a:r>
+            <a:endParaRPr lang="en-US" sz="2000" dirty="0">
               <a:solidFill>
                 <a:srgbClr val="002060"/>
               </a:solidFill>
@@ -14927,61 +14860,17 @@
               <a:buAutoNum type="arabicPeriod"/>
             </a:pPr>
             <a:r>
-              <a:rPr lang="en-US" sz="2000" dirty="0" smtClean="0">
+              <a:rPr lang="en-US" sz="2000" dirty="0">
                 <a:solidFill>
                   <a:srgbClr val="002060"/>
                 </a:solidFill>
                 <a:latin typeface="Segoe UI" panose="020B0502040204020203" pitchFamily="34" charset="0"/>
                 <a:cs typeface="Segoe UI" panose="020B0502040204020203" pitchFamily="34" charset="0"/>
               </a:rPr>
-              <a:t>Facebook</a:t>
-            </a:r>
-            <a:endParaRPr lang="en-US" sz="2000" dirty="0" smtClean="0">
-              <a:solidFill>
-                <a:srgbClr val="002060"/>
-              </a:solidFill>
-              <a:latin typeface="Segoe UI" panose="020B0502040204020203" pitchFamily="34" charset="0"/>
-              <a:cs typeface="Segoe UI" panose="020B0502040204020203" pitchFamily="34" charset="0"/>
-            </a:endParaRPr>
-          </a:p>
-          <a:p>
-            <a:pPr marL="342900" indent="-342900">
-              <a:buAutoNum type="arabicPeriod"/>
-            </a:pPr>
-            <a:r>
-              <a:rPr lang="en-US" sz="2000" dirty="0" err="1" smtClean="0">
-                <a:solidFill>
-                  <a:srgbClr val="002060"/>
-                </a:solidFill>
-                <a:latin typeface="Segoe UI" panose="020B0502040204020203" pitchFamily="34" charset="0"/>
-                <a:cs typeface="Segoe UI" panose="020B0502040204020203" pitchFamily="34" charset="0"/>
-              </a:rPr>
-              <a:t>TikTok</a:t>
-            </a:r>
-            <a:endParaRPr lang="en-US" sz="2000" dirty="0" smtClean="0">
-              <a:solidFill>
-                <a:srgbClr val="002060"/>
-              </a:solidFill>
-              <a:latin typeface="Segoe UI" panose="020B0502040204020203" pitchFamily="34" charset="0"/>
-              <a:cs typeface="Segoe UI" panose="020B0502040204020203" pitchFamily="34" charset="0"/>
-            </a:endParaRPr>
-          </a:p>
-          <a:p>
-            <a:pPr marL="342900" indent="-342900">
-              <a:buAutoNum type="arabicPeriod"/>
-            </a:pPr>
-            <a:r>
-              <a:rPr lang="en-US" sz="2000" dirty="0" smtClean="0">
-                <a:solidFill>
-                  <a:srgbClr val="002060"/>
-                </a:solidFill>
-                <a:latin typeface="Segoe UI" panose="020B0502040204020203" pitchFamily="34" charset="0"/>
-                <a:cs typeface="Segoe UI" panose="020B0502040204020203" pitchFamily="34" charset="0"/>
-              </a:rPr>
               <a:t>WeChat, </a:t>
             </a:r>
             <a:r>
-              <a:rPr lang="en-US" sz="2000" dirty="0" err="1" smtClean="0">
+              <a:rPr lang="en-US" sz="2000" dirty="0" err="1">
                 <a:solidFill>
                   <a:srgbClr val="002060"/>
                 </a:solidFill>
@@ -15059,7 +14948,7 @@
               <a:buAutoNum type="arabicPeriod"/>
             </a:pPr>
             <a:r>
-              <a:rPr lang="en-US" sz="2000" dirty="0" err="1" smtClean="0">
+              <a:rPr lang="en-US" sz="2000" dirty="0" err="1">
                 <a:solidFill>
                   <a:srgbClr val="002060"/>
                 </a:solidFill>
@@ -15068,7 +14957,7 @@
               </a:rPr>
               <a:t>Delage</a:t>
             </a:r>
-            <a:endParaRPr lang="en-US" sz="2000" dirty="0" smtClean="0">
+            <a:endParaRPr lang="en-US" sz="2000" dirty="0">
               <a:solidFill>
                 <a:srgbClr val="002060"/>
               </a:solidFill>
@@ -15081,7 +14970,7 @@
               <a:buAutoNum type="arabicPeriod"/>
             </a:pPr>
             <a:r>
-              <a:rPr lang="en-US" sz="2000" dirty="0" smtClean="0">
+              <a:rPr lang="en-US" sz="2000" dirty="0">
                 <a:solidFill>
                   <a:srgbClr val="002060"/>
                 </a:solidFill>
@@ -15090,20 +14979,13 @@
               </a:rPr>
               <a:t>Metro Card</a:t>
             </a:r>
-            <a:endParaRPr lang="en-US" sz="2000" dirty="0" smtClean="0">
-              <a:solidFill>
-                <a:srgbClr val="002060"/>
-              </a:solidFill>
-              <a:latin typeface="Segoe UI" panose="020B0502040204020203" pitchFamily="34" charset="0"/>
-              <a:cs typeface="Segoe UI" panose="020B0502040204020203" pitchFamily="34" charset="0"/>
-            </a:endParaRPr>
           </a:p>
           <a:p>
             <a:pPr marL="342900" indent="-342900">
               <a:buAutoNum type="arabicPeriod"/>
             </a:pPr>
             <a:r>
-              <a:rPr lang="en-US" sz="2000" dirty="0" smtClean="0">
+              <a:rPr lang="en-US" sz="2000" dirty="0">
                 <a:solidFill>
                   <a:srgbClr val="002060"/>
                 </a:solidFill>
@@ -15113,7 +14995,7 @@
               <a:t>E-Toll, </a:t>
             </a:r>
             <a:r>
-              <a:rPr lang="en-US" sz="2000" dirty="0" err="1" smtClean="0">
+              <a:rPr lang="en-US" sz="2000" dirty="0" err="1">
                 <a:solidFill>
                   <a:srgbClr val="002060"/>
                 </a:solidFill>
@@ -15122,7 +15004,7 @@
               </a:rPr>
               <a:t>dll</a:t>
             </a:r>
-            <a:endParaRPr lang="en-US" sz="2000" dirty="0" smtClean="0">
+            <a:endParaRPr lang="en-US" sz="2000" dirty="0">
               <a:solidFill>
                 <a:srgbClr val="002060"/>
               </a:solidFill>
@@ -15170,13 +15052,6 @@
   <p:clrMapOvr>
     <a:masterClrMapping/>
   </p:clrMapOvr>
-  <p:timing>
-    <p:tnLst>
-      <p:par>
-        <p:cTn id="1" dur="indefinite" restart="never" nodeType="tmRoot"/>
-      </p:par>
-    </p:tnLst>
-  </p:timing>
 </p:sld>
 </file>
 
@@ -15875,16 +15750,12 @@
           <a:lstStyle/>
           <a:p>
             <a:r>
-              <a:rPr lang="en-US" i="1" dirty="0" smtClean="0">
+              <a:rPr lang="en-US" i="1" dirty="0">
                 <a:latin typeface="Segoe UI Semibold" panose="020B0702040204020203" pitchFamily="34" charset="0"/>
                 <a:cs typeface="Segoe UI Semibold" panose="020B0702040204020203" pitchFamily="34" charset="0"/>
               </a:rPr>
               <a:t>   REFERENCES</a:t>
             </a:r>
-            <a:endParaRPr lang="en-US" i="1" dirty="0">
-              <a:latin typeface="Segoe UI Semibold" panose="020B0702040204020203" pitchFamily="34" charset="0"/>
-              <a:cs typeface="Segoe UI Semibold" panose="020B0702040204020203" pitchFamily="34" charset="0"/>
-            </a:endParaRPr>
           </a:p>
         </p:txBody>
       </p:sp>
@@ -15911,7 +15782,7 @@
           <a:p>
             <a:pPr algn="l"/>
             <a:r>
-              <a:rPr lang="en-US" b="1" dirty="0" smtClean="0">
+              <a:rPr lang="en-US" b="1" dirty="0">
                 <a:solidFill>
                   <a:schemeClr val="bg1">
                     <a:lumMod val="95000"/>
@@ -15923,7 +15794,7 @@
               <a:t> </a:t>
             </a:r>
             <a:r>
-              <a:rPr lang="en-US" b="1" dirty="0" err="1" smtClean="0">
+              <a:rPr lang="en-US" b="1" dirty="0" err="1">
                 <a:solidFill>
                   <a:schemeClr val="bg1">
                     <a:lumMod val="95000"/>
@@ -15972,18 +15843,11 @@
               <a:buAutoNum type="arabicPeriod"/>
             </a:pPr>
             <a:r>
-              <a:rPr lang="en-US" sz="2000" dirty="0" smtClean="0">
-                <a:latin typeface="Segoe UI" panose="020B0502040204020203" pitchFamily="34" charset="0"/>
-                <a:cs typeface="Segoe UI" panose="020B0502040204020203" pitchFamily="34" charset="0"/>
-              </a:rPr>
-              <a:t>Turban</a:t>
-            </a:r>
-            <a:r>
               <a:rPr lang="en-US" sz="2000" dirty="0">
                 <a:latin typeface="Segoe UI" panose="020B0502040204020203" pitchFamily="34" charset="0"/>
                 <a:cs typeface="Segoe UI" panose="020B0502040204020203" pitchFamily="34" charset="0"/>
               </a:rPr>
-              <a:t>, </a:t>
+              <a:t>Turban, </a:t>
             </a:r>
             <a:r>
               <a:rPr lang="en-US" sz="2000" dirty="0" err="1">
@@ -15997,54 +15861,22 @@
                 <a:latin typeface="Segoe UI" panose="020B0502040204020203" pitchFamily="34" charset="0"/>
                 <a:cs typeface="Segoe UI" panose="020B0502040204020203" pitchFamily="34" charset="0"/>
               </a:rPr>
-              <a:t>, Wood</a:t>
-            </a:r>
-            <a:r>
-              <a:rPr lang="en-US" sz="2000" dirty="0" smtClean="0">
-                <a:latin typeface="Segoe UI" panose="020B0502040204020203" pitchFamily="34" charset="0"/>
-                <a:cs typeface="Segoe UI" panose="020B0502040204020203" pitchFamily="34" charset="0"/>
-              </a:rPr>
-              <a:t>, 2017. </a:t>
+              <a:t>, Wood, 2017. Information Technology for Management 10</a:t>
+            </a:r>
+            <a:r>
+              <a:rPr lang="en-US" sz="2000" baseline="30000" dirty="0">
+                <a:latin typeface="Segoe UI" panose="020B0502040204020203" pitchFamily="34" charset="0"/>
+                <a:cs typeface="Segoe UI" panose="020B0502040204020203" pitchFamily="34" charset="0"/>
+              </a:rPr>
+              <a:t>th</a:t>
             </a:r>
             <a:r>
               <a:rPr lang="en-US" sz="2000" dirty="0">
                 <a:latin typeface="Segoe UI" panose="020B0502040204020203" pitchFamily="34" charset="0"/>
                 <a:cs typeface="Segoe UI" panose="020B0502040204020203" pitchFamily="34" charset="0"/>
               </a:rPr>
-              <a:t>Information Technology for Management </a:t>
-            </a:r>
-            <a:r>
-              <a:rPr lang="en-US" sz="2000" dirty="0" smtClean="0">
-                <a:latin typeface="Segoe UI" panose="020B0502040204020203" pitchFamily="34" charset="0"/>
-                <a:cs typeface="Segoe UI" panose="020B0502040204020203" pitchFamily="34" charset="0"/>
-              </a:rPr>
-              <a:t>10</a:t>
-            </a:r>
-            <a:r>
-              <a:rPr lang="en-US" sz="2000" baseline="30000" dirty="0" smtClean="0">
-                <a:latin typeface="Segoe UI" panose="020B0502040204020203" pitchFamily="34" charset="0"/>
-                <a:cs typeface="Segoe UI" panose="020B0502040204020203" pitchFamily="34" charset="0"/>
-              </a:rPr>
-              <a:t>th</a:t>
-            </a:r>
-            <a:r>
-              <a:rPr lang="en-US" sz="2000" dirty="0">
-                <a:latin typeface="Segoe UI" panose="020B0502040204020203" pitchFamily="34" charset="0"/>
-                <a:cs typeface="Segoe UI" panose="020B0502040204020203" pitchFamily="34" charset="0"/>
-              </a:rPr>
-              <a:t> </a:t>
-            </a:r>
-            <a:r>
-              <a:rPr lang="en-US" sz="2000" dirty="0" smtClean="0">
-                <a:latin typeface="Segoe UI" panose="020B0502040204020203" pitchFamily="34" charset="0"/>
-                <a:cs typeface="Segoe UI" panose="020B0502040204020203" pitchFamily="34" charset="0"/>
-              </a:rPr>
-              <a:t>edition. Wiley.</a:t>
-            </a:r>
-            <a:endParaRPr lang="en-US" sz="2000" dirty="0" smtClean="0">
-              <a:latin typeface="Segoe UI" panose="020B0502040204020203" pitchFamily="34" charset="0"/>
-              <a:cs typeface="Segoe UI" panose="020B0502040204020203" pitchFamily="34" charset="0"/>
-            </a:endParaRPr>
+              <a:t> edition. Wiley.</a:t>
+            </a:r>
           </a:p>
           <a:p>
             <a:pPr marL="386080" indent="-386080">
@@ -16056,75 +15888,36 @@
                 <a:latin typeface="Segoe UI" panose="020B0502040204020203" pitchFamily="34" charset="0"/>
                 <a:cs typeface="Segoe UI" panose="020B0502040204020203" pitchFamily="34" charset="0"/>
               </a:rPr>
-              <a:t>Ralph Stair &amp; George Reynold</a:t>
-            </a:r>
-            <a:r>
-              <a:rPr lang="en-US" sz="2000" dirty="0" smtClean="0">
-                <a:latin typeface="Segoe UI" panose="020B0502040204020203" pitchFamily="34" charset="0"/>
-                <a:cs typeface="Segoe UI" panose="020B0502040204020203" pitchFamily="34" charset="0"/>
-              </a:rPr>
-              <a:t>, 2015. </a:t>
+              <a:t>Ralph Stair &amp; George Reynold, 2015. Fundamental of information System, 8</a:t>
+            </a:r>
+            <a:r>
+              <a:rPr lang="en-US" sz="2000" baseline="30000" dirty="0">
+                <a:latin typeface="Segoe UI" panose="020B0502040204020203" pitchFamily="34" charset="0"/>
+                <a:cs typeface="Segoe UI" panose="020B0502040204020203" pitchFamily="34" charset="0"/>
+              </a:rPr>
+              <a:t>th</a:t>
             </a:r>
             <a:r>
               <a:rPr lang="en-US" sz="2000" dirty="0">
                 <a:latin typeface="Segoe UI" panose="020B0502040204020203" pitchFamily="34" charset="0"/>
                 <a:cs typeface="Segoe UI" panose="020B0502040204020203" pitchFamily="34" charset="0"/>
               </a:rPr>
-              <a:t>Fundamental of information System, </a:t>
-            </a:r>
-            <a:r>
-              <a:rPr lang="en-US" sz="2000" dirty="0" smtClean="0">
-                <a:latin typeface="Segoe UI" panose="020B0502040204020203" pitchFamily="34" charset="0"/>
-                <a:cs typeface="Segoe UI" panose="020B0502040204020203" pitchFamily="34" charset="0"/>
-              </a:rPr>
-              <a:t>8</a:t>
-            </a:r>
-            <a:r>
-              <a:rPr lang="en-US" sz="2000" baseline="30000" dirty="0" smtClean="0">
-                <a:latin typeface="Segoe UI" panose="020B0502040204020203" pitchFamily="34" charset="0"/>
-                <a:cs typeface="Segoe UI" panose="020B0502040204020203" pitchFamily="34" charset="0"/>
-              </a:rPr>
-              <a:t>th</a:t>
-            </a:r>
-            <a:r>
-              <a:rPr lang="en-US" sz="2000" dirty="0" smtClean="0">
-                <a:latin typeface="Segoe UI" panose="020B0502040204020203" pitchFamily="34" charset="0"/>
-                <a:cs typeface="Segoe UI" panose="020B0502040204020203" pitchFamily="34" charset="0"/>
-              </a:rPr>
               <a:t> </a:t>
             </a:r>
             <a:r>
-              <a:rPr lang="en-US" sz="2000" dirty="0" err="1" smtClean="0">
+              <a:rPr lang="en-US" sz="2000" dirty="0" err="1">
                 <a:latin typeface="Segoe UI" panose="020B0502040204020203" pitchFamily="34" charset="0"/>
                 <a:cs typeface="Segoe UI" panose="020B0502040204020203" pitchFamily="34" charset="0"/>
               </a:rPr>
               <a:t>editon</a:t>
             </a:r>
             <a:r>
-              <a:rPr lang="en-US" sz="2000" dirty="0" smtClean="0">
-                <a:latin typeface="Segoe UI" panose="020B0502040204020203" pitchFamily="34" charset="0"/>
-                <a:cs typeface="Segoe UI" panose="020B0502040204020203" pitchFamily="34" charset="0"/>
-              </a:rPr>
-              <a:t>. </a:t>
-            </a:r>
-            <a:r>
               <a:rPr lang="en-US" sz="2000" dirty="0">
                 <a:latin typeface="Segoe UI" panose="020B0502040204020203" pitchFamily="34" charset="0"/>
                 <a:cs typeface="Segoe UI" panose="020B0502040204020203" pitchFamily="34" charset="0"/>
               </a:rPr>
-              <a:t>Cengage Learning</a:t>
-            </a:r>
-            <a:r>
-              <a:rPr lang="en-US" sz="2000" dirty="0" smtClean="0">
-                <a:latin typeface="Segoe UI" panose="020B0502040204020203" pitchFamily="34" charset="0"/>
-                <a:cs typeface="Segoe UI" panose="020B0502040204020203" pitchFamily="34" charset="0"/>
-              </a:rPr>
-              <a:t>.</a:t>
-            </a:r>
-            <a:endParaRPr lang="en-US" sz="2000" dirty="0" smtClean="0">
-              <a:latin typeface="Segoe UI" panose="020B0502040204020203" pitchFamily="34" charset="0"/>
-              <a:cs typeface="Segoe UI" panose="020B0502040204020203" pitchFamily="34" charset="0"/>
-            </a:endParaRPr>
+              <a:t>. Cengage Learning.</a:t>
+            </a:r>
           </a:p>
           <a:p>
             <a:pPr marL="386080" indent="-386080">
@@ -16136,58 +15929,23 @@
                 <a:latin typeface="Segoe UI" panose="020B0502040204020203" pitchFamily="34" charset="0"/>
                 <a:cs typeface="Segoe UI" panose="020B0502040204020203" pitchFamily="34" charset="0"/>
               </a:rPr>
-              <a:t>McLeod, Raymond and Schell, George </a:t>
-            </a:r>
-            <a:r>
-              <a:rPr lang="en-US" sz="2000" dirty="0" smtClean="0">
-                <a:latin typeface="Segoe UI" panose="020B0502040204020203" pitchFamily="34" charset="0"/>
-                <a:cs typeface="Segoe UI" panose="020B0502040204020203" pitchFamily="34" charset="0"/>
-              </a:rPr>
-              <a:t>P, </a:t>
+              <a:t>McLeod, Raymond and Schell, George P, 2007. Management Information Systems, 10</a:t>
+            </a:r>
+            <a:r>
+              <a:rPr lang="en-US" sz="2000" baseline="30000" dirty="0">
+                <a:latin typeface="Segoe UI" panose="020B0502040204020203" pitchFamily="34" charset="0"/>
+                <a:cs typeface="Segoe UI" panose="020B0502040204020203" pitchFamily="34" charset="0"/>
+              </a:rPr>
+              <a:t>th</a:t>
             </a:r>
             <a:r>
               <a:rPr lang="en-US" sz="2000" dirty="0">
                 <a:latin typeface="Segoe UI" panose="020B0502040204020203" pitchFamily="34" charset="0"/>
                 <a:cs typeface="Segoe UI" panose="020B0502040204020203" pitchFamily="34" charset="0"/>
               </a:rPr>
-              <a:t>2007. Management Information </a:t>
-            </a:r>
-            <a:r>
-              <a:rPr lang="en-US" sz="2000" dirty="0" smtClean="0">
-                <a:latin typeface="Segoe UI" panose="020B0502040204020203" pitchFamily="34" charset="0"/>
-                <a:cs typeface="Segoe UI" panose="020B0502040204020203" pitchFamily="34" charset="0"/>
-              </a:rPr>
-              <a:t>Systems, </a:t>
-            </a:r>
-            <a:r>
-              <a:rPr lang="en-US" sz="2000" dirty="0">
-                <a:latin typeface="Segoe UI" panose="020B0502040204020203" pitchFamily="34" charset="0"/>
-                <a:cs typeface="Segoe UI" panose="020B0502040204020203" pitchFamily="34" charset="0"/>
-              </a:rPr>
-              <a:t>10</a:t>
-            </a:r>
-            <a:r>
-              <a:rPr lang="en-US" sz="2000" baseline="30000" dirty="0">
-                <a:latin typeface="Segoe UI" panose="020B0502040204020203" pitchFamily="34" charset="0"/>
-                <a:cs typeface="Segoe UI" panose="020B0502040204020203" pitchFamily="34" charset="0"/>
-              </a:rPr>
-              <a:t>th</a:t>
-            </a:r>
-            <a:r>
-              <a:rPr lang="en-US" sz="2000" dirty="0">
-                <a:latin typeface="Segoe UI" panose="020B0502040204020203" pitchFamily="34" charset="0"/>
-                <a:cs typeface="Segoe UI" panose="020B0502040204020203" pitchFamily="34" charset="0"/>
-              </a:rPr>
-              <a:t> edition. Pearson Education </a:t>
-            </a:r>
-            <a:r>
-              <a:rPr lang="en-US" sz="2000" dirty="0" smtClean="0">
-                <a:latin typeface="Segoe UI" panose="020B0502040204020203" pitchFamily="34" charset="0"/>
-                <a:cs typeface="Segoe UI" panose="020B0502040204020203" pitchFamily="34" charset="0"/>
-              </a:rPr>
-              <a:t>Publisher.</a:t>
-            </a:r>
-            <a:endParaRPr lang="en-US" sz="2000" dirty="0" smtClean="0">
+              <a:t> edition. Pearson Education Publisher.</a:t>
+            </a:r>
+            <a:endParaRPr lang="en-US" sz="2000" dirty="0">
               <a:effectLst/>
               <a:latin typeface="Segoe UI" panose="020B0502040204020203" pitchFamily="34" charset="0"/>
               <a:cs typeface="Segoe UI" panose="020B0502040204020203" pitchFamily="34" charset="0"/>
@@ -16204,7 +15962,7 @@
           <p:nvPr/>
         </p:nvPicPr>
         <p:blipFill>
-          <a:blip r:embed="rId1">
+          <a:blip r:embed="rId2">
             <a:extLst>
               <a:ext uri="{28A0092B-C50C-407E-A947-70E740481C1C}">
                 <a14:useLocalDpi xmlns:a14="http://schemas.microsoft.com/office/drawing/2010/main" val="0"/>
@@ -16260,13 +16018,6 @@
   <p:clrMapOvr>
     <a:masterClrMapping/>
   </p:clrMapOvr>
-  <p:timing>
-    <p:tnLst>
-      <p:par>
-        <p:cTn id="1" dur="indefinite" restart="never" nodeType="tmRoot"/>
-      </p:par>
-    </p:tnLst>
-  </p:timing>
 </p:sld>
 </file>
 
@@ -16654,7 +16405,7 @@
           <a:p>
             <a:pPr algn="l"/>
             <a:r>
-              <a:rPr lang="en-US" b="1" dirty="0" smtClean="0">
+              <a:rPr lang="en-US" b="1" dirty="0">
                 <a:solidFill>
                   <a:schemeClr val="bg1">
                     <a:lumMod val="95000"/>
@@ -16666,7 +16417,7 @@
               <a:t> </a:t>
             </a:r>
             <a:r>
-              <a:rPr lang="en-US" b="1" dirty="0" err="1" smtClean="0">
+              <a:rPr lang="en-US" b="1" dirty="0" err="1">
                 <a:solidFill>
                   <a:schemeClr val="bg1">
                     <a:lumMod val="95000"/>
@@ -16701,7 +16452,7 @@
         </p:xfrm>
         <a:graphic>
           <a:graphicData uri="http://schemas.openxmlformats.org/drawingml/2006/diagram">
-            <dgm:relIds xmlns:dgm="http://schemas.openxmlformats.org/drawingml/2006/diagram" xmlns:r="http://schemas.openxmlformats.org/officeDocument/2006/relationships" r:dm="rId1" r:lo="rId2" r:qs="rId3" r:cs="rId4"/>
+            <dgm:relIds xmlns:dgm="http://schemas.openxmlformats.org/drawingml/2006/diagram" xmlns:r="http://schemas.openxmlformats.org/officeDocument/2006/relationships" r:dm="rId3" r:lo="rId4" r:qs="rId5" r:cs="rId6"/>
           </a:graphicData>
         </a:graphic>
       </p:graphicFrame>
@@ -16844,14 +16595,7 @@
                 <a:latin typeface="Segoe UI Semibold" panose="020B0702040204020203" pitchFamily="34" charset="0"/>
                 <a:cs typeface="Segoe UI Semibold" panose="020B0702040204020203" pitchFamily="34" charset="0"/>
               </a:rPr>
-              <a:t> </a:t>
-            </a:r>
-            <a:r>
-              <a:rPr lang="en-US" dirty="0" smtClean="0">
-                <a:latin typeface="Segoe UI Semibold" panose="020B0702040204020203" pitchFamily="34" charset="0"/>
-                <a:cs typeface="Segoe UI Semibold" panose="020B0702040204020203" pitchFamily="34" charset="0"/>
-              </a:rPr>
-              <a:t>  CONTENTS</a:t>
+              <a:t>   CONTENTS</a:t>
             </a:r>
             <a:endParaRPr lang="en-US" i="1" dirty="0">
               <a:latin typeface="Segoe UI Semibold" panose="020B0702040204020203" pitchFamily="34" charset="0"/>
@@ -16865,13 +16609,6 @@
   <p:clrMapOvr>
     <a:masterClrMapping/>
   </p:clrMapOvr>
-  <p:timing>
-    <p:tnLst>
-      <p:par>
-        <p:cTn id="1" dur="indefinite" restart="never" nodeType="tmRoot"/>
-      </p:par>
-    </p:tnLst>
-  </p:timing>
 </p:sld>
 </file>
 
@@ -17371,23 +17108,19 @@
           <a:lstStyle/>
           <a:p>
             <a:r>
-              <a:rPr lang="en-US" dirty="0" smtClean="0">
+              <a:rPr lang="en-US" dirty="0">
                 <a:latin typeface="Segoe UI Semibold" panose="020B0702040204020203" pitchFamily="34" charset="0"/>
                 <a:cs typeface="Segoe UI Semibold" panose="020B0702040204020203" pitchFamily="34" charset="0"/>
               </a:rPr>
               <a:t>   </a:t>
             </a:r>
             <a:r>
-              <a:rPr lang="en-US" i="1" dirty="0" smtClean="0">
+              <a:rPr lang="en-US" i="1" dirty="0">
                 <a:latin typeface="Segoe UI Semibold" panose="020B0702040204020203" pitchFamily="34" charset="0"/>
                 <a:cs typeface="Segoe UI Semibold" panose="020B0702040204020203" pitchFamily="34" charset="0"/>
               </a:rPr>
               <a:t>DIGITAL BUSINESS</a:t>
             </a:r>
-            <a:endParaRPr lang="en-US" i="1" dirty="0">
-              <a:latin typeface="Segoe UI Semibold" panose="020B0702040204020203" pitchFamily="34" charset="0"/>
-              <a:cs typeface="Segoe UI Semibold" panose="020B0702040204020203" pitchFamily="34" charset="0"/>
-            </a:endParaRPr>
           </a:p>
         </p:txBody>
       </p:sp>
@@ -17414,7 +17147,7 @@
           <a:p>
             <a:pPr algn="l"/>
             <a:r>
-              <a:rPr lang="en-US" b="1" dirty="0" smtClean="0">
+              <a:rPr lang="en-US" b="1" dirty="0">
                 <a:solidFill>
                   <a:schemeClr val="bg1">
                     <a:lumMod val="95000"/>
@@ -17426,7 +17159,7 @@
               <a:t> </a:t>
             </a:r>
             <a:r>
-              <a:rPr lang="en-US" b="1" dirty="0" err="1" smtClean="0">
+              <a:rPr lang="en-US" b="1" dirty="0" err="1">
                 <a:solidFill>
                   <a:schemeClr val="bg1">
                     <a:lumMod val="95000"/>
@@ -17438,7 +17171,7 @@
               <a:t>Bisnis</a:t>
             </a:r>
             <a:r>
-              <a:rPr lang="en-US" b="1" dirty="0" smtClean="0">
+              <a:rPr lang="en-US" b="1" dirty="0">
                 <a:solidFill>
                   <a:schemeClr val="bg1">
                     <a:lumMod val="95000"/>
@@ -17450,7 +17183,7 @@
               <a:t> Digital - </a:t>
             </a:r>
             <a:r>
-              <a:rPr lang="en-US" sz="3200" b="1" i="1" dirty="0" err="1" smtClean="0">
+              <a:rPr lang="en-US" sz="3200" b="1" i="1" dirty="0" err="1">
                 <a:solidFill>
                   <a:schemeClr val="accent6">
                     <a:lumMod val="75000"/>
@@ -17509,7 +17242,7 @@
           <a:lstStyle/>
           <a:p>
             <a:pPr algn="ctr"/>
-            <a:endParaRPr lang="en-US" sz="2400" b="1" dirty="0" smtClean="0">
+            <a:endParaRPr lang="en-US" sz="2400" b="1" dirty="0">
               <a:solidFill>
                 <a:schemeClr val="bg1">
                   <a:lumMod val="95000"/>
@@ -17522,7 +17255,7 @@
           <a:p>
             <a:pPr algn="ctr"/>
             <a:r>
-              <a:rPr lang="en-US" sz="2400" b="1" dirty="0" err="1" smtClean="0">
+              <a:rPr lang="en-US" sz="2400" b="1" dirty="0" err="1">
                 <a:solidFill>
                   <a:schemeClr val="bg1">
                     <a:lumMod val="95000"/>
@@ -17534,7 +17267,7 @@
               <a:t>Bisnis</a:t>
             </a:r>
             <a:r>
-              <a:rPr lang="en-US" sz="2400" b="1" dirty="0" smtClean="0">
+              <a:rPr lang="en-US" sz="2400" b="1" dirty="0">
                 <a:solidFill>
                   <a:schemeClr val="bg1">
                     <a:lumMod val="95000"/>
@@ -17545,19 +17278,10 @@
               </a:rPr>
               <a:t> Digital</a:t>
             </a:r>
-            <a:endParaRPr lang="en-US" sz="2400" b="1" dirty="0" smtClean="0">
-              <a:solidFill>
-                <a:schemeClr val="bg1">
-                  <a:lumMod val="95000"/>
-                </a:schemeClr>
-              </a:solidFill>
-              <a:latin typeface="Segoe UI" panose="020B0502040204020203" pitchFamily="34" charset="0"/>
-              <a:cs typeface="Segoe UI" panose="020B0502040204020203" pitchFamily="34" charset="0"/>
-            </a:endParaRPr>
           </a:p>
           <a:p>
             <a:pPr algn="ctr"/>
-            <a:endParaRPr lang="en-US" sz="2400" b="1" dirty="0" smtClean="0">
+            <a:endParaRPr lang="en-US" sz="2400" b="1" dirty="0">
               <a:latin typeface="Segoe UI" panose="020B0502040204020203" pitchFamily="34" charset="0"/>
               <a:cs typeface="Segoe UI" panose="020B0502040204020203" pitchFamily="34" charset="0"/>
             </a:endParaRPr>
@@ -17572,105 +17296,105 @@
           <a:p>
             <a:pPr algn="ctr"/>
             <a:r>
-              <a:rPr lang="en-US" sz="2400" dirty="0" err="1" smtClean="0">
+              <a:rPr lang="en-US" sz="2400" dirty="0" err="1">
                 <a:latin typeface="Segoe UI" panose="020B0502040204020203" pitchFamily="34" charset="0"/>
                 <a:cs typeface="Segoe UI" panose="020B0502040204020203" pitchFamily="34" charset="0"/>
               </a:rPr>
               <a:t>Suatu</a:t>
             </a:r>
             <a:r>
-              <a:rPr lang="en-US" sz="2400" dirty="0" smtClean="0">
+              <a:rPr lang="en-US" sz="2400" dirty="0">
                 <a:latin typeface="Segoe UI" panose="020B0502040204020203" pitchFamily="34" charset="0"/>
                 <a:cs typeface="Segoe UI" panose="020B0502040204020203" pitchFamily="34" charset="0"/>
               </a:rPr>
               <a:t> </a:t>
             </a:r>
             <a:r>
-              <a:rPr lang="en-US" sz="2400" dirty="0" err="1" smtClean="0">
+              <a:rPr lang="en-US" sz="2400" dirty="0" err="1">
                 <a:latin typeface="Segoe UI" panose="020B0502040204020203" pitchFamily="34" charset="0"/>
                 <a:cs typeface="Segoe UI" panose="020B0502040204020203" pitchFamily="34" charset="0"/>
               </a:rPr>
               <a:t>bisnis</a:t>
             </a:r>
             <a:r>
-              <a:rPr lang="en-US" sz="2400" dirty="0" smtClean="0">
+              <a:rPr lang="en-US" sz="2400" dirty="0">
                 <a:latin typeface="Segoe UI" panose="020B0502040204020203" pitchFamily="34" charset="0"/>
                 <a:cs typeface="Segoe UI" panose="020B0502040204020203" pitchFamily="34" charset="0"/>
               </a:rPr>
               <a:t> yang </a:t>
             </a:r>
             <a:r>
-              <a:rPr lang="en-US" sz="2400" dirty="0" err="1" smtClean="0">
+              <a:rPr lang="en-US" sz="2400" dirty="0" err="1">
                 <a:latin typeface="Segoe UI" panose="020B0502040204020203" pitchFamily="34" charset="0"/>
                 <a:cs typeface="Segoe UI" panose="020B0502040204020203" pitchFamily="34" charset="0"/>
               </a:rPr>
               <a:t>fokus</a:t>
             </a:r>
             <a:r>
-              <a:rPr lang="en-US" sz="2400" dirty="0" smtClean="0">
+              <a:rPr lang="en-US" sz="2400" dirty="0">
                 <a:latin typeface="Segoe UI" panose="020B0502040204020203" pitchFamily="34" charset="0"/>
                 <a:cs typeface="Segoe UI" panose="020B0502040204020203" pitchFamily="34" charset="0"/>
               </a:rPr>
               <a:t> </a:t>
             </a:r>
             <a:r>
-              <a:rPr lang="en-US" sz="2400" dirty="0" err="1" smtClean="0">
+              <a:rPr lang="en-US" sz="2400" dirty="0" err="1">
                 <a:latin typeface="Segoe UI" panose="020B0502040204020203" pitchFamily="34" charset="0"/>
                 <a:cs typeface="Segoe UI" panose="020B0502040204020203" pitchFamily="34" charset="0"/>
               </a:rPr>
               <a:t>pada</a:t>
             </a:r>
             <a:r>
-              <a:rPr lang="en-US" sz="2400" dirty="0" smtClean="0">
+              <a:rPr lang="en-US" sz="2400" dirty="0">
                 <a:latin typeface="Segoe UI" panose="020B0502040204020203" pitchFamily="34" charset="0"/>
                 <a:cs typeface="Segoe UI" panose="020B0502040204020203" pitchFamily="34" charset="0"/>
               </a:rPr>
               <a:t> online </a:t>
             </a:r>
             <a:r>
-              <a:rPr lang="en-US" sz="2400" dirty="0" err="1" smtClean="0">
+              <a:rPr lang="en-US" sz="2400" dirty="0" err="1">
                 <a:latin typeface="Segoe UI" panose="020B0502040204020203" pitchFamily="34" charset="0"/>
                 <a:cs typeface="Segoe UI" panose="020B0502040204020203" pitchFamily="34" charset="0"/>
               </a:rPr>
               <a:t>dengan</a:t>
             </a:r>
             <a:r>
-              <a:rPr lang="en-US" sz="2400" dirty="0" smtClean="0">
+              <a:rPr lang="en-US" sz="2400" dirty="0">
                 <a:latin typeface="Segoe UI" panose="020B0502040204020203" pitchFamily="34" charset="0"/>
                 <a:cs typeface="Segoe UI" panose="020B0502040204020203" pitchFamily="34" charset="0"/>
               </a:rPr>
               <a:t> </a:t>
             </a:r>
             <a:r>
-              <a:rPr lang="en-US" sz="2400" dirty="0" err="1" smtClean="0">
+              <a:rPr lang="en-US" sz="2400" dirty="0" err="1">
                 <a:latin typeface="Segoe UI" panose="020B0502040204020203" pitchFamily="34" charset="0"/>
                 <a:cs typeface="Segoe UI" panose="020B0502040204020203" pitchFamily="34" charset="0"/>
               </a:rPr>
               <a:t>memanfaatkan</a:t>
             </a:r>
             <a:r>
-              <a:rPr lang="en-US" sz="2400" dirty="0" smtClean="0">
+              <a:rPr lang="en-US" sz="2400" dirty="0">
                 <a:latin typeface="Segoe UI" panose="020B0502040204020203" pitchFamily="34" charset="0"/>
                 <a:cs typeface="Segoe UI" panose="020B0502040204020203" pitchFamily="34" charset="0"/>
               </a:rPr>
               <a:t> platform </a:t>
             </a:r>
             <a:r>
-              <a:rPr lang="en-US" sz="2400" dirty="0" err="1" smtClean="0">
+              <a:rPr lang="en-US" sz="2400" dirty="0" err="1">
                 <a:latin typeface="Segoe UI" panose="020B0502040204020203" pitchFamily="34" charset="0"/>
                 <a:cs typeface="Segoe UI" panose="020B0502040204020203" pitchFamily="34" charset="0"/>
               </a:rPr>
               <a:t>sosial</a:t>
             </a:r>
             <a:r>
-              <a:rPr lang="en-US" sz="2400" dirty="0" smtClean="0">
+              <a:rPr lang="en-US" sz="2400" dirty="0">
                 <a:latin typeface="Segoe UI" panose="020B0502040204020203" pitchFamily="34" charset="0"/>
                 <a:cs typeface="Segoe UI" panose="020B0502040204020203" pitchFamily="34" charset="0"/>
               </a:rPr>
               <a:t>, mobile </a:t>
             </a:r>
             <a:r>
-              <a:rPr lang="en-US" sz="2400" dirty="0" err="1" smtClean="0">
+              <a:rPr lang="en-US" sz="2400" dirty="0" err="1">
                 <a:latin typeface="Segoe UI" panose="020B0502040204020203" pitchFamily="34" charset="0"/>
                 <a:cs typeface="Segoe UI" panose="020B0502040204020203" pitchFamily="34" charset="0"/>
               </a:rPr>
@@ -17684,23 +17408,19 @@
               <a:t>/</a:t>
             </a:r>
             <a:r>
-              <a:rPr lang="en-US" sz="2400" dirty="0" err="1" smtClean="0">
+              <a:rPr lang="en-US" sz="2400" dirty="0" err="1">
                 <a:latin typeface="Segoe UI" panose="020B0502040204020203" pitchFamily="34" charset="0"/>
                 <a:cs typeface="Segoe UI" panose="020B0502040204020203" pitchFamily="34" charset="0"/>
               </a:rPr>
               <a:t>atau</a:t>
             </a:r>
             <a:r>
-              <a:rPr lang="en-US" sz="2400" dirty="0" smtClean="0">
+              <a:rPr lang="en-US" sz="2400" dirty="0">
                 <a:latin typeface="Segoe UI" panose="020B0502040204020203" pitchFamily="34" charset="0"/>
                 <a:cs typeface="Segoe UI" panose="020B0502040204020203" pitchFamily="34" charset="0"/>
               </a:rPr>
               <a:t> website</a:t>
             </a:r>
-            <a:endParaRPr lang="en-US" sz="2400" dirty="0">
-              <a:latin typeface="Segoe UI" panose="020B0502040204020203" pitchFamily="34" charset="0"/>
-              <a:cs typeface="Segoe UI" panose="020B0502040204020203" pitchFamily="34" charset="0"/>
-            </a:endParaRPr>
           </a:p>
         </p:txBody>
       </p:sp>
@@ -17740,7 +17460,7 @@
           <a:lstStyle/>
           <a:p>
             <a:pPr algn="ctr"/>
-            <a:endParaRPr lang="en-US" sz="2400" b="1" dirty="0" smtClean="0">
+            <a:endParaRPr lang="en-US" sz="2400" b="1" dirty="0">
               <a:solidFill>
                 <a:schemeClr val="bg1">
                   <a:lumMod val="95000"/>
@@ -17753,7 +17473,7 @@
           <a:p>
             <a:pPr algn="ctr"/>
             <a:r>
-              <a:rPr lang="en-US" sz="2400" b="1" dirty="0" smtClean="0">
+              <a:rPr lang="en-US" sz="2400" b="1" dirty="0">
                 <a:solidFill>
                   <a:schemeClr val="bg1">
                     <a:lumMod val="95000"/>
@@ -17765,7 +17485,7 @@
               <a:t>Model </a:t>
             </a:r>
             <a:r>
-              <a:rPr lang="en-US" sz="2400" b="1" dirty="0" err="1" smtClean="0">
+              <a:rPr lang="en-US" sz="2400" b="1" dirty="0" err="1">
                 <a:solidFill>
                   <a:schemeClr val="bg1">
                     <a:lumMod val="95000"/>
@@ -17776,19 +17496,12 @@
               </a:rPr>
               <a:t>Bisnis</a:t>
             </a:r>
-            <a:endParaRPr lang="en-US" sz="2400" b="1" dirty="0" smtClean="0">
+            <a:endParaRPr lang="en-US" sz="2400" b="1" dirty="0">
               <a:solidFill>
                 <a:schemeClr val="bg1">
                   <a:lumMod val="95000"/>
                 </a:schemeClr>
               </a:solidFill>
-              <a:latin typeface="Segoe UI" panose="020B0502040204020203" pitchFamily="34" charset="0"/>
-              <a:cs typeface="Segoe UI" panose="020B0502040204020203" pitchFamily="34" charset="0"/>
-            </a:endParaRPr>
-          </a:p>
-          <a:p>
-            <a:pPr algn="ctr"/>
-            <a:endParaRPr lang="en-US" sz="2400" b="1" dirty="0" smtClean="0">
               <a:latin typeface="Segoe UI" panose="020B0502040204020203" pitchFamily="34" charset="0"/>
               <a:cs typeface="Segoe UI" panose="020B0502040204020203" pitchFamily="34" charset="0"/>
             </a:endParaRPr>
@@ -17802,106 +17515,113 @@
           </a:p>
           <a:p>
             <a:pPr algn="ctr"/>
-            <a:r>
-              <a:rPr lang="en-US" sz="2400" dirty="0" err="1" smtClean="0">
+            <a:endParaRPr lang="en-US" sz="2400" b="1" dirty="0">
+              <a:latin typeface="Segoe UI" panose="020B0502040204020203" pitchFamily="34" charset="0"/>
+              <a:cs typeface="Segoe UI" panose="020B0502040204020203" pitchFamily="34" charset="0"/>
+            </a:endParaRPr>
+          </a:p>
+          <a:p>
+            <a:pPr algn="ctr"/>
+            <a:r>
+              <a:rPr lang="en-US" sz="2400" dirty="0" err="1">
                 <a:latin typeface="Segoe UI" panose="020B0502040204020203" pitchFamily="34" charset="0"/>
                 <a:cs typeface="Segoe UI" panose="020B0502040204020203" pitchFamily="34" charset="0"/>
               </a:rPr>
               <a:t>Bagaimana</a:t>
             </a:r>
             <a:r>
-              <a:rPr lang="en-US" sz="2400" dirty="0" smtClean="0">
+              <a:rPr lang="en-US" sz="2400" dirty="0">
                 <a:latin typeface="Segoe UI" panose="020B0502040204020203" pitchFamily="34" charset="0"/>
                 <a:cs typeface="Segoe UI" panose="020B0502040204020203" pitchFamily="34" charset="0"/>
               </a:rPr>
               <a:t> </a:t>
             </a:r>
             <a:r>
-              <a:rPr lang="en-US" sz="2400" dirty="0" err="1" smtClean="0">
+              <a:rPr lang="en-US" sz="2400" dirty="0" err="1">
                 <a:latin typeface="Segoe UI" panose="020B0502040204020203" pitchFamily="34" charset="0"/>
                 <a:cs typeface="Segoe UI" panose="020B0502040204020203" pitchFamily="34" charset="0"/>
               </a:rPr>
               <a:t>suatu</a:t>
             </a:r>
             <a:r>
-              <a:rPr lang="en-US" sz="2400" dirty="0" smtClean="0">
+              <a:rPr lang="en-US" sz="2400" dirty="0">
                 <a:latin typeface="Segoe UI" panose="020B0502040204020203" pitchFamily="34" charset="0"/>
                 <a:cs typeface="Segoe UI" panose="020B0502040204020203" pitchFamily="34" charset="0"/>
               </a:rPr>
               <a:t> </a:t>
             </a:r>
             <a:r>
-              <a:rPr lang="en-US" sz="2400" dirty="0" err="1" smtClean="0">
+              <a:rPr lang="en-US" sz="2400" dirty="0" err="1">
                 <a:latin typeface="Segoe UI" panose="020B0502040204020203" pitchFamily="34" charset="0"/>
                 <a:cs typeface="Segoe UI" panose="020B0502040204020203" pitchFamily="34" charset="0"/>
               </a:rPr>
               <a:t>bisnis</a:t>
             </a:r>
             <a:r>
-              <a:rPr lang="en-US" sz="2400" dirty="0" smtClean="0">
+              <a:rPr lang="en-US" sz="2400" dirty="0">
                 <a:latin typeface="Segoe UI" panose="020B0502040204020203" pitchFamily="34" charset="0"/>
                 <a:cs typeface="Segoe UI" panose="020B0502040204020203" pitchFamily="34" charset="0"/>
               </a:rPr>
               <a:t> </a:t>
             </a:r>
             <a:r>
-              <a:rPr lang="en-US" sz="2400" dirty="0" err="1" smtClean="0">
+              <a:rPr lang="en-US" sz="2400" dirty="0" err="1">
                 <a:latin typeface="Segoe UI" panose="020B0502040204020203" pitchFamily="34" charset="0"/>
                 <a:cs typeface="Segoe UI" panose="020B0502040204020203" pitchFamily="34" charset="0"/>
               </a:rPr>
               <a:t>bisa</a:t>
             </a:r>
             <a:r>
-              <a:rPr lang="en-US" sz="2400" dirty="0" smtClean="0">
+              <a:rPr lang="en-US" sz="2400" dirty="0">
                 <a:latin typeface="Segoe UI" panose="020B0502040204020203" pitchFamily="34" charset="0"/>
                 <a:cs typeface="Segoe UI" panose="020B0502040204020203" pitchFamily="34" charset="0"/>
               </a:rPr>
               <a:t> </a:t>
             </a:r>
             <a:r>
-              <a:rPr lang="en-US" sz="2400" dirty="0" err="1" smtClean="0">
+              <a:rPr lang="en-US" sz="2400" dirty="0" err="1">
                 <a:latin typeface="Segoe UI" panose="020B0502040204020203" pitchFamily="34" charset="0"/>
                 <a:cs typeface="Segoe UI" panose="020B0502040204020203" pitchFamily="34" charset="0"/>
               </a:rPr>
               <a:t>menghasilkan</a:t>
             </a:r>
             <a:r>
-              <a:rPr lang="en-US" sz="2400" dirty="0" smtClean="0">
+              <a:rPr lang="en-US" sz="2400" dirty="0">
                 <a:latin typeface="Segoe UI" panose="020B0502040204020203" pitchFamily="34" charset="0"/>
                 <a:cs typeface="Segoe UI" panose="020B0502040204020203" pitchFamily="34" charset="0"/>
               </a:rPr>
               <a:t> </a:t>
             </a:r>
             <a:r>
-              <a:rPr lang="en-US" sz="2400" dirty="0" err="1" smtClean="0">
+              <a:rPr lang="en-US" sz="2400" dirty="0" err="1">
                 <a:latin typeface="Segoe UI" panose="020B0502040204020203" pitchFamily="34" charset="0"/>
                 <a:cs typeface="Segoe UI" panose="020B0502040204020203" pitchFamily="34" charset="0"/>
               </a:rPr>
               <a:t>uang</a:t>
             </a:r>
             <a:r>
-              <a:rPr lang="en-US" sz="2400" dirty="0" smtClean="0">
+              <a:rPr lang="en-US" sz="2400" dirty="0">
                 <a:latin typeface="Segoe UI" panose="020B0502040204020203" pitchFamily="34" charset="0"/>
                 <a:cs typeface="Segoe UI" panose="020B0502040204020203" pitchFamily="34" charset="0"/>
               </a:rPr>
               <a:t> </a:t>
             </a:r>
             <a:r>
-              <a:rPr lang="en-US" sz="2400" dirty="0" err="1" smtClean="0">
+              <a:rPr lang="en-US" sz="2400" dirty="0" err="1">
                 <a:latin typeface="Segoe UI" panose="020B0502040204020203" pitchFamily="34" charset="0"/>
                 <a:cs typeface="Segoe UI" panose="020B0502040204020203" pitchFamily="34" charset="0"/>
               </a:rPr>
               <a:t>atau</a:t>
             </a:r>
             <a:r>
-              <a:rPr lang="en-US" sz="2400" dirty="0" smtClean="0">
+              <a:rPr lang="en-US" sz="2400" dirty="0">
                 <a:latin typeface="Segoe UI" panose="020B0502040204020203" pitchFamily="34" charset="0"/>
                 <a:cs typeface="Segoe UI" panose="020B0502040204020203" pitchFamily="34" charset="0"/>
               </a:rPr>
               <a:t> </a:t>
             </a:r>
             <a:r>
-              <a:rPr lang="en-US" sz="2400" dirty="0" err="1" smtClean="0">
+              <a:rPr lang="en-US" sz="2400" dirty="0" err="1">
                 <a:latin typeface="Segoe UI" panose="020B0502040204020203" pitchFamily="34" charset="0"/>
                 <a:cs typeface="Segoe UI" panose="020B0502040204020203" pitchFamily="34" charset="0"/>
               </a:rPr>
@@ -17950,7 +17670,7 @@
           <a:lstStyle/>
           <a:p>
             <a:pPr algn="ctr"/>
-            <a:endParaRPr lang="en-US" sz="2400" b="1" dirty="0" smtClean="0">
+            <a:endParaRPr lang="en-US" sz="2400" b="1" dirty="0">
               <a:solidFill>
                 <a:schemeClr val="bg1">
                   <a:lumMod val="95000"/>
@@ -17963,7 +17683,7 @@
           <a:p>
             <a:pPr algn="ctr"/>
             <a:r>
-              <a:rPr lang="en-US" sz="2400" b="1" dirty="0" smtClean="0">
+              <a:rPr lang="en-US" sz="2400" b="1" dirty="0">
                 <a:solidFill>
                   <a:schemeClr val="bg1">
                     <a:lumMod val="95000"/>
@@ -17975,7 +17695,7 @@
               <a:t>Model </a:t>
             </a:r>
             <a:r>
-              <a:rPr lang="en-US" sz="2400" b="1" dirty="0" err="1" smtClean="0">
+              <a:rPr lang="en-US" sz="2400" b="1" dirty="0" err="1">
                 <a:solidFill>
                   <a:schemeClr val="bg1">
                     <a:lumMod val="95000"/>
@@ -17987,7 +17707,7 @@
               <a:t>Bisnis</a:t>
             </a:r>
             <a:r>
-              <a:rPr lang="en-US" sz="2400" b="1" dirty="0" smtClean="0">
+              <a:rPr lang="en-US" sz="2400" b="1" dirty="0">
                 <a:solidFill>
                   <a:schemeClr val="bg1">
                     <a:lumMod val="95000"/>
@@ -17998,19 +17718,10 @@
               </a:rPr>
               <a:t> Digital</a:t>
             </a:r>
-            <a:endParaRPr lang="en-US" sz="2400" b="1" dirty="0" smtClean="0">
-              <a:solidFill>
-                <a:schemeClr val="bg1">
-                  <a:lumMod val="95000"/>
-                </a:schemeClr>
-              </a:solidFill>
-              <a:latin typeface="Segoe UI" panose="020B0502040204020203" pitchFamily="34" charset="0"/>
-              <a:cs typeface="Segoe UI" panose="020B0502040204020203" pitchFamily="34" charset="0"/>
-            </a:endParaRPr>
           </a:p>
           <a:p>
             <a:pPr algn="ctr"/>
-            <a:endParaRPr lang="en-US" sz="2400" b="1" dirty="0" smtClean="0">
+            <a:endParaRPr lang="en-US" sz="2400" b="1" dirty="0">
               <a:latin typeface="Segoe UI" panose="020B0502040204020203" pitchFamily="34" charset="0"/>
               <a:cs typeface="Segoe UI" panose="020B0502040204020203" pitchFamily="34" charset="0"/>
             </a:endParaRPr>
@@ -18050,6 +17761,20 @@
                 <a:latin typeface="Segoe UI" panose="020B0502040204020203" pitchFamily="34" charset="0"/>
                 <a:cs typeface="Segoe UI" panose="020B0502040204020203" pitchFamily="34" charset="0"/>
               </a:rPr>
+              <a:t> bisnis </a:t>
+            </a:r>
+            <a:r>
+              <a:rPr lang="en-US" sz="2400" dirty="0" err="1">
+                <a:latin typeface="Segoe UI" panose="020B0502040204020203" pitchFamily="34" charset="0"/>
+                <a:cs typeface="Segoe UI" panose="020B0502040204020203" pitchFamily="34" charset="0"/>
+              </a:rPr>
+              <a:t>bisa</a:t>
+            </a:r>
+            <a:r>
+              <a:rPr lang="en-US" sz="2400" dirty="0">
+                <a:latin typeface="Segoe UI" panose="020B0502040204020203" pitchFamily="34" charset="0"/>
+                <a:cs typeface="Segoe UI" panose="020B0502040204020203" pitchFamily="34" charset="0"/>
+              </a:rPr>
               <a:t> </a:t>
             </a:r>
             <a:r>
@@ -18057,13 +17782,27 @@
                 <a:latin typeface="Segoe UI" panose="020B0502040204020203" pitchFamily="34" charset="0"/>
                 <a:cs typeface="Segoe UI" panose="020B0502040204020203" pitchFamily="34" charset="0"/>
               </a:rPr>
-              <a:t>bisnis</a:t>
+              <a:t>menghasilkan</a:t>
             </a:r>
             <a:r>
               <a:rPr lang="en-US" sz="2400" dirty="0">
                 <a:latin typeface="Segoe UI" panose="020B0502040204020203" pitchFamily="34" charset="0"/>
                 <a:cs typeface="Segoe UI" panose="020B0502040204020203" pitchFamily="34" charset="0"/>
               </a:rPr>
+              <a:t> uang </a:t>
+            </a:r>
+            <a:r>
+              <a:rPr lang="en-US" sz="2400" dirty="0" err="1">
+                <a:latin typeface="Segoe UI" panose="020B0502040204020203" pitchFamily="34" charset="0"/>
+                <a:cs typeface="Segoe UI" panose="020B0502040204020203" pitchFamily="34" charset="0"/>
+              </a:rPr>
+              <a:t>atau</a:t>
+            </a:r>
+            <a:r>
+              <a:rPr lang="en-US" sz="2400" dirty="0">
+                <a:latin typeface="Segoe UI" panose="020B0502040204020203" pitchFamily="34" charset="0"/>
+                <a:cs typeface="Segoe UI" panose="020B0502040204020203" pitchFamily="34" charset="0"/>
+              </a:rPr>
               <a:t> </a:t>
             </a:r>
             <a:r>
@@ -18071,7 +17810,7 @@
                 <a:latin typeface="Segoe UI" panose="020B0502040204020203" pitchFamily="34" charset="0"/>
                 <a:cs typeface="Segoe UI" panose="020B0502040204020203" pitchFamily="34" charset="0"/>
               </a:rPr>
-              <a:t>bisa</a:t>
+              <a:t>keuntungan</a:t>
             </a:r>
             <a:r>
               <a:rPr lang="en-US" sz="2400" dirty="0">
@@ -18085,13 +17824,27 @@
                 <a:latin typeface="Segoe UI" panose="020B0502040204020203" pitchFamily="34" charset="0"/>
                 <a:cs typeface="Segoe UI" panose="020B0502040204020203" pitchFamily="34" charset="0"/>
               </a:rPr>
-              <a:t>menghasilkan</a:t>
+              <a:t>secara</a:t>
             </a:r>
             <a:r>
               <a:rPr lang="en-US" sz="2400" dirty="0">
                 <a:latin typeface="Segoe UI" panose="020B0502040204020203" pitchFamily="34" charset="0"/>
                 <a:cs typeface="Segoe UI" panose="020B0502040204020203" pitchFamily="34" charset="0"/>
               </a:rPr>
+              <a:t> digital </a:t>
+            </a:r>
+            <a:r>
+              <a:rPr lang="en-US" sz="2400" dirty="0" err="1">
+                <a:latin typeface="Segoe UI" panose="020B0502040204020203" pitchFamily="34" charset="0"/>
+                <a:cs typeface="Segoe UI" panose="020B0502040204020203" pitchFamily="34" charset="0"/>
+              </a:rPr>
+              <a:t>atau</a:t>
+            </a:r>
+            <a:r>
+              <a:rPr lang="en-US" sz="2400" dirty="0">
+                <a:latin typeface="Segoe UI" panose="020B0502040204020203" pitchFamily="34" charset="0"/>
+                <a:cs typeface="Segoe UI" panose="020B0502040204020203" pitchFamily="34" charset="0"/>
+              </a:rPr>
               <a:t> </a:t>
             </a:r>
             <a:r>
@@ -18099,89 +17852,15 @@
                 <a:latin typeface="Segoe UI" panose="020B0502040204020203" pitchFamily="34" charset="0"/>
                 <a:cs typeface="Segoe UI" panose="020B0502040204020203" pitchFamily="34" charset="0"/>
               </a:rPr>
-              <a:t>uang</a:t>
+              <a:t>melalui</a:t>
             </a:r>
             <a:r>
               <a:rPr lang="en-US" sz="2400" dirty="0">
                 <a:latin typeface="Segoe UI" panose="020B0502040204020203" pitchFamily="34" charset="0"/>
                 <a:cs typeface="Segoe UI" panose="020B0502040204020203" pitchFamily="34" charset="0"/>
               </a:rPr>
-              <a:t> </a:t>
-            </a:r>
-            <a:r>
-              <a:rPr lang="en-US" sz="2400" dirty="0" err="1">
-                <a:latin typeface="Segoe UI" panose="020B0502040204020203" pitchFamily="34" charset="0"/>
-                <a:cs typeface="Segoe UI" panose="020B0502040204020203" pitchFamily="34" charset="0"/>
-              </a:rPr>
-              <a:t>atau</a:t>
-            </a:r>
-            <a:r>
-              <a:rPr lang="en-US" sz="2400" dirty="0">
-                <a:latin typeface="Segoe UI" panose="020B0502040204020203" pitchFamily="34" charset="0"/>
-                <a:cs typeface="Segoe UI" panose="020B0502040204020203" pitchFamily="34" charset="0"/>
-              </a:rPr>
-              <a:t> </a:t>
-            </a:r>
-            <a:r>
-              <a:rPr lang="en-US" sz="2400" dirty="0" err="1" smtClean="0">
-                <a:latin typeface="Segoe UI" panose="020B0502040204020203" pitchFamily="34" charset="0"/>
-                <a:cs typeface="Segoe UI" panose="020B0502040204020203" pitchFamily="34" charset="0"/>
-              </a:rPr>
-              <a:t>keuntungan</a:t>
-            </a:r>
-            <a:r>
-              <a:rPr lang="en-US" sz="2400" dirty="0" smtClean="0">
-                <a:latin typeface="Segoe UI" panose="020B0502040204020203" pitchFamily="34" charset="0"/>
-                <a:cs typeface="Segoe UI" panose="020B0502040204020203" pitchFamily="34" charset="0"/>
-              </a:rPr>
-              <a:t> </a:t>
-            </a:r>
-            <a:r>
-              <a:rPr lang="en-US" sz="2400" dirty="0" err="1" smtClean="0">
-                <a:latin typeface="Segoe UI" panose="020B0502040204020203" pitchFamily="34" charset="0"/>
-                <a:cs typeface="Segoe UI" panose="020B0502040204020203" pitchFamily="34" charset="0"/>
-              </a:rPr>
-              <a:t>secara</a:t>
-            </a:r>
-            <a:r>
-              <a:rPr lang="en-US" sz="2400" dirty="0" smtClean="0">
-                <a:latin typeface="Segoe UI" panose="020B0502040204020203" pitchFamily="34" charset="0"/>
-                <a:cs typeface="Segoe UI" panose="020B0502040204020203" pitchFamily="34" charset="0"/>
-              </a:rPr>
-              <a:t> digital </a:t>
-            </a:r>
-            <a:r>
-              <a:rPr lang="en-US" sz="2400" dirty="0" err="1" smtClean="0">
-                <a:latin typeface="Segoe UI" panose="020B0502040204020203" pitchFamily="34" charset="0"/>
-                <a:cs typeface="Segoe UI" panose="020B0502040204020203" pitchFamily="34" charset="0"/>
-              </a:rPr>
-              <a:t>atau</a:t>
-            </a:r>
-            <a:r>
-              <a:rPr lang="en-US" sz="2400" dirty="0" smtClean="0">
-                <a:latin typeface="Segoe UI" panose="020B0502040204020203" pitchFamily="34" charset="0"/>
-                <a:cs typeface="Segoe UI" panose="020B0502040204020203" pitchFamily="34" charset="0"/>
-              </a:rPr>
-              <a:t> </a:t>
-            </a:r>
-            <a:r>
-              <a:rPr lang="en-US" sz="2400" dirty="0" err="1" smtClean="0">
-                <a:latin typeface="Segoe UI" panose="020B0502040204020203" pitchFamily="34" charset="0"/>
-                <a:cs typeface="Segoe UI" panose="020B0502040204020203" pitchFamily="34" charset="0"/>
-              </a:rPr>
-              <a:t>melalui</a:t>
-            </a:r>
-            <a:r>
-              <a:rPr lang="en-US" sz="2400" dirty="0" smtClean="0">
-                <a:latin typeface="Segoe UI" panose="020B0502040204020203" pitchFamily="34" charset="0"/>
-                <a:cs typeface="Segoe UI" panose="020B0502040204020203" pitchFamily="34" charset="0"/>
-              </a:rPr>
               <a:t> platform digital</a:t>
             </a:r>
-            <a:endParaRPr lang="en-US" sz="2400" dirty="0">
-              <a:latin typeface="Segoe UI" panose="020B0502040204020203" pitchFamily="34" charset="0"/>
-              <a:cs typeface="Segoe UI" panose="020B0502040204020203" pitchFamily="34" charset="0"/>
-            </a:endParaRPr>
           </a:p>
         </p:txBody>
       </p:sp>
@@ -18190,13 +17869,6 @@
   <p:clrMapOvr>
     <a:masterClrMapping/>
   </p:clrMapOvr>
-  <p:timing>
-    <p:tnLst>
-      <p:par>
-        <p:cTn id="1" dur="indefinite" restart="never" nodeType="tmRoot"/>
-      </p:par>
-    </p:tnLst>
-  </p:timing>
 </p:sld>
 </file>
 
@@ -18226,7 +17898,7 @@
           <p:nvPr/>
         </p:nvPicPr>
         <p:blipFill rotWithShape="1">
-          <a:blip r:embed="rId1">
+          <a:blip r:embed="rId3">
             <a:extLst>
               <a:ext uri="{28A0092B-C50C-407E-A947-70E740481C1C}">
                 <a14:useLocalDpi xmlns:a14="http://schemas.microsoft.com/office/drawing/2010/main" val="0"/>
@@ -18737,23 +18409,19 @@
           <a:lstStyle/>
           <a:p>
             <a:r>
-              <a:rPr lang="en-US" dirty="0" smtClean="0">
+              <a:rPr lang="en-US" dirty="0">
                 <a:latin typeface="Segoe UI Semibold" panose="020B0702040204020203" pitchFamily="34" charset="0"/>
                 <a:cs typeface="Segoe UI Semibold" panose="020B0702040204020203" pitchFamily="34" charset="0"/>
               </a:rPr>
               <a:t>   </a:t>
             </a:r>
             <a:r>
-              <a:rPr lang="en-US" i="1" dirty="0" smtClean="0">
+              <a:rPr lang="en-US" i="1" dirty="0">
                 <a:latin typeface="Segoe UI Semibold" panose="020B0702040204020203" pitchFamily="34" charset="0"/>
                 <a:cs typeface="Segoe UI Semibold" panose="020B0702040204020203" pitchFamily="34" charset="0"/>
               </a:rPr>
               <a:t>DIGITAL BUSINESS</a:t>
             </a:r>
-            <a:endParaRPr lang="en-US" i="1" dirty="0">
-              <a:latin typeface="Segoe UI Semibold" panose="020B0702040204020203" pitchFamily="34" charset="0"/>
-              <a:cs typeface="Segoe UI Semibold" panose="020B0702040204020203" pitchFamily="34" charset="0"/>
-            </a:endParaRPr>
           </a:p>
         </p:txBody>
       </p:sp>
@@ -18782,7 +18450,7 @@
           <a:p>
             <a:pPr algn="l"/>
             <a:r>
-              <a:rPr lang="en-US" b="1" dirty="0" smtClean="0">
+              <a:rPr lang="en-US" b="1" dirty="0">
                 <a:solidFill>
                   <a:schemeClr val="bg1">
                     <a:lumMod val="95000"/>
@@ -18794,7 +18462,7 @@
               <a:t> </a:t>
             </a:r>
             <a:r>
-              <a:rPr lang="en-US" b="1" dirty="0" err="1" smtClean="0">
+              <a:rPr lang="en-US" b="1" dirty="0" err="1">
                 <a:solidFill>
                   <a:schemeClr val="bg1">
                     <a:lumMod val="95000"/>
@@ -18806,7 +18474,7 @@
               <a:t>Bisnis</a:t>
             </a:r>
             <a:r>
-              <a:rPr lang="en-US" b="1" dirty="0" smtClean="0">
+              <a:rPr lang="en-US" b="1" dirty="0">
                 <a:solidFill>
                   <a:schemeClr val="bg1">
                     <a:lumMod val="95000"/>
@@ -18818,7 +18486,7 @@
               <a:t> Digital – </a:t>
             </a:r>
             <a:r>
-              <a:rPr lang="en-US" sz="3200" b="1" i="1" dirty="0" smtClean="0">
+              <a:rPr lang="en-US" sz="3200" b="1" i="1" dirty="0">
                 <a:solidFill>
                   <a:schemeClr val="accent6">
                     <a:lumMod val="75000"/>
@@ -18864,7 +18532,7 @@
           <a:lstStyle/>
           <a:p>
             <a:r>
-              <a:rPr lang="en-US" sz="2400" b="1" dirty="0" smtClean="0">
+              <a:rPr lang="en-US" sz="2400" b="1" dirty="0">
                 <a:solidFill>
                   <a:srgbClr val="0070C0"/>
                 </a:solidFill>
@@ -18874,7 +18542,7 @@
               <a:t>Model </a:t>
             </a:r>
             <a:r>
-              <a:rPr lang="en-US" sz="2400" b="1" dirty="0" err="1" smtClean="0">
+              <a:rPr lang="en-US" sz="2400" b="1" dirty="0" err="1">
                 <a:solidFill>
                   <a:srgbClr val="0070C0"/>
                 </a:solidFill>
@@ -18884,7 +18552,7 @@
               <a:t>Bisnis</a:t>
             </a:r>
             <a:r>
-              <a:rPr lang="en-US" sz="2400" b="1" dirty="0" smtClean="0">
+              <a:rPr lang="en-US" sz="2400" b="1" dirty="0">
                 <a:solidFill>
                   <a:srgbClr val="0070C0"/>
                 </a:solidFill>
@@ -18893,13 +18561,6 @@
               </a:rPr>
               <a:t> Digital:</a:t>
             </a:r>
-            <a:endParaRPr lang="en-US" sz="2400" b="1" dirty="0" smtClean="0">
-              <a:solidFill>
-                <a:srgbClr val="0070C0"/>
-              </a:solidFill>
-              <a:latin typeface="Segoe UI" panose="020B0502040204020203" pitchFamily="34" charset="0"/>
-              <a:cs typeface="Segoe UI" panose="020B0502040204020203" pitchFamily="34" charset="0"/>
-            </a:endParaRPr>
           </a:p>
           <a:p>
             <a:pPr marL="342900" indent="-342900">
@@ -18909,21 +18570,21 @@
               <a:buAutoNum type="arabicPeriod"/>
             </a:pPr>
             <a:r>
-              <a:rPr lang="en-US" sz="2400" dirty="0" err="1" smtClean="0">
+              <a:rPr lang="en-US" sz="2400" dirty="0" err="1">
                 <a:latin typeface="Segoe UI" panose="020B0502040204020203" pitchFamily="34" charset="0"/>
                 <a:cs typeface="Segoe UI" panose="020B0502040204020203" pitchFamily="34" charset="0"/>
               </a:rPr>
               <a:t>Menghadirkan</a:t>
             </a:r>
             <a:r>
-              <a:rPr lang="en-US" sz="2400" dirty="0" smtClean="0">
+              <a:rPr lang="en-US" sz="2400" dirty="0">
                 <a:latin typeface="Segoe UI" panose="020B0502040204020203" pitchFamily="34" charset="0"/>
                 <a:cs typeface="Segoe UI" panose="020B0502040204020203" pitchFamily="34" charset="0"/>
               </a:rPr>
               <a:t> Customer Experience </a:t>
             </a:r>
             <a:r>
-              <a:rPr lang="en-US" sz="2400" b="1" dirty="0" smtClean="0">
+              <a:rPr lang="en-US" sz="2400" b="1" dirty="0">
                 <a:solidFill>
                   <a:srgbClr val="0070C0"/>
                 </a:solidFill>
@@ -18933,44 +18594,40 @@
               <a:t>(CX)</a:t>
             </a:r>
             <a:r>
-              <a:rPr lang="en-US" sz="2400" b="1" dirty="0" smtClean="0">
+              <a:rPr lang="en-US" sz="2400" b="1" dirty="0">
                 <a:latin typeface="Segoe UI" panose="020B0502040204020203" pitchFamily="34" charset="0"/>
                 <a:cs typeface="Segoe UI" panose="020B0502040204020203" pitchFamily="34" charset="0"/>
               </a:rPr>
               <a:t> </a:t>
             </a:r>
             <a:r>
-              <a:rPr lang="en-US" sz="2400" dirty="0" err="1" smtClean="0">
+              <a:rPr lang="en-US" sz="2400" dirty="0" err="1">
                 <a:latin typeface="Segoe UI" panose="020B0502040204020203" pitchFamily="34" charset="0"/>
                 <a:cs typeface="Segoe UI" panose="020B0502040204020203" pitchFamily="34" charset="0"/>
               </a:rPr>
               <a:t>sebaik</a:t>
             </a:r>
             <a:r>
-              <a:rPr lang="en-US" sz="2400" dirty="0" smtClean="0">
+              <a:rPr lang="en-US" sz="2400" dirty="0">
                 <a:latin typeface="Segoe UI" panose="020B0502040204020203" pitchFamily="34" charset="0"/>
                 <a:cs typeface="Segoe UI" panose="020B0502040204020203" pitchFamily="34" charset="0"/>
               </a:rPr>
               <a:t> </a:t>
             </a:r>
             <a:r>
-              <a:rPr lang="en-US" sz="2400" dirty="0" err="1" smtClean="0">
+              <a:rPr lang="en-US" sz="2400" dirty="0" err="1">
                 <a:latin typeface="Segoe UI" panose="020B0502040204020203" pitchFamily="34" charset="0"/>
                 <a:cs typeface="Segoe UI" panose="020B0502040204020203" pitchFamily="34" charset="0"/>
               </a:rPr>
               <a:t>mungkin</a:t>
             </a:r>
             <a:r>
-              <a:rPr lang="en-US" sz="2400" dirty="0" smtClean="0">
+              <a:rPr lang="en-US" sz="2400" dirty="0">
                 <a:latin typeface="Segoe UI" panose="020B0502040204020203" pitchFamily="34" charset="0"/>
                 <a:cs typeface="Segoe UI" panose="020B0502040204020203" pitchFamily="34" charset="0"/>
               </a:rPr>
               <a:t>.</a:t>
             </a:r>
-            <a:endParaRPr lang="en-US" sz="2400" dirty="0" smtClean="0">
-              <a:latin typeface="Segoe UI" panose="020B0502040204020203" pitchFamily="34" charset="0"/>
-              <a:cs typeface="Segoe UI" panose="020B0502040204020203" pitchFamily="34" charset="0"/>
-            </a:endParaRPr>
           </a:p>
           <a:p>
             <a:pPr marL="342900" indent="-342900">
@@ -18980,21 +18637,21 @@
               <a:buAutoNum type="arabicPeriod"/>
             </a:pPr>
             <a:r>
-              <a:rPr lang="en-US" sz="2400" dirty="0" err="1" smtClean="0">
+              <a:rPr lang="en-US" sz="2400" dirty="0" err="1">
                 <a:latin typeface="Segoe UI" panose="020B0502040204020203" pitchFamily="34" charset="0"/>
                 <a:cs typeface="Segoe UI" panose="020B0502040204020203" pitchFamily="34" charset="0"/>
               </a:rPr>
               <a:t>Menghasilkan</a:t>
             </a:r>
             <a:r>
-              <a:rPr lang="en-US" sz="2400" dirty="0" smtClean="0">
+              <a:rPr lang="en-US" sz="2400" dirty="0">
                 <a:latin typeface="Segoe UI" panose="020B0502040204020203" pitchFamily="34" charset="0"/>
                 <a:cs typeface="Segoe UI" panose="020B0502040204020203" pitchFamily="34" charset="0"/>
               </a:rPr>
               <a:t> </a:t>
             </a:r>
             <a:r>
-              <a:rPr lang="en-US" sz="2400" b="1" dirty="0" err="1" smtClean="0">
+              <a:rPr lang="en-US" sz="2400" b="1" dirty="0" err="1">
                 <a:solidFill>
                   <a:srgbClr val="0070C0"/>
                 </a:solidFill>
@@ -19004,7 +18661,7 @@
               <a:t>keuntungan</a:t>
             </a:r>
             <a:r>
-              <a:rPr lang="en-US" sz="2400" dirty="0" smtClean="0">
+              <a:rPr lang="en-US" sz="2400" dirty="0">
                 <a:solidFill>
                   <a:srgbClr val="0070C0"/>
                 </a:solidFill>
@@ -19014,37 +18671,33 @@
               <a:t> </a:t>
             </a:r>
             <a:r>
-              <a:rPr lang="en-US" sz="2400" dirty="0" err="1" smtClean="0">
+              <a:rPr lang="en-US" sz="2400" dirty="0" err="1">
                 <a:latin typeface="Segoe UI" panose="020B0502040204020203" pitchFamily="34" charset="0"/>
                 <a:cs typeface="Segoe UI" panose="020B0502040204020203" pitchFamily="34" charset="0"/>
               </a:rPr>
               <a:t>bagi</a:t>
             </a:r>
             <a:r>
-              <a:rPr lang="en-US" sz="2400" dirty="0" smtClean="0">
+              <a:rPr lang="en-US" sz="2400" dirty="0">
                 <a:latin typeface="Segoe UI" panose="020B0502040204020203" pitchFamily="34" charset="0"/>
                 <a:cs typeface="Segoe UI" panose="020B0502040204020203" pitchFamily="34" charset="0"/>
               </a:rPr>
               <a:t> </a:t>
             </a:r>
             <a:r>
-              <a:rPr lang="en-US" sz="2400" dirty="0" err="1" smtClean="0">
+              <a:rPr lang="en-US" sz="2400" dirty="0" err="1">
                 <a:latin typeface="Segoe UI" panose="020B0502040204020203" pitchFamily="34" charset="0"/>
                 <a:cs typeface="Segoe UI" panose="020B0502040204020203" pitchFamily="34" charset="0"/>
               </a:rPr>
               <a:t>perusahaan</a:t>
             </a:r>
             <a:r>
-              <a:rPr lang="en-US" sz="2400" dirty="0" smtClean="0">
+              <a:rPr lang="en-US" sz="2400" dirty="0">
                 <a:latin typeface="Segoe UI" panose="020B0502040204020203" pitchFamily="34" charset="0"/>
                 <a:cs typeface="Segoe UI" panose="020B0502040204020203" pitchFamily="34" charset="0"/>
               </a:rPr>
               <a:t>.</a:t>
             </a:r>
-            <a:endParaRPr lang="en-US" sz="2400" dirty="0" smtClean="0">
-              <a:latin typeface="Segoe UI" panose="020B0502040204020203" pitchFamily="34" charset="0"/>
-              <a:cs typeface="Segoe UI" panose="020B0502040204020203" pitchFamily="34" charset="0"/>
-            </a:endParaRPr>
           </a:p>
           <a:p>
             <a:pPr marL="342900" indent="-342900">
@@ -19054,21 +18707,21 @@
               <a:buAutoNum type="arabicPeriod"/>
             </a:pPr>
             <a:r>
-              <a:rPr lang="en-US" sz="2400" dirty="0" err="1" smtClean="0">
+              <a:rPr lang="en-US" sz="2400" dirty="0" err="1">
                 <a:latin typeface="Segoe UI" panose="020B0502040204020203" pitchFamily="34" charset="0"/>
                 <a:cs typeface="Segoe UI" panose="020B0502040204020203" pitchFamily="34" charset="0"/>
               </a:rPr>
               <a:t>Memperluas</a:t>
             </a:r>
             <a:r>
-              <a:rPr lang="en-US" sz="2400" dirty="0" smtClean="0">
+              <a:rPr lang="en-US" sz="2400" dirty="0">
                 <a:latin typeface="Segoe UI" panose="020B0502040204020203" pitchFamily="34" charset="0"/>
                 <a:cs typeface="Segoe UI" panose="020B0502040204020203" pitchFamily="34" charset="0"/>
               </a:rPr>
               <a:t> </a:t>
             </a:r>
             <a:r>
-              <a:rPr lang="en-US" sz="2400" b="1" dirty="0" err="1" smtClean="0">
+              <a:rPr lang="en-US" sz="2400" b="1" dirty="0" err="1">
                 <a:solidFill>
                   <a:srgbClr val="0070C0"/>
                 </a:solidFill>
@@ -19078,16 +18731,12 @@
               <a:t>pasar</a:t>
             </a:r>
             <a:r>
-              <a:rPr lang="en-US" sz="2400" dirty="0" smtClean="0">
+              <a:rPr lang="en-US" sz="2400" dirty="0">
                 <a:latin typeface="Segoe UI" panose="020B0502040204020203" pitchFamily="34" charset="0"/>
                 <a:cs typeface="Segoe UI" panose="020B0502040204020203" pitchFamily="34" charset="0"/>
               </a:rPr>
               <a:t>.</a:t>
             </a:r>
-            <a:endParaRPr lang="en-US" sz="2400" dirty="0" smtClean="0">
-              <a:latin typeface="Segoe UI" panose="020B0502040204020203" pitchFamily="34" charset="0"/>
-              <a:cs typeface="Segoe UI" panose="020B0502040204020203" pitchFamily="34" charset="0"/>
-            </a:endParaRPr>
           </a:p>
           <a:p>
             <a:pPr marL="342900" indent="-342900">
@@ -19097,63 +18746,63 @@
               <a:buAutoNum type="arabicPeriod"/>
             </a:pPr>
             <a:r>
-              <a:rPr lang="en-US" sz="2400" dirty="0" err="1" smtClean="0">
+              <a:rPr lang="en-US" sz="2400" dirty="0" err="1">
                 <a:latin typeface="Segoe UI" panose="020B0502040204020203" pitchFamily="34" charset="0"/>
                 <a:cs typeface="Segoe UI" panose="020B0502040204020203" pitchFamily="34" charset="0"/>
               </a:rPr>
               <a:t>Membawa</a:t>
             </a:r>
             <a:r>
-              <a:rPr lang="en-US" sz="2400" dirty="0" smtClean="0">
+              <a:rPr lang="en-US" sz="2400" dirty="0">
                 <a:latin typeface="Segoe UI" panose="020B0502040204020203" pitchFamily="34" charset="0"/>
                 <a:cs typeface="Segoe UI" panose="020B0502040204020203" pitchFamily="34" charset="0"/>
               </a:rPr>
               <a:t> </a:t>
             </a:r>
             <a:r>
-              <a:rPr lang="en-US" sz="2400" dirty="0" err="1" smtClean="0">
+              <a:rPr lang="en-US" sz="2400" dirty="0" err="1">
                 <a:latin typeface="Segoe UI" panose="020B0502040204020203" pitchFamily="34" charset="0"/>
                 <a:cs typeface="Segoe UI" panose="020B0502040204020203" pitchFamily="34" charset="0"/>
               </a:rPr>
               <a:t>keterlibatan</a:t>
             </a:r>
             <a:r>
-              <a:rPr lang="en-US" sz="2400" dirty="0" smtClean="0">
+              <a:rPr lang="en-US" sz="2400" dirty="0">
                 <a:latin typeface="Segoe UI" panose="020B0502040204020203" pitchFamily="34" charset="0"/>
                 <a:cs typeface="Segoe UI" panose="020B0502040204020203" pitchFamily="34" charset="0"/>
               </a:rPr>
               <a:t> </a:t>
             </a:r>
             <a:r>
-              <a:rPr lang="en-US" sz="2400" dirty="0" err="1" smtClean="0">
+              <a:rPr lang="en-US" sz="2400" dirty="0" err="1">
                 <a:latin typeface="Segoe UI" panose="020B0502040204020203" pitchFamily="34" charset="0"/>
                 <a:cs typeface="Segoe UI" panose="020B0502040204020203" pitchFamily="34" charset="0"/>
               </a:rPr>
               <a:t>pada</a:t>
             </a:r>
             <a:r>
-              <a:rPr lang="en-US" sz="2400" dirty="0" smtClean="0">
+              <a:rPr lang="en-US" sz="2400" dirty="0">
                 <a:latin typeface="Segoe UI" panose="020B0502040204020203" pitchFamily="34" charset="0"/>
                 <a:cs typeface="Segoe UI" panose="020B0502040204020203" pitchFamily="34" charset="0"/>
               </a:rPr>
               <a:t> </a:t>
             </a:r>
             <a:r>
-              <a:rPr lang="en-US" sz="2400" dirty="0" err="1" smtClean="0">
+              <a:rPr lang="en-US" sz="2400" dirty="0" err="1">
                 <a:latin typeface="Segoe UI" panose="020B0502040204020203" pitchFamily="34" charset="0"/>
                 <a:cs typeface="Segoe UI" panose="020B0502040204020203" pitchFamily="34" charset="0"/>
               </a:rPr>
               <a:t>karyawannya</a:t>
             </a:r>
             <a:r>
-              <a:rPr lang="en-US" sz="2400" dirty="0" smtClean="0">
+              <a:rPr lang="en-US" sz="2400" dirty="0">
                 <a:latin typeface="Segoe UI" panose="020B0502040204020203" pitchFamily="34" charset="0"/>
                 <a:cs typeface="Segoe UI" panose="020B0502040204020203" pitchFamily="34" charset="0"/>
               </a:rPr>
               <a:t> </a:t>
             </a:r>
             <a:r>
-              <a:rPr lang="en-US" sz="2400" b="1" i="1" dirty="0" smtClean="0">
+              <a:rPr lang="en-US" sz="2400" b="1" i="1" dirty="0">
                 <a:solidFill>
                   <a:srgbClr val="0070C0"/>
                 </a:solidFill>
@@ -19163,16 +18812,12 @@
               <a:t>(employee engagement)</a:t>
             </a:r>
             <a:r>
-              <a:rPr lang="en-US" sz="2400" dirty="0" smtClean="0">
+              <a:rPr lang="en-US" sz="2400" dirty="0">
                 <a:latin typeface="Segoe UI" panose="020B0502040204020203" pitchFamily="34" charset="0"/>
                 <a:cs typeface="Segoe UI" panose="020B0502040204020203" pitchFamily="34" charset="0"/>
               </a:rPr>
               <a:t>.</a:t>
             </a:r>
-            <a:endParaRPr lang="en-US" sz="2400" dirty="0">
-              <a:latin typeface="Segoe UI" panose="020B0502040204020203" pitchFamily="34" charset="0"/>
-              <a:cs typeface="Segoe UI" panose="020B0502040204020203" pitchFamily="34" charset="0"/>
-            </a:endParaRPr>
           </a:p>
         </p:txBody>
       </p:sp>
@@ -19216,191 +18861,187 @@
           <a:p>
             <a:pPr algn="ctr"/>
             <a:r>
-              <a:rPr lang="en-US" sz="2000" dirty="0" err="1" smtClean="0">
+              <a:rPr lang="en-US" sz="2000" dirty="0" err="1">
                 <a:latin typeface="Segoe UI" panose="020B0502040204020203" pitchFamily="34" charset="0"/>
                 <a:cs typeface="Segoe UI" panose="020B0502040204020203" pitchFamily="34" charset="0"/>
               </a:rPr>
               <a:t>Suatu</a:t>
             </a:r>
             <a:r>
-              <a:rPr lang="en-US" sz="2000" dirty="0" smtClean="0">
+              <a:rPr lang="en-US" sz="2000" dirty="0">
                 <a:latin typeface="Segoe UI" panose="020B0502040204020203" pitchFamily="34" charset="0"/>
                 <a:cs typeface="Segoe UI" panose="020B0502040204020203" pitchFamily="34" charset="0"/>
               </a:rPr>
               <a:t> </a:t>
             </a:r>
             <a:r>
-              <a:rPr lang="en-US" sz="2000" dirty="0" err="1" smtClean="0">
+              <a:rPr lang="en-US" sz="2000" dirty="0" err="1">
                 <a:latin typeface="Segoe UI" panose="020B0502040204020203" pitchFamily="34" charset="0"/>
                 <a:cs typeface="Segoe UI" panose="020B0502040204020203" pitchFamily="34" charset="0"/>
               </a:rPr>
               <a:t>pengalaman</a:t>
             </a:r>
             <a:r>
-              <a:rPr lang="en-US" sz="2000" dirty="0" smtClean="0">
+              <a:rPr lang="en-US" sz="2000" dirty="0">
                 <a:latin typeface="Segoe UI" panose="020B0502040204020203" pitchFamily="34" charset="0"/>
                 <a:cs typeface="Segoe UI" panose="020B0502040204020203" pitchFamily="34" charset="0"/>
               </a:rPr>
               <a:t> </a:t>
             </a:r>
             <a:r>
-              <a:rPr lang="en-US" sz="2000" dirty="0" err="1" smtClean="0">
+              <a:rPr lang="en-US" sz="2000" dirty="0" err="1">
                 <a:latin typeface="Segoe UI" panose="020B0502040204020203" pitchFamily="34" charset="0"/>
                 <a:cs typeface="Segoe UI" panose="020B0502040204020203" pitchFamily="34" charset="0"/>
               </a:rPr>
               <a:t>bagi</a:t>
             </a:r>
             <a:r>
-              <a:rPr lang="en-US" sz="2000" dirty="0" smtClean="0">
+              <a:rPr lang="en-US" sz="2000" dirty="0">
                 <a:latin typeface="Segoe UI" panose="020B0502040204020203" pitchFamily="34" charset="0"/>
                 <a:cs typeface="Segoe UI" panose="020B0502040204020203" pitchFamily="34" charset="0"/>
               </a:rPr>
               <a:t> user </a:t>
             </a:r>
             <a:r>
-              <a:rPr lang="en-US" sz="2000" dirty="0" err="1" smtClean="0">
+              <a:rPr lang="en-US" sz="2000" dirty="0" err="1">
                 <a:latin typeface="Segoe UI" panose="020B0502040204020203" pitchFamily="34" charset="0"/>
                 <a:cs typeface="Segoe UI" panose="020B0502040204020203" pitchFamily="34" charset="0"/>
               </a:rPr>
               <a:t>dimana</a:t>
             </a:r>
             <a:r>
-              <a:rPr lang="en-US" sz="2000" dirty="0" smtClean="0">
+              <a:rPr lang="en-US" sz="2000" dirty="0">
                 <a:latin typeface="Segoe UI" panose="020B0502040204020203" pitchFamily="34" charset="0"/>
                 <a:cs typeface="Segoe UI" panose="020B0502040204020203" pitchFamily="34" charset="0"/>
               </a:rPr>
               <a:t> user </a:t>
             </a:r>
             <a:r>
-              <a:rPr lang="en-US" sz="2000" dirty="0" err="1" smtClean="0">
+              <a:rPr lang="en-US" sz="2000" dirty="0" err="1">
                 <a:latin typeface="Segoe UI" panose="020B0502040204020203" pitchFamily="34" charset="0"/>
                 <a:cs typeface="Segoe UI" panose="020B0502040204020203" pitchFamily="34" charset="0"/>
               </a:rPr>
               <a:t>dapat</a:t>
             </a:r>
             <a:r>
-              <a:rPr lang="en-US" sz="2000" dirty="0" smtClean="0">
+              <a:rPr lang="en-US" sz="2000" dirty="0">
                 <a:latin typeface="Segoe UI" panose="020B0502040204020203" pitchFamily="34" charset="0"/>
                 <a:cs typeface="Segoe UI" panose="020B0502040204020203" pitchFamily="34" charset="0"/>
               </a:rPr>
               <a:t> </a:t>
             </a:r>
             <a:r>
-              <a:rPr lang="en-US" sz="2000" dirty="0" err="1" smtClean="0">
+              <a:rPr lang="en-US" sz="2000" dirty="0" err="1">
                 <a:latin typeface="Segoe UI" panose="020B0502040204020203" pitchFamily="34" charset="0"/>
                 <a:cs typeface="Segoe UI" panose="020B0502040204020203" pitchFamily="34" charset="0"/>
               </a:rPr>
               <a:t>melakukan</a:t>
             </a:r>
             <a:r>
-              <a:rPr lang="en-US" sz="2000" dirty="0" smtClean="0">
+              <a:rPr lang="en-US" sz="2000" dirty="0">
                 <a:latin typeface="Segoe UI" panose="020B0502040204020203" pitchFamily="34" charset="0"/>
                 <a:cs typeface="Segoe UI" panose="020B0502040204020203" pitchFamily="34" charset="0"/>
               </a:rPr>
               <a:t> </a:t>
             </a:r>
             <a:r>
-              <a:rPr lang="en-US" sz="2000" dirty="0" err="1" smtClean="0">
+              <a:rPr lang="en-US" sz="2000" dirty="0" err="1">
                 <a:latin typeface="Segoe UI" panose="020B0502040204020203" pitchFamily="34" charset="0"/>
                 <a:cs typeface="Segoe UI" panose="020B0502040204020203" pitchFamily="34" charset="0"/>
               </a:rPr>
               <a:t>apa</a:t>
             </a:r>
             <a:r>
-              <a:rPr lang="en-US" sz="2000" dirty="0" smtClean="0">
+              <a:rPr lang="en-US" sz="2000" dirty="0">
                 <a:latin typeface="Segoe UI" panose="020B0502040204020203" pitchFamily="34" charset="0"/>
                 <a:cs typeface="Segoe UI" panose="020B0502040204020203" pitchFamily="34" charset="0"/>
               </a:rPr>
               <a:t> yang </a:t>
             </a:r>
             <a:r>
-              <a:rPr lang="en-US" sz="2000" dirty="0" err="1" smtClean="0">
+              <a:rPr lang="en-US" sz="2000" dirty="0" err="1">
                 <a:latin typeface="Segoe UI" panose="020B0502040204020203" pitchFamily="34" charset="0"/>
                 <a:cs typeface="Segoe UI" panose="020B0502040204020203" pitchFamily="34" charset="0"/>
               </a:rPr>
               <a:t>mereka</a:t>
             </a:r>
             <a:r>
-              <a:rPr lang="en-US" sz="2000" dirty="0" smtClean="0">
+              <a:rPr lang="en-US" sz="2000" dirty="0">
                 <a:latin typeface="Segoe UI" panose="020B0502040204020203" pitchFamily="34" charset="0"/>
                 <a:cs typeface="Segoe UI" panose="020B0502040204020203" pitchFamily="34" charset="0"/>
               </a:rPr>
               <a:t> </a:t>
             </a:r>
             <a:r>
-              <a:rPr lang="en-US" sz="2000" dirty="0" err="1" smtClean="0">
+              <a:rPr lang="en-US" sz="2000" dirty="0" err="1">
                 <a:latin typeface="Segoe UI" panose="020B0502040204020203" pitchFamily="34" charset="0"/>
                 <a:cs typeface="Segoe UI" panose="020B0502040204020203" pitchFamily="34" charset="0"/>
               </a:rPr>
               <a:t>mau</a:t>
             </a:r>
             <a:r>
-              <a:rPr lang="en-US" sz="2000" dirty="0" smtClean="0">
+              <a:rPr lang="en-US" sz="2000" dirty="0">
                 <a:latin typeface="Segoe UI" panose="020B0502040204020203" pitchFamily="34" charset="0"/>
                 <a:cs typeface="Segoe UI" panose="020B0502040204020203" pitchFamily="34" charset="0"/>
               </a:rPr>
               <a:t>, </a:t>
             </a:r>
             <a:r>
-              <a:rPr lang="en-US" sz="2000" dirty="0" err="1" smtClean="0">
+              <a:rPr lang="en-US" sz="2000" dirty="0" err="1">
                 <a:latin typeface="Segoe UI" panose="020B0502040204020203" pitchFamily="34" charset="0"/>
                 <a:cs typeface="Segoe UI" panose="020B0502040204020203" pitchFamily="34" charset="0"/>
               </a:rPr>
               <a:t>dan</a:t>
             </a:r>
             <a:r>
-              <a:rPr lang="en-US" sz="2000" dirty="0" smtClean="0">
+              <a:rPr lang="en-US" sz="2000" dirty="0">
                 <a:latin typeface="Segoe UI" panose="020B0502040204020203" pitchFamily="34" charset="0"/>
                 <a:cs typeface="Segoe UI" panose="020B0502040204020203" pitchFamily="34" charset="0"/>
               </a:rPr>
               <a:t> </a:t>
             </a:r>
             <a:r>
-              <a:rPr lang="en-US" sz="2000" dirty="0" err="1" smtClean="0">
+              <a:rPr lang="en-US" sz="2000" dirty="0" err="1">
                 <a:latin typeface="Segoe UI" panose="020B0502040204020203" pitchFamily="34" charset="0"/>
                 <a:cs typeface="Segoe UI" panose="020B0502040204020203" pitchFamily="34" charset="0"/>
               </a:rPr>
               <a:t>menggunakan</a:t>
             </a:r>
             <a:r>
-              <a:rPr lang="en-US" sz="2000" dirty="0" smtClean="0">
+              <a:rPr lang="en-US" sz="2000" dirty="0">
                 <a:latin typeface="Segoe UI" panose="020B0502040204020203" pitchFamily="34" charset="0"/>
                 <a:cs typeface="Segoe UI" panose="020B0502040204020203" pitchFamily="34" charset="0"/>
               </a:rPr>
               <a:t> platform yang </a:t>
             </a:r>
             <a:r>
-              <a:rPr lang="en-US" sz="2000" dirty="0" err="1" smtClean="0">
+              <a:rPr lang="en-US" sz="2000" dirty="0" err="1">
                 <a:latin typeface="Segoe UI" panose="020B0502040204020203" pitchFamily="34" charset="0"/>
                 <a:cs typeface="Segoe UI" panose="020B0502040204020203" pitchFamily="34" charset="0"/>
               </a:rPr>
               <a:t>mereka</a:t>
             </a:r>
             <a:r>
-              <a:rPr lang="en-US" sz="2000" dirty="0" smtClean="0">
+              <a:rPr lang="en-US" sz="2000" dirty="0">
                 <a:latin typeface="Segoe UI" panose="020B0502040204020203" pitchFamily="34" charset="0"/>
                 <a:cs typeface="Segoe UI" panose="020B0502040204020203" pitchFamily="34" charset="0"/>
               </a:rPr>
               <a:t> </a:t>
             </a:r>
             <a:r>
-              <a:rPr lang="en-US" sz="2000" dirty="0" err="1" smtClean="0">
+              <a:rPr lang="en-US" sz="2000" dirty="0" err="1">
                 <a:latin typeface="Segoe UI" panose="020B0502040204020203" pitchFamily="34" charset="0"/>
                 <a:cs typeface="Segoe UI" panose="020B0502040204020203" pitchFamily="34" charset="0"/>
               </a:rPr>
               <a:t>mau</a:t>
             </a:r>
             <a:r>
-              <a:rPr lang="en-US" sz="2000" dirty="0" smtClean="0">
+              <a:rPr lang="en-US" sz="2000" dirty="0">
                 <a:latin typeface="Segoe UI" panose="020B0502040204020203" pitchFamily="34" charset="0"/>
                 <a:cs typeface="Segoe UI" panose="020B0502040204020203" pitchFamily="34" charset="0"/>
               </a:rPr>
               <a:t> juga.</a:t>
             </a:r>
-            <a:endParaRPr lang="en-US" sz="2000" dirty="0">
-              <a:latin typeface="Segoe UI" panose="020B0502040204020203" pitchFamily="34" charset="0"/>
-              <a:cs typeface="Segoe UI" panose="020B0502040204020203" pitchFamily="34" charset="0"/>
-            </a:endParaRPr>
           </a:p>
         </p:txBody>
       </p:sp>
@@ -19448,13 +19089,6 @@
   <p:clrMapOvr>
     <a:masterClrMapping/>
   </p:clrMapOvr>
-  <p:timing>
-    <p:tnLst>
-      <p:par>
-        <p:cTn id="1" dur="indefinite" restart="never" nodeType="tmRoot"/>
-      </p:par>
-    </p:tnLst>
-  </p:timing>
 </p:sld>
 </file>
 
@@ -19964,23 +19598,19 @@
           <a:lstStyle/>
           <a:p>
             <a:r>
-              <a:rPr lang="en-US" dirty="0" smtClean="0">
+              <a:rPr lang="en-US" dirty="0">
                 <a:latin typeface="Segoe UI Semibold" panose="020B0702040204020203" pitchFamily="34" charset="0"/>
                 <a:cs typeface="Segoe UI Semibold" panose="020B0702040204020203" pitchFamily="34" charset="0"/>
               </a:rPr>
               <a:t>   </a:t>
             </a:r>
             <a:r>
-              <a:rPr lang="en-US" i="1" dirty="0" smtClean="0">
+              <a:rPr lang="en-US" i="1" dirty="0">
                 <a:latin typeface="Segoe UI Semibold" panose="020B0702040204020203" pitchFamily="34" charset="0"/>
                 <a:cs typeface="Segoe UI Semibold" panose="020B0702040204020203" pitchFamily="34" charset="0"/>
               </a:rPr>
               <a:t>DIGITAL BUSINESS</a:t>
             </a:r>
-            <a:endParaRPr lang="en-US" i="1" dirty="0">
-              <a:latin typeface="Segoe UI Semibold" panose="020B0702040204020203" pitchFamily="34" charset="0"/>
-              <a:cs typeface="Segoe UI Semibold" panose="020B0702040204020203" pitchFamily="34" charset="0"/>
-            </a:endParaRPr>
           </a:p>
         </p:txBody>
       </p:sp>
@@ -20007,7 +19637,7 @@
           <a:p>
             <a:pPr algn="l"/>
             <a:r>
-              <a:rPr lang="en-US" b="1" dirty="0" smtClean="0">
+              <a:rPr lang="en-US" b="1" dirty="0">
                 <a:solidFill>
                   <a:schemeClr val="bg1">
                     <a:lumMod val="95000"/>
@@ -20019,7 +19649,7 @@
               <a:t> </a:t>
             </a:r>
             <a:r>
-              <a:rPr lang="en-US" b="1" dirty="0" err="1" smtClean="0">
+              <a:rPr lang="en-US" b="1" dirty="0" err="1">
                 <a:solidFill>
                   <a:schemeClr val="bg1">
                     <a:lumMod val="95000"/>
@@ -20031,7 +19661,7 @@
               <a:t>Bisnis</a:t>
             </a:r>
             <a:r>
-              <a:rPr lang="en-US" b="1" dirty="0" smtClean="0">
+              <a:rPr lang="en-US" b="1" dirty="0">
                 <a:solidFill>
                   <a:schemeClr val="bg1">
                     <a:lumMod val="95000"/>
@@ -20043,7 +19673,7 @@
               <a:t> Digital - </a:t>
             </a:r>
             <a:r>
-              <a:rPr lang="en-US" sz="3200" b="1" i="1" dirty="0" err="1" smtClean="0">
+              <a:rPr lang="en-US" sz="3200" b="1" i="1" dirty="0" err="1">
                 <a:solidFill>
                   <a:schemeClr val="accent6">
                     <a:lumMod val="75000"/>
@@ -20075,7 +19705,7 @@
           <p:nvPr/>
         </p:nvPicPr>
         <p:blipFill>
-          <a:blip r:embed="rId1" cstate="print">
+          <a:blip r:embed="rId2" cstate="print">
             <a:extLst>
               <a:ext uri="{28A0092B-C50C-407E-A947-70E740481C1C}">
                 <a14:useLocalDpi xmlns:a14="http://schemas.microsoft.com/office/drawing/2010/main" val="0"/>
@@ -20116,7 +19746,7 @@
           <p:nvPr/>
         </p:nvPicPr>
         <p:blipFill>
-          <a:blip r:embed="rId2" cstate="print">
+          <a:blip r:embed="rId3" cstate="print">
             <a:duotone>
               <a:schemeClr val="accent1">
                 <a:shade val="45000"/>
@@ -20164,7 +19794,7 @@
           <p:nvPr/>
         </p:nvPicPr>
         <p:blipFill>
-          <a:blip r:embed="rId3" cstate="print">
+          <a:blip r:embed="rId4" cstate="print">
             <a:extLst>
               <a:ext uri="{28A0092B-C50C-407E-A947-70E740481C1C}">
                 <a14:useLocalDpi xmlns:a14="http://schemas.microsoft.com/office/drawing/2010/main" val="0"/>
@@ -20205,7 +19835,7 @@
           <p:nvPr/>
         </p:nvPicPr>
         <p:blipFill>
-          <a:blip r:embed="rId4" cstate="print">
+          <a:blip r:embed="rId5" cstate="print">
             <a:extLst>
               <a:ext uri="{28A0092B-C50C-407E-A947-70E740481C1C}">
                 <a14:useLocalDpi xmlns:a14="http://schemas.microsoft.com/office/drawing/2010/main" val="0"/>
@@ -20260,7 +19890,7 @@
           <a:lstStyle/>
           <a:p>
             <a:r>
-              <a:rPr lang="en-US" sz="3200" dirty="0" err="1" smtClean="0">
+              <a:rPr lang="en-US" sz="3200" dirty="0" err="1">
                 <a:solidFill>
                   <a:schemeClr val="tx2">
                     <a:lumMod val="60000"/>
@@ -20273,7 +19903,7 @@
               <a:t>Bisnis</a:t>
             </a:r>
             <a:r>
-              <a:rPr lang="en-US" sz="3200" dirty="0" smtClean="0">
+              <a:rPr lang="en-US" sz="3200" dirty="0">
                 <a:solidFill>
                   <a:schemeClr val="tx2">
                     <a:lumMod val="60000"/>
@@ -20285,20 +19915,10 @@
               </a:rPr>
               <a:t> </a:t>
             </a:r>
-            <a:endParaRPr lang="en-US" sz="3200" dirty="0" smtClean="0">
-              <a:solidFill>
-                <a:schemeClr val="tx2">
-                  <a:lumMod val="60000"/>
-                  <a:lumOff val="40000"/>
-                </a:schemeClr>
-              </a:solidFill>
-              <a:latin typeface="Segoe UI" panose="020B0502040204020203" pitchFamily="34" charset="0"/>
-              <a:cs typeface="Segoe UI" panose="020B0502040204020203" pitchFamily="34" charset="0"/>
-            </a:endParaRPr>
           </a:p>
           <a:p>
             <a:r>
-              <a:rPr lang="en-US" sz="3200" dirty="0" smtClean="0">
+              <a:rPr lang="en-US" sz="3200" dirty="0">
                 <a:solidFill>
                   <a:schemeClr val="tx2">
                     <a:lumMod val="60000"/>
@@ -20310,16 +19930,6 @@
               </a:rPr>
               <a:t>Digital</a:t>
             </a:r>
-            <a:endParaRPr lang="en-US" sz="3200" dirty="0">
-              <a:solidFill>
-                <a:schemeClr val="tx2">
-                  <a:lumMod val="60000"/>
-                  <a:lumOff val="40000"/>
-                </a:schemeClr>
-              </a:solidFill>
-              <a:latin typeface="Segoe UI" panose="020B0502040204020203" pitchFamily="34" charset="0"/>
-              <a:cs typeface="Segoe UI" panose="020B0502040204020203" pitchFamily="34" charset="0"/>
-            </a:endParaRPr>
           </a:p>
         </p:txBody>
       </p:sp>
@@ -20604,7 +20214,7 @@
           <p:nvPr/>
         </p:nvPicPr>
         <p:blipFill>
-          <a:blip r:embed="rId5" cstate="print">
+          <a:blip r:embed="rId6" cstate="print">
             <a:duotone>
               <a:schemeClr val="accent2">
                 <a:shade val="45000"/>
@@ -20648,13 +20258,6 @@
   <p:clrMapOvr>
     <a:masterClrMapping/>
   </p:clrMapOvr>
-  <p:timing>
-    <p:tnLst>
-      <p:par>
-        <p:cTn id="1" dur="indefinite" restart="never" nodeType="tmRoot"/>
-      </p:par>
-    </p:tnLst>
-  </p:timing>
 </p:sld>
 </file>
 
@@ -21164,30 +20767,19 @@
           <a:lstStyle/>
           <a:p>
             <a:r>
-              <a:rPr lang="en-US" dirty="0" smtClean="0">
+              <a:rPr lang="en-US" dirty="0">
                 <a:latin typeface="Segoe UI Semibold" panose="020B0702040204020203" pitchFamily="34" charset="0"/>
                 <a:cs typeface="Segoe UI Semibold" panose="020B0702040204020203" pitchFamily="34" charset="0"/>
               </a:rPr>
               <a:t>   </a:t>
             </a:r>
             <a:r>
-              <a:rPr lang="en-US" i="1" dirty="0" smtClean="0">
+              <a:rPr lang="en-US" i="1" dirty="0">
                 <a:latin typeface="Segoe UI Semibold" panose="020B0702040204020203" pitchFamily="34" charset="0"/>
                 <a:cs typeface="Segoe UI Semibold" panose="020B0702040204020203" pitchFamily="34" charset="0"/>
               </a:rPr>
-              <a:t>BUSINESS </a:t>
-            </a:r>
-            <a:r>
-              <a:rPr lang="en-US" i="1" dirty="0" smtClean="0">
-                <a:latin typeface="Segoe UI Semibold" panose="020B0702040204020203" pitchFamily="34" charset="0"/>
-                <a:cs typeface="Segoe UI Semibold" panose="020B0702040204020203" pitchFamily="34" charset="0"/>
-              </a:rPr>
-              <a:t>PROCESS</a:t>
-            </a:r>
-            <a:endParaRPr lang="en-US" i="1" dirty="0">
-              <a:latin typeface="Segoe UI Semibold" panose="020B0702040204020203" pitchFamily="34" charset="0"/>
-              <a:cs typeface="Segoe UI Semibold" panose="020B0702040204020203" pitchFamily="34" charset="0"/>
-            </a:endParaRPr>
+              <a:t>BUSINESS PROCESS</a:t>
+            </a:r>
           </a:p>
         </p:txBody>
       </p:sp>
@@ -21214,7 +20806,7 @@
           <a:p>
             <a:pPr algn="l"/>
             <a:r>
-              <a:rPr lang="en-US" b="1" dirty="0" smtClean="0">
+              <a:rPr lang="en-US" b="1" dirty="0">
                 <a:solidFill>
                   <a:schemeClr val="bg1">
                     <a:lumMod val="95000"/>
@@ -21226,7 +20818,7 @@
               <a:t> Proses </a:t>
             </a:r>
             <a:r>
-              <a:rPr lang="en-US" b="1" dirty="0" err="1" smtClean="0">
+              <a:rPr lang="en-US" b="1" dirty="0" err="1">
                 <a:solidFill>
                   <a:schemeClr val="bg1">
                     <a:lumMod val="95000"/>
@@ -21272,7 +20864,7 @@
           <a:lstStyle/>
           <a:p>
             <a:r>
-              <a:rPr lang="en-US" sz="2400" b="1" dirty="0" smtClean="0">
+              <a:rPr lang="en-US" sz="2400" b="1" dirty="0">
                 <a:solidFill>
                   <a:srgbClr val="002060"/>
                 </a:solidFill>
@@ -21282,7 +20874,7 @@
               <a:t>Proses </a:t>
             </a:r>
             <a:r>
-              <a:rPr lang="en-US" sz="2400" b="1" dirty="0" err="1" smtClean="0">
+              <a:rPr lang="en-US" sz="2400" b="1" dirty="0" err="1">
                 <a:solidFill>
                   <a:srgbClr val="002060"/>
                 </a:solidFill>
@@ -21292,7 +20884,7 @@
               <a:t>Bisnis</a:t>
             </a:r>
             <a:r>
-              <a:rPr lang="en-US" sz="2400" b="1" dirty="0" smtClean="0">
+              <a:rPr lang="en-US" sz="2400" b="1" dirty="0">
                 <a:solidFill>
                   <a:srgbClr val="002060"/>
                 </a:solidFill>
@@ -21301,348 +20893,6 @@
               </a:rPr>
               <a:t>?</a:t>
             </a:r>
-            <a:endParaRPr lang="en-US" sz="2400" b="1" dirty="0" smtClean="0">
-              <a:solidFill>
-                <a:srgbClr val="002060"/>
-              </a:solidFill>
-              <a:latin typeface="Segoe UI" panose="020B0502040204020203" pitchFamily="34" charset="0"/>
-              <a:cs typeface="Segoe UI" panose="020B0502040204020203" pitchFamily="34" charset="0"/>
-            </a:endParaRPr>
-          </a:p>
-          <a:p>
-            <a:endParaRPr lang="en-US" sz="2000" dirty="0" smtClean="0">
-              <a:latin typeface="Segoe UI" panose="020B0502040204020203" pitchFamily="34" charset="0"/>
-              <a:cs typeface="Segoe UI" panose="020B0502040204020203" pitchFamily="34" charset="0"/>
-            </a:endParaRPr>
-          </a:p>
-          <a:p>
-            <a:r>
-              <a:rPr lang="en-US" sz="2000" dirty="0" err="1" smtClean="0">
-                <a:solidFill>
-                  <a:srgbClr val="002060"/>
-                </a:solidFill>
-                <a:latin typeface="Segoe UI" panose="020B0502040204020203" pitchFamily="34" charset="0"/>
-                <a:cs typeface="Segoe UI" panose="020B0502040204020203" pitchFamily="34" charset="0"/>
-              </a:rPr>
-              <a:t>Tahapan</a:t>
-            </a:r>
-            <a:r>
-              <a:rPr lang="en-US" sz="2000" dirty="0" smtClean="0">
-                <a:solidFill>
-                  <a:srgbClr val="002060"/>
-                </a:solidFill>
-                <a:latin typeface="Segoe UI" panose="020B0502040204020203" pitchFamily="34" charset="0"/>
-                <a:cs typeface="Segoe UI" panose="020B0502040204020203" pitchFamily="34" charset="0"/>
-              </a:rPr>
-              <a:t> </a:t>
-            </a:r>
-            <a:r>
-              <a:rPr lang="en-US" sz="2000" dirty="0" err="1" smtClean="0">
-                <a:solidFill>
-                  <a:srgbClr val="002060"/>
-                </a:solidFill>
-                <a:latin typeface="Segoe UI" panose="020B0502040204020203" pitchFamily="34" charset="0"/>
-                <a:cs typeface="Segoe UI" panose="020B0502040204020203" pitchFamily="34" charset="0"/>
-              </a:rPr>
-              <a:t>atau</a:t>
-            </a:r>
-            <a:r>
-              <a:rPr lang="en-US" sz="2000" dirty="0" smtClean="0">
-                <a:solidFill>
-                  <a:srgbClr val="002060"/>
-                </a:solidFill>
-                <a:latin typeface="Segoe UI" panose="020B0502040204020203" pitchFamily="34" charset="0"/>
-                <a:cs typeface="Segoe UI" panose="020B0502040204020203" pitchFamily="34" charset="0"/>
-              </a:rPr>
-              <a:t> </a:t>
-            </a:r>
-            <a:r>
-              <a:rPr lang="en-US" sz="2000" dirty="0" err="1" smtClean="0">
-                <a:solidFill>
-                  <a:srgbClr val="002060"/>
-                </a:solidFill>
-                <a:latin typeface="Segoe UI" panose="020B0502040204020203" pitchFamily="34" charset="0"/>
-                <a:cs typeface="Segoe UI" panose="020B0502040204020203" pitchFamily="34" charset="0"/>
-              </a:rPr>
-              <a:t>langkah</a:t>
-            </a:r>
-            <a:r>
-              <a:rPr lang="en-US" sz="2000" dirty="0" smtClean="0">
-                <a:solidFill>
-                  <a:srgbClr val="002060"/>
-                </a:solidFill>
-                <a:latin typeface="Segoe UI" panose="020B0502040204020203" pitchFamily="34" charset="0"/>
-                <a:cs typeface="Segoe UI" panose="020B0502040204020203" pitchFamily="34" charset="0"/>
-              </a:rPr>
-              <a:t> yang </a:t>
-            </a:r>
-            <a:r>
-              <a:rPr lang="en-US" sz="2000" dirty="0" err="1" smtClean="0">
-                <a:solidFill>
-                  <a:srgbClr val="002060"/>
-                </a:solidFill>
-                <a:latin typeface="Segoe UI" panose="020B0502040204020203" pitchFamily="34" charset="0"/>
-                <a:cs typeface="Segoe UI" panose="020B0502040204020203" pitchFamily="34" charset="0"/>
-              </a:rPr>
-              <a:t>dilakukan</a:t>
-            </a:r>
-            <a:r>
-              <a:rPr lang="en-US" sz="2000" dirty="0" smtClean="0">
-                <a:solidFill>
-                  <a:srgbClr val="002060"/>
-                </a:solidFill>
-                <a:latin typeface="Segoe UI" panose="020B0502040204020203" pitchFamily="34" charset="0"/>
-                <a:cs typeface="Segoe UI" panose="020B0502040204020203" pitchFamily="34" charset="0"/>
-              </a:rPr>
-              <a:t> </a:t>
-            </a:r>
-            <a:r>
-              <a:rPr lang="en-US" sz="2000" dirty="0" err="1" smtClean="0">
-                <a:solidFill>
-                  <a:srgbClr val="002060"/>
-                </a:solidFill>
-                <a:latin typeface="Segoe UI" panose="020B0502040204020203" pitchFamily="34" charset="0"/>
-                <a:cs typeface="Segoe UI" panose="020B0502040204020203" pitchFamily="34" charset="0"/>
-              </a:rPr>
-              <a:t>oleh</a:t>
-            </a:r>
-            <a:r>
-              <a:rPr lang="en-US" sz="2000" dirty="0" smtClean="0">
-                <a:solidFill>
-                  <a:srgbClr val="002060"/>
-                </a:solidFill>
-                <a:latin typeface="Segoe UI" panose="020B0502040204020203" pitchFamily="34" charset="0"/>
-                <a:cs typeface="Segoe UI" panose="020B0502040204020203" pitchFamily="34" charset="0"/>
-              </a:rPr>
-              <a:t> </a:t>
-            </a:r>
-            <a:r>
-              <a:rPr lang="en-US" sz="2000" dirty="0" err="1" smtClean="0">
-                <a:solidFill>
-                  <a:srgbClr val="002060"/>
-                </a:solidFill>
-                <a:latin typeface="Segoe UI" panose="020B0502040204020203" pitchFamily="34" charset="0"/>
-                <a:cs typeface="Segoe UI" panose="020B0502040204020203" pitchFamily="34" charset="0"/>
-              </a:rPr>
-              <a:t>suatu</a:t>
-            </a:r>
-            <a:r>
-              <a:rPr lang="en-US" sz="2000" dirty="0" smtClean="0">
-                <a:solidFill>
-                  <a:srgbClr val="002060"/>
-                </a:solidFill>
-                <a:latin typeface="Segoe UI" panose="020B0502040204020203" pitchFamily="34" charset="0"/>
-                <a:cs typeface="Segoe UI" panose="020B0502040204020203" pitchFamily="34" charset="0"/>
-              </a:rPr>
-              <a:t> </a:t>
-            </a:r>
-            <a:r>
-              <a:rPr lang="en-US" sz="2000" dirty="0" err="1" smtClean="0">
-                <a:solidFill>
-                  <a:srgbClr val="002060"/>
-                </a:solidFill>
-                <a:latin typeface="Segoe UI" panose="020B0502040204020203" pitchFamily="34" charset="0"/>
-                <a:cs typeface="Segoe UI" panose="020B0502040204020203" pitchFamily="34" charset="0"/>
-              </a:rPr>
-              <a:t>organisasi</a:t>
-            </a:r>
-            <a:r>
-              <a:rPr lang="en-US" sz="2000" dirty="0" smtClean="0">
-                <a:solidFill>
-                  <a:srgbClr val="002060"/>
-                </a:solidFill>
-                <a:latin typeface="Segoe UI" panose="020B0502040204020203" pitchFamily="34" charset="0"/>
-                <a:cs typeface="Segoe UI" panose="020B0502040204020203" pitchFamily="34" charset="0"/>
-              </a:rPr>
-              <a:t> </a:t>
-            </a:r>
-            <a:r>
-              <a:rPr lang="en-US" sz="2000" dirty="0" err="1" smtClean="0">
-                <a:solidFill>
-                  <a:srgbClr val="002060"/>
-                </a:solidFill>
-                <a:latin typeface="Segoe UI" panose="020B0502040204020203" pitchFamily="34" charset="0"/>
-                <a:cs typeface="Segoe UI" panose="020B0502040204020203" pitchFamily="34" charset="0"/>
-              </a:rPr>
-              <a:t>atau</a:t>
-            </a:r>
-            <a:r>
-              <a:rPr lang="en-US" sz="2000" dirty="0" smtClean="0">
-                <a:solidFill>
-                  <a:srgbClr val="002060"/>
-                </a:solidFill>
-                <a:latin typeface="Segoe UI" panose="020B0502040204020203" pitchFamily="34" charset="0"/>
-                <a:cs typeface="Segoe UI" panose="020B0502040204020203" pitchFamily="34" charset="0"/>
-              </a:rPr>
-              <a:t> </a:t>
-            </a:r>
-            <a:r>
-              <a:rPr lang="en-US" sz="2000" dirty="0" err="1" smtClean="0">
-                <a:solidFill>
-                  <a:srgbClr val="002060"/>
-                </a:solidFill>
-                <a:latin typeface="Segoe UI" panose="020B0502040204020203" pitchFamily="34" charset="0"/>
-                <a:cs typeface="Segoe UI" panose="020B0502040204020203" pitchFamily="34" charset="0"/>
-              </a:rPr>
-              <a:t>perusahaan</a:t>
-            </a:r>
-            <a:r>
-              <a:rPr lang="en-US" sz="2000" dirty="0" smtClean="0">
-                <a:solidFill>
-                  <a:srgbClr val="002060"/>
-                </a:solidFill>
-                <a:latin typeface="Segoe UI" panose="020B0502040204020203" pitchFamily="34" charset="0"/>
-                <a:cs typeface="Segoe UI" panose="020B0502040204020203" pitchFamily="34" charset="0"/>
-              </a:rPr>
-              <a:t> agar </a:t>
-            </a:r>
-            <a:r>
-              <a:rPr lang="en-US" sz="2000" dirty="0" err="1" smtClean="0">
-                <a:solidFill>
-                  <a:srgbClr val="002060"/>
-                </a:solidFill>
-                <a:latin typeface="Segoe UI" panose="020B0502040204020203" pitchFamily="34" charset="0"/>
-                <a:cs typeface="Segoe UI" panose="020B0502040204020203" pitchFamily="34" charset="0"/>
-              </a:rPr>
-              <a:t>tujuan</a:t>
-            </a:r>
-            <a:r>
-              <a:rPr lang="en-US" sz="2000" dirty="0" smtClean="0">
-                <a:solidFill>
-                  <a:srgbClr val="002060"/>
-                </a:solidFill>
-                <a:latin typeface="Segoe UI" panose="020B0502040204020203" pitchFamily="34" charset="0"/>
-                <a:cs typeface="Segoe UI" panose="020B0502040204020203" pitchFamily="34" charset="0"/>
-              </a:rPr>
-              <a:t> </a:t>
-            </a:r>
-            <a:r>
-              <a:rPr lang="en-US" sz="2000" dirty="0" err="1" smtClean="0">
-                <a:solidFill>
-                  <a:srgbClr val="002060"/>
-                </a:solidFill>
-                <a:latin typeface="Segoe UI" panose="020B0502040204020203" pitchFamily="34" charset="0"/>
-                <a:cs typeface="Segoe UI" panose="020B0502040204020203" pitchFamily="34" charset="0"/>
-              </a:rPr>
-              <a:t>dan</a:t>
-            </a:r>
-            <a:r>
-              <a:rPr lang="en-US" sz="2000" dirty="0" smtClean="0">
-                <a:solidFill>
-                  <a:srgbClr val="002060"/>
-                </a:solidFill>
-                <a:latin typeface="Segoe UI" panose="020B0502040204020203" pitchFamily="34" charset="0"/>
-                <a:cs typeface="Segoe UI" panose="020B0502040204020203" pitchFamily="34" charset="0"/>
-              </a:rPr>
-              <a:t> target-</a:t>
-            </a:r>
-            <a:r>
-              <a:rPr lang="en-US" sz="2000" dirty="0" err="1" smtClean="0">
-                <a:solidFill>
-                  <a:srgbClr val="002060"/>
-                </a:solidFill>
-                <a:latin typeface="Segoe UI" panose="020B0502040204020203" pitchFamily="34" charset="0"/>
-                <a:cs typeface="Segoe UI" panose="020B0502040204020203" pitchFamily="34" charset="0"/>
-              </a:rPr>
-              <a:t>targetnya</a:t>
-            </a:r>
-            <a:r>
-              <a:rPr lang="en-US" sz="2000" dirty="0" smtClean="0">
-                <a:solidFill>
-                  <a:srgbClr val="002060"/>
-                </a:solidFill>
-                <a:latin typeface="Segoe UI" panose="020B0502040204020203" pitchFamily="34" charset="0"/>
-                <a:cs typeface="Segoe UI" panose="020B0502040204020203" pitchFamily="34" charset="0"/>
-              </a:rPr>
-              <a:t> </a:t>
-            </a:r>
-            <a:r>
-              <a:rPr lang="en-US" sz="2000" dirty="0" err="1" smtClean="0">
-                <a:solidFill>
-                  <a:srgbClr val="002060"/>
-                </a:solidFill>
-                <a:latin typeface="Segoe UI" panose="020B0502040204020203" pitchFamily="34" charset="0"/>
-                <a:cs typeface="Segoe UI" panose="020B0502040204020203" pitchFamily="34" charset="0"/>
-              </a:rPr>
-              <a:t>bisa</a:t>
-            </a:r>
-            <a:r>
-              <a:rPr lang="en-US" sz="2000" dirty="0" smtClean="0">
-                <a:solidFill>
-                  <a:srgbClr val="002060"/>
-                </a:solidFill>
-                <a:latin typeface="Segoe UI" panose="020B0502040204020203" pitchFamily="34" charset="0"/>
-                <a:cs typeface="Segoe UI" panose="020B0502040204020203" pitchFamily="34" charset="0"/>
-              </a:rPr>
-              <a:t> </a:t>
-            </a:r>
-            <a:r>
-              <a:rPr lang="en-US" sz="2000" dirty="0" err="1" smtClean="0">
-                <a:solidFill>
-                  <a:srgbClr val="002060"/>
-                </a:solidFill>
-                <a:latin typeface="Segoe UI" panose="020B0502040204020203" pitchFamily="34" charset="0"/>
-                <a:cs typeface="Segoe UI" panose="020B0502040204020203" pitchFamily="34" charset="0"/>
-              </a:rPr>
-              <a:t>tercapai</a:t>
-            </a:r>
-            <a:r>
-              <a:rPr lang="en-US" sz="2000" dirty="0" smtClean="0">
-                <a:solidFill>
-                  <a:srgbClr val="002060"/>
-                </a:solidFill>
-                <a:latin typeface="Segoe UI" panose="020B0502040204020203" pitchFamily="34" charset="0"/>
-                <a:cs typeface="Segoe UI" panose="020B0502040204020203" pitchFamily="34" charset="0"/>
-              </a:rPr>
-              <a:t> </a:t>
-            </a:r>
-            <a:r>
-              <a:rPr lang="en-US" sz="2000" dirty="0" err="1" smtClean="0">
-                <a:solidFill>
-                  <a:srgbClr val="002060"/>
-                </a:solidFill>
-                <a:latin typeface="Segoe UI" panose="020B0502040204020203" pitchFamily="34" charset="0"/>
-                <a:cs typeface="Segoe UI" panose="020B0502040204020203" pitchFamily="34" charset="0"/>
-              </a:rPr>
-              <a:t>dengan</a:t>
-            </a:r>
-            <a:r>
-              <a:rPr lang="en-US" sz="2000" dirty="0" smtClean="0">
-                <a:solidFill>
-                  <a:srgbClr val="002060"/>
-                </a:solidFill>
-                <a:latin typeface="Segoe UI" panose="020B0502040204020203" pitchFamily="34" charset="0"/>
-                <a:cs typeface="Segoe UI" panose="020B0502040204020203" pitchFamily="34" charset="0"/>
-              </a:rPr>
-              <a:t> </a:t>
-            </a:r>
-            <a:r>
-              <a:rPr lang="en-US" sz="2000" dirty="0" err="1" smtClean="0">
-                <a:solidFill>
-                  <a:srgbClr val="002060"/>
-                </a:solidFill>
-                <a:latin typeface="Segoe UI" panose="020B0502040204020203" pitchFamily="34" charset="0"/>
-                <a:cs typeface="Segoe UI" panose="020B0502040204020203" pitchFamily="34" charset="0"/>
-              </a:rPr>
-              <a:t>baik</a:t>
-            </a:r>
-            <a:r>
-              <a:rPr lang="en-US" sz="2000" dirty="0" smtClean="0">
-                <a:solidFill>
-                  <a:srgbClr val="002060"/>
-                </a:solidFill>
-                <a:latin typeface="Segoe UI" panose="020B0502040204020203" pitchFamily="34" charset="0"/>
-                <a:cs typeface="Segoe UI" panose="020B0502040204020203" pitchFamily="34" charset="0"/>
-              </a:rPr>
-              <a:t>.</a:t>
-            </a:r>
-            <a:endParaRPr lang="en-US" sz="2000" dirty="0" smtClean="0">
-              <a:solidFill>
-                <a:srgbClr val="002060"/>
-              </a:solidFill>
-              <a:latin typeface="Segoe UI" panose="020B0502040204020203" pitchFamily="34" charset="0"/>
-              <a:cs typeface="Segoe UI" panose="020B0502040204020203" pitchFamily="34" charset="0"/>
-            </a:endParaRPr>
           </a:p>
           <a:p>
             <a:endParaRPr lang="en-US" sz="2000" dirty="0">
@@ -21652,77 +20902,405 @@
           </a:p>
           <a:p>
             <a:r>
-              <a:rPr lang="en-US" sz="2000" dirty="0" err="1" smtClean="0">
+              <a:rPr lang="en-US" sz="2000" dirty="0" err="1">
+                <a:solidFill>
+                  <a:srgbClr val="002060"/>
+                </a:solidFill>
+                <a:latin typeface="Segoe UI" panose="020B0502040204020203" pitchFamily="34" charset="0"/>
+                <a:cs typeface="Segoe UI" panose="020B0502040204020203" pitchFamily="34" charset="0"/>
+              </a:rPr>
+              <a:t>Tahapan</a:t>
+            </a:r>
+            <a:r>
+              <a:rPr lang="en-US" sz="2000" dirty="0">
+                <a:solidFill>
+                  <a:srgbClr val="002060"/>
+                </a:solidFill>
+                <a:latin typeface="Segoe UI" panose="020B0502040204020203" pitchFamily="34" charset="0"/>
+                <a:cs typeface="Segoe UI" panose="020B0502040204020203" pitchFamily="34" charset="0"/>
+              </a:rPr>
+              <a:t> </a:t>
+            </a:r>
+            <a:r>
+              <a:rPr lang="en-US" sz="2000" dirty="0" err="1">
+                <a:solidFill>
+                  <a:srgbClr val="002060"/>
+                </a:solidFill>
+                <a:latin typeface="Segoe UI" panose="020B0502040204020203" pitchFamily="34" charset="0"/>
+                <a:cs typeface="Segoe UI" panose="020B0502040204020203" pitchFamily="34" charset="0"/>
+              </a:rPr>
+              <a:t>atau</a:t>
+            </a:r>
+            <a:r>
+              <a:rPr lang="en-US" sz="2000" dirty="0">
+                <a:solidFill>
+                  <a:srgbClr val="002060"/>
+                </a:solidFill>
+                <a:latin typeface="Segoe UI" panose="020B0502040204020203" pitchFamily="34" charset="0"/>
+                <a:cs typeface="Segoe UI" panose="020B0502040204020203" pitchFamily="34" charset="0"/>
+              </a:rPr>
+              <a:t> </a:t>
+            </a:r>
+            <a:r>
+              <a:rPr lang="en-US" sz="2000" dirty="0" err="1">
+                <a:solidFill>
+                  <a:srgbClr val="002060"/>
+                </a:solidFill>
+                <a:latin typeface="Segoe UI" panose="020B0502040204020203" pitchFamily="34" charset="0"/>
+                <a:cs typeface="Segoe UI" panose="020B0502040204020203" pitchFamily="34" charset="0"/>
+              </a:rPr>
+              <a:t>langkah</a:t>
+            </a:r>
+            <a:r>
+              <a:rPr lang="en-US" sz="2000" dirty="0">
+                <a:solidFill>
+                  <a:srgbClr val="002060"/>
+                </a:solidFill>
+                <a:latin typeface="Segoe UI" panose="020B0502040204020203" pitchFamily="34" charset="0"/>
+                <a:cs typeface="Segoe UI" panose="020B0502040204020203" pitchFamily="34" charset="0"/>
+              </a:rPr>
+              <a:t> yang </a:t>
+            </a:r>
+            <a:r>
+              <a:rPr lang="en-US" sz="2000" dirty="0" err="1">
+                <a:solidFill>
+                  <a:srgbClr val="002060"/>
+                </a:solidFill>
+                <a:latin typeface="Segoe UI" panose="020B0502040204020203" pitchFamily="34" charset="0"/>
+                <a:cs typeface="Segoe UI" panose="020B0502040204020203" pitchFamily="34" charset="0"/>
+              </a:rPr>
+              <a:t>dilakukan</a:t>
+            </a:r>
+            <a:r>
+              <a:rPr lang="en-US" sz="2000" dirty="0">
+                <a:solidFill>
+                  <a:srgbClr val="002060"/>
+                </a:solidFill>
+                <a:latin typeface="Segoe UI" panose="020B0502040204020203" pitchFamily="34" charset="0"/>
+                <a:cs typeface="Segoe UI" panose="020B0502040204020203" pitchFamily="34" charset="0"/>
+              </a:rPr>
+              <a:t> </a:t>
+            </a:r>
+            <a:r>
+              <a:rPr lang="en-US" sz="2000" dirty="0" err="1">
+                <a:solidFill>
+                  <a:srgbClr val="002060"/>
+                </a:solidFill>
+                <a:latin typeface="Segoe UI" panose="020B0502040204020203" pitchFamily="34" charset="0"/>
+                <a:cs typeface="Segoe UI" panose="020B0502040204020203" pitchFamily="34" charset="0"/>
+              </a:rPr>
+              <a:t>oleh</a:t>
+            </a:r>
+            <a:r>
+              <a:rPr lang="en-US" sz="2000" dirty="0">
+                <a:solidFill>
+                  <a:srgbClr val="002060"/>
+                </a:solidFill>
+                <a:latin typeface="Segoe UI" panose="020B0502040204020203" pitchFamily="34" charset="0"/>
+                <a:cs typeface="Segoe UI" panose="020B0502040204020203" pitchFamily="34" charset="0"/>
+              </a:rPr>
+              <a:t> </a:t>
+            </a:r>
+            <a:r>
+              <a:rPr lang="en-US" sz="2000" dirty="0" err="1">
+                <a:solidFill>
+                  <a:srgbClr val="002060"/>
+                </a:solidFill>
+                <a:latin typeface="Segoe UI" panose="020B0502040204020203" pitchFamily="34" charset="0"/>
+                <a:cs typeface="Segoe UI" panose="020B0502040204020203" pitchFamily="34" charset="0"/>
+              </a:rPr>
+              <a:t>suatu</a:t>
+            </a:r>
+            <a:r>
+              <a:rPr lang="en-US" sz="2000" dirty="0">
+                <a:solidFill>
+                  <a:srgbClr val="002060"/>
+                </a:solidFill>
+                <a:latin typeface="Segoe UI" panose="020B0502040204020203" pitchFamily="34" charset="0"/>
+                <a:cs typeface="Segoe UI" panose="020B0502040204020203" pitchFamily="34" charset="0"/>
+              </a:rPr>
+              <a:t> </a:t>
+            </a:r>
+            <a:r>
+              <a:rPr lang="en-US" sz="2000" dirty="0" err="1">
+                <a:solidFill>
+                  <a:srgbClr val="002060"/>
+                </a:solidFill>
+                <a:latin typeface="Segoe UI" panose="020B0502040204020203" pitchFamily="34" charset="0"/>
+                <a:cs typeface="Segoe UI" panose="020B0502040204020203" pitchFamily="34" charset="0"/>
+              </a:rPr>
+              <a:t>organisasi</a:t>
+            </a:r>
+            <a:r>
+              <a:rPr lang="en-US" sz="2000" dirty="0">
+                <a:solidFill>
+                  <a:srgbClr val="002060"/>
+                </a:solidFill>
+                <a:latin typeface="Segoe UI" panose="020B0502040204020203" pitchFamily="34" charset="0"/>
+                <a:cs typeface="Segoe UI" panose="020B0502040204020203" pitchFamily="34" charset="0"/>
+              </a:rPr>
+              <a:t> </a:t>
+            </a:r>
+            <a:r>
+              <a:rPr lang="en-US" sz="2000" dirty="0" err="1">
+                <a:solidFill>
+                  <a:srgbClr val="002060"/>
+                </a:solidFill>
+                <a:latin typeface="Segoe UI" panose="020B0502040204020203" pitchFamily="34" charset="0"/>
+                <a:cs typeface="Segoe UI" panose="020B0502040204020203" pitchFamily="34" charset="0"/>
+              </a:rPr>
+              <a:t>atau</a:t>
+            </a:r>
+            <a:r>
+              <a:rPr lang="en-US" sz="2000" dirty="0">
+                <a:solidFill>
+                  <a:srgbClr val="002060"/>
+                </a:solidFill>
+                <a:latin typeface="Segoe UI" panose="020B0502040204020203" pitchFamily="34" charset="0"/>
+                <a:cs typeface="Segoe UI" panose="020B0502040204020203" pitchFamily="34" charset="0"/>
+              </a:rPr>
+              <a:t> </a:t>
+            </a:r>
+            <a:r>
+              <a:rPr lang="en-US" sz="2000" dirty="0" err="1">
+                <a:solidFill>
+                  <a:srgbClr val="002060"/>
+                </a:solidFill>
+                <a:latin typeface="Segoe UI" panose="020B0502040204020203" pitchFamily="34" charset="0"/>
+                <a:cs typeface="Segoe UI" panose="020B0502040204020203" pitchFamily="34" charset="0"/>
+              </a:rPr>
+              <a:t>perusahaan</a:t>
+            </a:r>
+            <a:r>
+              <a:rPr lang="en-US" sz="2000" dirty="0">
+                <a:solidFill>
+                  <a:srgbClr val="002060"/>
+                </a:solidFill>
+                <a:latin typeface="Segoe UI" panose="020B0502040204020203" pitchFamily="34" charset="0"/>
+                <a:cs typeface="Segoe UI" panose="020B0502040204020203" pitchFamily="34" charset="0"/>
+              </a:rPr>
+              <a:t> agar </a:t>
+            </a:r>
+            <a:r>
+              <a:rPr lang="en-US" sz="2000" dirty="0" err="1">
+                <a:solidFill>
+                  <a:srgbClr val="002060"/>
+                </a:solidFill>
+                <a:latin typeface="Segoe UI" panose="020B0502040204020203" pitchFamily="34" charset="0"/>
+                <a:cs typeface="Segoe UI" panose="020B0502040204020203" pitchFamily="34" charset="0"/>
+              </a:rPr>
+              <a:t>tujuan</a:t>
+            </a:r>
+            <a:r>
+              <a:rPr lang="en-US" sz="2000" dirty="0">
+                <a:solidFill>
+                  <a:srgbClr val="002060"/>
+                </a:solidFill>
+                <a:latin typeface="Segoe UI" panose="020B0502040204020203" pitchFamily="34" charset="0"/>
+                <a:cs typeface="Segoe UI" panose="020B0502040204020203" pitchFamily="34" charset="0"/>
+              </a:rPr>
+              <a:t> </a:t>
+            </a:r>
+            <a:r>
+              <a:rPr lang="en-US" sz="2000" dirty="0" err="1">
+                <a:solidFill>
+                  <a:srgbClr val="002060"/>
+                </a:solidFill>
+                <a:latin typeface="Segoe UI" panose="020B0502040204020203" pitchFamily="34" charset="0"/>
+                <a:cs typeface="Segoe UI" panose="020B0502040204020203" pitchFamily="34" charset="0"/>
+              </a:rPr>
+              <a:t>dan</a:t>
+            </a:r>
+            <a:r>
+              <a:rPr lang="en-US" sz="2000" dirty="0">
+                <a:solidFill>
+                  <a:srgbClr val="002060"/>
+                </a:solidFill>
+                <a:latin typeface="Segoe UI" panose="020B0502040204020203" pitchFamily="34" charset="0"/>
+                <a:cs typeface="Segoe UI" panose="020B0502040204020203" pitchFamily="34" charset="0"/>
+              </a:rPr>
+              <a:t> target-</a:t>
+            </a:r>
+            <a:r>
+              <a:rPr lang="en-US" sz="2000" dirty="0" err="1">
+                <a:solidFill>
+                  <a:srgbClr val="002060"/>
+                </a:solidFill>
+                <a:latin typeface="Segoe UI" panose="020B0502040204020203" pitchFamily="34" charset="0"/>
+                <a:cs typeface="Segoe UI" panose="020B0502040204020203" pitchFamily="34" charset="0"/>
+              </a:rPr>
+              <a:t>targetnya</a:t>
+            </a:r>
+            <a:r>
+              <a:rPr lang="en-US" sz="2000" dirty="0">
+                <a:solidFill>
+                  <a:srgbClr val="002060"/>
+                </a:solidFill>
+                <a:latin typeface="Segoe UI" panose="020B0502040204020203" pitchFamily="34" charset="0"/>
+                <a:cs typeface="Segoe UI" panose="020B0502040204020203" pitchFamily="34" charset="0"/>
+              </a:rPr>
+              <a:t> </a:t>
+            </a:r>
+            <a:r>
+              <a:rPr lang="en-US" sz="2000" dirty="0" err="1">
+                <a:solidFill>
+                  <a:srgbClr val="002060"/>
+                </a:solidFill>
+                <a:latin typeface="Segoe UI" panose="020B0502040204020203" pitchFamily="34" charset="0"/>
+                <a:cs typeface="Segoe UI" panose="020B0502040204020203" pitchFamily="34" charset="0"/>
+              </a:rPr>
+              <a:t>bisa</a:t>
+            </a:r>
+            <a:r>
+              <a:rPr lang="en-US" sz="2000" dirty="0">
+                <a:solidFill>
+                  <a:srgbClr val="002060"/>
+                </a:solidFill>
+                <a:latin typeface="Segoe UI" panose="020B0502040204020203" pitchFamily="34" charset="0"/>
+                <a:cs typeface="Segoe UI" panose="020B0502040204020203" pitchFamily="34" charset="0"/>
+              </a:rPr>
+              <a:t> </a:t>
+            </a:r>
+            <a:r>
+              <a:rPr lang="en-US" sz="2000" dirty="0" err="1">
+                <a:solidFill>
+                  <a:srgbClr val="002060"/>
+                </a:solidFill>
+                <a:latin typeface="Segoe UI" panose="020B0502040204020203" pitchFamily="34" charset="0"/>
+                <a:cs typeface="Segoe UI" panose="020B0502040204020203" pitchFamily="34" charset="0"/>
+              </a:rPr>
+              <a:t>tercapai</a:t>
+            </a:r>
+            <a:r>
+              <a:rPr lang="en-US" sz="2000" dirty="0">
+                <a:solidFill>
+                  <a:srgbClr val="002060"/>
+                </a:solidFill>
+                <a:latin typeface="Segoe UI" panose="020B0502040204020203" pitchFamily="34" charset="0"/>
+                <a:cs typeface="Segoe UI" panose="020B0502040204020203" pitchFamily="34" charset="0"/>
+              </a:rPr>
+              <a:t> </a:t>
+            </a:r>
+            <a:r>
+              <a:rPr lang="en-US" sz="2000" dirty="0" err="1">
+                <a:solidFill>
+                  <a:srgbClr val="002060"/>
+                </a:solidFill>
+                <a:latin typeface="Segoe UI" panose="020B0502040204020203" pitchFamily="34" charset="0"/>
+                <a:cs typeface="Segoe UI" panose="020B0502040204020203" pitchFamily="34" charset="0"/>
+              </a:rPr>
+              <a:t>dengan</a:t>
+            </a:r>
+            <a:r>
+              <a:rPr lang="en-US" sz="2000" dirty="0">
+                <a:solidFill>
+                  <a:srgbClr val="002060"/>
+                </a:solidFill>
+                <a:latin typeface="Segoe UI" panose="020B0502040204020203" pitchFamily="34" charset="0"/>
+                <a:cs typeface="Segoe UI" panose="020B0502040204020203" pitchFamily="34" charset="0"/>
+              </a:rPr>
+              <a:t> </a:t>
+            </a:r>
+            <a:r>
+              <a:rPr lang="en-US" sz="2000" dirty="0" err="1">
+                <a:solidFill>
+                  <a:srgbClr val="002060"/>
+                </a:solidFill>
+                <a:latin typeface="Segoe UI" panose="020B0502040204020203" pitchFamily="34" charset="0"/>
+                <a:cs typeface="Segoe UI" panose="020B0502040204020203" pitchFamily="34" charset="0"/>
+              </a:rPr>
+              <a:t>baik</a:t>
+            </a:r>
+            <a:r>
+              <a:rPr lang="en-US" sz="2000" dirty="0">
+                <a:solidFill>
+                  <a:srgbClr val="002060"/>
+                </a:solidFill>
+                <a:latin typeface="Segoe UI" panose="020B0502040204020203" pitchFamily="34" charset="0"/>
+                <a:cs typeface="Segoe UI" panose="020B0502040204020203" pitchFamily="34" charset="0"/>
+              </a:rPr>
+              <a:t>.</a:t>
+            </a:r>
+          </a:p>
+          <a:p>
+            <a:endParaRPr lang="en-US" sz="2000" dirty="0">
+              <a:latin typeface="Segoe UI" panose="020B0502040204020203" pitchFamily="34" charset="0"/>
+              <a:cs typeface="Segoe UI" panose="020B0502040204020203" pitchFamily="34" charset="0"/>
+            </a:endParaRPr>
+          </a:p>
+          <a:p>
+            <a:r>
+              <a:rPr lang="en-US" sz="2000" dirty="0" err="1">
                 <a:latin typeface="Segoe UI" panose="020B0502040204020203" pitchFamily="34" charset="0"/>
                 <a:cs typeface="Segoe UI" panose="020B0502040204020203" pitchFamily="34" charset="0"/>
               </a:rPr>
               <a:t>Aktifitas</a:t>
             </a:r>
             <a:r>
-              <a:rPr lang="en-US" sz="2000" dirty="0" smtClean="0">
+              <a:rPr lang="en-US" sz="2000" dirty="0">
                 <a:latin typeface="Segoe UI" panose="020B0502040204020203" pitchFamily="34" charset="0"/>
                 <a:cs typeface="Segoe UI" panose="020B0502040204020203" pitchFamily="34" charset="0"/>
               </a:rPr>
               <a:t> </a:t>
             </a:r>
             <a:r>
-              <a:rPr lang="en-US" sz="2000" dirty="0" err="1" smtClean="0">
+              <a:rPr lang="en-US" sz="2000" dirty="0" err="1">
                 <a:latin typeface="Segoe UI" panose="020B0502040204020203" pitchFamily="34" charset="0"/>
                 <a:cs typeface="Segoe UI" panose="020B0502040204020203" pitchFamily="34" charset="0"/>
               </a:rPr>
               <a:t>bisnis</a:t>
             </a:r>
             <a:r>
-              <a:rPr lang="en-US" sz="2000" dirty="0" smtClean="0">
+              <a:rPr lang="en-US" sz="2000" dirty="0">
                 <a:latin typeface="Segoe UI" panose="020B0502040204020203" pitchFamily="34" charset="0"/>
                 <a:cs typeface="Segoe UI" panose="020B0502040204020203" pitchFamily="34" charset="0"/>
               </a:rPr>
               <a:t> </a:t>
             </a:r>
             <a:r>
-              <a:rPr lang="en-US" sz="2000" dirty="0" err="1" smtClean="0">
+              <a:rPr lang="en-US" sz="2000" dirty="0" err="1">
                 <a:latin typeface="Segoe UI" panose="020B0502040204020203" pitchFamily="34" charset="0"/>
                 <a:cs typeface="Segoe UI" panose="020B0502040204020203" pitchFamily="34" charset="0"/>
               </a:rPr>
               <a:t>adalah</a:t>
             </a:r>
             <a:r>
-              <a:rPr lang="en-US" sz="2000" dirty="0" smtClean="0">
+              <a:rPr lang="en-US" sz="2000" dirty="0">
                 <a:latin typeface="Segoe UI" panose="020B0502040204020203" pitchFamily="34" charset="0"/>
                 <a:cs typeface="Segoe UI" panose="020B0502040204020203" pitchFamily="34" charset="0"/>
               </a:rPr>
               <a:t> </a:t>
             </a:r>
             <a:r>
-              <a:rPr lang="en-US" sz="2000" dirty="0" err="1" smtClean="0">
+              <a:rPr lang="en-US" sz="2000" dirty="0" err="1">
                 <a:latin typeface="Segoe UI" panose="020B0502040204020203" pitchFamily="34" charset="0"/>
                 <a:cs typeface="Segoe UI" panose="020B0502040204020203" pitchFamily="34" charset="0"/>
               </a:rPr>
               <a:t>aktifitas</a:t>
             </a:r>
             <a:r>
-              <a:rPr lang="en-US" sz="2000" dirty="0" smtClean="0">
+              <a:rPr lang="en-US" sz="2000" dirty="0">
                 <a:latin typeface="Segoe UI" panose="020B0502040204020203" pitchFamily="34" charset="0"/>
                 <a:cs typeface="Segoe UI" panose="020B0502040204020203" pitchFamily="34" charset="0"/>
               </a:rPr>
               <a:t> </a:t>
             </a:r>
             <a:r>
-              <a:rPr lang="en-US" sz="2000" dirty="0" err="1" smtClean="0">
+              <a:rPr lang="en-US" sz="2000" dirty="0" err="1">
                 <a:latin typeface="Segoe UI" panose="020B0502040204020203" pitchFamily="34" charset="0"/>
                 <a:cs typeface="Segoe UI" panose="020B0502040204020203" pitchFamily="34" charset="0"/>
               </a:rPr>
               <a:t>mengubah</a:t>
             </a:r>
             <a:r>
-              <a:rPr lang="en-US" sz="2000" dirty="0" smtClean="0">
+              <a:rPr lang="en-US" sz="2000" dirty="0">
                 <a:latin typeface="Segoe UI" panose="020B0502040204020203" pitchFamily="34" charset="0"/>
                 <a:cs typeface="Segoe UI" panose="020B0502040204020203" pitchFamily="34" charset="0"/>
               </a:rPr>
               <a:t> </a:t>
             </a:r>
             <a:r>
-              <a:rPr lang="en-US" sz="2000" dirty="0" smtClean="0">
+              <a:rPr lang="en-US" sz="2000" dirty="0">
                 <a:solidFill>
                   <a:srgbClr val="FF0000"/>
                 </a:solidFill>
@@ -21732,21 +21310,21 @@
               <a:t>input </a:t>
             </a:r>
             <a:r>
-              <a:rPr lang="en-US" sz="2000" dirty="0" err="1" smtClean="0">
+              <a:rPr lang="en-US" sz="2000" dirty="0" err="1">
                 <a:latin typeface="Segoe UI" panose="020B0502040204020203" pitchFamily="34" charset="0"/>
                 <a:cs typeface="Segoe UI" panose="020B0502040204020203" pitchFamily="34" charset="0"/>
               </a:rPr>
               <a:t>menjadi</a:t>
             </a:r>
             <a:r>
-              <a:rPr lang="en-US" sz="2000" dirty="0" smtClean="0">
+              <a:rPr lang="en-US" sz="2000" dirty="0">
                 <a:latin typeface="Segoe UI" panose="020B0502040204020203" pitchFamily="34" charset="0"/>
                 <a:cs typeface="Segoe UI" panose="020B0502040204020203" pitchFamily="34" charset="0"/>
               </a:rPr>
               <a:t> </a:t>
             </a:r>
             <a:r>
-              <a:rPr lang="en-US" sz="2000" dirty="0" smtClean="0">
+              <a:rPr lang="en-US" sz="2000" dirty="0">
                 <a:solidFill>
                   <a:srgbClr val="FF0000"/>
                 </a:solidFill>
@@ -21756,56 +21334,56 @@
               <a:t>output</a:t>
             </a:r>
             <a:r>
-              <a:rPr lang="en-US" sz="2000" dirty="0" smtClean="0">
+              <a:rPr lang="en-US" sz="2000" dirty="0">
                 <a:latin typeface="Segoe UI" panose="020B0502040204020203" pitchFamily="34" charset="0"/>
                 <a:cs typeface="Segoe UI" panose="020B0502040204020203" pitchFamily="34" charset="0"/>
               </a:rPr>
               <a:t> </a:t>
             </a:r>
             <a:r>
-              <a:rPr lang="en-US" sz="2000" dirty="0" err="1" smtClean="0">
+              <a:rPr lang="en-US" sz="2000" dirty="0" err="1">
                 <a:latin typeface="Segoe UI" panose="020B0502040204020203" pitchFamily="34" charset="0"/>
                 <a:cs typeface="Segoe UI" panose="020B0502040204020203" pitchFamily="34" charset="0"/>
               </a:rPr>
               <a:t>dengan</a:t>
             </a:r>
             <a:r>
-              <a:rPr lang="en-US" sz="2000" dirty="0" smtClean="0">
+              <a:rPr lang="en-US" sz="2000" dirty="0">
                 <a:latin typeface="Segoe UI" panose="020B0502040204020203" pitchFamily="34" charset="0"/>
                 <a:cs typeface="Segoe UI" panose="020B0502040204020203" pitchFamily="34" charset="0"/>
               </a:rPr>
               <a:t> </a:t>
             </a:r>
             <a:r>
-              <a:rPr lang="en-US" sz="2000" dirty="0" err="1" smtClean="0">
+              <a:rPr lang="en-US" sz="2000" dirty="0" err="1">
                 <a:latin typeface="Segoe UI" panose="020B0502040204020203" pitchFamily="34" charset="0"/>
                 <a:cs typeface="Segoe UI" panose="020B0502040204020203" pitchFamily="34" charset="0"/>
               </a:rPr>
               <a:t>melakukan</a:t>
             </a:r>
             <a:r>
-              <a:rPr lang="en-US" sz="2000" dirty="0" smtClean="0">
+              <a:rPr lang="en-US" sz="2000" dirty="0">
                 <a:latin typeface="Segoe UI" panose="020B0502040204020203" pitchFamily="34" charset="0"/>
                 <a:cs typeface="Segoe UI" panose="020B0502040204020203" pitchFamily="34" charset="0"/>
               </a:rPr>
               <a:t> </a:t>
             </a:r>
             <a:r>
-              <a:rPr lang="en-US" sz="2000" dirty="0" err="1" smtClean="0">
+              <a:rPr lang="en-US" sz="2000" dirty="0" err="1">
                 <a:latin typeface="Segoe UI" panose="020B0502040204020203" pitchFamily="34" charset="0"/>
                 <a:cs typeface="Segoe UI" panose="020B0502040204020203" pitchFamily="34" charset="0"/>
               </a:rPr>
               <a:t>sesuatu</a:t>
             </a:r>
             <a:r>
-              <a:rPr lang="en-US" sz="2000" dirty="0" smtClean="0">
+              <a:rPr lang="en-US" sz="2000" dirty="0">
                 <a:latin typeface="Segoe UI" panose="020B0502040204020203" pitchFamily="34" charset="0"/>
                 <a:cs typeface="Segoe UI" panose="020B0502040204020203" pitchFamily="34" charset="0"/>
               </a:rPr>
               <a:t> (</a:t>
             </a:r>
             <a:r>
-              <a:rPr lang="en-US" sz="2000" dirty="0" smtClean="0">
+              <a:rPr lang="en-US" sz="2000" dirty="0">
                 <a:solidFill>
                   <a:srgbClr val="FF0000"/>
                 </a:solidFill>
@@ -21815,16 +21393,12 @@
               <a:t>work</a:t>
             </a:r>
             <a:r>
-              <a:rPr lang="en-US" sz="2000" dirty="0" smtClean="0">
+              <a:rPr lang="en-US" sz="2000" dirty="0">
                 <a:latin typeface="Segoe UI" panose="020B0502040204020203" pitchFamily="34" charset="0"/>
                 <a:cs typeface="Segoe UI" panose="020B0502040204020203" pitchFamily="34" charset="0"/>
               </a:rPr>
               <a:t>).</a:t>
             </a:r>
-            <a:endParaRPr lang="en-US" sz="2000" dirty="0" smtClean="0">
-              <a:latin typeface="Segoe UI" panose="020B0502040204020203" pitchFamily="34" charset="0"/>
-              <a:cs typeface="Segoe UI" panose="020B0502040204020203" pitchFamily="34" charset="0"/>
-            </a:endParaRPr>
           </a:p>
         </p:txBody>
       </p:sp>
@@ -21837,7 +21411,7 @@
           <p:nvPr/>
         </p:nvPicPr>
         <p:blipFill>
-          <a:blip r:embed="rId1">
+          <a:blip r:embed="rId2">
             <a:extLst>
               <a:ext uri="{28A0092B-C50C-407E-A947-70E740481C1C}">
                 <a14:useLocalDpi xmlns:a14="http://schemas.microsoft.com/office/drawing/2010/main" val="0"/>
@@ -21905,7 +21479,7 @@
           <a:lstStyle/>
           <a:p>
             <a:r>
-              <a:rPr lang="en-US" sz="2000" b="1" i="1" u="sng" dirty="0" smtClean="0">
+              <a:rPr lang="en-US" sz="2000" b="1" i="1" u="sng" dirty="0">
                 <a:solidFill>
                   <a:srgbClr val="C00000"/>
                 </a:solidFill>
@@ -21915,7 +21489,7 @@
               <a:t>3 </a:t>
             </a:r>
             <a:r>
-              <a:rPr lang="en-US" sz="2000" b="1" i="1" u="sng" dirty="0" err="1" smtClean="0">
+              <a:rPr lang="en-US" sz="2000" b="1" i="1" u="sng" dirty="0" err="1">
                 <a:solidFill>
                   <a:srgbClr val="C00000"/>
                 </a:solidFill>
@@ -21925,7 +21499,7 @@
               <a:t>komponen</a:t>
             </a:r>
             <a:r>
-              <a:rPr lang="en-US" sz="2000" b="1" i="1" u="sng" dirty="0" smtClean="0">
+              <a:rPr lang="en-US" sz="2000" b="1" i="1" u="sng" dirty="0">
                 <a:solidFill>
                   <a:srgbClr val="C00000"/>
                 </a:solidFill>
@@ -21935,7 +21509,7 @@
               <a:t> </a:t>
             </a:r>
             <a:r>
-              <a:rPr lang="en-US" sz="2000" b="1" i="1" u="sng" dirty="0" err="1" smtClean="0">
+              <a:rPr lang="en-US" sz="2000" b="1" i="1" u="sng" dirty="0" err="1">
                 <a:solidFill>
                   <a:srgbClr val="C00000"/>
                 </a:solidFill>
@@ -21945,7 +21519,7 @@
               <a:t>utama</a:t>
             </a:r>
             <a:r>
-              <a:rPr lang="en-US" sz="2000" b="1" i="1" u="sng" dirty="0" smtClean="0">
+              <a:rPr lang="en-US" sz="2000" b="1" i="1" u="sng" dirty="0">
                 <a:solidFill>
                   <a:srgbClr val="C00000"/>
                 </a:solidFill>
@@ -21955,7 +21529,7 @@
               <a:t> </a:t>
             </a:r>
             <a:r>
-              <a:rPr lang="en-US" sz="2000" b="1" i="1" u="sng" dirty="0" err="1" smtClean="0">
+              <a:rPr lang="en-US" sz="2000" b="1" i="1" u="sng" dirty="0" err="1">
                 <a:solidFill>
                   <a:srgbClr val="C00000"/>
                 </a:solidFill>
@@ -21965,7 +21539,7 @@
               <a:t>dalam</a:t>
             </a:r>
             <a:r>
-              <a:rPr lang="en-US" sz="2000" b="1" i="1" u="sng" dirty="0" smtClean="0">
+              <a:rPr lang="en-US" sz="2000" b="1" i="1" u="sng" dirty="0">
                 <a:solidFill>
                   <a:srgbClr val="C00000"/>
                 </a:solidFill>
@@ -21975,7 +21549,7 @@
               <a:t> proses </a:t>
             </a:r>
             <a:r>
-              <a:rPr lang="en-US" sz="2000" b="1" i="1" u="sng" dirty="0" err="1" smtClean="0">
+              <a:rPr lang="en-US" sz="2000" b="1" i="1" u="sng" dirty="0" err="1">
                 <a:solidFill>
                   <a:srgbClr val="C00000"/>
                 </a:solidFill>
@@ -22101,7 +21675,7 @@
           <a:lstStyle/>
           <a:p>
             <a:r>
-              <a:rPr lang="en-US" sz="1600" b="1" dirty="0" smtClean="0">
+              <a:rPr lang="en-US" sz="1600" b="1" dirty="0">
                 <a:solidFill>
                   <a:srgbClr val="002060"/>
                 </a:solidFill>
@@ -22110,13 +21684,6 @@
               </a:rPr>
               <a:t>Business Deliverables</a:t>
             </a:r>
-            <a:endParaRPr lang="en-US" sz="1600" b="1" dirty="0">
-              <a:solidFill>
-                <a:srgbClr val="002060"/>
-              </a:solidFill>
-              <a:latin typeface="Segoe UI" panose="020B0502040204020203" pitchFamily="34" charset="0"/>
-              <a:cs typeface="Segoe UI" panose="020B0502040204020203" pitchFamily="34" charset="0"/>
-            </a:endParaRPr>
           </a:p>
         </p:txBody>
       </p:sp>
@@ -22143,7 +21710,7 @@
           <a:lstStyle/>
           <a:p>
             <a:r>
-              <a:rPr lang="en-US" sz="1600" b="1" dirty="0" smtClean="0">
+              <a:rPr lang="en-US" sz="1600" b="1" dirty="0">
                 <a:solidFill>
                   <a:srgbClr val="002060"/>
                 </a:solidFill>
@@ -22152,13 +21719,6 @@
               </a:rPr>
               <a:t>Business Deliverables</a:t>
             </a:r>
-            <a:endParaRPr lang="en-US" sz="1600" b="1" dirty="0">
-              <a:solidFill>
-                <a:srgbClr val="002060"/>
-              </a:solidFill>
-              <a:latin typeface="Segoe UI" panose="020B0502040204020203" pitchFamily="34" charset="0"/>
-              <a:cs typeface="Segoe UI" panose="020B0502040204020203" pitchFamily="34" charset="0"/>
-            </a:endParaRPr>
           </a:p>
         </p:txBody>
       </p:sp>
@@ -22185,7 +21745,7 @@
           <a:lstStyle/>
           <a:p>
             <a:r>
-              <a:rPr lang="en-US" sz="1600" b="1" dirty="0" smtClean="0">
+              <a:rPr lang="en-US" sz="1600" b="1" dirty="0">
                 <a:solidFill>
                   <a:srgbClr val="002060"/>
                 </a:solidFill>
@@ -22194,13 +21754,6 @@
               </a:rPr>
               <a:t>Business Deliverables</a:t>
             </a:r>
-            <a:endParaRPr lang="en-US" sz="1600" b="1" dirty="0">
-              <a:solidFill>
-                <a:srgbClr val="002060"/>
-              </a:solidFill>
-              <a:latin typeface="Segoe UI" panose="020B0502040204020203" pitchFamily="34" charset="0"/>
-              <a:cs typeface="Segoe UI" panose="020B0502040204020203" pitchFamily="34" charset="0"/>
-            </a:endParaRPr>
           </a:p>
         </p:txBody>
       </p:sp>
@@ -22227,7 +21780,7 @@
           <a:lstStyle/>
           <a:p>
             <a:r>
-              <a:rPr lang="en-US" sz="1600" b="1" dirty="0" smtClean="0">
+              <a:rPr lang="en-US" sz="1600" b="1" dirty="0">
                 <a:solidFill>
                   <a:srgbClr val="002060"/>
                 </a:solidFill>
@@ -22236,13 +21789,6 @@
               </a:rPr>
               <a:t>Business Deliverables</a:t>
             </a:r>
-            <a:endParaRPr lang="en-US" sz="1600" b="1" dirty="0">
-              <a:solidFill>
-                <a:srgbClr val="002060"/>
-              </a:solidFill>
-              <a:latin typeface="Segoe UI" panose="020B0502040204020203" pitchFamily="34" charset="0"/>
-              <a:cs typeface="Segoe UI" panose="020B0502040204020203" pitchFamily="34" charset="0"/>
-            </a:endParaRPr>
           </a:p>
         </p:txBody>
       </p:sp>
@@ -22358,7 +21904,7 @@
           <a:p>
             <a:pPr algn="ctr"/>
             <a:r>
-              <a:rPr lang="en-US" sz="2000" b="1" dirty="0" smtClean="0">
+              <a:rPr lang="en-US" sz="2000" b="1" dirty="0">
                 <a:solidFill>
                   <a:srgbClr val="FF0000"/>
                 </a:solidFill>
@@ -22367,18 +21913,11 @@
               </a:rPr>
               <a:t>Business </a:t>
             </a:r>
-            <a:endParaRPr lang="en-US" sz="2000" b="1" dirty="0" smtClean="0">
-              <a:solidFill>
-                <a:srgbClr val="FF0000"/>
-              </a:solidFill>
-              <a:latin typeface="Segoe UI" panose="020B0502040204020203" pitchFamily="34" charset="0"/>
-              <a:cs typeface="Segoe UI" panose="020B0502040204020203" pitchFamily="34" charset="0"/>
-            </a:endParaRPr>
           </a:p>
           <a:p>
             <a:pPr algn="ctr"/>
             <a:r>
-              <a:rPr lang="en-US" sz="2000" b="1" dirty="0" smtClean="0">
+              <a:rPr lang="en-US" sz="2000" b="1" dirty="0">
                 <a:solidFill>
                   <a:srgbClr val="FF0000"/>
                 </a:solidFill>
@@ -22387,13 +21926,6 @@
               </a:rPr>
               <a:t>Objectives</a:t>
             </a:r>
-            <a:endParaRPr lang="en-US" sz="2000" b="1" dirty="0">
-              <a:solidFill>
-                <a:srgbClr val="FF0000"/>
-              </a:solidFill>
-              <a:latin typeface="Segoe UI" panose="020B0502040204020203" pitchFamily="34" charset="0"/>
-              <a:cs typeface="Segoe UI" panose="020B0502040204020203" pitchFamily="34" charset="0"/>
-            </a:endParaRPr>
           </a:p>
         </p:txBody>
       </p:sp>
@@ -22402,13 +21934,6 @@
   <p:clrMapOvr>
     <a:masterClrMapping/>
   </p:clrMapOvr>
-  <p:timing>
-    <p:tnLst>
-      <p:par>
-        <p:cTn id="1" dur="indefinite" restart="never" nodeType="tmRoot"/>
-      </p:par>
-    </p:tnLst>
-  </p:timing>
 </p:sld>
 </file>
 
@@ -22918,30 +22443,19 @@
           <a:lstStyle/>
           <a:p>
             <a:r>
-              <a:rPr lang="en-US" dirty="0" smtClean="0">
+              <a:rPr lang="en-US" dirty="0">
                 <a:latin typeface="Segoe UI Semibold" panose="020B0702040204020203" pitchFamily="34" charset="0"/>
                 <a:cs typeface="Segoe UI Semibold" panose="020B0702040204020203" pitchFamily="34" charset="0"/>
               </a:rPr>
               <a:t>   </a:t>
             </a:r>
             <a:r>
-              <a:rPr lang="en-US" i="1" dirty="0" smtClean="0">
+              <a:rPr lang="en-US" i="1" dirty="0">
                 <a:latin typeface="Segoe UI Semibold" panose="020B0702040204020203" pitchFamily="34" charset="0"/>
                 <a:cs typeface="Segoe UI Semibold" panose="020B0702040204020203" pitchFamily="34" charset="0"/>
               </a:rPr>
-              <a:t>BUSINESS </a:t>
-            </a:r>
-            <a:r>
-              <a:rPr lang="en-US" i="1" dirty="0" smtClean="0">
-                <a:latin typeface="Segoe UI Semibold" panose="020B0702040204020203" pitchFamily="34" charset="0"/>
-                <a:cs typeface="Segoe UI Semibold" panose="020B0702040204020203" pitchFamily="34" charset="0"/>
-              </a:rPr>
-              <a:t>PROCESS</a:t>
-            </a:r>
-            <a:endParaRPr lang="en-US" i="1" dirty="0">
-              <a:latin typeface="Segoe UI Semibold" panose="020B0702040204020203" pitchFamily="34" charset="0"/>
-              <a:cs typeface="Segoe UI Semibold" panose="020B0702040204020203" pitchFamily="34" charset="0"/>
-            </a:endParaRPr>
+              <a:t>BUSINESS PROCESS</a:t>
+            </a:r>
           </a:p>
         </p:txBody>
       </p:sp>
@@ -22968,7 +22482,7 @@
           <a:p>
             <a:pPr algn="l"/>
             <a:r>
-              <a:rPr lang="en-US" b="1" dirty="0" smtClean="0">
+              <a:rPr lang="en-US" b="1" dirty="0">
                 <a:solidFill>
                   <a:schemeClr val="bg1">
                     <a:lumMod val="95000"/>
@@ -22980,7 +22494,7 @@
               <a:t> Proses </a:t>
             </a:r>
             <a:r>
-              <a:rPr lang="en-US" b="1" dirty="0" err="1" smtClean="0">
+              <a:rPr lang="en-US" b="1" dirty="0" err="1">
                 <a:solidFill>
                   <a:schemeClr val="bg1">
                     <a:lumMod val="95000"/>
@@ -23156,16 +22670,12 @@
               </a:spcAft>
             </a:pPr>
             <a:r>
-              <a:rPr lang="en-US" sz="2400" kern="1200" dirty="0" smtClean="0">
+              <a:rPr lang="en-US" sz="2400" kern="1200" dirty="0">
                 <a:latin typeface="+mn-lt"/>
                 <a:cs typeface="Arial" panose="020B0604020202020204" pitchFamily="34" charset="0"/>
               </a:rPr>
               <a:t>Business Process</a:t>
             </a:r>
-            <a:endParaRPr lang="en-US" sz="2400" kern="1200" dirty="0">
-              <a:latin typeface="+mn-lt"/>
-              <a:cs typeface="Arial" panose="020B0604020202020204" pitchFamily="34" charset="0"/>
-            </a:endParaRPr>
           </a:p>
         </p:txBody>
       </p:sp>
@@ -23401,16 +22911,12 @@
               </a:spcAft>
             </a:pPr>
             <a:r>
-              <a:rPr lang="en-US" sz="2400" kern="1200" dirty="0" smtClean="0">
+              <a:rPr lang="en-US" sz="2400" kern="1200" dirty="0">
                 <a:latin typeface="+mn-lt"/>
                 <a:cs typeface="Arial" panose="020B0604020202020204" pitchFamily="34" charset="0"/>
               </a:rPr>
               <a:t>Finance</a:t>
             </a:r>
-            <a:endParaRPr lang="en-US" sz="2400" kern="1200" dirty="0">
-              <a:latin typeface="+mn-lt"/>
-              <a:cs typeface="Arial" panose="020B0604020202020204" pitchFamily="34" charset="0"/>
-            </a:endParaRPr>
           </a:p>
         </p:txBody>
       </p:sp>
@@ -23649,16 +23155,12 @@
               </a:spcAft>
             </a:pPr>
             <a:r>
-              <a:rPr lang="en-US" sz="2400" kern="1200" dirty="0" smtClean="0">
+              <a:rPr lang="en-US" sz="2400" kern="1200" dirty="0">
                 <a:latin typeface="+mn-lt"/>
                 <a:cs typeface="Arial" panose="020B0604020202020204" pitchFamily="34" charset="0"/>
               </a:rPr>
               <a:t>Credit Card Approval</a:t>
             </a:r>
-            <a:endParaRPr lang="en-US" sz="2400" kern="1200" dirty="0">
-              <a:latin typeface="+mn-lt"/>
-              <a:cs typeface="Arial" panose="020B0604020202020204" pitchFamily="34" charset="0"/>
-            </a:endParaRPr>
           </a:p>
         </p:txBody>
       </p:sp>
@@ -23894,16 +23396,12 @@
               </a:spcAft>
             </a:pPr>
             <a:r>
-              <a:rPr lang="en-US" sz="2400" kern="1200" dirty="0" smtClean="0">
+              <a:rPr lang="en-US" sz="2400" kern="1200" dirty="0">
                 <a:latin typeface="+mn-lt"/>
                 <a:cs typeface="Arial" panose="020B0604020202020204" pitchFamily="34" charset="0"/>
               </a:rPr>
               <a:t>Accounting</a:t>
             </a:r>
-            <a:endParaRPr lang="en-US" sz="2400" kern="1200" dirty="0">
-              <a:latin typeface="+mn-lt"/>
-              <a:cs typeface="Arial" panose="020B0604020202020204" pitchFamily="34" charset="0"/>
-            </a:endParaRPr>
           </a:p>
         </p:txBody>
       </p:sp>
@@ -24142,16 +23640,12 @@
               </a:spcAft>
             </a:pPr>
             <a:r>
-              <a:rPr lang="en-US" sz="2400" kern="1200" dirty="0" smtClean="0">
+              <a:rPr lang="en-US" sz="2400" kern="1200" dirty="0">
                 <a:latin typeface="+mn-lt"/>
                 <a:cs typeface="Arial" panose="020B0604020202020204" pitchFamily="34" charset="0"/>
               </a:rPr>
               <a:t>Auditing</a:t>
             </a:r>
-            <a:endParaRPr lang="en-US" sz="2400" kern="1200" dirty="0">
-              <a:latin typeface="+mn-lt"/>
-              <a:cs typeface="Arial" panose="020B0604020202020204" pitchFamily="34" charset="0"/>
-            </a:endParaRPr>
           </a:p>
         </p:txBody>
       </p:sp>
@@ -24387,16 +23881,12 @@
               </a:spcAft>
             </a:pPr>
             <a:r>
-              <a:rPr lang="en-US" sz="2400" kern="1200" dirty="0" smtClean="0">
+              <a:rPr lang="en-US" sz="2400" kern="1200" dirty="0">
                 <a:latin typeface="+mn-lt"/>
                 <a:cs typeface="Arial" panose="020B0604020202020204" pitchFamily="34" charset="0"/>
               </a:rPr>
               <a:t>Human Resource</a:t>
             </a:r>
-            <a:endParaRPr lang="en-US" sz="2400" kern="1200" dirty="0">
-              <a:latin typeface="+mn-lt"/>
-              <a:cs typeface="Arial" panose="020B0604020202020204" pitchFamily="34" charset="0"/>
-            </a:endParaRPr>
           </a:p>
         </p:txBody>
       </p:sp>
@@ -24635,16 +24125,12 @@
               </a:spcAft>
             </a:pPr>
             <a:r>
-              <a:rPr lang="en-US" sz="2400" kern="1200" dirty="0" smtClean="0">
+              <a:rPr lang="en-US" sz="2400" kern="1200" dirty="0">
                 <a:latin typeface="+mn-lt"/>
                 <a:cs typeface="Arial" panose="020B0604020202020204" pitchFamily="34" charset="0"/>
               </a:rPr>
               <a:t>Recruiting &amp; Hiring </a:t>
             </a:r>
-            <a:endParaRPr lang="en-US" sz="2400" kern="1200" dirty="0">
-              <a:latin typeface="+mn-lt"/>
-              <a:cs typeface="Arial" panose="020B0604020202020204" pitchFamily="34" charset="0"/>
-            </a:endParaRPr>
           </a:p>
         </p:txBody>
       </p:sp>
@@ -24880,16 +24366,12 @@
               </a:spcAft>
             </a:pPr>
             <a:r>
-              <a:rPr lang="en-US" sz="2400" kern="1200" dirty="0" smtClean="0">
+              <a:rPr lang="en-US" sz="2400" kern="1200" dirty="0">
                 <a:latin typeface="+mn-lt"/>
                 <a:cs typeface="Arial" panose="020B0604020202020204" pitchFamily="34" charset="0"/>
               </a:rPr>
               <a:t>Information Technology</a:t>
             </a:r>
-            <a:endParaRPr lang="en-US" sz="2400" kern="1200" dirty="0">
-              <a:latin typeface="+mn-lt"/>
-              <a:cs typeface="Arial" panose="020B0604020202020204" pitchFamily="34" charset="0"/>
-            </a:endParaRPr>
           </a:p>
         </p:txBody>
       </p:sp>
@@ -25128,16 +24610,12 @@
               </a:spcAft>
             </a:pPr>
             <a:r>
-              <a:rPr lang="en-US" sz="2400" kern="1200" dirty="0" smtClean="0">
+              <a:rPr lang="en-US" sz="2400" kern="1200" dirty="0">
                 <a:latin typeface="+mn-lt"/>
                 <a:cs typeface="Arial" panose="020B0604020202020204" pitchFamily="34" charset="0"/>
               </a:rPr>
               <a:t>Data Analytics</a:t>
             </a:r>
-            <a:endParaRPr lang="en-US" sz="2400" kern="1200" dirty="0">
-              <a:latin typeface="+mn-lt"/>
-              <a:cs typeface="Arial" panose="020B0604020202020204" pitchFamily="34" charset="0"/>
-            </a:endParaRPr>
           </a:p>
         </p:txBody>
       </p:sp>
@@ -25146,13 +24624,6 @@
   <p:clrMapOvr>
     <a:masterClrMapping/>
   </p:clrMapOvr>
-  <p:timing>
-    <p:tnLst>
-      <p:par>
-        <p:cTn id="1" dur="indefinite" restart="never" nodeType="tmRoot"/>
-      </p:par>
-    </p:tnLst>
-  </p:timing>
 </p:sld>
 </file>
 
@@ -25662,30 +25133,19 @@
           <a:lstStyle/>
           <a:p>
             <a:r>
-              <a:rPr lang="en-US" dirty="0" smtClean="0">
+              <a:rPr lang="en-US" dirty="0">
                 <a:latin typeface="Segoe UI Semibold" panose="020B0702040204020203" pitchFamily="34" charset="0"/>
                 <a:cs typeface="Segoe UI Semibold" panose="020B0702040204020203" pitchFamily="34" charset="0"/>
               </a:rPr>
               <a:t>   </a:t>
             </a:r>
             <a:r>
-              <a:rPr lang="en-US" i="1" dirty="0" smtClean="0">
+              <a:rPr lang="en-US" i="1" dirty="0">
                 <a:latin typeface="Segoe UI Semibold" panose="020B0702040204020203" pitchFamily="34" charset="0"/>
                 <a:cs typeface="Segoe UI Semibold" panose="020B0702040204020203" pitchFamily="34" charset="0"/>
               </a:rPr>
-              <a:t>BUSINESS </a:t>
-            </a:r>
-            <a:r>
-              <a:rPr lang="en-US" i="1" dirty="0" smtClean="0">
-                <a:latin typeface="Segoe UI Semibold" panose="020B0702040204020203" pitchFamily="34" charset="0"/>
-                <a:cs typeface="Segoe UI Semibold" panose="020B0702040204020203" pitchFamily="34" charset="0"/>
-              </a:rPr>
-              <a:t>PROCESS</a:t>
-            </a:r>
-            <a:endParaRPr lang="en-US" i="1" dirty="0">
-              <a:latin typeface="Segoe UI Semibold" panose="020B0702040204020203" pitchFamily="34" charset="0"/>
-              <a:cs typeface="Segoe UI Semibold" panose="020B0702040204020203" pitchFamily="34" charset="0"/>
-            </a:endParaRPr>
+              <a:t>BUSINESS PROCESS</a:t>
+            </a:r>
           </a:p>
         </p:txBody>
       </p:sp>
@@ -25712,7 +25172,7 @@
           <a:p>
             <a:pPr algn="l"/>
             <a:r>
-              <a:rPr lang="en-US" b="1" dirty="0" smtClean="0">
+              <a:rPr lang="en-US" b="1" dirty="0">
                 <a:solidFill>
                   <a:schemeClr val="bg1">
                     <a:lumMod val="95000"/>
@@ -25724,7 +25184,7 @@
               <a:t> Proses </a:t>
             </a:r>
             <a:r>
-              <a:rPr lang="en-US" b="1" dirty="0" err="1" smtClean="0">
+              <a:rPr lang="en-US" b="1" dirty="0" err="1">
                 <a:solidFill>
                   <a:schemeClr val="bg1">
                     <a:lumMod val="95000"/>
@@ -25900,16 +25360,12 @@
               </a:spcAft>
             </a:pPr>
             <a:r>
-              <a:rPr lang="en-US" sz="2300" kern="1200" dirty="0" smtClean="0">
+              <a:rPr lang="en-US" sz="2300" kern="1200" dirty="0">
                 <a:latin typeface="Segoe UI" panose="020B0502040204020203" pitchFamily="34" charset="0"/>
                 <a:cs typeface="Segoe UI" panose="020B0502040204020203" pitchFamily="34" charset="0"/>
               </a:rPr>
               <a:t>Process</a:t>
             </a:r>
-            <a:endParaRPr lang="en-US" sz="2300" kern="1200" dirty="0">
-              <a:latin typeface="Segoe UI" panose="020B0502040204020203" pitchFamily="34" charset="0"/>
-              <a:cs typeface="Segoe UI" panose="020B0502040204020203" pitchFamily="34" charset="0"/>
-            </a:endParaRPr>
           </a:p>
         </p:txBody>
       </p:sp>
@@ -26066,16 +25522,12 @@
               </a:spcAft>
             </a:pPr>
             <a:r>
-              <a:rPr lang="en-US" sz="2300" kern="1200" dirty="0" smtClean="0">
+              <a:rPr lang="en-US" sz="2300" kern="1200" dirty="0">
                 <a:latin typeface="Segoe UI" panose="020B0502040204020203" pitchFamily="34" charset="0"/>
                 <a:cs typeface="Segoe UI" panose="020B0502040204020203" pitchFamily="34" charset="0"/>
               </a:rPr>
               <a:t>Formal</a:t>
             </a:r>
-            <a:endParaRPr lang="en-US" sz="2300" kern="1200" dirty="0">
-              <a:latin typeface="Segoe UI" panose="020B0502040204020203" pitchFamily="34" charset="0"/>
-              <a:cs typeface="Segoe UI" panose="020B0502040204020203" pitchFamily="34" charset="0"/>
-            </a:endParaRPr>
           </a:p>
         </p:txBody>
       </p:sp>
@@ -26311,16 +25763,12 @@
               </a:spcAft>
             </a:pPr>
             <a:r>
-              <a:rPr lang="en-US" sz="2000" kern="1200" dirty="0" smtClean="0">
+              <a:rPr lang="en-US" sz="2000" kern="1200" dirty="0">
                 <a:latin typeface="Segoe UI" panose="020B0502040204020203" pitchFamily="34" charset="0"/>
                 <a:cs typeface="Segoe UI" panose="020B0502040204020203" pitchFamily="34" charset="0"/>
               </a:rPr>
               <a:t>Standard Operating Procedures (SOP)</a:t>
             </a:r>
-            <a:endParaRPr lang="en-US" sz="2000" kern="1200" dirty="0">
-              <a:latin typeface="Segoe UI" panose="020B0502040204020203" pitchFamily="34" charset="0"/>
-              <a:cs typeface="Segoe UI" panose="020B0502040204020203" pitchFamily="34" charset="0"/>
-            </a:endParaRPr>
           </a:p>
         </p:txBody>
       </p:sp>
@@ -26477,16 +25925,12 @@
               </a:spcAft>
             </a:pPr>
             <a:r>
-              <a:rPr lang="en-US" sz="2300" kern="1200" dirty="0" smtClean="0">
+              <a:rPr lang="en-US" sz="2300" kern="1200" dirty="0">
                 <a:latin typeface="Segoe UI" panose="020B0502040204020203" pitchFamily="34" charset="0"/>
                 <a:cs typeface="Segoe UI" panose="020B0502040204020203" pitchFamily="34" charset="0"/>
               </a:rPr>
               <a:t>Informal</a:t>
             </a:r>
-            <a:endParaRPr lang="en-US" sz="2300" kern="1200" dirty="0">
-              <a:latin typeface="Segoe UI" panose="020B0502040204020203" pitchFamily="34" charset="0"/>
-              <a:cs typeface="Segoe UI" panose="020B0502040204020203" pitchFamily="34" charset="0"/>
-            </a:endParaRPr>
           </a:p>
         </p:txBody>
       </p:sp>
@@ -26519,10 +25963,6 @@
               </a:rPr>
               <a:t>Documented and </a:t>
             </a:r>
-            <a:endParaRPr lang="en-US" sz="2000" dirty="0">
-              <a:latin typeface="Segoe UI" panose="020B0502040204020203" pitchFamily="34" charset="0"/>
-              <a:cs typeface="Segoe UI" panose="020B0502040204020203" pitchFamily="34" charset="0"/>
-            </a:endParaRPr>
           </a:p>
           <a:p>
             <a:r>
@@ -26532,10 +25972,6 @@
               </a:rPr>
               <a:t>well-established steps</a:t>
             </a:r>
-            <a:endParaRPr lang="en-US" sz="2000" dirty="0">
-              <a:latin typeface="Segoe UI" panose="020B0502040204020203" pitchFamily="34" charset="0"/>
-              <a:cs typeface="Segoe UI" panose="020B0502040204020203" pitchFamily="34" charset="0"/>
-            </a:endParaRPr>
           </a:p>
         </p:txBody>
       </p:sp>
@@ -26568,10 +26004,6 @@
               </a:rPr>
               <a:t>Undocumented steps</a:t>
             </a:r>
-            <a:endParaRPr lang="en-US" dirty="0">
-              <a:latin typeface="Segoe UI" panose="020B0502040204020203" pitchFamily="34" charset="0"/>
-              <a:cs typeface="Segoe UI" panose="020B0502040204020203" pitchFamily="34" charset="0"/>
-            </a:endParaRPr>
           </a:p>
         </p:txBody>
       </p:sp>
@@ -26597,18 +26029,11 @@
           <a:lstStyle/>
           <a:p>
             <a:r>
-              <a:rPr lang="en-US" sz="2000" dirty="0" smtClean="0">
-                <a:latin typeface="Segoe UI" panose="020B0502040204020203" pitchFamily="34" charset="0"/>
-                <a:cs typeface="Segoe UI" panose="020B0502040204020203" pitchFamily="34" charset="0"/>
-              </a:rPr>
-              <a:t>SOP </a:t>
-            </a:r>
-            <a:r>
               <a:rPr lang="en-US" sz="2000" dirty="0">
                 <a:latin typeface="Segoe UI" panose="020B0502040204020203" pitchFamily="34" charset="0"/>
                 <a:cs typeface="Segoe UI" panose="020B0502040204020203" pitchFamily="34" charset="0"/>
               </a:rPr>
-              <a:t>is a well-defined and documented way of doing something. </a:t>
+              <a:t>SOP is a well-defined and documented way of doing something. </a:t>
             </a:r>
             <a:br>
               <a:rPr lang="en-US" sz="2000" dirty="0">
@@ -26688,13 +26113,6 @@
   <p:clrMapOvr>
     <a:masterClrMapping/>
   </p:clrMapOvr>
-  <p:timing>
-    <p:tnLst>
-      <p:par>
-        <p:cTn id="1" dur="indefinite" restart="never" nodeType="tmRoot"/>
-      </p:par>
-    </p:tnLst>
-  </p:timing>
 </p:sld>
 </file>
 
@@ -27204,30 +26622,19 @@
           <a:lstStyle/>
           <a:p>
             <a:r>
-              <a:rPr lang="en-US" dirty="0" smtClean="0">
+              <a:rPr lang="en-US" dirty="0">
                 <a:latin typeface="Segoe UI Semibold" panose="020B0702040204020203" pitchFamily="34" charset="0"/>
                 <a:cs typeface="Segoe UI Semibold" panose="020B0702040204020203" pitchFamily="34" charset="0"/>
               </a:rPr>
               <a:t>   </a:t>
             </a:r>
             <a:r>
-              <a:rPr lang="en-US" i="1" dirty="0" smtClean="0">
+              <a:rPr lang="en-US" i="1" dirty="0">
                 <a:latin typeface="Segoe UI Semibold" panose="020B0702040204020203" pitchFamily="34" charset="0"/>
                 <a:cs typeface="Segoe UI Semibold" panose="020B0702040204020203" pitchFamily="34" charset="0"/>
               </a:rPr>
-              <a:t>BUSINESS </a:t>
-            </a:r>
-            <a:r>
-              <a:rPr lang="en-US" i="1" dirty="0" smtClean="0">
-                <a:latin typeface="Segoe UI Semibold" panose="020B0702040204020203" pitchFamily="34" charset="0"/>
-                <a:cs typeface="Segoe UI Semibold" panose="020B0702040204020203" pitchFamily="34" charset="0"/>
-              </a:rPr>
-              <a:t>PROCESS Management</a:t>
-            </a:r>
-            <a:endParaRPr lang="en-US" i="1" dirty="0">
-              <a:latin typeface="Segoe UI Semibold" panose="020B0702040204020203" pitchFamily="34" charset="0"/>
-              <a:cs typeface="Segoe UI Semibold" panose="020B0702040204020203" pitchFamily="34" charset="0"/>
-            </a:endParaRPr>
+              <a:t>BUSINESS PROCESS Management</a:t>
+            </a:r>
           </a:p>
         </p:txBody>
       </p:sp>
@@ -27254,7 +26661,7 @@
           <a:p>
             <a:pPr algn="l"/>
             <a:r>
-              <a:rPr lang="en-US" b="1" dirty="0" smtClean="0">
+              <a:rPr lang="en-US" b="1" dirty="0">
                 <a:solidFill>
                   <a:schemeClr val="bg1">
                     <a:lumMod val="95000"/>
@@ -27266,7 +26673,7 @@
               <a:t> </a:t>
             </a:r>
             <a:r>
-              <a:rPr lang="en-US" b="1" dirty="0" err="1" smtClean="0">
+              <a:rPr lang="en-US" b="1" dirty="0" err="1">
                 <a:solidFill>
                   <a:schemeClr val="bg1">
                     <a:lumMod val="95000"/>
@@ -27278,7 +26685,7 @@
               <a:t>Manajemen</a:t>
             </a:r>
             <a:r>
-              <a:rPr lang="en-US" b="1" dirty="0" smtClean="0">
+              <a:rPr lang="en-US" b="1" dirty="0">
                 <a:solidFill>
                   <a:schemeClr val="bg1">
                     <a:lumMod val="95000"/>
@@ -27290,7 +26697,7 @@
               <a:t> Proses </a:t>
             </a:r>
             <a:r>
-              <a:rPr lang="en-US" b="1" dirty="0" err="1" smtClean="0">
+              <a:rPr lang="en-US" b="1" dirty="0" err="1">
                 <a:solidFill>
                   <a:schemeClr val="bg1">
                     <a:lumMod val="95000"/>
@@ -27354,23 +26761,16 @@
               </a:rPr>
               <a:t> </a:t>
             </a:r>
-            <a:endParaRPr lang="en-US" sz="2400" dirty="0" smtClean="0">
-              <a:solidFill>
-                <a:srgbClr val="002060"/>
-              </a:solidFill>
-              <a:latin typeface="Segoe UI" panose="020B0502040204020203" pitchFamily="34" charset="0"/>
-              <a:cs typeface="Segoe UI" panose="020B0502040204020203" pitchFamily="34" charset="0"/>
-            </a:endParaRPr>
           </a:p>
           <a:p>
             <a:r>
-              <a:rPr lang="en-US" sz="2400" dirty="0" smtClean="0">
+              <a:rPr lang="en-US" sz="2400" dirty="0">
                 <a:latin typeface="Segoe UI" panose="020B0502040204020203" pitchFamily="34" charset="0"/>
                 <a:cs typeface="Segoe UI" panose="020B0502040204020203" pitchFamily="34" charset="0"/>
               </a:rPr>
               <a:t>To eliminate the unnecessary, non-value-added processes, then to simplify and automate the remaining processes to significantly reduce cycle time, labor, and costs.</a:t>
             </a:r>
-            <a:endParaRPr lang="en-US" sz="2400" b="1" dirty="0" smtClean="0">
+            <a:endParaRPr lang="en-US" sz="2400" b="1" dirty="0">
               <a:latin typeface="Segoe UI" panose="020B0502040204020203" pitchFamily="34" charset="0"/>
               <a:cs typeface="Segoe UI" panose="020B0502040204020203" pitchFamily="34" charset="0"/>
             </a:endParaRPr>
@@ -27383,66 +26783,24 @@
           </a:p>
           <a:p>
             <a:r>
-              <a:rPr lang="en-US" sz="2400" b="1" dirty="0" smtClean="0">
+              <a:rPr lang="en-US" sz="2400" b="1" dirty="0">
                 <a:solidFill>
                   <a:srgbClr val="002060"/>
                 </a:solidFill>
                 <a:latin typeface="Segoe UI" panose="020B0502040204020203" pitchFamily="34" charset="0"/>
                 <a:cs typeface="Segoe UI" panose="020B0502040204020203" pitchFamily="34" charset="0"/>
               </a:rPr>
-              <a:t>Business Process Management (BPM</a:t>
-            </a:r>
-            <a:r>
-              <a:rPr lang="en-US" sz="2400" b="1" dirty="0" smtClean="0">
-                <a:solidFill>
-                  <a:srgbClr val="002060"/>
-                </a:solidFill>
-                <a:latin typeface="Segoe UI" panose="020B0502040204020203" pitchFamily="34" charset="0"/>
-                <a:cs typeface="Segoe UI" panose="020B0502040204020203" pitchFamily="34" charset="0"/>
-              </a:rPr>
-              <a:t>)</a:t>
-            </a:r>
-            <a:endParaRPr lang="en-US" sz="2400" b="1" dirty="0" smtClean="0">
-              <a:solidFill>
-                <a:srgbClr val="002060"/>
-              </a:solidFill>
-              <a:latin typeface="Segoe UI" panose="020B0502040204020203" pitchFamily="34" charset="0"/>
-              <a:cs typeface="Segoe UI" panose="020B0502040204020203" pitchFamily="34" charset="0"/>
-            </a:endParaRPr>
+              <a:t>Business Process Management (BPM)</a:t>
+            </a:r>
           </a:p>
           <a:p>
             <a:r>
-              <a:rPr lang="en-US" sz="2400" dirty="0" smtClean="0">
-                <a:latin typeface="Segoe UI" panose="020B0502040204020203" pitchFamily="34" charset="0"/>
-                <a:cs typeface="Segoe UI" panose="020B0502040204020203" pitchFamily="34" charset="0"/>
-              </a:rPr>
-              <a:t>To </a:t>
-            </a:r>
-            <a:r>
               <a:rPr lang="en-US" sz="2400" dirty="0">
                 <a:latin typeface="Segoe UI" panose="020B0502040204020203" pitchFamily="34" charset="0"/>
                 <a:cs typeface="Segoe UI" panose="020B0502040204020203" pitchFamily="34" charset="0"/>
               </a:rPr>
-              <a:t>help enterprises become more </a:t>
-            </a:r>
-            <a:r>
-              <a:rPr lang="en-US" sz="2400" dirty="0" smtClean="0">
-                <a:latin typeface="Segoe UI" panose="020B0502040204020203" pitchFamily="34" charset="0"/>
-                <a:cs typeface="Segoe UI" panose="020B0502040204020203" pitchFamily="34" charset="0"/>
-              </a:rPr>
-              <a:t>agile and </a:t>
-            </a:r>
-            <a:r>
-              <a:rPr lang="en-US" sz="2400" dirty="0">
-                <a:latin typeface="Segoe UI" panose="020B0502040204020203" pitchFamily="34" charset="0"/>
-                <a:cs typeface="Segoe UI" panose="020B0502040204020203" pitchFamily="34" charset="0"/>
-              </a:rPr>
-              <a:t>effective by enabling them to better understand, manage, and adapt their business processes. </a:t>
-            </a:r>
-            <a:endParaRPr lang="en-US" sz="2400" dirty="0" smtClean="0">
-              <a:latin typeface="Segoe UI" panose="020B0502040204020203" pitchFamily="34" charset="0"/>
-              <a:cs typeface="Segoe UI" panose="020B0502040204020203" pitchFamily="34" charset="0"/>
-            </a:endParaRPr>
+              <a:t>To help enterprises become more agile and effective by enabling them to better understand, manage, and adapt their business processes. </a:t>
+            </a:r>
           </a:p>
           <a:p>
             <a:endParaRPr lang="en-US" sz="2400" dirty="0">
@@ -27452,7 +26810,7 @@
           </a:p>
           <a:p>
             <a:r>
-              <a:rPr lang="en-US" sz="2400" b="1" dirty="0" smtClean="0">
+              <a:rPr lang="en-US" sz="2400" b="1" dirty="0">
                 <a:solidFill>
                   <a:srgbClr val="C00000"/>
                 </a:solidFill>
@@ -27462,7 +26820,7 @@
               <a:t>BPM </a:t>
             </a:r>
             <a:r>
-              <a:rPr lang="en-US" sz="2400" b="1" dirty="0" smtClean="0">
+              <a:rPr lang="en-US" sz="2400" b="1" dirty="0">
                 <a:solidFill>
                   <a:srgbClr val="C00000"/>
                 </a:solidFill>
@@ -27472,14 +26830,6 @@
               </a:rPr>
               <a:t> how to optimize the process.</a:t>
             </a:r>
-            <a:endParaRPr lang="en-US" sz="2400" b="1" dirty="0" smtClean="0">
-              <a:solidFill>
-                <a:srgbClr val="C00000"/>
-              </a:solidFill>
-              <a:latin typeface="Segoe UI" panose="020B0502040204020203" pitchFamily="34" charset="0"/>
-              <a:cs typeface="Segoe UI" panose="020B0502040204020203" pitchFamily="34" charset="0"/>
-              <a:sym typeface="Wingdings" panose="05000000000000000000" pitchFamily="2" charset="2"/>
-            </a:endParaRPr>
           </a:p>
           <a:p>
             <a:endParaRPr lang="en-US" sz="2400" dirty="0">
@@ -27490,22 +26840,17 @@
           </a:p>
           <a:p>
             <a:r>
-              <a:rPr lang="en-US" sz="2400" dirty="0" smtClean="0">
+              <a:rPr lang="en-US" sz="2400" dirty="0">
                 <a:latin typeface="Segoe UI" panose="020B0502040204020203" pitchFamily="34" charset="0"/>
                 <a:cs typeface="Segoe UI" panose="020B0502040204020203" pitchFamily="34" charset="0"/>
                 <a:sym typeface="Wingdings" panose="05000000000000000000" pitchFamily="2" charset="2"/>
               </a:rPr>
               <a:t>Software for BPM is called Enterprise Resource Planning (ERP):</a:t>
             </a:r>
-            <a:endParaRPr lang="en-US" sz="2400" dirty="0" smtClean="0">
-              <a:latin typeface="Segoe UI" panose="020B0502040204020203" pitchFamily="34" charset="0"/>
-              <a:cs typeface="Segoe UI" panose="020B0502040204020203" pitchFamily="34" charset="0"/>
-              <a:sym typeface="Wingdings" panose="05000000000000000000" pitchFamily="2" charset="2"/>
-            </a:endParaRPr>
           </a:p>
           <a:p>
             <a:r>
-              <a:rPr lang="en-US" sz="2400" dirty="0" err="1" smtClean="0">
+              <a:rPr lang="en-US" sz="2400" dirty="0" err="1">
                 <a:latin typeface="Segoe UI" panose="020B0502040204020203" pitchFamily="34" charset="0"/>
                 <a:cs typeface="Segoe UI" panose="020B0502040204020203" pitchFamily="34" charset="0"/>
                 <a:sym typeface="Wingdings" panose="05000000000000000000" pitchFamily="2" charset="2"/>
@@ -27513,7 +26858,7 @@
               <a:t>ERPNext</a:t>
             </a:r>
             <a:r>
-              <a:rPr lang="en-US" sz="2400" dirty="0" smtClean="0">
+              <a:rPr lang="en-US" sz="2400" dirty="0">
                 <a:latin typeface="Segoe UI" panose="020B0502040204020203" pitchFamily="34" charset="0"/>
                 <a:cs typeface="Segoe UI" panose="020B0502040204020203" pitchFamily="34" charset="0"/>
                 <a:sym typeface="Wingdings" panose="05000000000000000000" pitchFamily="2" charset="2"/>
@@ -27521,7 +26866,7 @@
               <a:t>, </a:t>
             </a:r>
             <a:r>
-              <a:rPr lang="en-US" sz="2400" dirty="0" err="1" smtClean="0">
+              <a:rPr lang="en-US" sz="2400" dirty="0" err="1">
                 <a:latin typeface="Segoe UI" panose="020B0502040204020203" pitchFamily="34" charset="0"/>
                 <a:cs typeface="Segoe UI" panose="020B0502040204020203" pitchFamily="34" charset="0"/>
                 <a:sym typeface="Wingdings" panose="05000000000000000000" pitchFamily="2" charset="2"/>
@@ -27529,7 +26874,7 @@
               <a:t>Odoo</a:t>
             </a:r>
             <a:r>
-              <a:rPr lang="en-US" sz="2400" dirty="0" smtClean="0">
+              <a:rPr lang="en-US" sz="2400" dirty="0">
                 <a:latin typeface="Segoe UI" panose="020B0502040204020203" pitchFamily="34" charset="0"/>
                 <a:cs typeface="Segoe UI" panose="020B0502040204020203" pitchFamily="34" charset="0"/>
                 <a:sym typeface="Wingdings" panose="05000000000000000000" pitchFamily="2" charset="2"/>
@@ -27537,7 +26882,7 @@
               <a:t>, </a:t>
             </a:r>
             <a:r>
-              <a:rPr lang="en-US" sz="2400" dirty="0" err="1" smtClean="0">
+              <a:rPr lang="en-US" sz="2400" dirty="0" err="1">
                 <a:latin typeface="Segoe UI" panose="020B0502040204020203" pitchFamily="34" charset="0"/>
                 <a:cs typeface="Segoe UI" panose="020B0502040204020203" pitchFamily="34" charset="0"/>
                 <a:sym typeface="Wingdings" panose="05000000000000000000" pitchFamily="2" charset="2"/>
@@ -27545,7 +26890,7 @@
               <a:t>WebERP</a:t>
             </a:r>
             <a:r>
-              <a:rPr lang="en-US" sz="2400" dirty="0" smtClean="0">
+              <a:rPr lang="en-US" sz="2400" dirty="0">
                 <a:latin typeface="Segoe UI" panose="020B0502040204020203" pitchFamily="34" charset="0"/>
                 <a:cs typeface="Segoe UI" panose="020B0502040204020203" pitchFamily="34" charset="0"/>
                 <a:sym typeface="Wingdings" panose="05000000000000000000" pitchFamily="2" charset="2"/>
@@ -27553,7 +26898,7 @@
               <a:t>, </a:t>
             </a:r>
             <a:r>
-              <a:rPr lang="en-US" sz="2400" dirty="0" err="1" smtClean="0">
+              <a:rPr lang="en-US" sz="2400" dirty="0" err="1">
                 <a:latin typeface="Segoe UI" panose="020B0502040204020203" pitchFamily="34" charset="0"/>
                 <a:cs typeface="Segoe UI" panose="020B0502040204020203" pitchFamily="34" charset="0"/>
                 <a:sym typeface="Wingdings" panose="05000000000000000000" pitchFamily="2" charset="2"/>
@@ -27572,13 +26917,6 @@
   <p:clrMapOvr>
     <a:masterClrMapping/>
   </p:clrMapOvr>
-  <p:timing>
-    <p:tnLst>
-      <p:par>
-        <p:cTn id="1" dur="indefinite" restart="never" nodeType="tmRoot"/>
-      </p:par>
-    </p:tnLst>
-  </p:timing>
 </p:sld>
 </file>
 
@@ -27862,6 +27200,8 @@
       </a:bgFillStyleLst>
     </a:fmtScheme>
   </a:themeElements>
+  <a:objectDefaults/>
+  <a:extraClrSchemeLst/>
   <a:extLst>
     <a:ext uri="{05A4C25C-085E-4340-85A3-A5531E510DB2}">
       <thm15:themeFamily xmlns:thm15="http://schemas.microsoft.com/office/thememl/2012/main" name="Office Theme" id="{62F939B6-93AF-4DB8-9C6B-D6C7DFDC589F}" vid="{4A3C46E8-61CC-4603-A589-7422A47A8E4A}"/>
@@ -28150,6 +27490,8 @@
       </a:bgFillStyleLst>
     </a:fmtScheme>
   </a:themeElements>
+  <a:objectDefaults/>
+  <a:extraClrSchemeLst/>
   <a:extLst>
     <a:ext uri="{05A4C25C-085E-4340-85A3-A5531E510DB2}">
       <thm15:themeFamily xmlns:thm15="http://schemas.microsoft.com/office/thememl/2012/main" name="Office Theme" id="{62F939B6-93AF-4DB8-9C6B-D6C7DFDC589F}" vid="{4A3C46E8-61CC-4603-A589-7422A47A8E4A}"/>
